--- a/presentacion_chollos.pptx
+++ b/presentacion_chollos.pptx
@@ -8,13 +8,24 @@
     <p:sldId id="256" r:id="rId2"/>
     <p:sldId id="257" r:id="rId3"/>
     <p:sldId id="258" r:id="rId4"/>
-    <p:sldId id="259" r:id="rId5"/>
-    <p:sldId id="260" r:id="rId6"/>
-    <p:sldId id="261" r:id="rId7"/>
-    <p:sldId id="262" r:id="rId8"/>
-    <p:sldId id="263" r:id="rId9"/>
-    <p:sldId id="264" r:id="rId10"/>
-    <p:sldId id="265" r:id="rId11"/>
+    <p:sldId id="266" r:id="rId5"/>
+    <p:sldId id="267" r:id="rId6"/>
+    <p:sldId id="268" r:id="rId7"/>
+    <p:sldId id="270" r:id="rId8"/>
+    <p:sldId id="269" r:id="rId9"/>
+    <p:sldId id="271" r:id="rId10"/>
+    <p:sldId id="273" r:id="rId11"/>
+    <p:sldId id="274" r:id="rId12"/>
+    <p:sldId id="261" r:id="rId13"/>
+    <p:sldId id="272" r:id="rId14"/>
+    <p:sldId id="263" r:id="rId15"/>
+    <p:sldId id="275" r:id="rId16"/>
+    <p:sldId id="276" r:id="rId17"/>
+    <p:sldId id="277" r:id="rId18"/>
+    <p:sldId id="278" r:id="rId19"/>
+    <p:sldId id="279" r:id="rId20"/>
+    <p:sldId id="280" r:id="rId21"/>
+    <p:sldId id="265" r:id="rId22"/>
   </p:sldIdLst>
   <p:sldSz cx="9144000" cy="6858000" type="screen4x3"/>
   <p:notesSz cx="6858000" cy="9144000"/>
@@ -311,7 +322,7 @@
           <a:p>
             <a:fld id="{5BCAD085-E8A6-8845-BD4E-CB4CCA059FC4}" type="datetimeFigureOut">
               <a:rPr lang="en-US" smtClean="0"/>
-              <a:t>3/12/2025</a:t>
+              <a:t>3/13/2025</a:t>
             </a:fld>
             <a:endParaRPr lang="en-US"/>
           </a:p>
@@ -479,7 +490,7 @@
           <a:p>
             <a:fld id="{5BCAD085-E8A6-8845-BD4E-CB4CCA059FC4}" type="datetimeFigureOut">
               <a:rPr lang="en-US" smtClean="0"/>
-              <a:t>3/12/2025</a:t>
+              <a:t>3/13/2025</a:t>
             </a:fld>
             <a:endParaRPr lang="en-US"/>
           </a:p>
@@ -657,7 +668,7 @@
           <a:p>
             <a:fld id="{5BCAD085-E8A6-8845-BD4E-CB4CCA059FC4}" type="datetimeFigureOut">
               <a:rPr lang="en-US" smtClean="0"/>
-              <a:t>3/12/2025</a:t>
+              <a:t>3/13/2025</a:t>
             </a:fld>
             <a:endParaRPr lang="en-US"/>
           </a:p>
@@ -825,7 +836,7 @@
           <a:p>
             <a:fld id="{5BCAD085-E8A6-8845-BD4E-CB4CCA059FC4}" type="datetimeFigureOut">
               <a:rPr lang="en-US" smtClean="0"/>
-              <a:t>3/12/2025</a:t>
+              <a:t>3/13/2025</a:t>
             </a:fld>
             <a:endParaRPr lang="en-US"/>
           </a:p>
@@ -1070,7 +1081,7 @@
           <a:p>
             <a:fld id="{5BCAD085-E8A6-8845-BD4E-CB4CCA059FC4}" type="datetimeFigureOut">
               <a:rPr lang="en-US" smtClean="0"/>
-              <a:t>3/12/2025</a:t>
+              <a:t>3/13/2025</a:t>
             </a:fld>
             <a:endParaRPr lang="en-US"/>
           </a:p>
@@ -1355,7 +1366,7 @@
           <a:p>
             <a:fld id="{5BCAD085-E8A6-8845-BD4E-CB4CCA059FC4}" type="datetimeFigureOut">
               <a:rPr lang="en-US" smtClean="0"/>
-              <a:t>3/12/2025</a:t>
+              <a:t>3/13/2025</a:t>
             </a:fld>
             <a:endParaRPr lang="en-US"/>
           </a:p>
@@ -1774,7 +1785,7 @@
           <a:p>
             <a:fld id="{5BCAD085-E8A6-8845-BD4E-CB4CCA059FC4}" type="datetimeFigureOut">
               <a:rPr lang="en-US" smtClean="0"/>
-              <a:t>3/12/2025</a:t>
+              <a:t>3/13/2025</a:t>
             </a:fld>
             <a:endParaRPr lang="en-US"/>
           </a:p>
@@ -1891,7 +1902,7 @@
           <a:p>
             <a:fld id="{5BCAD085-E8A6-8845-BD4E-CB4CCA059FC4}" type="datetimeFigureOut">
               <a:rPr lang="en-US" smtClean="0"/>
-              <a:t>3/12/2025</a:t>
+              <a:t>3/13/2025</a:t>
             </a:fld>
             <a:endParaRPr lang="en-US"/>
           </a:p>
@@ -1986,7 +1997,7 @@
           <a:p>
             <a:fld id="{5BCAD085-E8A6-8845-BD4E-CB4CCA059FC4}" type="datetimeFigureOut">
               <a:rPr lang="en-US" smtClean="0"/>
-              <a:t>3/12/2025</a:t>
+              <a:t>3/13/2025</a:t>
             </a:fld>
             <a:endParaRPr lang="en-US"/>
           </a:p>
@@ -2261,7 +2272,7 @@
           <a:p>
             <a:fld id="{5BCAD085-E8A6-8845-BD4E-CB4CCA059FC4}" type="datetimeFigureOut">
               <a:rPr lang="en-US" smtClean="0"/>
-              <a:t>3/12/2025</a:t>
+              <a:t>3/13/2025</a:t>
             </a:fld>
             <a:endParaRPr lang="en-US"/>
           </a:p>
@@ -2513,7 +2524,7 @@
           <a:p>
             <a:fld id="{5BCAD085-E8A6-8845-BD4E-CB4CCA059FC4}" type="datetimeFigureOut">
               <a:rPr lang="en-US" smtClean="0"/>
-              <a:t>3/12/2025</a:t>
+              <a:t>3/13/2025</a:t>
             </a:fld>
             <a:endParaRPr lang="en-US"/>
           </a:p>
@@ -2724,7 +2735,7 @@
           <a:p>
             <a:fld id="{5BCAD085-E8A6-8845-BD4E-CB4CCA059FC4}" type="datetimeFigureOut">
               <a:rPr lang="en-US" smtClean="0"/>
-              <a:t>3/12/2025</a:t>
+              <a:t>3/13/2025</a:t>
             </a:fld>
             <a:endParaRPr lang="en-US"/>
           </a:p>
@@ -3115,14 +3126,54 @@
           <a:lstStyle/>
           <a:p>
             <a:r>
-              <a:t>Predicción de Chollos en Portátiles</a:t>
-            </a:r>
-          </a:p>
-        </p:txBody>
-      </p:sp>
-      <p:sp>
-        <p:nvSpPr>
-          <p:cNvPr id="3" name="Subtitle 2"/>
+              <a:rPr dirty="0" err="1"/>
+              <a:t>Predicci</a:t>
+            </a:r>
+            <a:r>
+              <a:rPr lang="es-ES" dirty="0" err="1"/>
+              <a:t>ons</a:t>
+            </a:r>
+            <a:r>
+              <a:rPr dirty="0"/>
+              <a:t> de </a:t>
+            </a:r>
+            <a:r>
+              <a:rPr lang="es-ES" dirty="0"/>
+              <a:t>"</a:t>
+            </a:r>
+            <a:r>
+              <a:rPr dirty="0" err="1"/>
+              <a:t>Chollos</a:t>
+            </a:r>
+            <a:r>
+              <a:rPr lang="es-ES" dirty="0"/>
+              <a:t>" </a:t>
+            </a:r>
+            <a:r>
+              <a:rPr dirty="0" err="1"/>
+              <a:t>en</a:t>
+            </a:r>
+            <a:r>
+              <a:rPr dirty="0"/>
+              <a:t> </a:t>
+            </a:r>
+            <a:r>
+              <a:rPr lang="es-ES" dirty="0" err="1"/>
+              <a:t>Portatils</a:t>
+            </a:r>
+            <a:endParaRPr dirty="0"/>
+          </a:p>
+        </p:txBody>
+      </p:sp>
+      <p:sp>
+        <p:nvSpPr>
+          <p:cNvPr id="5" name="Subtítulo 4">
+            <a:extLst>
+              <a:ext uri="{FF2B5EF4-FFF2-40B4-BE49-F238E27FC236}">
+                <a16:creationId xmlns:a16="http://schemas.microsoft.com/office/drawing/2014/main" id="{1C83F887-0050-908E-6FC8-5F89B6461ECB}"/>
+              </a:ext>
+            </a:extLst>
+          </p:cNvPr>
           <p:cNvSpPr>
             <a:spLocks noGrp="1"/>
           </p:cNvSpPr>
@@ -3135,19 +3186,7 @@
           <a:bodyPr/>
           <a:lstStyle/>
           <a:p>
-            <a:r>
-              <a:t>Análisis predictivo mediante web scraping y machine learning</a:t>
-            </a:r>
-          </a:p>
-          <a:p>
-            <a:r>
-              <a:t>Fecha: 12/03/2025</a:t>
-            </a:r>
-          </a:p>
-          <a:p>
-            <a:r>
-              <a:t>[Logos del proyecto/instituto]</a:t>
-            </a:r>
+            <a:endParaRPr lang="es-ES"/>
           </a:p>
         </p:txBody>
       </p:sp>
@@ -3178,7 +3217,13 @@
       </p:grpSpPr>
       <p:sp>
         <p:nvSpPr>
-          <p:cNvPr id="2" name="Title 1"/>
+          <p:cNvPr id="2" name="Título 1">
+            <a:extLst>
+              <a:ext uri="{FF2B5EF4-FFF2-40B4-BE49-F238E27FC236}">
+                <a16:creationId xmlns:a16="http://schemas.microsoft.com/office/drawing/2014/main" id="{1C13DC64-EEAE-D9CB-7ECA-A2D1F97A2692}"/>
+              </a:ext>
+            </a:extLst>
+          </p:cNvPr>
           <p:cNvSpPr>
             <a:spLocks noGrp="1"/>
           </p:cNvSpPr>
@@ -3192,19 +3237,1064 @@
           <a:lstStyle/>
           <a:p>
             <a:r>
-              <a:t>Conclusiones y Trabajo Futuro</a:t>
-            </a:r>
-          </a:p>
-        </p:txBody>
-      </p:sp>
-      <p:sp>
-        <p:nvSpPr>
-          <p:cNvPr id="3" name="Content Placeholder 2"/>
+              <a:rPr lang="es-ES" dirty="0" err="1"/>
+              <a:t>Etiquetatge</a:t>
+            </a:r>
+            <a:endParaRPr lang="es-ES" dirty="0"/>
+          </a:p>
+        </p:txBody>
+      </p:sp>
+      <p:sp>
+        <p:nvSpPr>
+          <p:cNvPr id="3" name="Marcador de contenido 2">
+            <a:extLst>
+              <a:ext uri="{FF2B5EF4-FFF2-40B4-BE49-F238E27FC236}">
+                <a16:creationId xmlns:a16="http://schemas.microsoft.com/office/drawing/2014/main" id="{D8AEB5F8-73A2-6D27-C8A7-4A53AF4E9E15}"/>
+              </a:ext>
+            </a:extLst>
+          </p:cNvPr>
           <p:cNvSpPr>
             <a:spLocks noGrp="1"/>
           </p:cNvSpPr>
           <p:nvPr>
             <p:ph idx="1"/>
+          </p:nvPr>
+        </p:nvSpPr>
+        <p:spPr/>
+        <p:txBody>
+          <a:bodyPr>
+            <a:normAutofit fontScale="92500" lnSpcReduction="10000"/>
+          </a:bodyPr>
+          <a:lstStyle/>
+          <a:p>
+            <a:pPr marL="0" indent="0">
+              <a:buNone/>
+            </a:pPr>
+            <a:r>
+              <a:rPr lang="es-ES" sz="2000" b="1" dirty="0" err="1"/>
+              <a:t>Com</a:t>
+            </a:r>
+            <a:r>
+              <a:rPr lang="es-ES" sz="2000" b="1" dirty="0"/>
+              <a:t> </a:t>
+            </a:r>
+            <a:r>
+              <a:rPr lang="es-ES" sz="2000" b="1" dirty="0" err="1"/>
+              <a:t>s'etiqueten</a:t>
+            </a:r>
+            <a:r>
+              <a:rPr lang="es-ES" sz="2000" b="1" dirty="0"/>
+              <a:t> </a:t>
+            </a:r>
+            <a:r>
+              <a:rPr lang="es-ES" sz="2000" b="1" dirty="0" err="1"/>
+              <a:t>els</a:t>
+            </a:r>
+            <a:r>
+              <a:rPr lang="es-ES" sz="2000" b="1" dirty="0"/>
+              <a:t> </a:t>
+            </a:r>
+            <a:r>
+              <a:rPr lang="es-ES" sz="2000" b="1" dirty="0" err="1"/>
+              <a:t>portàtils</a:t>
+            </a:r>
+            <a:r>
+              <a:rPr lang="es-ES" sz="2000" b="1" dirty="0"/>
+              <a:t>:</a:t>
+            </a:r>
+          </a:p>
+          <a:p>
+            <a:pPr marL="0" indent="0">
+              <a:buNone/>
+            </a:pPr>
+            <a:r>
+              <a:rPr lang="es-ES" sz="2000" dirty="0" err="1"/>
+              <a:t>Basant</a:t>
+            </a:r>
+            <a:r>
+              <a:rPr lang="es-ES" sz="2000" dirty="0"/>
+              <a:t>-se en el </a:t>
+            </a:r>
+            <a:r>
+              <a:rPr lang="es-ES" sz="2000" dirty="0" err="1"/>
+              <a:t>Value_Score</a:t>
+            </a:r>
+            <a:r>
+              <a:rPr lang="es-ES" sz="2000" dirty="0"/>
+              <a:t> (</a:t>
+            </a:r>
+            <a:r>
+              <a:rPr lang="es-ES" sz="2000" dirty="0" err="1"/>
+              <a:t>qualitat</a:t>
+            </a:r>
+            <a:r>
+              <a:rPr lang="es-ES" sz="2000" dirty="0"/>
+              <a:t> dividida </a:t>
+            </a:r>
+            <a:r>
+              <a:rPr lang="es-ES" sz="2000" dirty="0" err="1"/>
+              <a:t>pel</a:t>
+            </a:r>
+            <a:r>
+              <a:rPr lang="es-ES" sz="2000" dirty="0"/>
+              <a:t> preu) </a:t>
+            </a:r>
+          </a:p>
+          <a:p>
+            <a:pPr marL="0" indent="0">
+              <a:buNone/>
+            </a:pPr>
+            <a:endParaRPr lang="es-ES" sz="2000" dirty="0"/>
+          </a:p>
+          <a:p>
+            <a:pPr marL="0" indent="0">
+              <a:buNone/>
+            </a:pPr>
+            <a:endParaRPr lang="es-ES" sz="2000" dirty="0"/>
+          </a:p>
+          <a:p>
+            <a:pPr marL="0" indent="0">
+              <a:buNone/>
+            </a:pPr>
+            <a:endParaRPr lang="es-ES" sz="2000" dirty="0"/>
+          </a:p>
+          <a:p>
+            <a:pPr marL="0" indent="0">
+              <a:buNone/>
+            </a:pPr>
+            <a:endParaRPr lang="es-ES" sz="2000" dirty="0"/>
+          </a:p>
+          <a:p>
+            <a:pPr marL="0" indent="0">
+              <a:buNone/>
+            </a:pPr>
+            <a:r>
+              <a:rPr lang="es-ES" sz="2000" dirty="0" err="1"/>
+              <a:t>Aplicant</a:t>
+            </a:r>
+            <a:r>
+              <a:rPr lang="es-ES" sz="2000" dirty="0"/>
+              <a:t> </a:t>
+            </a:r>
+            <a:r>
+              <a:rPr lang="es-ES" sz="2000" dirty="0" err="1"/>
+              <a:t>correccions</a:t>
+            </a:r>
+            <a:r>
+              <a:rPr lang="es-ES" sz="2000" dirty="0"/>
+              <a:t> </a:t>
+            </a:r>
+            <a:r>
+              <a:rPr lang="es-ES" sz="2000" dirty="0" err="1"/>
+              <a:t>manuals</a:t>
+            </a:r>
+            <a:endParaRPr lang="es-ES" sz="2000" dirty="0"/>
+          </a:p>
+          <a:p>
+            <a:pPr marL="0" indent="0">
+              <a:buNone/>
+            </a:pPr>
+            <a:endParaRPr lang="es-ES" sz="2000" dirty="0"/>
+          </a:p>
+          <a:p>
+            <a:pPr marL="0" indent="0">
+              <a:buNone/>
+            </a:pPr>
+            <a:r>
+              <a:rPr lang="es-ES" sz="2000" dirty="0" err="1"/>
+              <a:t>Elements</a:t>
+            </a:r>
+            <a:r>
+              <a:rPr lang="es-ES" sz="2000" dirty="0"/>
+              <a:t> </a:t>
+            </a:r>
+            <a:r>
+              <a:rPr lang="es-ES" sz="2000" dirty="0" err="1"/>
+              <a:t>valorats</a:t>
+            </a:r>
+            <a:r>
+              <a:rPr lang="es-ES" sz="2000" dirty="0"/>
+              <a:t> </a:t>
+            </a:r>
+            <a:r>
+              <a:rPr lang="es-ES" sz="2000" dirty="0" err="1"/>
+              <a:t>positivament</a:t>
+            </a:r>
+            <a:r>
+              <a:rPr lang="es-ES" sz="2000" dirty="0"/>
+              <a:t>:</a:t>
+            </a:r>
+          </a:p>
+          <a:p>
+            <a:r>
+              <a:rPr lang="es-ES" sz="2000" b="1" dirty="0"/>
+              <a:t>RAM</a:t>
+            </a:r>
+            <a:r>
+              <a:rPr lang="es-ES" sz="2000" dirty="0"/>
+              <a:t> i </a:t>
+            </a:r>
+            <a:r>
+              <a:rPr lang="es-ES" sz="2000" dirty="0" err="1"/>
+              <a:t>emmagatzematge</a:t>
+            </a:r>
+            <a:r>
+              <a:rPr lang="es-ES" sz="2000" dirty="0"/>
+              <a:t> </a:t>
+            </a:r>
+            <a:r>
+              <a:rPr lang="es-ES" sz="2000" dirty="0" err="1"/>
+              <a:t>superiors</a:t>
+            </a:r>
+            <a:r>
+              <a:rPr lang="es-ES" sz="2000" dirty="0"/>
+              <a:t> a la </a:t>
+            </a:r>
+            <a:r>
+              <a:rPr lang="es-ES" sz="2000" dirty="0" err="1"/>
+              <a:t>mitjana</a:t>
+            </a:r>
+            <a:r>
+              <a:rPr lang="es-ES" sz="2000" dirty="0"/>
+              <a:t> del </a:t>
+            </a:r>
+            <a:r>
+              <a:rPr lang="es-ES" sz="2000" dirty="0" err="1"/>
+              <a:t>seu</a:t>
+            </a:r>
+            <a:r>
+              <a:rPr lang="es-ES" sz="2000" dirty="0"/>
+              <a:t> </a:t>
+            </a:r>
+            <a:r>
+              <a:rPr lang="es-ES" sz="2000" dirty="0" err="1"/>
+              <a:t>rang</a:t>
+            </a:r>
+            <a:r>
+              <a:rPr lang="es-ES" sz="2000" dirty="0"/>
+              <a:t> de preu</a:t>
+            </a:r>
+          </a:p>
+          <a:p>
+            <a:r>
+              <a:rPr lang="es-ES" sz="2000" dirty="0" err="1"/>
+              <a:t>Processadors</a:t>
+            </a:r>
+            <a:r>
+              <a:rPr lang="es-ES" sz="2000" dirty="0"/>
+              <a:t> de </a:t>
+            </a:r>
+            <a:r>
+              <a:rPr lang="es-ES" sz="2000" b="1" dirty="0" err="1"/>
+              <a:t>generació</a:t>
+            </a:r>
+            <a:r>
+              <a:rPr lang="es-ES" sz="2000" dirty="0"/>
+              <a:t> </a:t>
+            </a:r>
+            <a:r>
+              <a:rPr lang="es-ES" sz="2000" dirty="0" err="1"/>
+              <a:t>recent</a:t>
+            </a:r>
+            <a:endParaRPr lang="es-ES" sz="2000" dirty="0"/>
+          </a:p>
+          <a:p>
+            <a:r>
+              <a:rPr lang="es-ES" sz="2000" b="1" dirty="0"/>
+              <a:t>DDR5</a:t>
+            </a:r>
+            <a:r>
+              <a:rPr lang="es-ES" sz="2000" dirty="0"/>
+              <a:t> en </a:t>
+            </a:r>
+            <a:r>
+              <a:rPr lang="es-ES" sz="2000" dirty="0" err="1"/>
+              <a:t>lloc</a:t>
+            </a:r>
+            <a:r>
+              <a:rPr lang="es-ES" sz="2000" dirty="0"/>
+              <a:t> de DDR4</a:t>
+            </a:r>
+          </a:p>
+          <a:p>
+            <a:r>
+              <a:rPr lang="es-ES" sz="2000" dirty="0" err="1"/>
+              <a:t>Major</a:t>
+            </a:r>
+            <a:r>
+              <a:rPr lang="es-ES" sz="2000" dirty="0"/>
+              <a:t> </a:t>
+            </a:r>
+            <a:r>
+              <a:rPr lang="es-ES" sz="2000" b="1" dirty="0" err="1"/>
+              <a:t>resolució</a:t>
+            </a:r>
+            <a:r>
+              <a:rPr lang="es-ES" sz="2000" dirty="0"/>
+              <a:t> de pantalla</a:t>
+            </a:r>
+          </a:p>
+          <a:p>
+            <a:r>
+              <a:rPr lang="es-ES" sz="2000" b="1" dirty="0" err="1"/>
+              <a:t>Bateria</a:t>
+            </a:r>
+            <a:r>
+              <a:rPr lang="es-ES" sz="2000" dirty="0"/>
+              <a:t> de </a:t>
+            </a:r>
+            <a:r>
+              <a:rPr lang="es-ES" sz="2000" dirty="0" err="1"/>
+              <a:t>major</a:t>
+            </a:r>
+            <a:r>
+              <a:rPr lang="es-ES" sz="2000" dirty="0"/>
+              <a:t> </a:t>
+            </a:r>
+            <a:r>
+              <a:rPr lang="es-ES" sz="2000" dirty="0" err="1"/>
+              <a:t>capacitat</a:t>
+            </a:r>
+            <a:endParaRPr lang="es-ES" sz="2000" dirty="0"/>
+          </a:p>
+        </p:txBody>
+      </p:sp>
+      <p:pic>
+        <p:nvPicPr>
+          <p:cNvPr id="5" name="Imagen 4">
+            <a:extLst>
+              <a:ext uri="{FF2B5EF4-FFF2-40B4-BE49-F238E27FC236}">
+                <a16:creationId xmlns:a16="http://schemas.microsoft.com/office/drawing/2014/main" id="{E81AD65A-28CC-6D14-FC56-7D07359A1167}"/>
+              </a:ext>
+            </a:extLst>
+          </p:cNvPr>
+          <p:cNvPicPr>
+            <a:picLocks noChangeAspect="1"/>
+          </p:cNvPicPr>
+          <p:nvPr/>
+        </p:nvPicPr>
+        <p:blipFill>
+          <a:blip r:embed="rId2"/>
+          <a:stretch>
+            <a:fillRect/>
+          </a:stretch>
+        </p:blipFill>
+        <p:spPr>
+          <a:xfrm>
+            <a:off x="601490" y="2339891"/>
+            <a:ext cx="2467319" cy="1200318"/>
+          </a:xfrm>
+          <a:prstGeom prst="rect">
+            <a:avLst/>
+          </a:prstGeom>
+        </p:spPr>
+      </p:pic>
+      <p:pic>
+        <p:nvPicPr>
+          <p:cNvPr id="7" name="Imagen 6">
+            <a:extLst>
+              <a:ext uri="{FF2B5EF4-FFF2-40B4-BE49-F238E27FC236}">
+                <a16:creationId xmlns:a16="http://schemas.microsoft.com/office/drawing/2014/main" id="{94F36891-24DF-5B5D-5071-DF9C104569B1}"/>
+              </a:ext>
+            </a:extLst>
+          </p:cNvPr>
+          <p:cNvPicPr>
+            <a:picLocks noChangeAspect="1"/>
+          </p:cNvPicPr>
+          <p:nvPr/>
+        </p:nvPicPr>
+        <p:blipFill>
+          <a:blip r:embed="rId3"/>
+          <a:stretch>
+            <a:fillRect/>
+          </a:stretch>
+        </p:blipFill>
+        <p:spPr>
+          <a:xfrm>
+            <a:off x="3128681" y="2713018"/>
+            <a:ext cx="5202519" cy="356674"/>
+          </a:xfrm>
+          <a:prstGeom prst="rect">
+            <a:avLst/>
+          </a:prstGeom>
+        </p:spPr>
+      </p:pic>
+    </p:spTree>
+    <p:extLst>
+      <p:ext uri="{BB962C8B-B14F-4D97-AF65-F5344CB8AC3E}">
+        <p14:creationId xmlns:p14="http://schemas.microsoft.com/office/powerpoint/2010/main" val="2360033944"/>
+      </p:ext>
+    </p:extLst>
+  </p:cSld>
+  <p:clrMapOvr>
+    <a:masterClrMapping/>
+  </p:clrMapOvr>
+</p:sld>
+</file>
+
+<file path=ppt/slides/slide11.xml><?xml version="1.0" encoding="utf-8"?>
+<p:sld xmlns:a="http://schemas.openxmlformats.org/drawingml/2006/main" xmlns:r="http://schemas.openxmlformats.org/officeDocument/2006/relationships" xmlns:p="http://schemas.openxmlformats.org/presentationml/2006/main">
+  <p:cSld>
+    <p:spTree>
+      <p:nvGrpSpPr>
+        <p:cNvPr id="1" name=""/>
+        <p:cNvGrpSpPr/>
+        <p:nvPr/>
+      </p:nvGrpSpPr>
+      <p:grpSpPr>
+        <a:xfrm>
+          <a:off x="0" y="0"/>
+          <a:ext cx="0" cy="0"/>
+          <a:chOff x="0" y="0"/>
+          <a:chExt cx="0" cy="0"/>
+        </a:xfrm>
+      </p:grpSpPr>
+      <p:sp>
+        <p:nvSpPr>
+          <p:cNvPr id="2" name="Título 1">
+            <a:extLst>
+              <a:ext uri="{FF2B5EF4-FFF2-40B4-BE49-F238E27FC236}">
+                <a16:creationId xmlns:a16="http://schemas.microsoft.com/office/drawing/2014/main" id="{C8BB7BA5-A0A6-F8E4-EAA4-C52D962F3034}"/>
+              </a:ext>
+            </a:extLst>
+          </p:cNvPr>
+          <p:cNvSpPr>
+            <a:spLocks noGrp="1"/>
+          </p:cNvSpPr>
+          <p:nvPr>
+            <p:ph type="title"/>
+          </p:nvPr>
+        </p:nvSpPr>
+        <p:spPr/>
+        <p:txBody>
+          <a:bodyPr>
+            <a:normAutofit fontScale="90000"/>
+          </a:bodyPr>
+          <a:lstStyle/>
+          <a:p>
+            <a:r>
+              <a:rPr lang="it-IT" dirty="0"/>
+              <a:t>Model Etiquetatge</a:t>
+            </a:r>
+            <a:br>
+              <a:rPr lang="it-IT" dirty="0"/>
+            </a:br>
+            <a:r>
+              <a:rPr lang="it-IT" sz="3100" dirty="0"/>
+              <a:t>(Random Forest)</a:t>
+            </a:r>
+            <a:endParaRPr lang="es-ES" dirty="0"/>
+          </a:p>
+        </p:txBody>
+      </p:sp>
+      <p:sp>
+        <p:nvSpPr>
+          <p:cNvPr id="3" name="Marcador de contenido 2">
+            <a:extLst>
+              <a:ext uri="{FF2B5EF4-FFF2-40B4-BE49-F238E27FC236}">
+                <a16:creationId xmlns:a16="http://schemas.microsoft.com/office/drawing/2014/main" id="{609897D7-05C1-AE8D-B608-D3E48ECFB4DD}"/>
+              </a:ext>
+            </a:extLst>
+          </p:cNvPr>
+          <p:cNvSpPr>
+            <a:spLocks noGrp="1"/>
+          </p:cNvSpPr>
+          <p:nvPr>
+            <p:ph idx="1"/>
+          </p:nvPr>
+        </p:nvSpPr>
+        <p:spPr/>
+        <p:txBody>
+          <a:bodyPr>
+            <a:normAutofit fontScale="77500" lnSpcReduction="20000"/>
+          </a:bodyPr>
+          <a:lstStyle/>
+          <a:p>
+            <a:pPr algn="l">
+              <a:buFont typeface="+mj-lt"/>
+              <a:buAutoNum type="arabicPeriod"/>
+            </a:pPr>
+            <a:r>
+              <a:rPr lang="es-ES" b="1" i="0" dirty="0" err="1">
+                <a:effectLst/>
+              </a:rPr>
+              <a:t>Robustesa</a:t>
+            </a:r>
+            <a:r>
+              <a:rPr lang="es-ES" b="1" i="0" dirty="0">
+                <a:effectLst/>
+              </a:rPr>
+              <a:t> </a:t>
+            </a:r>
+            <a:r>
+              <a:rPr lang="es-ES" b="1" i="0" dirty="0" err="1">
+                <a:effectLst/>
+              </a:rPr>
+              <a:t>davant</a:t>
+            </a:r>
+            <a:r>
+              <a:rPr lang="es-ES" b="1" i="0" dirty="0">
+                <a:effectLst/>
+              </a:rPr>
+              <a:t> dades complexes:</a:t>
+            </a:r>
+            <a:r>
+              <a:rPr lang="es-ES" b="0" i="0" dirty="0">
+                <a:effectLst/>
+              </a:rPr>
+              <a:t> El </a:t>
+            </a:r>
+            <a:r>
+              <a:rPr lang="es-ES" b="0" i="0" dirty="0" err="1">
+                <a:effectLst/>
+              </a:rPr>
+              <a:t>model</a:t>
+            </a:r>
+            <a:r>
+              <a:rPr lang="es-ES" b="0" i="0" dirty="0">
+                <a:effectLst/>
+              </a:rPr>
+              <a:t> </a:t>
+            </a:r>
+            <a:r>
+              <a:rPr lang="es-ES" b="0" i="0" dirty="0" err="1">
+                <a:effectLst/>
+              </a:rPr>
+              <a:t>Random</a:t>
+            </a:r>
+            <a:r>
+              <a:rPr lang="es-ES" b="0" i="0" dirty="0">
+                <a:effectLst/>
+              </a:rPr>
+              <a:t> Forest gestiona </a:t>
+            </a:r>
+            <a:r>
+              <a:rPr lang="es-ES" b="0" i="0" dirty="0" err="1">
+                <a:effectLst/>
+              </a:rPr>
+              <a:t>eficaçment</a:t>
+            </a:r>
+            <a:r>
+              <a:rPr lang="es-ES" b="0" i="0" dirty="0">
+                <a:effectLst/>
+              </a:rPr>
+              <a:t> les </a:t>
+            </a:r>
+            <a:r>
+              <a:rPr lang="es-ES" b="0" i="0" dirty="0" err="1">
+                <a:effectLst/>
+              </a:rPr>
+              <a:t>relacions</a:t>
+            </a:r>
+            <a:r>
+              <a:rPr lang="es-ES" b="0" i="0" dirty="0">
+                <a:effectLst/>
+              </a:rPr>
+              <a:t> no </a:t>
+            </a:r>
+            <a:r>
+              <a:rPr lang="es-ES" b="0" i="0" dirty="0" err="1">
+                <a:effectLst/>
+              </a:rPr>
+              <a:t>lineals</a:t>
+            </a:r>
+            <a:r>
+              <a:rPr lang="es-ES" b="0" i="0" dirty="0">
+                <a:effectLst/>
+              </a:rPr>
+              <a:t>.</a:t>
+            </a:r>
+          </a:p>
+          <a:p>
+            <a:pPr algn="l">
+              <a:buFont typeface="+mj-lt"/>
+              <a:buAutoNum type="arabicPeriod"/>
+            </a:pPr>
+            <a:r>
+              <a:rPr lang="es-ES" b="1" i="0" dirty="0" err="1">
+                <a:effectLst/>
+              </a:rPr>
+              <a:t>Gestió</a:t>
+            </a:r>
+            <a:r>
+              <a:rPr lang="es-ES" b="1" i="0" dirty="0">
+                <a:effectLst/>
+              </a:rPr>
+              <a:t> de característiques diverses:</a:t>
+            </a:r>
+            <a:r>
+              <a:rPr lang="es-ES" b="0" i="0" dirty="0">
+                <a:effectLst/>
+              </a:rPr>
+              <a:t> Combina </a:t>
+            </a:r>
+            <a:r>
+              <a:rPr lang="es-ES" b="0" i="0" dirty="0" err="1">
+                <a:effectLst/>
+              </a:rPr>
+              <a:t>adequadament</a:t>
+            </a:r>
+            <a:r>
+              <a:rPr lang="es-ES" b="0" i="0" dirty="0">
+                <a:effectLst/>
+              </a:rPr>
+              <a:t> </a:t>
+            </a:r>
+            <a:r>
+              <a:rPr lang="es-ES" b="0" i="0" dirty="0" err="1">
+                <a:effectLst/>
+              </a:rPr>
+              <a:t>factors</a:t>
+            </a:r>
+            <a:r>
+              <a:rPr lang="es-ES" b="0" i="0" dirty="0">
+                <a:effectLst/>
+              </a:rPr>
+              <a:t> </a:t>
+            </a:r>
+            <a:r>
+              <a:rPr lang="es-ES" b="0" i="0" dirty="0" err="1">
+                <a:effectLst/>
+              </a:rPr>
+              <a:t>numèrics</a:t>
+            </a:r>
+            <a:r>
+              <a:rPr lang="es-ES" b="0" i="0" dirty="0">
+                <a:effectLst/>
+              </a:rPr>
+              <a:t> (RAM, preu) </a:t>
+            </a:r>
+            <a:r>
+              <a:rPr lang="es-ES" b="0" i="0" dirty="0" err="1">
+                <a:effectLst/>
+              </a:rPr>
+              <a:t>amb</a:t>
+            </a:r>
+            <a:r>
+              <a:rPr lang="es-ES" b="0" i="0" dirty="0">
+                <a:effectLst/>
+              </a:rPr>
+              <a:t> </a:t>
+            </a:r>
+            <a:r>
+              <a:rPr lang="es-ES" b="0" i="0" dirty="0" err="1">
+                <a:effectLst/>
+              </a:rPr>
+              <a:t>categòrics</a:t>
+            </a:r>
+            <a:r>
+              <a:rPr lang="es-ES" b="0" i="0" dirty="0">
+                <a:effectLst/>
+              </a:rPr>
+              <a:t> </a:t>
+            </a:r>
+            <a:r>
+              <a:rPr lang="es-ES" b="0" i="0" dirty="0" err="1">
+                <a:effectLst/>
+              </a:rPr>
+              <a:t>convertits</a:t>
+            </a:r>
+            <a:r>
+              <a:rPr lang="es-ES" b="0" i="0" dirty="0">
+                <a:effectLst/>
+              </a:rPr>
+              <a:t> (</a:t>
+            </a:r>
+            <a:r>
+              <a:rPr lang="es-ES" b="0" i="0" dirty="0" err="1">
+                <a:effectLst/>
+              </a:rPr>
+              <a:t>tipus</a:t>
+            </a:r>
+            <a:r>
+              <a:rPr lang="es-ES" b="0" i="0" dirty="0">
+                <a:effectLst/>
+              </a:rPr>
+              <a:t> de </a:t>
+            </a:r>
+            <a:r>
+              <a:rPr lang="es-ES" b="0" i="0" dirty="0" err="1">
+                <a:effectLst/>
+              </a:rPr>
+              <a:t>processador</a:t>
+            </a:r>
+            <a:r>
+              <a:rPr lang="es-ES" b="0" i="0" dirty="0">
+                <a:effectLst/>
+              </a:rPr>
+              <a:t>, sistema </a:t>
+            </a:r>
+            <a:r>
+              <a:rPr lang="es-ES" b="0" i="0" dirty="0" err="1">
+                <a:effectLst/>
+              </a:rPr>
+              <a:t>operatiu</a:t>
+            </a:r>
+            <a:r>
+              <a:rPr lang="es-ES" b="0" i="0" dirty="0">
+                <a:effectLst/>
+              </a:rPr>
+              <a:t>).</a:t>
+            </a:r>
+          </a:p>
+          <a:p>
+            <a:pPr algn="l">
+              <a:buFont typeface="+mj-lt"/>
+              <a:buAutoNum type="arabicPeriod"/>
+            </a:pPr>
+            <a:r>
+              <a:rPr lang="es-ES" b="1" i="0" dirty="0" err="1">
+                <a:effectLst/>
+              </a:rPr>
+              <a:t>Resistència</a:t>
+            </a:r>
+            <a:r>
+              <a:rPr lang="es-ES" b="1" i="0" dirty="0">
+                <a:effectLst/>
+              </a:rPr>
+              <a:t> al </a:t>
+            </a:r>
+            <a:r>
+              <a:rPr lang="es-ES" b="1" i="0" dirty="0" err="1">
+                <a:effectLst/>
+              </a:rPr>
+              <a:t>sobreajustament</a:t>
+            </a:r>
+            <a:r>
+              <a:rPr lang="es-ES" b="1" i="0" dirty="0">
+                <a:effectLst/>
+              </a:rPr>
+              <a:t>:</a:t>
+            </a:r>
+            <a:r>
+              <a:rPr lang="es-ES" b="0" i="0" dirty="0">
+                <a:effectLst/>
+              </a:rPr>
+              <a:t> </a:t>
+            </a:r>
+            <a:r>
+              <a:rPr lang="es-ES" b="0" i="0" dirty="0" err="1">
+                <a:effectLst/>
+              </a:rPr>
+              <a:t>Redueix</a:t>
+            </a:r>
+            <a:r>
+              <a:rPr lang="es-ES" b="0" i="0" dirty="0">
+                <a:effectLst/>
+              </a:rPr>
+              <a:t> el </a:t>
+            </a:r>
+            <a:r>
+              <a:rPr lang="es-ES" b="0" i="0" dirty="0" err="1">
+                <a:effectLst/>
+              </a:rPr>
+              <a:t>risc</a:t>
+            </a:r>
+            <a:r>
+              <a:rPr lang="es-ES" b="0" i="0" dirty="0">
+                <a:effectLst/>
+              </a:rPr>
+              <a:t> de </a:t>
+            </a:r>
+            <a:r>
+              <a:rPr lang="es-ES" b="0" i="0" dirty="0" err="1">
+                <a:effectLst/>
+              </a:rPr>
+              <a:t>sobreajust</a:t>
+            </a:r>
+            <a:r>
+              <a:rPr lang="es-ES" b="0" i="0" dirty="0">
+                <a:effectLst/>
+              </a:rPr>
+              <a:t> en un </a:t>
+            </a:r>
+            <a:r>
+              <a:rPr lang="es-ES" b="0" i="0" dirty="0" err="1">
+                <a:effectLst/>
+              </a:rPr>
+              <a:t>conjunt</a:t>
+            </a:r>
+            <a:r>
+              <a:rPr lang="es-ES" b="0" i="0" dirty="0">
+                <a:effectLst/>
+              </a:rPr>
+              <a:t> de dades </a:t>
+            </a:r>
+            <a:r>
+              <a:rPr lang="es-ES" b="0" i="0" dirty="0" err="1">
+                <a:effectLst/>
+              </a:rPr>
+              <a:t>relativament</a:t>
+            </a:r>
+            <a:r>
+              <a:rPr lang="es-ES" b="0" i="0" dirty="0">
+                <a:effectLst/>
+              </a:rPr>
+              <a:t> </a:t>
+            </a:r>
+            <a:r>
+              <a:rPr lang="es-ES" b="0" i="0" dirty="0" err="1">
+                <a:effectLst/>
+              </a:rPr>
+              <a:t>xicotet</a:t>
+            </a:r>
+            <a:r>
+              <a:rPr lang="es-ES" b="0" i="0" dirty="0">
+                <a:effectLst/>
+              </a:rPr>
+              <a:t>.</a:t>
+            </a:r>
+          </a:p>
+          <a:p>
+            <a:pPr algn="l">
+              <a:buFont typeface="+mj-lt"/>
+              <a:buAutoNum type="arabicPeriod"/>
+            </a:pPr>
+            <a:r>
+              <a:rPr lang="es-ES" b="1" i="0" dirty="0" err="1">
+                <a:effectLst/>
+              </a:rPr>
+              <a:t>Importància</a:t>
+            </a:r>
+            <a:r>
+              <a:rPr lang="es-ES" b="1" i="0" dirty="0">
+                <a:effectLst/>
+              </a:rPr>
+              <a:t> de característiques:</a:t>
+            </a:r>
+            <a:r>
+              <a:rPr lang="es-ES" b="0" i="0" dirty="0">
+                <a:effectLst/>
+              </a:rPr>
+              <a:t> Proporciona </a:t>
+            </a:r>
+            <a:r>
+              <a:rPr lang="es-ES" b="0" i="0" dirty="0" err="1">
+                <a:effectLst/>
+              </a:rPr>
+              <a:t>automàticament</a:t>
+            </a:r>
+            <a:r>
+              <a:rPr lang="es-ES" b="0" i="0" dirty="0">
+                <a:effectLst/>
+              </a:rPr>
+              <a:t> </a:t>
+            </a:r>
+            <a:r>
+              <a:rPr lang="es-ES" b="0" i="0" dirty="0" err="1">
+                <a:effectLst/>
+              </a:rPr>
+              <a:t>mètriques</a:t>
+            </a:r>
+            <a:r>
+              <a:rPr lang="es-ES" b="0" i="0" dirty="0">
+                <a:effectLst/>
+              </a:rPr>
+              <a:t> </a:t>
+            </a:r>
+            <a:r>
+              <a:rPr lang="es-ES" b="0" i="0" dirty="0" err="1">
+                <a:effectLst/>
+              </a:rPr>
+              <a:t>d'importància</a:t>
+            </a:r>
+            <a:r>
+              <a:rPr lang="es-ES" b="0" i="0" dirty="0">
+                <a:effectLst/>
+              </a:rPr>
+              <a:t> de variables.</a:t>
+            </a:r>
+          </a:p>
+          <a:p>
+            <a:pPr algn="l">
+              <a:buFont typeface="+mj-lt"/>
+              <a:buAutoNum type="arabicPeriod"/>
+            </a:pPr>
+            <a:r>
+              <a:rPr lang="es-ES" b="1" i="0" dirty="0">
+                <a:effectLst/>
+              </a:rPr>
+              <a:t>Bon </a:t>
+            </a:r>
+            <a:r>
+              <a:rPr lang="es-ES" b="1" i="0" dirty="0" err="1">
+                <a:effectLst/>
+              </a:rPr>
+              <a:t>rendiment</a:t>
+            </a:r>
+            <a:r>
+              <a:rPr lang="es-ES" b="1" i="0" dirty="0">
+                <a:effectLst/>
+              </a:rPr>
+              <a:t> </a:t>
+            </a:r>
+            <a:r>
+              <a:rPr lang="es-ES" b="1" i="0" dirty="0" err="1">
+                <a:effectLst/>
+              </a:rPr>
+              <a:t>amb</a:t>
+            </a:r>
+            <a:r>
+              <a:rPr lang="es-ES" b="1" i="0" dirty="0">
+                <a:effectLst/>
+              </a:rPr>
+              <a:t> </a:t>
+            </a:r>
+            <a:r>
+              <a:rPr lang="es-ES" b="1" i="0" dirty="0" err="1">
+                <a:effectLst/>
+              </a:rPr>
+              <a:t>etiquetatge</a:t>
+            </a:r>
+            <a:r>
+              <a:rPr lang="es-ES" b="1" i="0" dirty="0">
+                <a:effectLst/>
+              </a:rPr>
+              <a:t> </a:t>
+            </a:r>
+            <a:r>
+              <a:rPr lang="es-ES" b="1" i="0" dirty="0" err="1">
+                <a:effectLst/>
+              </a:rPr>
+              <a:t>limitat</a:t>
+            </a:r>
+            <a:r>
+              <a:rPr lang="es-ES" b="1" i="0" dirty="0">
+                <a:effectLst/>
+              </a:rPr>
+              <a:t>:</a:t>
+            </a:r>
+            <a:r>
+              <a:rPr lang="es-ES" b="0" i="0" dirty="0">
+                <a:effectLst/>
+              </a:rPr>
+              <a:t> Funciona </a:t>
+            </a:r>
+            <a:r>
+              <a:rPr lang="es-ES" b="0" i="0" dirty="0" err="1">
+                <a:effectLst/>
+              </a:rPr>
+              <a:t>bé</a:t>
+            </a:r>
+            <a:r>
+              <a:rPr lang="es-ES" b="0" i="0" dirty="0">
+                <a:effectLst/>
+              </a:rPr>
+              <a:t> </a:t>
+            </a:r>
+            <a:r>
+              <a:rPr lang="es-ES" b="0" i="0" dirty="0" err="1">
+                <a:effectLst/>
+              </a:rPr>
+              <a:t>amb</a:t>
+            </a:r>
+            <a:r>
+              <a:rPr lang="es-ES" b="0" i="0" dirty="0">
+                <a:effectLst/>
+              </a:rPr>
+              <a:t> el </a:t>
+            </a:r>
+            <a:r>
+              <a:rPr lang="es-ES" b="0" i="0" dirty="0" err="1">
+                <a:effectLst/>
+              </a:rPr>
+              <a:t>conjunt</a:t>
+            </a:r>
+            <a:r>
+              <a:rPr lang="es-ES" b="0" i="0" dirty="0">
+                <a:effectLst/>
+              </a:rPr>
+              <a:t> </a:t>
+            </a:r>
+            <a:r>
+              <a:rPr lang="es-ES" b="0" i="0" dirty="0" err="1">
+                <a:effectLst/>
+              </a:rPr>
+              <a:t>d'entrenament</a:t>
+            </a:r>
+            <a:r>
+              <a:rPr lang="es-ES" b="0" i="0" dirty="0">
+                <a:effectLst/>
+              </a:rPr>
+              <a:t> </a:t>
+            </a:r>
+            <a:r>
+              <a:rPr lang="es-ES" b="0" i="0" dirty="0" err="1">
+                <a:effectLst/>
+              </a:rPr>
+              <a:t>etiquetat</a:t>
+            </a:r>
+            <a:r>
+              <a:rPr lang="es-ES" b="0" i="0" dirty="0">
+                <a:effectLst/>
+              </a:rPr>
+              <a:t> </a:t>
+            </a:r>
+            <a:r>
+              <a:rPr lang="es-ES" b="0" i="0" dirty="0" err="1">
+                <a:effectLst/>
+              </a:rPr>
+              <a:t>manualment</a:t>
+            </a:r>
+            <a:r>
+              <a:rPr lang="es-ES" b="0" i="0" dirty="0">
+                <a:effectLst/>
+              </a:rPr>
+              <a:t> (~60 </a:t>
+            </a:r>
+            <a:r>
+              <a:rPr lang="es-ES" b="0" i="0" dirty="0" err="1">
+                <a:effectLst/>
+              </a:rPr>
+              <a:t>mostres</a:t>
+            </a:r>
+            <a:r>
+              <a:rPr lang="es-ES" b="0" i="0" dirty="0">
+                <a:effectLst/>
+              </a:rPr>
+              <a:t>).</a:t>
+            </a:r>
+          </a:p>
+        </p:txBody>
+      </p:sp>
+    </p:spTree>
+    <p:extLst>
+      <p:ext uri="{BB962C8B-B14F-4D97-AF65-F5344CB8AC3E}">
+        <p14:creationId xmlns:p14="http://schemas.microsoft.com/office/powerpoint/2010/main" val="2711261523"/>
+      </p:ext>
+    </p:extLst>
+  </p:cSld>
+  <p:clrMapOvr>
+    <a:masterClrMapping/>
+  </p:clrMapOvr>
+</p:sld>
+</file>
+
+<file path=ppt/slides/slide12.xml><?xml version="1.0" encoding="utf-8"?>
+<p:sld xmlns:a="http://schemas.openxmlformats.org/drawingml/2006/main" xmlns:r="http://schemas.openxmlformats.org/officeDocument/2006/relationships" xmlns:p="http://schemas.openxmlformats.org/presentationml/2006/main">
+  <p:cSld>
+    <p:spTree>
+      <p:nvGrpSpPr>
+        <p:cNvPr id="1" name=""/>
+        <p:cNvGrpSpPr/>
+        <p:nvPr/>
+      </p:nvGrpSpPr>
+      <p:grpSpPr>
+        <a:xfrm>
+          <a:off x="0" y="0"/>
+          <a:ext cx="0" cy="0"/>
+          <a:chOff x="0" y="0"/>
+          <a:chExt cx="0" cy="0"/>
+        </a:xfrm>
+      </p:grpSpPr>
+      <p:sp>
+        <p:nvSpPr>
+          <p:cNvPr id="2" name="Title 1"/>
+          <p:cNvSpPr>
+            <a:spLocks noGrp="1"/>
+          </p:cNvSpPr>
+          <p:nvPr>
+            <p:ph type="title"/>
           </p:nvPr>
         </p:nvSpPr>
         <p:spPr/>
@@ -3213,40 +4303,1762 @@
           <a:lstStyle/>
           <a:p>
             <a:r>
-              <a:t>Resumen de logros y limitaciones encontradas</a:t>
-            </a:r>
-          </a:p>
-          <a:p>
-            <a:r>
-              <a:t>Posibles mejoras:</a:t>
+              <a:rPr dirty="0" err="1"/>
+              <a:t>Exploració</a:t>
+            </a:r>
+            <a:r>
+              <a:rPr dirty="0"/>
+              <a:t> y </a:t>
+            </a:r>
+            <a:r>
+              <a:rPr lang="es-ES" dirty="0" err="1"/>
+              <a:t>Neteja</a:t>
+            </a:r>
+            <a:r>
+              <a:rPr dirty="0"/>
+              <a:t> </a:t>
+            </a:r>
+            <a:r>
+              <a:rPr lang="es-ES" dirty="0"/>
+              <a:t>de Dades</a:t>
+            </a:r>
+            <a:endParaRPr dirty="0"/>
+          </a:p>
+        </p:txBody>
+      </p:sp>
+      <p:sp>
+        <p:nvSpPr>
+          <p:cNvPr id="3" name="Content Placeholder 2"/>
+          <p:cNvSpPr>
+            <a:spLocks noGrp="1"/>
+          </p:cNvSpPr>
+          <p:nvPr>
+            <p:ph idx="1"/>
+          </p:nvPr>
+        </p:nvSpPr>
+        <p:spPr/>
+        <p:txBody>
+          <a:bodyPr>
+            <a:normAutofit/>
+          </a:bodyPr>
+          <a:lstStyle/>
+          <a:p>
+            <a:r>
+              <a:rPr dirty="0"/>
+              <a:t>Tra</a:t>
+            </a:r>
+            <a:r>
+              <a:rPr lang="es-ES" dirty="0"/>
+              <a:t>c</a:t>
+            </a:r>
+            <a:r>
+              <a:rPr dirty="0"/>
+              <a:t>tam</a:t>
+            </a:r>
+            <a:r>
+              <a:rPr lang="es-ES" dirty="0" err="1"/>
+              <a:t>ent</a:t>
+            </a:r>
+            <a:r>
+              <a:rPr dirty="0"/>
+              <a:t> de </a:t>
+            </a:r>
+            <a:r>
+              <a:rPr dirty="0" err="1"/>
+              <a:t>valors</a:t>
+            </a:r>
+            <a:r>
+              <a:rPr dirty="0"/>
+              <a:t> </a:t>
+            </a:r>
+            <a:r>
+              <a:rPr dirty="0" err="1"/>
+              <a:t>nuls</a:t>
+            </a:r>
+            <a:r>
+              <a:rPr dirty="0"/>
+              <a:t>:</a:t>
             </a:r>
           </a:p>
           <a:p>
             <a:pPr lvl="1"/>
             <a:r>
-              <a:t>• Ampliar fuentes de datos</a:t>
+              <a:rPr lang="es-ES" dirty="0"/>
+              <a:t>Mitjana</a:t>
             </a:r>
           </a:p>
           <a:p>
             <a:pPr lvl="1"/>
             <a:r>
-              <a:t>• Implementar técnicas avanzadas de deep learning</a:t>
+              <a:rPr lang="es-ES" dirty="0"/>
+              <a:t>Moda</a:t>
             </a:r>
           </a:p>
           <a:p>
             <a:pPr lvl="1"/>
             <a:r>
-              <a:t>• Desarrollo de una API para consultas en tiempo real</a:t>
-            </a:r>
-          </a:p>
-          <a:p>
-            <a:r>
-              <a:t>Agradecimientos y contacto</a:t>
-            </a:r>
+              <a:rPr lang="es-ES" dirty="0"/>
+              <a:t>Eliminar files </a:t>
+            </a:r>
+            <a:r>
+              <a:rPr lang="es-ES" dirty="0" err="1"/>
+              <a:t>irrelevants</a:t>
+            </a:r>
+            <a:endParaRPr lang="es-ES" dirty="0"/>
+          </a:p>
+          <a:p>
+            <a:r>
+              <a:rPr lang="es-ES" dirty="0" err="1"/>
+              <a:t>Detecció</a:t>
+            </a:r>
+            <a:r>
+              <a:rPr lang="es-ES" dirty="0"/>
+              <a:t> y </a:t>
+            </a:r>
+            <a:r>
+              <a:rPr lang="es-ES" dirty="0" err="1"/>
+              <a:t>tractament</a:t>
+            </a:r>
+            <a:r>
+              <a:rPr lang="es-ES" dirty="0"/>
+              <a:t> de </a:t>
+            </a:r>
+            <a:r>
+              <a:rPr lang="es-ES" dirty="0" err="1"/>
+              <a:t>outliers</a:t>
+            </a:r>
+            <a:endParaRPr lang="es-ES" dirty="0"/>
           </a:p>
         </p:txBody>
       </p:sp>
     </p:spTree>
+  </p:cSld>
+  <p:clrMapOvr>
+    <a:masterClrMapping/>
+  </p:clrMapOvr>
+</p:sld>
+</file>
+
+<file path=ppt/slides/slide13.xml><?xml version="1.0" encoding="utf-8"?>
+<p:sld xmlns:a="http://schemas.openxmlformats.org/drawingml/2006/main" xmlns:r="http://schemas.openxmlformats.org/officeDocument/2006/relationships" xmlns:p="http://schemas.openxmlformats.org/presentationml/2006/main">
+  <p:cSld>
+    <p:spTree>
+      <p:nvGrpSpPr>
+        <p:cNvPr id="1" name=""/>
+        <p:cNvGrpSpPr/>
+        <p:nvPr/>
+      </p:nvGrpSpPr>
+      <p:grpSpPr>
+        <a:xfrm>
+          <a:off x="0" y="0"/>
+          <a:ext cx="0" cy="0"/>
+          <a:chOff x="0" y="0"/>
+          <a:chExt cx="0" cy="0"/>
+        </a:xfrm>
+      </p:grpSpPr>
+      <p:pic>
+        <p:nvPicPr>
+          <p:cNvPr id="3" name="Imagen 2">
+            <a:extLst>
+              <a:ext uri="{FF2B5EF4-FFF2-40B4-BE49-F238E27FC236}">
+                <a16:creationId xmlns:a16="http://schemas.microsoft.com/office/drawing/2014/main" id="{42545109-A385-5CAB-32C3-94FAA27B1855}"/>
+              </a:ext>
+            </a:extLst>
+          </p:cNvPr>
+          <p:cNvPicPr>
+            <a:picLocks noChangeAspect="1"/>
+          </p:cNvPicPr>
+          <p:nvPr/>
+        </p:nvPicPr>
+        <p:blipFill>
+          <a:blip r:embed="rId2"/>
+          <a:stretch>
+            <a:fillRect/>
+          </a:stretch>
+        </p:blipFill>
+        <p:spPr>
+          <a:xfrm>
+            <a:off x="15577" y="0"/>
+            <a:ext cx="9112845" cy="6858000"/>
+          </a:xfrm>
+          <a:prstGeom prst="rect">
+            <a:avLst/>
+          </a:prstGeom>
+        </p:spPr>
+      </p:pic>
+    </p:spTree>
+    <p:extLst>
+      <p:ext uri="{BB962C8B-B14F-4D97-AF65-F5344CB8AC3E}">
+        <p14:creationId xmlns:p14="http://schemas.microsoft.com/office/powerpoint/2010/main" val="415548816"/>
+      </p:ext>
+    </p:extLst>
+  </p:cSld>
+  <p:clrMapOvr>
+    <a:masterClrMapping/>
+  </p:clrMapOvr>
+</p:sld>
+</file>
+
+<file path=ppt/slides/slide14.xml><?xml version="1.0" encoding="utf-8"?>
+<p:sld xmlns:a="http://schemas.openxmlformats.org/drawingml/2006/main" xmlns:r="http://schemas.openxmlformats.org/officeDocument/2006/relationships" xmlns:p="http://schemas.openxmlformats.org/presentationml/2006/main">
+  <p:cSld>
+    <p:spTree>
+      <p:nvGrpSpPr>
+        <p:cNvPr id="1" name=""/>
+        <p:cNvGrpSpPr/>
+        <p:nvPr/>
+      </p:nvGrpSpPr>
+      <p:grpSpPr>
+        <a:xfrm>
+          <a:off x="0" y="0"/>
+          <a:ext cx="0" cy="0"/>
+          <a:chOff x="0" y="0"/>
+          <a:chExt cx="0" cy="0"/>
+        </a:xfrm>
+      </p:grpSpPr>
+      <p:sp>
+        <p:nvSpPr>
+          <p:cNvPr id="2" name="Title 1"/>
+          <p:cNvSpPr>
+            <a:spLocks noGrp="1"/>
+          </p:cNvSpPr>
+          <p:nvPr>
+            <p:ph type="title"/>
+          </p:nvPr>
+        </p:nvSpPr>
+        <p:spPr/>
+        <p:txBody>
+          <a:bodyPr/>
+          <a:lstStyle/>
+          <a:p>
+            <a:r>
+              <a:rPr dirty="0"/>
+              <a:t>Models de Machine Learning</a:t>
+            </a:r>
+          </a:p>
+        </p:txBody>
+      </p:sp>
+      <p:sp>
+        <p:nvSpPr>
+          <p:cNvPr id="3" name="Content Placeholder 2"/>
+          <p:cNvSpPr>
+            <a:spLocks noGrp="1"/>
+          </p:cNvSpPr>
+          <p:nvPr>
+            <p:ph idx="1"/>
+          </p:nvPr>
+        </p:nvSpPr>
+        <p:spPr/>
+        <p:txBody>
+          <a:bodyPr/>
+          <a:lstStyle/>
+          <a:p>
+            <a:r>
+              <a:rPr dirty="0"/>
+              <a:t>Models </a:t>
+            </a:r>
+            <a:r>
+              <a:rPr dirty="0" err="1"/>
+              <a:t>implemen</a:t>
+            </a:r>
+            <a:r>
+              <a:rPr lang="es-ES" dirty="0" err="1"/>
+              <a:t>tat</a:t>
+            </a:r>
+            <a:r>
+              <a:rPr dirty="0"/>
+              <a:t>s:</a:t>
+            </a:r>
+          </a:p>
+          <a:p>
+            <a:r>
+              <a:rPr dirty="0"/>
+              <a:t>• Random Forest, Gradient Boosting, SVM, </a:t>
+            </a:r>
+            <a:r>
+              <a:rPr dirty="0" err="1"/>
+              <a:t>Regresió</a:t>
+            </a:r>
+            <a:r>
+              <a:rPr dirty="0"/>
+              <a:t> </a:t>
+            </a:r>
+            <a:r>
+              <a:rPr dirty="0" err="1"/>
+              <a:t>Logística</a:t>
+            </a:r>
+            <a:endParaRPr dirty="0"/>
+          </a:p>
+          <a:p>
+            <a:r>
+              <a:rPr dirty="0" err="1"/>
+              <a:t>Evaluació</a:t>
+            </a:r>
+            <a:r>
+              <a:rPr dirty="0"/>
+              <a:t> </a:t>
+            </a:r>
+            <a:r>
+              <a:rPr lang="es-ES" dirty="0" err="1"/>
+              <a:t>mitjançant</a:t>
+            </a:r>
+            <a:r>
+              <a:rPr dirty="0"/>
+              <a:t> </a:t>
+            </a:r>
+            <a:r>
+              <a:rPr dirty="0" err="1"/>
+              <a:t>validació</a:t>
+            </a:r>
+            <a:r>
+              <a:rPr dirty="0"/>
+              <a:t> </a:t>
+            </a:r>
+            <a:r>
+              <a:rPr lang="es-ES" dirty="0" err="1"/>
+              <a:t>creuada</a:t>
+            </a:r>
+            <a:r>
+              <a:rPr lang="es-ES" dirty="0"/>
+              <a:t> i</a:t>
+            </a:r>
+            <a:r>
+              <a:rPr dirty="0"/>
+              <a:t> </a:t>
+            </a:r>
+            <a:r>
+              <a:rPr dirty="0" err="1"/>
+              <a:t>comparació</a:t>
+            </a:r>
+            <a:r>
+              <a:rPr dirty="0"/>
+              <a:t> de </a:t>
+            </a:r>
+            <a:r>
+              <a:rPr dirty="0" err="1"/>
+              <a:t>métri</a:t>
+            </a:r>
+            <a:r>
+              <a:rPr lang="es-ES" dirty="0" err="1"/>
+              <a:t>ques</a:t>
+            </a:r>
+            <a:endParaRPr dirty="0"/>
+          </a:p>
+        </p:txBody>
+      </p:sp>
+    </p:spTree>
+  </p:cSld>
+  <p:clrMapOvr>
+    <a:masterClrMapping/>
+  </p:clrMapOvr>
+</p:sld>
+</file>
+
+<file path=ppt/slides/slide15.xml><?xml version="1.0" encoding="utf-8"?>
+<p:sld xmlns:a="http://schemas.openxmlformats.org/drawingml/2006/main" xmlns:r="http://schemas.openxmlformats.org/officeDocument/2006/relationships" xmlns:p="http://schemas.openxmlformats.org/presentationml/2006/main">
+  <p:cSld>
+    <p:spTree>
+      <p:nvGrpSpPr>
+        <p:cNvPr id="1" name=""/>
+        <p:cNvGrpSpPr/>
+        <p:nvPr/>
+      </p:nvGrpSpPr>
+      <p:grpSpPr>
+        <a:xfrm>
+          <a:off x="0" y="0"/>
+          <a:ext cx="0" cy="0"/>
+          <a:chOff x="0" y="0"/>
+          <a:chExt cx="0" cy="0"/>
+        </a:xfrm>
+      </p:grpSpPr>
+      <p:sp>
+        <p:nvSpPr>
+          <p:cNvPr id="2" name="Título 1">
+            <a:extLst>
+              <a:ext uri="{FF2B5EF4-FFF2-40B4-BE49-F238E27FC236}">
+                <a16:creationId xmlns:a16="http://schemas.microsoft.com/office/drawing/2014/main" id="{E983EB90-1FF1-E829-29CC-87F6C4E148F8}"/>
+              </a:ext>
+            </a:extLst>
+          </p:cNvPr>
+          <p:cNvSpPr>
+            <a:spLocks noGrp="1"/>
+          </p:cNvSpPr>
+          <p:nvPr>
+            <p:ph type="title"/>
+          </p:nvPr>
+        </p:nvSpPr>
+        <p:spPr/>
+        <p:txBody>
+          <a:bodyPr/>
+          <a:lstStyle/>
+          <a:p>
+            <a:r>
+              <a:rPr lang="it-IT" dirty="0"/>
+              <a:t>Per què aquests models?</a:t>
+            </a:r>
+            <a:endParaRPr lang="es-ES" dirty="0"/>
+          </a:p>
+        </p:txBody>
+      </p:sp>
+      <p:sp>
+        <p:nvSpPr>
+          <p:cNvPr id="3" name="Marcador de contenido 2">
+            <a:extLst>
+              <a:ext uri="{FF2B5EF4-FFF2-40B4-BE49-F238E27FC236}">
+                <a16:creationId xmlns:a16="http://schemas.microsoft.com/office/drawing/2014/main" id="{4803EF6C-79E5-5EE8-EBD9-330E5BF0354F}"/>
+              </a:ext>
+            </a:extLst>
+          </p:cNvPr>
+          <p:cNvSpPr>
+            <a:spLocks noGrp="1"/>
+          </p:cNvSpPr>
+          <p:nvPr>
+            <p:ph idx="1"/>
+          </p:nvPr>
+        </p:nvSpPr>
+        <p:spPr/>
+        <p:txBody>
+          <a:bodyPr>
+            <a:normAutofit fontScale="47500" lnSpcReduction="20000"/>
+          </a:bodyPr>
+          <a:lstStyle/>
+          <a:p>
+            <a:pPr algn="l">
+              <a:spcBef>
+                <a:spcPts val="1200"/>
+              </a:spcBef>
+              <a:spcAft>
+                <a:spcPts val="600"/>
+              </a:spcAft>
+              <a:buNone/>
+            </a:pPr>
+            <a:r>
+              <a:rPr lang="es-ES" b="1" i="0" dirty="0" err="1">
+                <a:effectLst/>
+                <a:latin typeface="Segoe WPC"/>
+              </a:rPr>
+              <a:t>Random</a:t>
+            </a:r>
+            <a:r>
+              <a:rPr lang="es-ES" b="1" i="0" dirty="0">
+                <a:effectLst/>
+                <a:latin typeface="Segoe WPC"/>
+              </a:rPr>
+              <a:t> Forest</a:t>
+            </a:r>
+          </a:p>
+          <a:p>
+            <a:pPr algn="l">
+              <a:spcAft>
+                <a:spcPts val="1200"/>
+              </a:spcAft>
+              <a:buNone/>
+            </a:pPr>
+            <a:r>
+              <a:rPr lang="es-ES" b="0" i="0" dirty="0">
+                <a:effectLst/>
+                <a:latin typeface="Segoe WPC"/>
+              </a:rPr>
+              <a:t>	Funciona </a:t>
+            </a:r>
+            <a:r>
+              <a:rPr lang="es-ES" b="0" i="0" dirty="0" err="1">
+                <a:effectLst/>
+                <a:latin typeface="Segoe WPC"/>
+              </a:rPr>
+              <a:t>bé</a:t>
+            </a:r>
+            <a:r>
+              <a:rPr lang="es-ES" b="0" i="0" dirty="0">
+                <a:effectLst/>
+                <a:latin typeface="Segoe WPC"/>
+              </a:rPr>
+              <a:t> </a:t>
+            </a:r>
+            <a:r>
+              <a:rPr lang="es-ES" b="0" i="0" dirty="0" err="1">
+                <a:effectLst/>
+                <a:latin typeface="Segoe WPC"/>
+              </a:rPr>
+              <a:t>amb</a:t>
+            </a:r>
+            <a:r>
+              <a:rPr lang="es-ES" b="0" i="0" dirty="0">
+                <a:effectLst/>
+                <a:latin typeface="Segoe WPC"/>
+              </a:rPr>
+              <a:t> poques dades, no </a:t>
+            </a:r>
+            <a:r>
+              <a:rPr lang="es-ES" b="0" i="0" dirty="0" err="1">
+                <a:effectLst/>
+                <a:latin typeface="Segoe WPC"/>
+              </a:rPr>
+              <a:t>necessita</a:t>
+            </a:r>
+            <a:r>
+              <a:rPr lang="es-ES" b="0" i="0" dirty="0">
+                <a:effectLst/>
+                <a:latin typeface="Segoe WPC"/>
+              </a:rPr>
+              <a:t> </a:t>
+            </a:r>
+            <a:r>
+              <a:rPr lang="es-ES" b="0" i="0" dirty="0" err="1">
+                <a:effectLst/>
+                <a:latin typeface="Segoe WPC"/>
+              </a:rPr>
+              <a:t>normalitzar</a:t>
+            </a:r>
+            <a:r>
+              <a:rPr lang="es-ES" b="0" i="0" dirty="0">
+                <a:effectLst/>
+                <a:latin typeface="Segoe WPC"/>
+              </a:rPr>
+              <a:t> variables i captura </a:t>
+            </a:r>
+            <a:r>
+              <a:rPr lang="es-ES" b="0" i="0" dirty="0" err="1">
+                <a:effectLst/>
+                <a:latin typeface="Segoe WPC"/>
+              </a:rPr>
+              <a:t>bé</a:t>
+            </a:r>
+            <a:r>
+              <a:rPr lang="es-ES" b="0" i="0" dirty="0">
+                <a:effectLst/>
+                <a:latin typeface="Segoe WPC"/>
+              </a:rPr>
+              <a:t> </a:t>
+            </a:r>
+            <a:r>
+              <a:rPr lang="es-ES" b="0" i="0" dirty="0" err="1">
+                <a:effectLst/>
+                <a:latin typeface="Segoe WPC"/>
+              </a:rPr>
+              <a:t>els</a:t>
+            </a:r>
+            <a:r>
+              <a:rPr lang="es-ES" b="0" i="0" dirty="0">
+                <a:effectLst/>
+                <a:latin typeface="Segoe WPC"/>
+              </a:rPr>
+              <a:t> </a:t>
+            </a:r>
+            <a:r>
+              <a:rPr lang="es-ES" b="0" i="0" dirty="0" err="1">
+                <a:effectLst/>
+                <a:latin typeface="Segoe WPC"/>
+              </a:rPr>
+              <a:t>patrons</a:t>
+            </a:r>
+            <a:r>
+              <a:rPr lang="es-ES" b="0" i="0" dirty="0">
+                <a:effectLst/>
+                <a:latin typeface="Segoe WPC"/>
+              </a:rPr>
+              <a:t> no-</a:t>
+            </a:r>
+            <a:r>
+              <a:rPr lang="es-ES" b="0" i="0" dirty="0" err="1">
+                <a:effectLst/>
+                <a:latin typeface="Segoe WPC"/>
+              </a:rPr>
+              <a:t>lineals</a:t>
+            </a:r>
+            <a:r>
+              <a:rPr lang="es-ES" b="0" i="0" dirty="0">
+                <a:effectLst/>
+                <a:latin typeface="Segoe WPC"/>
+              </a:rPr>
+              <a:t> </a:t>
+            </a:r>
+            <a:r>
+              <a:rPr lang="es-ES" b="0" i="0" dirty="0" err="1">
+                <a:effectLst/>
+                <a:latin typeface="Segoe WPC"/>
+              </a:rPr>
+              <a:t>dels</a:t>
+            </a:r>
+            <a:r>
+              <a:rPr lang="es-ES" dirty="0">
+                <a:latin typeface="Segoe WPC"/>
+              </a:rPr>
+              <a:t> </a:t>
+            </a:r>
+            <a:r>
+              <a:rPr lang="es-ES" b="0" i="0" dirty="0" err="1">
+                <a:effectLst/>
+                <a:latin typeface="Segoe WPC"/>
+              </a:rPr>
+              <a:t>preus</a:t>
+            </a:r>
+            <a:r>
+              <a:rPr lang="es-ES" b="0" i="0" dirty="0">
+                <a:effectLst/>
+                <a:latin typeface="Segoe WPC"/>
+              </a:rPr>
+              <a:t> </a:t>
+            </a:r>
+            <a:r>
+              <a:rPr lang="es-ES" b="0" i="0" dirty="0" err="1">
+                <a:effectLst/>
+                <a:latin typeface="Segoe WPC"/>
+              </a:rPr>
+              <a:t>dels</a:t>
+            </a:r>
+            <a:r>
+              <a:rPr lang="es-ES" b="0" i="0" dirty="0">
+                <a:effectLst/>
+                <a:latin typeface="Segoe WPC"/>
+              </a:rPr>
+              <a:t> </a:t>
+            </a:r>
+            <a:r>
+              <a:rPr lang="es-ES" b="0" i="0" dirty="0" err="1">
+                <a:effectLst/>
+                <a:latin typeface="Segoe WPC"/>
+              </a:rPr>
+              <a:t>portàtils</a:t>
+            </a:r>
+            <a:r>
+              <a:rPr lang="es-ES" b="0" i="0" dirty="0">
+                <a:effectLst/>
+                <a:latin typeface="Segoe WPC"/>
+              </a:rPr>
+              <a:t>.</a:t>
+            </a:r>
+          </a:p>
+          <a:p>
+            <a:pPr algn="l">
+              <a:spcBef>
+                <a:spcPts val="1200"/>
+              </a:spcBef>
+              <a:spcAft>
+                <a:spcPts val="600"/>
+              </a:spcAft>
+              <a:buNone/>
+            </a:pPr>
+            <a:r>
+              <a:rPr lang="es-ES" b="1" i="0" dirty="0" err="1">
+                <a:effectLst/>
+                <a:latin typeface="Segoe WPC"/>
+              </a:rPr>
+              <a:t>Gradient</a:t>
+            </a:r>
+            <a:r>
+              <a:rPr lang="es-ES" b="1" i="0" dirty="0">
+                <a:effectLst/>
+                <a:latin typeface="Segoe WPC"/>
+              </a:rPr>
+              <a:t> </a:t>
+            </a:r>
+            <a:r>
+              <a:rPr lang="es-ES" b="1" i="0" dirty="0" err="1">
+                <a:effectLst/>
+                <a:latin typeface="Segoe WPC"/>
+              </a:rPr>
+              <a:t>Boosting</a:t>
+            </a:r>
+            <a:endParaRPr lang="es-ES" b="1" i="0" dirty="0">
+              <a:effectLst/>
+              <a:latin typeface="Segoe WPC"/>
+            </a:endParaRPr>
+          </a:p>
+          <a:p>
+            <a:pPr algn="l">
+              <a:spcAft>
+                <a:spcPts val="1200"/>
+              </a:spcAft>
+              <a:buNone/>
+            </a:pPr>
+            <a:r>
+              <a:rPr lang="es-ES" b="0" i="0" dirty="0">
+                <a:effectLst/>
+                <a:latin typeface="Segoe WPC"/>
+              </a:rPr>
+              <a:t>	Ideal per a </a:t>
+            </a:r>
+            <a:r>
+              <a:rPr lang="es-ES" b="0" i="0" dirty="0" err="1">
+                <a:effectLst/>
+                <a:latin typeface="Segoe WPC"/>
+              </a:rPr>
+              <a:t>detalls</a:t>
+            </a:r>
+            <a:r>
+              <a:rPr lang="es-ES" b="0" i="0" dirty="0">
+                <a:effectLst/>
+                <a:latin typeface="Segoe WPC"/>
+              </a:rPr>
+              <a:t> </a:t>
+            </a:r>
+            <a:r>
+              <a:rPr lang="es-ES" b="0" i="0" dirty="0" err="1">
+                <a:effectLst/>
+                <a:latin typeface="Segoe WPC"/>
+              </a:rPr>
+              <a:t>importants</a:t>
+            </a:r>
+            <a:r>
+              <a:rPr lang="es-ES" b="0" i="0" dirty="0">
+                <a:effectLst/>
+                <a:latin typeface="Segoe WPC"/>
+              </a:rPr>
+              <a:t> (</a:t>
+            </a:r>
+            <a:r>
+              <a:rPr lang="es-ES" b="0" i="0" dirty="0" err="1">
+                <a:effectLst/>
+                <a:latin typeface="Segoe WPC"/>
+              </a:rPr>
+              <a:t>com</a:t>
+            </a:r>
+            <a:r>
+              <a:rPr lang="es-ES" b="0" i="0" dirty="0">
+                <a:effectLst/>
+                <a:latin typeface="Segoe WPC"/>
+              </a:rPr>
+              <a:t> la </a:t>
+            </a:r>
+            <a:r>
+              <a:rPr lang="es-ES" b="0" i="0" dirty="0" err="1">
+                <a:effectLst/>
+                <a:latin typeface="Segoe WPC"/>
+              </a:rPr>
+              <a:t>generació</a:t>
+            </a:r>
+            <a:r>
+              <a:rPr lang="es-ES" b="0" i="0" dirty="0">
+                <a:effectLst/>
+                <a:latin typeface="Segoe WPC"/>
+              </a:rPr>
+              <a:t> del </a:t>
+            </a:r>
+            <a:r>
+              <a:rPr lang="es-ES" b="0" i="0" dirty="0" err="1">
+                <a:effectLst/>
+                <a:latin typeface="Segoe WPC"/>
+              </a:rPr>
+              <a:t>processador</a:t>
+            </a:r>
+            <a:r>
+              <a:rPr lang="es-ES" b="0" i="0" dirty="0">
+                <a:effectLst/>
+                <a:latin typeface="Segoe WPC"/>
+              </a:rPr>
+              <a:t>).</a:t>
+            </a:r>
+          </a:p>
+          <a:p>
+            <a:pPr algn="l">
+              <a:spcAft>
+                <a:spcPts val="1200"/>
+              </a:spcAft>
+              <a:buNone/>
+            </a:pPr>
+            <a:r>
+              <a:rPr lang="es-ES" b="1" i="0" dirty="0">
+                <a:effectLst/>
+                <a:latin typeface="Segoe WPC"/>
+              </a:rPr>
+              <a:t>SVM</a:t>
+            </a:r>
+          </a:p>
+          <a:p>
+            <a:pPr algn="l">
+              <a:spcAft>
+                <a:spcPts val="1200"/>
+              </a:spcAft>
+              <a:buNone/>
+            </a:pPr>
+            <a:r>
+              <a:rPr lang="es-ES" b="0" i="0" dirty="0">
+                <a:effectLst/>
+                <a:latin typeface="Segoe WPC"/>
+              </a:rPr>
+              <a:t>	Perfecte </a:t>
+            </a:r>
+            <a:r>
+              <a:rPr lang="es-ES" b="0" i="0" dirty="0" err="1">
+                <a:effectLst/>
+                <a:latin typeface="Segoe WPC"/>
+              </a:rPr>
+              <a:t>quan</a:t>
+            </a:r>
+            <a:r>
+              <a:rPr lang="es-ES" b="0" i="0" dirty="0">
+                <a:effectLst/>
+                <a:latin typeface="Segoe WPC"/>
+              </a:rPr>
+              <a:t> </a:t>
+            </a:r>
+            <a:r>
+              <a:rPr lang="es-ES" b="0" i="0" dirty="0" err="1">
+                <a:effectLst/>
+                <a:latin typeface="Segoe WPC"/>
+              </a:rPr>
+              <a:t>tenim</a:t>
+            </a:r>
+            <a:r>
+              <a:rPr lang="es-ES" b="0" i="0" dirty="0">
+                <a:effectLst/>
+                <a:latin typeface="Segoe WPC"/>
+              </a:rPr>
+              <a:t> </a:t>
+            </a:r>
+            <a:r>
+              <a:rPr lang="es-ES" b="0" i="0" dirty="0" err="1">
+                <a:effectLst/>
+                <a:latin typeface="Segoe WPC"/>
+              </a:rPr>
+              <a:t>moltes</a:t>
+            </a:r>
+            <a:r>
+              <a:rPr lang="es-ES" b="0" i="0" dirty="0">
+                <a:effectLst/>
+                <a:latin typeface="Segoe WPC"/>
+              </a:rPr>
+              <a:t> característiques de </a:t>
+            </a:r>
+            <a:r>
+              <a:rPr lang="es-ES" b="0" i="0" dirty="0" err="1">
+                <a:effectLst/>
+                <a:latin typeface="Segoe WPC"/>
+              </a:rPr>
+              <a:t>portàtils</a:t>
+            </a:r>
+            <a:r>
+              <a:rPr lang="es-ES" b="0" i="0" dirty="0">
+                <a:effectLst/>
+                <a:latin typeface="Segoe WPC"/>
+              </a:rPr>
+              <a:t> </a:t>
+            </a:r>
+            <a:r>
+              <a:rPr lang="es-ES" b="0" i="0" dirty="0" err="1">
+                <a:effectLst/>
+                <a:latin typeface="Segoe WPC"/>
+              </a:rPr>
+              <a:t>però</a:t>
+            </a:r>
+            <a:r>
+              <a:rPr lang="es-ES" b="0" i="0" dirty="0">
+                <a:effectLst/>
+                <a:latin typeface="Segoe WPC"/>
+              </a:rPr>
+              <a:t> poques </a:t>
+            </a:r>
+            <a:r>
+              <a:rPr lang="es-ES" b="0" i="0" dirty="0" err="1">
+                <a:effectLst/>
+                <a:latin typeface="Segoe WPC"/>
+              </a:rPr>
+              <a:t>mostres</a:t>
+            </a:r>
+            <a:r>
+              <a:rPr lang="es-ES" b="0" i="0" dirty="0">
+                <a:effectLst/>
+                <a:latin typeface="Segoe WPC"/>
+              </a:rPr>
+              <a:t> etiquetades.</a:t>
+            </a:r>
+          </a:p>
+          <a:p>
+            <a:pPr algn="l">
+              <a:spcBef>
+                <a:spcPts val="1200"/>
+              </a:spcBef>
+              <a:spcAft>
+                <a:spcPts val="600"/>
+              </a:spcAft>
+              <a:buNone/>
+            </a:pPr>
+            <a:r>
+              <a:rPr lang="es-ES" b="1" i="0" dirty="0" err="1">
+                <a:effectLst/>
+                <a:latin typeface="Segoe WPC"/>
+              </a:rPr>
+              <a:t>Logistic</a:t>
+            </a:r>
+            <a:r>
+              <a:rPr lang="es-ES" b="1" i="0" dirty="0">
+                <a:effectLst/>
+                <a:latin typeface="Segoe WPC"/>
+              </a:rPr>
+              <a:t> </a:t>
+            </a:r>
+            <a:r>
+              <a:rPr lang="es-ES" b="1" i="0" dirty="0" err="1">
+                <a:effectLst/>
+                <a:latin typeface="Segoe WPC"/>
+              </a:rPr>
+              <a:t>Regression</a:t>
+            </a:r>
+            <a:endParaRPr lang="es-ES" b="1" i="0" dirty="0">
+              <a:effectLst/>
+              <a:latin typeface="Segoe WPC"/>
+            </a:endParaRPr>
+          </a:p>
+          <a:p>
+            <a:pPr algn="l">
+              <a:spcAft>
+                <a:spcPts val="1200"/>
+              </a:spcAft>
+              <a:buNone/>
+            </a:pPr>
+            <a:r>
+              <a:rPr lang="es-ES" b="0" i="0" dirty="0">
+                <a:effectLst/>
+                <a:latin typeface="Segoe WPC"/>
+              </a:rPr>
+              <a:t>El </a:t>
+            </a:r>
+            <a:r>
+              <a:rPr lang="es-ES" b="0" i="0" dirty="0" err="1">
+                <a:effectLst/>
+                <a:latin typeface="Segoe WPC"/>
+              </a:rPr>
+              <a:t>model</a:t>
+            </a:r>
+            <a:r>
+              <a:rPr lang="es-ES" b="0" i="0" dirty="0">
+                <a:effectLst/>
+                <a:latin typeface="Segoe WPC"/>
+              </a:rPr>
+              <a:t> de </a:t>
+            </a:r>
+            <a:r>
+              <a:rPr lang="es-ES" b="0" i="0" dirty="0" err="1">
+                <a:effectLst/>
+                <a:latin typeface="Segoe WPC"/>
+              </a:rPr>
+              <a:t>referència</a:t>
+            </a:r>
+            <a:r>
+              <a:rPr lang="es-ES" b="0" i="0" dirty="0">
+                <a:effectLst/>
+                <a:latin typeface="Segoe WPC"/>
+              </a:rPr>
+              <a:t>: ("</a:t>
+            </a:r>
+            <a:r>
+              <a:rPr lang="es-ES" b="0" i="0" dirty="0" err="1">
+                <a:effectLst/>
+                <a:latin typeface="Segoe WPC"/>
+              </a:rPr>
+              <a:t>més</a:t>
+            </a:r>
+            <a:r>
+              <a:rPr lang="es-ES" b="0" i="0" dirty="0">
+                <a:effectLst/>
+                <a:latin typeface="Segoe WPC"/>
+              </a:rPr>
+              <a:t> RAM suma X </a:t>
+            </a:r>
+            <a:r>
+              <a:rPr lang="es-ES" b="0" i="0" dirty="0" err="1">
+                <a:effectLst/>
+                <a:latin typeface="Segoe WPC"/>
+              </a:rPr>
+              <a:t>punts</a:t>
+            </a:r>
+            <a:r>
+              <a:rPr lang="es-ES" b="0" i="0" dirty="0">
+                <a:effectLst/>
+                <a:latin typeface="Segoe WPC"/>
+              </a:rPr>
+              <a:t>, </a:t>
+            </a:r>
+            <a:r>
+              <a:rPr lang="es-ES" b="0" i="0" dirty="0" err="1">
+                <a:effectLst/>
+                <a:latin typeface="Segoe WPC"/>
+              </a:rPr>
+              <a:t>més</a:t>
+            </a:r>
+            <a:r>
+              <a:rPr lang="es-ES" b="0" i="0" dirty="0">
+                <a:effectLst/>
+                <a:latin typeface="Segoe WPC"/>
+              </a:rPr>
+              <a:t> </a:t>
+            </a:r>
+            <a:r>
+              <a:rPr lang="es-ES" b="0" i="0" dirty="0" err="1">
+                <a:effectLst/>
+                <a:latin typeface="Segoe WPC"/>
+              </a:rPr>
+              <a:t>emmagatzematge</a:t>
+            </a:r>
+            <a:r>
+              <a:rPr lang="es-ES" b="0" i="0" dirty="0">
+                <a:effectLst/>
+                <a:latin typeface="Segoe WPC"/>
+              </a:rPr>
+              <a:t> Y </a:t>
+            </a:r>
+            <a:r>
+              <a:rPr lang="es-ES" b="0" i="0" dirty="0" err="1">
+                <a:effectLst/>
+                <a:latin typeface="Segoe WPC"/>
+              </a:rPr>
+              <a:t>punts</a:t>
+            </a:r>
+            <a:r>
+              <a:rPr lang="es-ES" b="0" i="0" dirty="0">
+                <a:effectLst/>
+                <a:latin typeface="Segoe WPC"/>
+              </a:rPr>
+              <a:t>...") i </a:t>
+            </a:r>
+            <a:r>
+              <a:rPr lang="es-ES" b="0" i="0" dirty="0" err="1">
+                <a:effectLst/>
+                <a:latin typeface="Segoe WPC"/>
+              </a:rPr>
+              <a:t>serveix</a:t>
+            </a:r>
+            <a:r>
+              <a:rPr lang="es-ES" b="0" i="0" dirty="0">
+                <a:effectLst/>
+                <a:latin typeface="Segoe WPC"/>
+              </a:rPr>
+              <a:t> </a:t>
+            </a:r>
+            <a:r>
+              <a:rPr lang="es-ES" b="0" i="0" dirty="0" err="1">
+                <a:effectLst/>
+                <a:latin typeface="Segoe WPC"/>
+              </a:rPr>
+              <a:t>com</a:t>
+            </a:r>
+            <a:r>
+              <a:rPr lang="es-ES" b="0" i="0" dirty="0">
+                <a:effectLst/>
+                <a:latin typeface="Segoe WPC"/>
+              </a:rPr>
+              <a:t> a </a:t>
+            </a:r>
+            <a:r>
+              <a:rPr lang="es-ES" b="0" i="0" dirty="0" err="1">
+                <a:effectLst/>
+                <a:latin typeface="Segoe WPC"/>
+              </a:rPr>
+              <a:t>línia</a:t>
+            </a:r>
+            <a:r>
+              <a:rPr lang="es-ES" b="0" i="0" dirty="0">
+                <a:effectLst/>
+                <a:latin typeface="Segoe WPC"/>
+              </a:rPr>
+              <a:t> base per comparar.</a:t>
+            </a:r>
+          </a:p>
+          <a:p>
+            <a:pPr algn="l"/>
+            <a:r>
+              <a:rPr lang="es-ES" b="0" i="0" dirty="0">
+                <a:effectLst/>
+                <a:latin typeface="Segoe WPC"/>
+              </a:rPr>
+              <a:t>No </a:t>
+            </a:r>
+            <a:r>
+              <a:rPr lang="es-ES" b="0" i="0" dirty="0" err="1">
+                <a:effectLst/>
+                <a:latin typeface="Segoe WPC"/>
+              </a:rPr>
+              <a:t>s'han</a:t>
+            </a:r>
+            <a:r>
+              <a:rPr lang="es-ES" b="0" i="0" dirty="0">
+                <a:effectLst/>
+                <a:latin typeface="Segoe WPC"/>
+              </a:rPr>
+              <a:t> </a:t>
+            </a:r>
+            <a:r>
+              <a:rPr lang="es-ES" b="0" i="0" dirty="0" err="1">
+                <a:effectLst/>
+                <a:latin typeface="Segoe WPC"/>
+              </a:rPr>
+              <a:t>inclòs</a:t>
+            </a:r>
+            <a:r>
+              <a:rPr lang="es-ES" b="0" i="0" dirty="0">
+                <a:effectLst/>
+                <a:latin typeface="Segoe WPC"/>
+              </a:rPr>
+              <a:t> </a:t>
+            </a:r>
+            <a:r>
+              <a:rPr lang="es-ES" b="0" i="0" dirty="0" err="1">
+                <a:effectLst/>
+                <a:latin typeface="Segoe WPC"/>
+              </a:rPr>
+              <a:t>altres</a:t>
+            </a:r>
+            <a:r>
+              <a:rPr lang="es-ES" b="0" i="0" dirty="0">
+                <a:effectLst/>
+                <a:latin typeface="Segoe WPC"/>
+              </a:rPr>
+              <a:t> </a:t>
+            </a:r>
+            <a:r>
+              <a:rPr lang="es-ES" b="0" i="0" dirty="0" err="1">
+                <a:effectLst/>
+                <a:latin typeface="Segoe WPC"/>
+              </a:rPr>
+              <a:t>models</a:t>
+            </a:r>
+            <a:r>
+              <a:rPr lang="es-ES" b="0" i="0" dirty="0">
+                <a:effectLst/>
+                <a:latin typeface="Segoe WPC"/>
+              </a:rPr>
+              <a:t> </a:t>
+            </a:r>
+            <a:r>
+              <a:rPr lang="es-ES" b="0" i="0" dirty="0" err="1">
+                <a:effectLst/>
+                <a:latin typeface="Segoe WPC"/>
+              </a:rPr>
+              <a:t>com</a:t>
+            </a:r>
+            <a:r>
+              <a:rPr lang="es-ES" b="0" i="0" dirty="0">
+                <a:effectLst/>
+                <a:latin typeface="Segoe WPC"/>
+              </a:rPr>
+              <a:t> les </a:t>
+            </a:r>
+            <a:r>
+              <a:rPr lang="es-ES" b="0" i="0" dirty="0" err="1">
+                <a:effectLst/>
+                <a:latin typeface="Segoe WPC"/>
+              </a:rPr>
+              <a:t>xarxes</a:t>
+            </a:r>
+            <a:r>
+              <a:rPr lang="es-ES" b="0" i="0" dirty="0">
+                <a:effectLst/>
+                <a:latin typeface="Segoe WPC"/>
+              </a:rPr>
+              <a:t> </a:t>
+            </a:r>
+            <a:r>
+              <a:rPr lang="es-ES" b="0" i="0" dirty="0" err="1">
+                <a:effectLst/>
+                <a:latin typeface="Segoe WPC"/>
+              </a:rPr>
+              <a:t>neuronals</a:t>
+            </a:r>
+            <a:r>
+              <a:rPr lang="es-ES" b="0" i="0" dirty="0">
+                <a:effectLst/>
+                <a:latin typeface="Segoe WPC"/>
+              </a:rPr>
+              <a:t> </a:t>
+            </a:r>
+            <a:r>
+              <a:rPr lang="es-ES" b="0" i="0" dirty="0" err="1">
+                <a:effectLst/>
+                <a:latin typeface="Segoe WPC"/>
+              </a:rPr>
+              <a:t>perquè</a:t>
+            </a:r>
+            <a:r>
+              <a:rPr lang="es-ES" b="0" i="0" dirty="0">
+                <a:effectLst/>
+                <a:latin typeface="Segoe WPC"/>
+              </a:rPr>
+              <a:t> </a:t>
+            </a:r>
+            <a:r>
+              <a:rPr lang="es-ES" b="0" i="0" dirty="0" err="1">
+                <a:effectLst/>
+                <a:latin typeface="Segoe WPC"/>
+              </a:rPr>
+              <a:t>són</a:t>
+            </a:r>
+            <a:r>
+              <a:rPr lang="es-ES" b="0" i="0" dirty="0">
+                <a:effectLst/>
+                <a:latin typeface="Segoe WPC"/>
+              </a:rPr>
+              <a:t> </a:t>
+            </a:r>
+            <a:r>
+              <a:rPr lang="es-ES" b="0" i="0" dirty="0" err="1">
+                <a:effectLst/>
+                <a:latin typeface="Segoe WPC"/>
+              </a:rPr>
+              <a:t>massa</a:t>
+            </a:r>
+            <a:r>
+              <a:rPr lang="es-ES" b="0" i="0" dirty="0">
+                <a:effectLst/>
+                <a:latin typeface="Segoe WPC"/>
+              </a:rPr>
+              <a:t> complexes per la </a:t>
+            </a:r>
+            <a:r>
+              <a:rPr lang="es-ES" b="0" i="0" dirty="0" err="1">
+                <a:effectLst/>
+                <a:latin typeface="Segoe WPC"/>
+              </a:rPr>
+              <a:t>quantitat</a:t>
+            </a:r>
+            <a:r>
+              <a:rPr lang="es-ES" b="0" i="0" dirty="0">
+                <a:effectLst/>
+                <a:latin typeface="Segoe WPC"/>
+              </a:rPr>
+              <a:t> limitada de dades que </a:t>
+            </a:r>
+            <a:r>
+              <a:rPr lang="es-ES" b="0" i="0" dirty="0" err="1">
+                <a:effectLst/>
+                <a:latin typeface="Segoe WPC"/>
+              </a:rPr>
+              <a:t>tenim</a:t>
+            </a:r>
+            <a:r>
+              <a:rPr lang="es-ES" b="0" i="0" dirty="0">
+                <a:effectLst/>
+                <a:latin typeface="Segoe WPC"/>
+              </a:rPr>
+              <a:t>, ni </a:t>
+            </a:r>
+            <a:r>
+              <a:rPr lang="es-ES" b="0" i="0" dirty="0" err="1">
+                <a:effectLst/>
+                <a:latin typeface="Segoe WPC"/>
+              </a:rPr>
+              <a:t>models</a:t>
+            </a:r>
+            <a:r>
+              <a:rPr lang="es-ES" b="0" i="0" dirty="0">
+                <a:effectLst/>
+                <a:latin typeface="Segoe WPC"/>
+              </a:rPr>
+              <a:t> </a:t>
+            </a:r>
+            <a:r>
+              <a:rPr lang="es-ES" b="0" i="0" dirty="0" err="1">
+                <a:effectLst/>
+                <a:latin typeface="Segoe WPC"/>
+              </a:rPr>
+              <a:t>com</a:t>
+            </a:r>
+            <a:r>
+              <a:rPr lang="es-ES" b="0" i="0" dirty="0">
+                <a:effectLst/>
+                <a:latin typeface="Segoe WPC"/>
+              </a:rPr>
+              <a:t> KNN que </a:t>
+            </a:r>
+            <a:r>
+              <a:rPr lang="es-ES" b="0" i="0" dirty="0" err="1">
+                <a:effectLst/>
+                <a:latin typeface="Segoe WPC"/>
+              </a:rPr>
+              <a:t>funcionarien</a:t>
+            </a:r>
+            <a:r>
+              <a:rPr lang="es-ES" b="0" i="0" dirty="0">
+                <a:effectLst/>
+                <a:latin typeface="Segoe WPC"/>
+              </a:rPr>
+              <a:t> </a:t>
+            </a:r>
+            <a:r>
+              <a:rPr lang="es-ES" b="0" i="0" dirty="0" err="1">
+                <a:effectLst/>
+                <a:latin typeface="Segoe WPC"/>
+              </a:rPr>
+              <a:t>pitjor</a:t>
+            </a:r>
+            <a:r>
+              <a:rPr lang="es-ES" b="0" i="0" dirty="0">
+                <a:effectLst/>
+                <a:latin typeface="Segoe WPC"/>
+              </a:rPr>
+              <a:t> </a:t>
+            </a:r>
+            <a:r>
+              <a:rPr lang="es-ES" b="0" i="0" dirty="0" err="1">
+                <a:effectLst/>
+                <a:latin typeface="Segoe WPC"/>
+              </a:rPr>
+              <a:t>amb</a:t>
+            </a:r>
+            <a:r>
+              <a:rPr lang="es-ES" b="0" i="0" dirty="0">
+                <a:effectLst/>
+                <a:latin typeface="Segoe WPC"/>
+              </a:rPr>
+              <a:t> les </a:t>
+            </a:r>
+            <a:r>
+              <a:rPr lang="es-ES" b="0" i="0" dirty="0" err="1">
+                <a:effectLst/>
+                <a:latin typeface="Segoe WPC"/>
+              </a:rPr>
+              <a:t>dimensions</a:t>
+            </a:r>
+            <a:r>
+              <a:rPr lang="es-ES" b="0" i="0" dirty="0">
+                <a:effectLst/>
+                <a:latin typeface="Segoe WPC"/>
+              </a:rPr>
+              <a:t> del </a:t>
+            </a:r>
+            <a:r>
+              <a:rPr lang="es-ES" b="0" i="0" dirty="0" err="1">
+                <a:effectLst/>
+                <a:latin typeface="Segoe WPC"/>
+              </a:rPr>
+              <a:t>nostre</a:t>
+            </a:r>
+            <a:r>
+              <a:rPr lang="es-ES" b="0" i="0" dirty="0">
+                <a:effectLst/>
+                <a:latin typeface="Segoe WPC"/>
+              </a:rPr>
+              <a:t> problema.</a:t>
+            </a:r>
+            <a:endParaRPr lang="es-ES" dirty="0"/>
+          </a:p>
+        </p:txBody>
+      </p:sp>
+    </p:spTree>
+    <p:extLst>
+      <p:ext uri="{BB962C8B-B14F-4D97-AF65-F5344CB8AC3E}">
+        <p14:creationId xmlns:p14="http://schemas.microsoft.com/office/powerpoint/2010/main" val="1617400586"/>
+      </p:ext>
+    </p:extLst>
+  </p:cSld>
+  <p:clrMapOvr>
+    <a:masterClrMapping/>
+  </p:clrMapOvr>
+</p:sld>
+</file>
+
+<file path=ppt/slides/slide16.xml><?xml version="1.0" encoding="utf-8"?>
+<p:sld xmlns:a="http://schemas.openxmlformats.org/drawingml/2006/main" xmlns:r="http://schemas.openxmlformats.org/officeDocument/2006/relationships" xmlns:p="http://schemas.openxmlformats.org/presentationml/2006/main">
+  <p:cSld>
+    <p:spTree>
+      <p:nvGrpSpPr>
+        <p:cNvPr id="1" name=""/>
+        <p:cNvGrpSpPr/>
+        <p:nvPr/>
+      </p:nvGrpSpPr>
+      <p:grpSpPr>
+        <a:xfrm>
+          <a:off x="0" y="0"/>
+          <a:ext cx="0" cy="0"/>
+          <a:chOff x="0" y="0"/>
+          <a:chExt cx="0" cy="0"/>
+        </a:xfrm>
+      </p:grpSpPr>
+      <p:pic>
+        <p:nvPicPr>
+          <p:cNvPr id="3" name="Imagen 2">
+            <a:extLst>
+              <a:ext uri="{FF2B5EF4-FFF2-40B4-BE49-F238E27FC236}">
+                <a16:creationId xmlns:a16="http://schemas.microsoft.com/office/drawing/2014/main" id="{02306A0D-9586-CEEF-532F-E90CB87DF2D2}"/>
+              </a:ext>
+            </a:extLst>
+          </p:cNvPr>
+          <p:cNvPicPr>
+            <a:picLocks noChangeAspect="1"/>
+          </p:cNvPicPr>
+          <p:nvPr/>
+        </p:nvPicPr>
+        <p:blipFill>
+          <a:blip r:embed="rId2"/>
+          <a:stretch>
+            <a:fillRect/>
+          </a:stretch>
+        </p:blipFill>
+        <p:spPr>
+          <a:xfrm>
+            <a:off x="1982044" y="745885"/>
+            <a:ext cx="5179912" cy="5887833"/>
+          </a:xfrm>
+          <a:prstGeom prst="rect">
+            <a:avLst/>
+          </a:prstGeom>
+        </p:spPr>
+      </p:pic>
+      <p:pic>
+        <p:nvPicPr>
+          <p:cNvPr id="11" name="Imagen 10">
+            <a:extLst>
+              <a:ext uri="{FF2B5EF4-FFF2-40B4-BE49-F238E27FC236}">
+                <a16:creationId xmlns:a16="http://schemas.microsoft.com/office/drawing/2014/main" id="{0920A0CD-B29A-3854-8D72-3852F1BCEB50}"/>
+              </a:ext>
+            </a:extLst>
+          </p:cNvPr>
+          <p:cNvPicPr>
+            <a:picLocks noChangeAspect="1"/>
+          </p:cNvPicPr>
+          <p:nvPr/>
+        </p:nvPicPr>
+        <p:blipFill>
+          <a:blip r:embed="rId3"/>
+          <a:stretch>
+            <a:fillRect/>
+          </a:stretch>
+        </p:blipFill>
+        <p:spPr>
+          <a:xfrm>
+            <a:off x="1158476" y="180975"/>
+            <a:ext cx="6827047" cy="447675"/>
+          </a:xfrm>
+          <a:prstGeom prst="rect">
+            <a:avLst/>
+          </a:prstGeom>
+        </p:spPr>
+      </p:pic>
+    </p:spTree>
+    <p:extLst>
+      <p:ext uri="{BB962C8B-B14F-4D97-AF65-F5344CB8AC3E}">
+        <p14:creationId xmlns:p14="http://schemas.microsoft.com/office/powerpoint/2010/main" val="862995939"/>
+      </p:ext>
+    </p:extLst>
+  </p:cSld>
+  <p:clrMapOvr>
+    <a:masterClrMapping/>
+  </p:clrMapOvr>
+</p:sld>
+</file>
+
+<file path=ppt/slides/slide17.xml><?xml version="1.0" encoding="utf-8"?>
+<p:sld xmlns:a="http://schemas.openxmlformats.org/drawingml/2006/main" xmlns:r="http://schemas.openxmlformats.org/officeDocument/2006/relationships" xmlns:p="http://schemas.openxmlformats.org/presentationml/2006/main">
+  <p:cSld>
+    <p:spTree>
+      <p:nvGrpSpPr>
+        <p:cNvPr id="1" name=""/>
+        <p:cNvGrpSpPr/>
+        <p:nvPr/>
+      </p:nvGrpSpPr>
+      <p:grpSpPr>
+        <a:xfrm>
+          <a:off x="0" y="0"/>
+          <a:ext cx="0" cy="0"/>
+          <a:chOff x="0" y="0"/>
+          <a:chExt cx="0" cy="0"/>
+        </a:xfrm>
+      </p:grpSpPr>
+      <p:pic>
+        <p:nvPicPr>
+          <p:cNvPr id="3" name="Imagen 2">
+            <a:extLst>
+              <a:ext uri="{FF2B5EF4-FFF2-40B4-BE49-F238E27FC236}">
+                <a16:creationId xmlns:a16="http://schemas.microsoft.com/office/drawing/2014/main" id="{27BEBB2A-8961-8CB1-4103-144546102E9C}"/>
+              </a:ext>
+            </a:extLst>
+          </p:cNvPr>
+          <p:cNvPicPr>
+            <a:picLocks noChangeAspect="1"/>
+          </p:cNvPicPr>
+          <p:nvPr/>
+        </p:nvPicPr>
+        <p:blipFill>
+          <a:blip r:embed="rId2"/>
+          <a:stretch>
+            <a:fillRect/>
+          </a:stretch>
+        </p:blipFill>
+        <p:spPr>
+          <a:xfrm>
+            <a:off x="0" y="1582612"/>
+            <a:ext cx="9144000" cy="4467475"/>
+          </a:xfrm>
+          <a:prstGeom prst="rect">
+            <a:avLst/>
+          </a:prstGeom>
+        </p:spPr>
+      </p:pic>
+      <p:sp>
+        <p:nvSpPr>
+          <p:cNvPr id="4" name="CuadroTexto 3">
+            <a:extLst>
+              <a:ext uri="{FF2B5EF4-FFF2-40B4-BE49-F238E27FC236}">
+                <a16:creationId xmlns:a16="http://schemas.microsoft.com/office/drawing/2014/main" id="{5E59B2EB-11D7-CC64-8EA7-B981C51CDFA8}"/>
+              </a:ext>
+            </a:extLst>
+          </p:cNvPr>
+          <p:cNvSpPr txBox="1"/>
+          <p:nvPr/>
+        </p:nvSpPr>
+        <p:spPr>
+          <a:xfrm>
+            <a:off x="1377950" y="997681"/>
+            <a:ext cx="2362200" cy="369332"/>
+          </a:xfrm>
+          <a:prstGeom prst="rect">
+            <a:avLst/>
+          </a:prstGeom>
+          <a:noFill/>
+        </p:spPr>
+        <p:txBody>
+          <a:bodyPr wrap="square" rtlCol="0">
+            <a:spAutoFit/>
+          </a:bodyPr>
+          <a:lstStyle/>
+          <a:p>
+            <a:r>
+              <a:rPr lang="es-ES" dirty="0"/>
+              <a:t>Dades de </a:t>
+            </a:r>
+            <a:r>
+              <a:rPr lang="es-ES" b="1" dirty="0" err="1"/>
+              <a:t>Entrenament</a:t>
+            </a:r>
+            <a:endParaRPr lang="es-ES" b="1" dirty="0"/>
+          </a:p>
+        </p:txBody>
+      </p:sp>
+      <p:sp>
+        <p:nvSpPr>
+          <p:cNvPr id="5" name="CuadroTexto 4">
+            <a:extLst>
+              <a:ext uri="{FF2B5EF4-FFF2-40B4-BE49-F238E27FC236}">
+                <a16:creationId xmlns:a16="http://schemas.microsoft.com/office/drawing/2014/main" id="{B20CE0FD-6925-AE14-5339-2469B687A88C}"/>
+              </a:ext>
+            </a:extLst>
+          </p:cNvPr>
+          <p:cNvSpPr txBox="1"/>
+          <p:nvPr/>
+        </p:nvSpPr>
+        <p:spPr>
+          <a:xfrm>
+            <a:off x="6254750" y="997681"/>
+            <a:ext cx="2038350" cy="369332"/>
+          </a:xfrm>
+          <a:prstGeom prst="rect">
+            <a:avLst/>
+          </a:prstGeom>
+          <a:noFill/>
+        </p:spPr>
+        <p:txBody>
+          <a:bodyPr wrap="square" rtlCol="0">
+            <a:spAutoFit/>
+          </a:bodyPr>
+          <a:lstStyle/>
+          <a:p>
+            <a:r>
+              <a:rPr lang="es-ES" dirty="0"/>
+              <a:t>Dades de </a:t>
+            </a:r>
+            <a:r>
+              <a:rPr lang="es-ES" b="1" dirty="0" err="1"/>
+              <a:t>Validació</a:t>
+            </a:r>
+            <a:endParaRPr lang="es-ES" b="1" dirty="0"/>
+          </a:p>
+        </p:txBody>
+      </p:sp>
+    </p:spTree>
+    <p:extLst>
+      <p:ext uri="{BB962C8B-B14F-4D97-AF65-F5344CB8AC3E}">
+        <p14:creationId xmlns:p14="http://schemas.microsoft.com/office/powerpoint/2010/main" val="1421552934"/>
+      </p:ext>
+    </p:extLst>
+  </p:cSld>
+  <p:clrMapOvr>
+    <a:masterClrMapping/>
+  </p:clrMapOvr>
+</p:sld>
+</file>
+
+<file path=ppt/slides/slide18.xml><?xml version="1.0" encoding="utf-8"?>
+<p:sld xmlns:a="http://schemas.openxmlformats.org/drawingml/2006/main" xmlns:r="http://schemas.openxmlformats.org/officeDocument/2006/relationships" xmlns:p="http://schemas.openxmlformats.org/presentationml/2006/main">
+  <p:cSld>
+    <p:spTree>
+      <p:nvGrpSpPr>
+        <p:cNvPr id="1" name=""/>
+        <p:cNvGrpSpPr/>
+        <p:nvPr/>
+      </p:nvGrpSpPr>
+      <p:grpSpPr>
+        <a:xfrm>
+          <a:off x="0" y="0"/>
+          <a:ext cx="0" cy="0"/>
+          <a:chOff x="0" y="0"/>
+          <a:chExt cx="0" cy="0"/>
+        </a:xfrm>
+      </p:grpSpPr>
+      <p:pic>
+        <p:nvPicPr>
+          <p:cNvPr id="3" name="Imagen 2">
+            <a:extLst>
+              <a:ext uri="{FF2B5EF4-FFF2-40B4-BE49-F238E27FC236}">
+                <a16:creationId xmlns:a16="http://schemas.microsoft.com/office/drawing/2014/main" id="{CDE3B6D6-49D8-4698-2EEB-391F98664FA3}"/>
+              </a:ext>
+            </a:extLst>
+          </p:cNvPr>
+          <p:cNvPicPr>
+            <a:picLocks noChangeAspect="1"/>
+          </p:cNvPicPr>
+          <p:nvPr/>
+        </p:nvPicPr>
+        <p:blipFill>
+          <a:blip r:embed="rId2"/>
+          <a:stretch>
+            <a:fillRect/>
+          </a:stretch>
+        </p:blipFill>
+        <p:spPr>
+          <a:xfrm>
+            <a:off x="1171575" y="676275"/>
+            <a:ext cx="6800850" cy="5505450"/>
+          </a:xfrm>
+          <a:prstGeom prst="rect">
+            <a:avLst/>
+          </a:prstGeom>
+        </p:spPr>
+      </p:pic>
+    </p:spTree>
+    <p:extLst>
+      <p:ext uri="{BB962C8B-B14F-4D97-AF65-F5344CB8AC3E}">
+        <p14:creationId xmlns:p14="http://schemas.microsoft.com/office/powerpoint/2010/main" val="1332052919"/>
+      </p:ext>
+    </p:extLst>
+  </p:cSld>
+  <p:clrMapOvr>
+    <a:masterClrMapping/>
+  </p:clrMapOvr>
+</p:sld>
+</file>
+
+<file path=ppt/slides/slide19.xml><?xml version="1.0" encoding="utf-8"?>
+<p:sld xmlns:a="http://schemas.openxmlformats.org/drawingml/2006/main" xmlns:r="http://schemas.openxmlformats.org/officeDocument/2006/relationships" xmlns:p="http://schemas.openxmlformats.org/presentationml/2006/main">
+  <p:cSld>
+    <p:spTree>
+      <p:nvGrpSpPr>
+        <p:cNvPr id="1" name=""/>
+        <p:cNvGrpSpPr/>
+        <p:nvPr/>
+      </p:nvGrpSpPr>
+      <p:grpSpPr>
+        <a:xfrm>
+          <a:off x="0" y="0"/>
+          <a:ext cx="0" cy="0"/>
+          <a:chOff x="0" y="0"/>
+          <a:chExt cx="0" cy="0"/>
+        </a:xfrm>
+      </p:grpSpPr>
+      <p:sp>
+        <p:nvSpPr>
+          <p:cNvPr id="2" name="Título 1">
+            <a:extLst>
+              <a:ext uri="{FF2B5EF4-FFF2-40B4-BE49-F238E27FC236}">
+                <a16:creationId xmlns:a16="http://schemas.microsoft.com/office/drawing/2014/main" id="{6A2F2109-0B27-28C5-7CF0-9E208CE17E8F}"/>
+              </a:ext>
+            </a:extLst>
+          </p:cNvPr>
+          <p:cNvSpPr>
+            <a:spLocks noGrp="1"/>
+          </p:cNvSpPr>
+          <p:nvPr>
+            <p:ph type="title"/>
+          </p:nvPr>
+        </p:nvSpPr>
+        <p:spPr/>
+        <p:txBody>
+          <a:bodyPr/>
+          <a:lstStyle/>
+          <a:p>
+            <a:r>
+              <a:rPr lang="es-ES" dirty="0"/>
+              <a:t>Búsqueda </a:t>
+            </a:r>
+            <a:r>
+              <a:rPr lang="es-ES" dirty="0" err="1"/>
+              <a:t>Hiperparàmetres</a:t>
+            </a:r>
+            <a:endParaRPr lang="es-ES" dirty="0"/>
+          </a:p>
+        </p:txBody>
+      </p:sp>
+      <p:pic>
+        <p:nvPicPr>
+          <p:cNvPr id="4" name="Imagen 3">
+            <a:extLst>
+              <a:ext uri="{FF2B5EF4-FFF2-40B4-BE49-F238E27FC236}">
+                <a16:creationId xmlns:a16="http://schemas.microsoft.com/office/drawing/2014/main" id="{52E7E120-9F07-56D4-DB5F-E224A5813BB8}"/>
+              </a:ext>
+            </a:extLst>
+          </p:cNvPr>
+          <p:cNvPicPr>
+            <a:picLocks noChangeAspect="1"/>
+          </p:cNvPicPr>
+          <p:nvPr/>
+        </p:nvPicPr>
+        <p:blipFill>
+          <a:blip r:embed="rId2"/>
+          <a:stretch>
+            <a:fillRect/>
+          </a:stretch>
+        </p:blipFill>
+        <p:spPr>
+          <a:xfrm>
+            <a:off x="635000" y="1189574"/>
+            <a:ext cx="7874000" cy="3856789"/>
+          </a:xfrm>
+          <a:prstGeom prst="rect">
+            <a:avLst/>
+          </a:prstGeom>
+        </p:spPr>
+      </p:pic>
+      <p:sp>
+        <p:nvSpPr>
+          <p:cNvPr id="8" name="CuadroTexto 7">
+            <a:extLst>
+              <a:ext uri="{FF2B5EF4-FFF2-40B4-BE49-F238E27FC236}">
+                <a16:creationId xmlns:a16="http://schemas.microsoft.com/office/drawing/2014/main" id="{97DDE987-E41E-CEFB-D60C-D0A351CFA9B8}"/>
+              </a:ext>
+            </a:extLst>
+          </p:cNvPr>
+          <p:cNvSpPr txBox="1"/>
+          <p:nvPr/>
+        </p:nvSpPr>
+        <p:spPr>
+          <a:xfrm>
+            <a:off x="3613150" y="5114824"/>
+            <a:ext cx="2159000" cy="769441"/>
+          </a:xfrm>
+          <a:prstGeom prst="rect">
+            <a:avLst/>
+          </a:prstGeom>
+          <a:noFill/>
+        </p:spPr>
+        <p:txBody>
+          <a:bodyPr wrap="square">
+            <a:spAutoFit/>
+          </a:bodyPr>
+          <a:lstStyle/>
+          <a:p>
+            <a:r>
+              <a:rPr lang="es-ES" sz="4400" dirty="0"/>
+              <a:t>0.9787</a:t>
+            </a:r>
+            <a:endParaRPr lang="es-ES" sz="2000" dirty="0"/>
+          </a:p>
+        </p:txBody>
+      </p:sp>
+    </p:spTree>
+    <p:extLst>
+      <p:ext uri="{BB962C8B-B14F-4D97-AF65-F5344CB8AC3E}">
+        <p14:creationId xmlns:p14="http://schemas.microsoft.com/office/powerpoint/2010/main" val="1409724474"/>
+      </p:ext>
+    </p:extLst>
   </p:cSld>
   <p:clrMapOvr>
     <a:masterClrMapping/>
@@ -3287,7 +6099,12 @@
           <a:lstStyle/>
           <a:p>
             <a:r>
-              <a:t>Objetivo del Proyecto</a:t>
+              <a:rPr dirty="0" err="1"/>
+              <a:t>Objetivo</a:t>
+            </a:r>
+            <a:r>
+              <a:rPr dirty="0"/>
+              <a:t> del Proyecto</a:t>
             </a:r>
           </a:p>
         </p:txBody>
@@ -3319,6 +6136,159 @@
           <a:p>
             <a:r>
               <a:t>Automatizar la extracción, procesamiento y análisis de datos de portátiles</a:t>
+            </a:r>
+          </a:p>
+        </p:txBody>
+      </p:sp>
+    </p:spTree>
+  </p:cSld>
+  <p:clrMapOvr>
+    <a:masterClrMapping/>
+  </p:clrMapOvr>
+</p:sld>
+</file>
+
+<file path=ppt/slides/slide20.xml><?xml version="1.0" encoding="utf-8"?>
+<p:sld xmlns:a="http://schemas.openxmlformats.org/drawingml/2006/main" xmlns:r="http://schemas.openxmlformats.org/officeDocument/2006/relationships" xmlns:p="http://schemas.openxmlformats.org/presentationml/2006/main">
+  <p:cSld>
+    <p:spTree>
+      <p:nvGrpSpPr>
+        <p:cNvPr id="1" name=""/>
+        <p:cNvGrpSpPr/>
+        <p:nvPr/>
+      </p:nvGrpSpPr>
+      <p:grpSpPr>
+        <a:xfrm>
+          <a:off x="0" y="0"/>
+          <a:ext cx="0" cy="0"/>
+          <a:chOff x="0" y="0"/>
+          <a:chExt cx="0" cy="0"/>
+        </a:xfrm>
+      </p:grpSpPr>
+      <p:sp>
+        <p:nvSpPr>
+          <p:cNvPr id="2" name="Título 1">
+            <a:extLst>
+              <a:ext uri="{FF2B5EF4-FFF2-40B4-BE49-F238E27FC236}">
+                <a16:creationId xmlns:a16="http://schemas.microsoft.com/office/drawing/2014/main" id="{B26182C4-74F4-1B24-16B1-4177C53600D7}"/>
+              </a:ext>
+            </a:extLst>
+          </p:cNvPr>
+          <p:cNvSpPr>
+            <a:spLocks noGrp="1"/>
+          </p:cNvSpPr>
+          <p:nvPr>
+            <p:ph type="title"/>
+          </p:nvPr>
+        </p:nvSpPr>
+        <p:spPr/>
+        <p:txBody>
+          <a:bodyPr/>
+          <a:lstStyle/>
+          <a:p>
+            <a:r>
+              <a:rPr lang="es-ES" dirty="0"/>
+              <a:t>Client</a:t>
+            </a:r>
+          </a:p>
+        </p:txBody>
+      </p:sp>
+    </p:spTree>
+    <p:extLst>
+      <p:ext uri="{BB962C8B-B14F-4D97-AF65-F5344CB8AC3E}">
+        <p14:creationId xmlns:p14="http://schemas.microsoft.com/office/powerpoint/2010/main" val="1357325287"/>
+      </p:ext>
+    </p:extLst>
+  </p:cSld>
+  <p:clrMapOvr>
+    <a:masterClrMapping/>
+  </p:clrMapOvr>
+</p:sld>
+</file>
+
+<file path=ppt/slides/slide21.xml><?xml version="1.0" encoding="utf-8"?>
+<p:sld xmlns:a="http://schemas.openxmlformats.org/drawingml/2006/main" xmlns:r="http://schemas.openxmlformats.org/officeDocument/2006/relationships" xmlns:p="http://schemas.openxmlformats.org/presentationml/2006/main">
+  <p:cSld>
+    <p:spTree>
+      <p:nvGrpSpPr>
+        <p:cNvPr id="1" name=""/>
+        <p:cNvGrpSpPr/>
+        <p:nvPr/>
+      </p:nvGrpSpPr>
+      <p:grpSpPr>
+        <a:xfrm>
+          <a:off x="0" y="0"/>
+          <a:ext cx="0" cy="0"/>
+          <a:chOff x="0" y="0"/>
+          <a:chExt cx="0" cy="0"/>
+        </a:xfrm>
+      </p:grpSpPr>
+      <p:sp>
+        <p:nvSpPr>
+          <p:cNvPr id="2" name="Title 1"/>
+          <p:cNvSpPr>
+            <a:spLocks noGrp="1"/>
+          </p:cNvSpPr>
+          <p:nvPr>
+            <p:ph type="title"/>
+          </p:nvPr>
+        </p:nvSpPr>
+        <p:spPr/>
+        <p:txBody>
+          <a:bodyPr/>
+          <a:lstStyle/>
+          <a:p>
+            <a:r>
+              <a:t>Conclusiones y Trabajo Futuro</a:t>
+            </a:r>
+          </a:p>
+        </p:txBody>
+      </p:sp>
+      <p:sp>
+        <p:nvSpPr>
+          <p:cNvPr id="3" name="Content Placeholder 2"/>
+          <p:cNvSpPr>
+            <a:spLocks noGrp="1"/>
+          </p:cNvSpPr>
+          <p:nvPr>
+            <p:ph idx="1"/>
+          </p:nvPr>
+        </p:nvSpPr>
+        <p:spPr/>
+        <p:txBody>
+          <a:bodyPr/>
+          <a:lstStyle/>
+          <a:p>
+            <a:r>
+              <a:t>Resumen de logros y limitaciones encontradas</a:t>
+            </a:r>
+          </a:p>
+          <a:p>
+            <a:r>
+              <a:t>Posibles mejoras:</a:t>
+            </a:r>
+          </a:p>
+          <a:p>
+            <a:pPr lvl="1"/>
+            <a:r>
+              <a:t>• Ampliar fuentes de datos</a:t>
+            </a:r>
+          </a:p>
+          <a:p>
+            <a:pPr lvl="1"/>
+            <a:r>
+              <a:t>• Implementar técnicas avanzadas de deep learning</a:t>
+            </a:r>
+          </a:p>
+          <a:p>
+            <a:pPr lvl="1"/>
+            <a:r>
+              <a:t>• Desarrollo de una API para consultas en tiempo real</a:t>
+            </a:r>
+          </a:p>
+          <a:p>
+            <a:r>
+              <a:t>Agradecimientos y contacto</a:t>
             </a:r>
           </a:p>
         </p:txBody>
@@ -3358,13 +6328,31 @@
             <p:ph type="title"/>
           </p:nvPr>
         </p:nvSpPr>
-        <p:spPr/>
+        <p:spPr>
+          <a:xfrm>
+            <a:off x="457200" y="776288"/>
+            <a:ext cx="8229600" cy="1143000"/>
+          </a:xfrm>
+        </p:spPr>
         <p:txBody>
           <a:bodyPr/>
           <a:lstStyle/>
           <a:p>
             <a:r>
-              <a:t>Obtención de Datos - Web Scraping</a:t>
+              <a:rPr dirty="0" err="1"/>
+              <a:t>Obtenció</a:t>
+            </a:r>
+            <a:r>
+              <a:rPr dirty="0"/>
+              <a:t> de </a:t>
+            </a:r>
+            <a:r>
+              <a:rPr lang="es-ES" dirty="0"/>
+              <a:t>Dades</a:t>
+            </a:r>
+            <a:r>
+              <a:rPr dirty="0"/>
+              <a:t> - Web Scraping</a:t>
             </a:r>
           </a:p>
         </p:txBody>
@@ -3379,20 +6367,29 @@
             <p:ph idx="1"/>
           </p:nvPr>
         </p:nvSpPr>
-        <p:spPr/>
+        <p:spPr>
+          <a:xfrm>
+            <a:off x="457200" y="2628900"/>
+            <a:ext cx="8229600" cy="3503613"/>
+          </a:xfrm>
+        </p:spPr>
         <p:txBody>
           <a:bodyPr>
-            <a:normAutofit fontScale="92500"/>
+            <a:normAutofit/>
           </a:bodyPr>
           <a:lstStyle/>
           <a:p>
             <a:r>
+              <a:rPr lang="es-ES" dirty="0" err="1"/>
+              <a:t>Fonts</a:t>
+            </a:r>
+            <a:r>
               <a:rPr dirty="0"/>
-              <a:t>Fuentes de </a:t>
-            </a:r>
-            <a:r>
-              <a:rPr dirty="0" err="1"/>
-              <a:t>datos</a:t>
+              <a:t> de </a:t>
+            </a:r>
+            <a:r>
+              <a:rPr lang="es-ES" dirty="0"/>
+              <a:t>dades</a:t>
             </a:r>
             <a:r>
               <a:rPr dirty="0"/>
@@ -3414,170 +6411,34 @@
           </a:p>
           <a:p>
             <a:r>
-              <a:rPr dirty="0" err="1"/>
-              <a:t>Herramientas</a:t>
-            </a:r>
-            <a:r>
-              <a:rPr dirty="0"/>
+              <a:rPr lang="es-ES" dirty="0" err="1"/>
+              <a:t>Ferramentes</a:t>
+            </a:r>
+            <a:r>
+              <a:rPr lang="es-ES" dirty="0"/>
               <a:t> </a:t>
             </a:r>
             <a:r>
-              <a:rPr dirty="0" err="1"/>
-              <a:t>utilizadas</a:t>
-            </a:r>
-            <a:r>
-              <a:rPr dirty="0"/>
-              <a:t>: Python, </a:t>
-            </a:r>
-            <a:r>
-              <a:rPr dirty="0" err="1"/>
+              <a:rPr lang="es-ES" dirty="0" err="1"/>
+              <a:t>utilitzades</a:t>
+            </a:r>
+            <a:r>
+              <a:rPr lang="es-ES" dirty="0"/>
+              <a:t>: </a:t>
+            </a:r>
+            <a:r>
+              <a:rPr lang="es-ES" dirty="0" err="1"/>
+              <a:t>Requests_HTML</a:t>
+            </a:r>
+            <a:r>
+              <a:rPr lang="es-ES" dirty="0"/>
+              <a:t>, </a:t>
+            </a:r>
+            <a:r>
+              <a:rPr lang="es-ES" dirty="0" err="1"/>
               <a:t>BeautifulSoup</a:t>
             </a:r>
             <a:endParaRPr dirty="0"/>
-          </a:p>
-          <a:p>
-            <a:r>
-              <a:rPr dirty="0" err="1"/>
-              <a:t>Proceso</a:t>
-            </a:r>
-            <a:r>
-              <a:rPr dirty="0"/>
-              <a:t>:</a:t>
-            </a:r>
-          </a:p>
-          <a:p>
-            <a:pPr lvl="1"/>
-            <a:r>
-              <a:rPr dirty="0" err="1"/>
-              <a:t>Identificación</a:t>
-            </a:r>
-            <a:r>
-              <a:rPr dirty="0"/>
-              <a:t> de URLs y </a:t>
-            </a:r>
-            <a:r>
-              <a:rPr dirty="0" err="1"/>
-              <a:t>estructura</a:t>
-            </a:r>
-            <a:r>
-              <a:rPr dirty="0"/>
-              <a:t> de las </a:t>
-            </a:r>
-            <a:r>
-              <a:rPr dirty="0" err="1"/>
-              <a:t>páginas</a:t>
-            </a:r>
-            <a:endParaRPr dirty="0"/>
-          </a:p>
-          <a:p>
-            <a:pPr lvl="1"/>
-            <a:r>
-              <a:rPr dirty="0" err="1"/>
-              <a:t>Extracción</a:t>
-            </a:r>
-            <a:r>
-              <a:rPr dirty="0"/>
-              <a:t> de </a:t>
-            </a:r>
-            <a:r>
-              <a:rPr dirty="0" err="1"/>
-              <a:t>características</a:t>
-            </a:r>
-            <a:r>
-              <a:rPr dirty="0"/>
-              <a:t>: </a:t>
-            </a:r>
-            <a:r>
-              <a:rPr dirty="0" err="1"/>
-              <a:t>procesador</a:t>
-            </a:r>
-            <a:r>
-              <a:rPr dirty="0"/>
-              <a:t>, RAM, </a:t>
-            </a:r>
-            <a:r>
-              <a:rPr dirty="0" err="1"/>
-              <a:t>almacenamiento</a:t>
-            </a:r>
-            <a:r>
-              <a:rPr dirty="0"/>
-              <a:t>, </a:t>
-            </a:r>
-            <a:r>
-              <a:rPr dirty="0" err="1"/>
-              <a:t>precio</a:t>
-            </a:r>
-            <a:r>
-              <a:rPr dirty="0"/>
-              <a:t>, etc.</a:t>
-            </a:r>
-          </a:p>
-          <a:p>
-            <a:pPr lvl="1"/>
-            <a:r>
-              <a:rPr dirty="0" err="1"/>
-              <a:t>Gestión</a:t>
-            </a:r>
-            <a:r>
-              <a:rPr dirty="0"/>
-              <a:t> de </a:t>
-            </a:r>
-            <a:r>
-              <a:rPr dirty="0" err="1"/>
-              <a:t>paginación</a:t>
-            </a:r>
-            <a:r>
-              <a:rPr dirty="0"/>
-              <a:t> y </a:t>
-            </a:r>
-            <a:r>
-              <a:rPr dirty="0" err="1"/>
-              <a:t>categorías</a:t>
-            </a:r>
-            <a:r>
-              <a:rPr dirty="0"/>
-              <a:t> de </a:t>
-            </a:r>
-            <a:r>
-              <a:rPr dirty="0" err="1"/>
-              <a:t>productos</a:t>
-            </a:r>
-            <a:endParaRPr dirty="0"/>
-          </a:p>
-          <a:p>
-            <a:pPr lvl="1"/>
-            <a:r>
-              <a:rPr dirty="0" err="1"/>
-              <a:t>Incluir</a:t>
-            </a:r>
-            <a:r>
-              <a:rPr dirty="0"/>
-              <a:t> </a:t>
-            </a:r>
-            <a:r>
-              <a:rPr dirty="0" err="1"/>
-              <a:t>capturas</a:t>
-            </a:r>
-            <a:r>
-              <a:rPr dirty="0"/>
-              <a:t> del </a:t>
-            </a:r>
-            <a:r>
-              <a:rPr dirty="0" err="1"/>
-              <a:t>código</a:t>
-            </a:r>
-            <a:r>
-              <a:rPr dirty="0"/>
-              <a:t> y </a:t>
-            </a:r>
-            <a:r>
-              <a:rPr dirty="0" err="1"/>
-              <a:t>resultados</a:t>
-            </a:r>
-            <a:r>
-              <a:rPr dirty="0"/>
-              <a:t> del scraping</a:t>
-            </a:r>
           </a:p>
         </p:txBody>
       </p:sp>
@@ -3606,242 +6467,42 @@
           <a:chExt cx="0" cy="0"/>
         </a:xfrm>
       </p:grpSpPr>
-      <p:sp>
-        <p:nvSpPr>
-          <p:cNvPr id="2" name="Title 1"/>
-          <p:cNvSpPr>
-            <a:spLocks noGrp="1"/>
-          </p:cNvSpPr>
-          <p:nvPr>
-            <p:ph type="title"/>
-          </p:nvPr>
-        </p:nvSpPr>
-        <p:spPr/>
-        <p:txBody>
-          <a:bodyPr/>
-          <a:lstStyle/>
-          <a:p>
-            <a:r>
-              <a:t>Almacenamiento de Datos</a:t>
-            </a:r>
-          </a:p>
-        </p:txBody>
-      </p:sp>
-      <p:sp>
-        <p:nvSpPr>
-          <p:cNvPr id="3" name="Content Placeholder 2"/>
-          <p:cNvSpPr>
-            <a:spLocks noGrp="1"/>
-          </p:cNvSpPr>
-          <p:nvPr>
-            <p:ph idx="1"/>
-          </p:nvPr>
-        </p:nvSpPr>
-        <p:spPr/>
-        <p:txBody>
-          <a:bodyPr>
-            <a:normAutofit fontScale="92500"/>
-          </a:bodyPr>
-          <a:lstStyle/>
-          <a:p>
-            <a:r>
-              <a:rPr dirty="0" err="1"/>
-              <a:t>Diseño</a:t>
-            </a:r>
-            <a:r>
-              <a:rPr dirty="0"/>
-              <a:t> de la base de </a:t>
-            </a:r>
-            <a:r>
-              <a:rPr dirty="0" err="1"/>
-              <a:t>datos</a:t>
-            </a:r>
-            <a:r>
-              <a:rPr dirty="0"/>
-              <a:t>: </a:t>
-            </a:r>
-            <a:r>
-              <a:rPr dirty="0" err="1"/>
-              <a:t>esquema</a:t>
-            </a:r>
-            <a:r>
-              <a:rPr dirty="0"/>
-              <a:t> </a:t>
-            </a:r>
-            <a:r>
-              <a:rPr dirty="0" err="1"/>
-              <a:t>relacional</a:t>
-            </a:r>
-            <a:endParaRPr dirty="0"/>
-          </a:p>
-          <a:p>
-            <a:r>
-              <a:rPr dirty="0" err="1"/>
-              <a:t>Tecnología</a:t>
-            </a:r>
-            <a:r>
-              <a:rPr dirty="0"/>
-              <a:t>: </a:t>
-            </a:r>
-            <a:r>
-              <a:rPr lang="es-ES" dirty="0"/>
-              <a:t>MongoDB</a:t>
-            </a:r>
-            <a:endParaRPr dirty="0"/>
-          </a:p>
-          <a:p>
-            <a:r>
-              <a:rPr dirty="0" err="1"/>
-              <a:t>Proceso</a:t>
-            </a:r>
-            <a:r>
-              <a:rPr dirty="0"/>
-              <a:t> ETL:</a:t>
-            </a:r>
-          </a:p>
-          <a:p>
-            <a:pPr lvl="1"/>
-            <a:r>
-              <a:rPr dirty="0"/>
-              <a:t>• </a:t>
-            </a:r>
-            <a:r>
-              <a:rPr dirty="0" err="1"/>
-              <a:t>Transformación</a:t>
-            </a:r>
-            <a:r>
-              <a:rPr dirty="0"/>
-              <a:t> de </a:t>
-            </a:r>
-            <a:r>
-              <a:rPr dirty="0" err="1"/>
-              <a:t>datos</a:t>
-            </a:r>
-            <a:r>
-              <a:rPr dirty="0"/>
-              <a:t> </a:t>
-            </a:r>
-            <a:r>
-              <a:rPr dirty="0" err="1"/>
-              <a:t>extraídos</a:t>
-            </a:r>
-            <a:r>
-              <a:rPr dirty="0"/>
-              <a:t> a </a:t>
-            </a:r>
-            <a:r>
-              <a:rPr dirty="0" err="1"/>
-              <a:t>formato</a:t>
-            </a:r>
-            <a:r>
-              <a:rPr dirty="0"/>
-              <a:t> </a:t>
-            </a:r>
-            <a:r>
-              <a:rPr dirty="0" err="1"/>
-              <a:t>estructurado</a:t>
-            </a:r>
-            <a:endParaRPr dirty="0"/>
-          </a:p>
-          <a:p>
-            <a:pPr lvl="1"/>
-            <a:r>
-              <a:rPr dirty="0"/>
-              <a:t>• </a:t>
-            </a:r>
-            <a:r>
-              <a:rPr dirty="0" err="1"/>
-              <a:t>Limpieza</a:t>
-            </a:r>
-            <a:r>
-              <a:rPr dirty="0"/>
-              <a:t> </a:t>
-            </a:r>
-            <a:r>
-              <a:rPr dirty="0" err="1"/>
-              <a:t>inicial</a:t>
-            </a:r>
-            <a:r>
-              <a:rPr dirty="0"/>
-              <a:t> y </a:t>
-            </a:r>
-            <a:r>
-              <a:rPr dirty="0" err="1"/>
-              <a:t>detección</a:t>
-            </a:r>
-            <a:r>
-              <a:rPr dirty="0"/>
-              <a:t> de </a:t>
-            </a:r>
-            <a:r>
-              <a:rPr dirty="0" err="1"/>
-              <a:t>duplicados</a:t>
-            </a:r>
-            <a:endParaRPr dirty="0"/>
-          </a:p>
-          <a:p>
-            <a:pPr lvl="1"/>
-            <a:r>
-              <a:rPr dirty="0"/>
-              <a:t>• Carga </a:t>
-            </a:r>
-            <a:r>
-              <a:rPr dirty="0" err="1"/>
-              <a:t>en</a:t>
-            </a:r>
-            <a:r>
-              <a:rPr dirty="0"/>
-              <a:t> la base de </a:t>
-            </a:r>
-            <a:r>
-              <a:rPr dirty="0" err="1"/>
-              <a:t>datos</a:t>
-            </a:r>
-            <a:r>
-              <a:rPr dirty="0"/>
-              <a:t> </a:t>
-            </a:r>
-            <a:r>
-              <a:rPr dirty="0" err="1"/>
-              <a:t>mediante</a:t>
-            </a:r>
-            <a:r>
-              <a:rPr dirty="0"/>
-              <a:t> script </a:t>
-            </a:r>
-            <a:r>
-              <a:rPr dirty="0" err="1"/>
-              <a:t>automatizado</a:t>
-            </a:r>
-            <a:endParaRPr dirty="0"/>
-          </a:p>
-          <a:p>
-            <a:pPr lvl="1"/>
-            <a:r>
-              <a:rPr dirty="0" err="1"/>
-              <a:t>Incluir</a:t>
-            </a:r>
-            <a:r>
-              <a:rPr dirty="0"/>
-              <a:t> </a:t>
-            </a:r>
-            <a:r>
-              <a:rPr dirty="0" err="1"/>
-              <a:t>diagrama</a:t>
-            </a:r>
-            <a:r>
-              <a:rPr dirty="0"/>
-              <a:t> de la base de </a:t>
-            </a:r>
-            <a:r>
-              <a:rPr dirty="0" err="1"/>
-              <a:t>datos</a:t>
-            </a:r>
-            <a:endParaRPr dirty="0"/>
-          </a:p>
-        </p:txBody>
-      </p:sp>
+      <p:pic>
+        <p:nvPicPr>
+          <p:cNvPr id="5" name="Imagen 4">
+            <a:extLst>
+              <a:ext uri="{FF2B5EF4-FFF2-40B4-BE49-F238E27FC236}">
+                <a16:creationId xmlns:a16="http://schemas.microsoft.com/office/drawing/2014/main" id="{3416F3D2-F305-0D01-94BC-E05FCD8D7D8A}"/>
+              </a:ext>
+            </a:extLst>
+          </p:cNvPr>
+          <p:cNvPicPr>
+            <a:picLocks noChangeAspect="1"/>
+          </p:cNvPicPr>
+          <p:nvPr/>
+        </p:nvPicPr>
+        <p:blipFill>
+          <a:blip r:embed="rId2"/>
+          <a:stretch>
+            <a:fillRect/>
+          </a:stretch>
+        </p:blipFill>
+        <p:spPr>
+          <a:xfrm>
+            <a:off x="0" y="966522"/>
+            <a:ext cx="9144000" cy="4924955"/>
+          </a:xfrm>
+          <a:prstGeom prst="rect">
+            <a:avLst/>
+          </a:prstGeom>
+        </p:spPr>
+      </p:pic>
     </p:spTree>
+    <p:extLst>
+      <p:ext uri="{BB962C8B-B14F-4D97-AF65-F5344CB8AC3E}">
+        <p14:creationId xmlns:p14="http://schemas.microsoft.com/office/powerpoint/2010/main" val="2847241691"/>
+      </p:ext>
+    </p:extLst>
   </p:cSld>
   <p:clrMapOvr>
     <a:masterClrMapping/>
@@ -3866,198 +6527,42 @@
           <a:chExt cx="0" cy="0"/>
         </a:xfrm>
       </p:grpSpPr>
-      <p:sp>
-        <p:nvSpPr>
-          <p:cNvPr id="2" name="Title 1"/>
-          <p:cNvSpPr>
-            <a:spLocks noGrp="1"/>
-          </p:cNvSpPr>
-          <p:nvPr>
-            <p:ph type="title"/>
-          </p:nvPr>
-        </p:nvSpPr>
-        <p:spPr/>
-        <p:txBody>
-          <a:bodyPr/>
-          <a:lstStyle/>
-          <a:p>
-            <a:r>
-              <a:t>Preparación del Dataset</a:t>
-            </a:r>
-          </a:p>
-        </p:txBody>
-      </p:sp>
-      <p:sp>
-        <p:nvSpPr>
-          <p:cNvPr id="3" name="Content Placeholder 2"/>
-          <p:cNvSpPr>
-            <a:spLocks noGrp="1"/>
-          </p:cNvSpPr>
-          <p:nvPr>
-            <p:ph idx="1"/>
-          </p:nvPr>
-        </p:nvSpPr>
-        <p:spPr/>
-        <p:txBody>
-          <a:bodyPr/>
-          <a:lstStyle/>
-          <a:p>
-            <a:r>
-              <a:rPr dirty="0" err="1"/>
-              <a:t>Consultas</a:t>
-            </a:r>
-            <a:r>
-              <a:rPr dirty="0"/>
-              <a:t> SQL para </a:t>
-            </a:r>
-            <a:r>
-              <a:rPr dirty="0" err="1"/>
-              <a:t>construir</a:t>
-            </a:r>
-            <a:r>
-              <a:rPr dirty="0"/>
-              <a:t> </a:t>
-            </a:r>
-            <a:r>
-              <a:rPr dirty="0" err="1"/>
-              <a:t>el</a:t>
-            </a:r>
-            <a:r>
-              <a:rPr dirty="0"/>
-              <a:t> dataset </a:t>
-            </a:r>
-            <a:r>
-              <a:rPr dirty="0" err="1"/>
-              <a:t>inicial</a:t>
-            </a:r>
-            <a:endParaRPr dirty="0"/>
-          </a:p>
-          <a:p>
-            <a:r>
-              <a:rPr dirty="0" err="1"/>
-              <a:t>Unificación</a:t>
-            </a:r>
-            <a:r>
-              <a:rPr dirty="0"/>
-              <a:t> de </a:t>
-            </a:r>
-            <a:r>
-              <a:rPr dirty="0" err="1"/>
-              <a:t>datos</a:t>
-            </a:r>
-            <a:r>
-              <a:rPr dirty="0"/>
-              <a:t> de </a:t>
-            </a:r>
-            <a:r>
-              <a:rPr dirty="0" err="1"/>
-              <a:t>diferentes</a:t>
-            </a:r>
-            <a:r>
-              <a:rPr dirty="0"/>
-              <a:t> </a:t>
-            </a:r>
-            <a:r>
-              <a:rPr dirty="0" err="1"/>
-              <a:t>fuentes</a:t>
-            </a:r>
-            <a:endParaRPr dirty="0"/>
-          </a:p>
-          <a:p>
-            <a:r>
-              <a:rPr dirty="0" err="1"/>
-              <a:t>Normalización</a:t>
-            </a:r>
-            <a:r>
-              <a:rPr dirty="0"/>
-              <a:t> y </a:t>
-            </a:r>
-            <a:r>
-              <a:rPr dirty="0" err="1"/>
-              <a:t>estandarización</a:t>
-            </a:r>
-            <a:r>
-              <a:rPr dirty="0"/>
-              <a:t> de </a:t>
-            </a:r>
-            <a:r>
-              <a:rPr dirty="0" err="1"/>
-              <a:t>formatos</a:t>
-            </a:r>
-            <a:endParaRPr dirty="0"/>
-          </a:p>
-          <a:p>
-            <a:r>
-              <a:rPr dirty="0"/>
-              <a:t>Generación de variable </a:t>
-            </a:r>
-            <a:r>
-              <a:rPr dirty="0" err="1"/>
-              <a:t>objetivo</a:t>
-            </a:r>
-            <a:r>
-              <a:rPr dirty="0"/>
-              <a:t> '</a:t>
-            </a:r>
-            <a:r>
-              <a:rPr dirty="0" err="1"/>
-              <a:t>Chollo</a:t>
-            </a:r>
-            <a:r>
-              <a:rPr dirty="0"/>
-              <a:t>' </a:t>
-            </a:r>
-            <a:r>
-              <a:rPr dirty="0" err="1"/>
-              <a:t>basada</a:t>
-            </a:r>
-            <a:r>
-              <a:rPr dirty="0"/>
-              <a:t> </a:t>
-            </a:r>
-            <a:r>
-              <a:rPr dirty="0" err="1"/>
-              <a:t>en</a:t>
-            </a:r>
-            <a:r>
-              <a:rPr dirty="0"/>
-              <a:t> </a:t>
-            </a:r>
-            <a:r>
-              <a:rPr dirty="0" err="1"/>
-              <a:t>criterios</a:t>
-            </a:r>
-            <a:r>
-              <a:rPr dirty="0"/>
-              <a:t> </a:t>
-            </a:r>
-            <a:r>
-              <a:rPr dirty="0" err="1"/>
-              <a:t>predefinidos</a:t>
-            </a:r>
-            <a:endParaRPr dirty="0"/>
-          </a:p>
-          <a:p>
-            <a:r>
-              <a:rPr dirty="0" err="1"/>
-              <a:t>Mostrar</a:t>
-            </a:r>
-            <a:r>
-              <a:rPr dirty="0"/>
-              <a:t> la </a:t>
-            </a:r>
-            <a:r>
-              <a:rPr dirty="0" err="1"/>
-              <a:t>estructura</a:t>
-            </a:r>
-            <a:r>
-              <a:rPr dirty="0"/>
-              <a:t> final del dataset</a:t>
-            </a:r>
-          </a:p>
-        </p:txBody>
-      </p:sp>
+      <p:pic>
+        <p:nvPicPr>
+          <p:cNvPr id="3" name="Imagen 2">
+            <a:extLst>
+              <a:ext uri="{FF2B5EF4-FFF2-40B4-BE49-F238E27FC236}">
+                <a16:creationId xmlns:a16="http://schemas.microsoft.com/office/drawing/2014/main" id="{71CC5C62-B890-B3C6-1F0D-076C35847F4B}"/>
+              </a:ext>
+            </a:extLst>
+          </p:cNvPr>
+          <p:cNvPicPr>
+            <a:picLocks noChangeAspect="1"/>
+          </p:cNvPicPr>
+          <p:nvPr/>
+        </p:nvPicPr>
+        <p:blipFill>
+          <a:blip r:embed="rId2"/>
+          <a:stretch>
+            <a:fillRect/>
+          </a:stretch>
+        </p:blipFill>
+        <p:spPr>
+          <a:xfrm>
+            <a:off x="485209" y="0"/>
+            <a:ext cx="8173582" cy="6858000"/>
+          </a:xfrm>
+          <a:prstGeom prst="rect">
+            <a:avLst/>
+          </a:prstGeom>
+        </p:spPr>
+      </p:pic>
     </p:spTree>
+    <p:extLst>
+      <p:ext uri="{BB962C8B-B14F-4D97-AF65-F5344CB8AC3E}">
+        <p14:creationId xmlns:p14="http://schemas.microsoft.com/office/powerpoint/2010/main" val="1008024022"/>
+      </p:ext>
+    </p:extLst>
   </p:cSld>
   <p:clrMapOvr>
     <a:masterClrMapping/>
@@ -4082,76 +6587,42 @@
           <a:chExt cx="0" cy="0"/>
         </a:xfrm>
       </p:grpSpPr>
-      <p:sp>
-        <p:nvSpPr>
-          <p:cNvPr id="2" name="Title 1"/>
-          <p:cNvSpPr>
-            <a:spLocks noGrp="1"/>
-          </p:cNvSpPr>
-          <p:nvPr>
-            <p:ph type="title"/>
-          </p:nvPr>
-        </p:nvSpPr>
-        <p:spPr/>
-        <p:txBody>
-          <a:bodyPr/>
-          <a:lstStyle/>
-          <a:p>
-            <a:r>
-              <a:t>Exploración y Limpieza de Datos</a:t>
-            </a:r>
-          </a:p>
-        </p:txBody>
-      </p:sp>
-      <p:sp>
-        <p:nvSpPr>
-          <p:cNvPr id="3" name="Content Placeholder 2"/>
-          <p:cNvSpPr>
-            <a:spLocks noGrp="1"/>
-          </p:cNvSpPr>
-          <p:nvPr>
-            <p:ph idx="1"/>
-          </p:nvPr>
-        </p:nvSpPr>
-        <p:spPr/>
-        <p:txBody>
-          <a:bodyPr/>
-          <a:lstStyle/>
-          <a:p>
-            <a:r>
-              <a:t>Estadísticas descriptivas y visualización de distribuciones clave</a:t>
-            </a:r>
-          </a:p>
-          <a:p>
-            <a:r>
-              <a:t>Tratamiento de valores nulos:</a:t>
-            </a:r>
-          </a:p>
-          <a:p>
-            <a:pPr lvl="1"/>
-            <a:r>
-              <a:t>• Imputación de valores de batería basada en características similares</a:t>
-            </a:r>
-          </a:p>
-          <a:p>
-            <a:pPr lvl="1"/>
-            <a:r>
-              <a:t>• Gestión de campos vacíos en especificaciones técnicas</a:t>
-            </a:r>
-          </a:p>
-          <a:p>
-            <a:r>
-              <a:t>Detección y tratamiento de outliers</a:t>
-            </a:r>
-          </a:p>
-          <a:p>
-            <a:r>
-              <a:t>Incluir gráficos relevantes del análisis exploratorio</a:t>
-            </a:r>
-          </a:p>
-        </p:txBody>
-      </p:sp>
+      <p:pic>
+        <p:nvPicPr>
+          <p:cNvPr id="3" name="Imagen 2">
+            <a:extLst>
+              <a:ext uri="{FF2B5EF4-FFF2-40B4-BE49-F238E27FC236}">
+                <a16:creationId xmlns:a16="http://schemas.microsoft.com/office/drawing/2014/main" id="{CD74C75F-C9A0-F3B4-7A4D-53CBAE37F0AA}"/>
+              </a:ext>
+            </a:extLst>
+          </p:cNvPr>
+          <p:cNvPicPr>
+            <a:picLocks noChangeAspect="1"/>
+          </p:cNvPicPr>
+          <p:nvPr/>
+        </p:nvPicPr>
+        <p:blipFill>
+          <a:blip r:embed="rId2"/>
+          <a:stretch>
+            <a:fillRect/>
+          </a:stretch>
+        </p:blipFill>
+        <p:spPr>
+          <a:xfrm>
+            <a:off x="0" y="945731"/>
+            <a:ext cx="9144000" cy="4966538"/>
+          </a:xfrm>
+          <a:prstGeom prst="rect">
+            <a:avLst/>
+          </a:prstGeom>
+        </p:spPr>
+      </p:pic>
     </p:spTree>
+    <p:extLst>
+      <p:ext uri="{BB962C8B-B14F-4D97-AF65-F5344CB8AC3E}">
+        <p14:creationId xmlns:p14="http://schemas.microsoft.com/office/powerpoint/2010/main" val="4012706649"/>
+      </p:ext>
+    </p:extLst>
   </p:cSld>
   <p:clrMapOvr>
     <a:masterClrMapping/>
@@ -4178,7 +6649,13 @@
       </p:grpSpPr>
       <p:sp>
         <p:nvSpPr>
-          <p:cNvPr id="2" name="Title 1"/>
+          <p:cNvPr id="2" name="Título 1">
+            <a:extLst>
+              <a:ext uri="{FF2B5EF4-FFF2-40B4-BE49-F238E27FC236}">
+                <a16:creationId xmlns:a16="http://schemas.microsoft.com/office/drawing/2014/main" id="{824AC6E1-FE9D-8161-ACBB-6AA232E57BDD}"/>
+              </a:ext>
+            </a:extLst>
+          </p:cNvPr>
           <p:cNvSpPr>
             <a:spLocks noGrp="1"/>
           </p:cNvSpPr>
@@ -4192,14 +6669,25 @@
           <a:lstStyle/>
           <a:p>
             <a:r>
-              <a:t>Ingeniería de Características</a:t>
-            </a:r>
-          </a:p>
-        </p:txBody>
-      </p:sp>
-      <p:sp>
-        <p:nvSpPr>
-          <p:cNvPr id="3" name="Content Placeholder 2"/>
+              <a:rPr lang="es-ES" dirty="0" err="1"/>
+              <a:t>Emmagatzematge</a:t>
+            </a:r>
+            <a:r>
+              <a:rPr lang="es-ES" dirty="0"/>
+              <a:t> (MongoDB)</a:t>
+            </a:r>
+          </a:p>
+        </p:txBody>
+      </p:sp>
+      <p:sp>
+        <p:nvSpPr>
+          <p:cNvPr id="3" name="Marcador de contenido 2">
+            <a:extLst>
+              <a:ext uri="{FF2B5EF4-FFF2-40B4-BE49-F238E27FC236}">
+                <a16:creationId xmlns:a16="http://schemas.microsoft.com/office/drawing/2014/main" id="{9EA1F3F3-9A6B-17EB-11C5-ED7EAC02C565}"/>
+              </a:ext>
+            </a:extLst>
+          </p:cNvPr>
           <p:cNvSpPr>
             <a:spLocks noGrp="1"/>
           </p:cNvSpPr>
@@ -4209,44 +6697,188 @@
         </p:nvSpPr>
         <p:spPr/>
         <p:txBody>
-          <a:bodyPr/>
+          <a:bodyPr>
+            <a:normAutofit lnSpcReduction="10000"/>
+          </a:bodyPr>
           <a:lstStyle/>
           <a:p>
-            <a:r>
-              <a:t>Creación de nuevas variables:</a:t>
-            </a:r>
-          </a:p>
-          <a:p>
-            <a:pPr lvl="1"/>
-            <a:r>
-              <a:t>• Ratio precio/especificaciones</a:t>
-            </a:r>
-          </a:p>
-          <a:p>
-            <a:pPr lvl="1"/>
-            <a:r>
-              <a:t>• Variables dummy para sistemas operativos y tipos de procesador</a:t>
-            </a:r>
-          </a:p>
-          <a:p>
-            <a:pPr lvl="1"/>
-            <a:r>
-              <a:t>• Normalización de resoluciones de pantalla</a:t>
-            </a:r>
-          </a:p>
-          <a:p>
-            <a:r>
-              <a:t>Codificación de variables categóricas y selección de características mediante análisis de correlación</a:t>
-            </a:r>
-          </a:p>
-          <a:p>
-            <a:r>
-              <a:t>Incluir heatmap u otros gráficos relevantes</a:t>
+            <a:pPr marL="0" indent="0">
+              <a:buNone/>
+            </a:pPr>
+            <a:r>
+              <a:rPr lang="es-ES" sz="1400" b="1" dirty="0"/>
+              <a:t>{</a:t>
+            </a:r>
+          </a:p>
+          <a:p>
+            <a:pPr marL="0" indent="0">
+              <a:buNone/>
+            </a:pPr>
+            <a:r>
+              <a:rPr lang="es-ES" sz="1400" b="1" dirty="0"/>
+              <a:t>    "URL": "https://www.pcbox.com/82fg01r1sp-ip-s500-i5-1135g7-8gb-512gb/p",</a:t>
+            </a:r>
+          </a:p>
+          <a:p>
+            <a:pPr marL="0" indent="0">
+              <a:buNone/>
+            </a:pPr>
+            <a:r>
+              <a:rPr lang="es-ES" sz="1400" b="1" dirty="0"/>
+              <a:t>    "Titulo": "PORTATIL LENOVO IP 5 15ITL05 CORE i5-1165G7 2.4GHZ /8GB/512GB SSD/15.6\" FHD /FREEDOS ",</a:t>
+            </a:r>
+          </a:p>
+          <a:p>
+            <a:pPr marL="0" indent="0">
+              <a:buNone/>
+            </a:pPr>
+            <a:r>
+              <a:rPr lang="es-ES" sz="1400" b="1" dirty="0"/>
+              <a:t>    "Marca": "LENOVO",</a:t>
+            </a:r>
+          </a:p>
+          <a:p>
+            <a:pPr marL="0" indent="0">
+              <a:buNone/>
+            </a:pPr>
+            <a:r>
+              <a:rPr lang="es-ES" sz="1400" b="1" dirty="0"/>
+              <a:t>    "Procesador": {</a:t>
+            </a:r>
+          </a:p>
+          <a:p>
+            <a:pPr marL="0" indent="0">
+              <a:buNone/>
+            </a:pPr>
+            <a:r>
+              <a:rPr lang="es-ES" sz="1400" b="1" dirty="0"/>
+              <a:t>        "Frecuencia del procesador": "2,4 GHz",</a:t>
+            </a:r>
+          </a:p>
+          <a:p>
+            <a:pPr marL="0" indent="0">
+              <a:buNone/>
+            </a:pPr>
+            <a:r>
+              <a:rPr lang="es-ES" sz="1400" b="1" dirty="0"/>
+              <a:t>        "Fabricante de procesador": "Intel",</a:t>
+            </a:r>
+          </a:p>
+          <a:p>
+            <a:pPr marL="0" indent="0">
+              <a:buNone/>
+            </a:pPr>
+            <a:r>
+              <a:rPr lang="es-ES" sz="1400" b="1" dirty="0"/>
+              <a:t>        "Frecuencia del procesador turbo": "4,2 GHz",</a:t>
+            </a:r>
+          </a:p>
+          <a:p>
+            <a:pPr marL="0" indent="0">
+              <a:buNone/>
+            </a:pPr>
+            <a:r>
+              <a:rPr lang="es-ES" sz="1400" b="1" dirty="0"/>
+              <a:t>        "Modelo del procesador": "i5-1135G7",</a:t>
+            </a:r>
+          </a:p>
+          <a:p>
+            <a:pPr marL="0" indent="0">
+              <a:buNone/>
+            </a:pPr>
+            <a:r>
+              <a:rPr lang="es-ES" sz="1400" b="1" dirty="0"/>
+              <a:t>        "Número de núcleos de procesador": "4",</a:t>
+            </a:r>
+          </a:p>
+          <a:p>
+            <a:pPr marL="0" indent="0">
+              <a:buNone/>
+            </a:pPr>
+            <a:r>
+              <a:rPr lang="es-ES" sz="1400" b="1" dirty="0"/>
+              <a:t>        "Chipset": "Intel® </a:t>
+            </a:r>
+            <a:r>
+              <a:rPr lang="es-ES" sz="1400" b="1" dirty="0" err="1"/>
+              <a:t>SoC</a:t>
+            </a:r>
+            <a:r>
+              <a:rPr lang="es-ES" sz="1400" b="1" dirty="0"/>
+              <a:t>",</a:t>
+            </a:r>
+          </a:p>
+          <a:p>
+            <a:pPr marL="0" indent="0">
+              <a:buNone/>
+            </a:pPr>
+            <a:r>
+              <a:rPr lang="es-ES" sz="1400" b="1" dirty="0"/>
+              <a:t>        "Familia de procesador": "Intel® Core™ i5",</a:t>
+            </a:r>
+          </a:p>
+          <a:p>
+            <a:pPr marL="0" indent="0">
+              <a:buNone/>
+            </a:pPr>
+            <a:r>
+              <a:rPr lang="es-ES" sz="1400" b="1" dirty="0"/>
+              <a:t>        "Potencia de diseño térmico configurable-baja": "12 W",</a:t>
+            </a:r>
+          </a:p>
+          <a:p>
+            <a:pPr marL="0" indent="0">
+              <a:buNone/>
+            </a:pPr>
+            <a:r>
+              <a:rPr lang="es-ES" sz="1400" b="1" dirty="0"/>
+              <a:t>        "Frecuencia de potencia de diseño térmico configurable-baja": "0,9 GHz",</a:t>
+            </a:r>
+          </a:p>
+          <a:p>
+            <a:pPr marL="0" indent="0">
+              <a:buNone/>
+            </a:pPr>
+            <a:r>
+              <a:rPr lang="es-ES" sz="1400" b="1" dirty="0"/>
+              <a:t>        "Frecuencia de potencia de diseño térmico configurable-alta": "2,4 GHz",</a:t>
+            </a:r>
+          </a:p>
+          <a:p>
+            <a:pPr marL="0" indent="0">
+              <a:buNone/>
+            </a:pPr>
+            <a:r>
+              <a:rPr lang="es-ES" sz="1400" b="1" dirty="0"/>
+              <a:t>        "Potencia de diseño térmico configurable-alta": "28 W",</a:t>
+            </a:r>
+          </a:p>
+          <a:p>
+            <a:pPr marL="0" indent="0">
+              <a:buNone/>
+            </a:pPr>
+            <a:r>
+              <a:rPr lang="es-ES" sz="1400" b="1" dirty="0"/>
+              <a:t>        "Generación del procesador": "Intel® Core™ i5 de 11ma Generación"</a:t>
+            </a:r>
+          </a:p>
+          <a:p>
+            <a:pPr marL="0" indent="0">
+              <a:buNone/>
+            </a:pPr>
+            <a:r>
+              <a:rPr lang="es-ES" sz="1400" b="1" dirty="0"/>
+              <a:t>    },</a:t>
             </a:r>
           </a:p>
         </p:txBody>
       </p:sp>
     </p:spTree>
+    <p:extLst>
+      <p:ext uri="{BB962C8B-B14F-4D97-AF65-F5344CB8AC3E}">
+        <p14:creationId xmlns:p14="http://schemas.microsoft.com/office/powerpoint/2010/main" val="4156823000"/>
+      </p:ext>
+    </p:extLst>
   </p:cSld>
   <p:clrMapOvr>
     <a:masterClrMapping/>
@@ -4273,7 +6905,13 @@
       </p:grpSpPr>
       <p:sp>
         <p:nvSpPr>
-          <p:cNvPr id="2" name="Title 1"/>
+          <p:cNvPr id="2" name="Título 1">
+            <a:extLst>
+              <a:ext uri="{FF2B5EF4-FFF2-40B4-BE49-F238E27FC236}">
+                <a16:creationId xmlns:a16="http://schemas.microsoft.com/office/drawing/2014/main" id="{7D4C954C-3C5B-95BF-74C9-9A3618F56E7B}"/>
+              </a:ext>
+            </a:extLst>
+          </p:cNvPr>
           <p:cNvSpPr>
             <a:spLocks noGrp="1"/>
           </p:cNvSpPr>
@@ -4287,14 +6925,33 @@
           <a:lstStyle/>
           <a:p>
             <a:r>
-              <a:t>Modelos de Machine Learning</a:t>
-            </a:r>
-          </a:p>
-        </p:txBody>
-      </p:sp>
-      <p:sp>
-        <p:nvSpPr>
-          <p:cNvPr id="3" name="Content Placeholder 2"/>
+              <a:rPr lang="es-ES" dirty="0" err="1"/>
+              <a:t>Simplificació</a:t>
+            </a:r>
+            <a:r>
+              <a:rPr lang="es-ES" dirty="0"/>
+              <a:t> (</a:t>
+            </a:r>
+            <a:r>
+              <a:rPr lang="es-ES" dirty="0" err="1"/>
+              <a:t>processador</a:t>
+            </a:r>
+            <a:r>
+              <a:rPr lang="es-ES" dirty="0"/>
+              <a:t>)</a:t>
+            </a:r>
+          </a:p>
+        </p:txBody>
+      </p:sp>
+      <p:sp>
+        <p:nvSpPr>
+          <p:cNvPr id="3" name="Marcador de contenido 2">
+            <a:extLst>
+              <a:ext uri="{FF2B5EF4-FFF2-40B4-BE49-F238E27FC236}">
+                <a16:creationId xmlns:a16="http://schemas.microsoft.com/office/drawing/2014/main" id="{9351447D-65C5-B820-9040-C50BCBC59C68}"/>
+              </a:ext>
+            </a:extLst>
+          </p:cNvPr>
           <p:cNvSpPr>
             <a:spLocks noGrp="1"/>
           </p:cNvSpPr>
@@ -4304,31 +6961,473 @@
         </p:nvSpPr>
         <p:spPr/>
         <p:txBody>
-          <a:bodyPr/>
+          <a:bodyPr>
+            <a:normAutofit/>
+          </a:bodyPr>
           <a:lstStyle/>
           <a:p>
-            <a:r>
-              <a:t>Modelos implementados:</a:t>
-            </a:r>
-          </a:p>
-          <a:p>
-            <a:r>
-              <a:t>• Random Forest, Gradient Boosting, SVM, Regresión Logística</a:t>
-            </a:r>
-          </a:p>
-          <a:p>
-            <a:r>
-              <a:t>Evaluación mediante validación cruzada y comparación de métricas</a:t>
-            </a:r>
-          </a:p>
-          <a:p>
-            <a:r>
-              <a:t>Incluir gráficos de comparación entre modelos</a:t>
-            </a:r>
-          </a:p>
-        </p:txBody>
-      </p:sp>
+            <a:pPr>
+              <a:buFont typeface="+mj-lt"/>
+              <a:buAutoNum type="arabicPeriod"/>
+            </a:pPr>
+            <a:r>
+              <a:rPr lang="es-ES" sz="1800" dirty="0" err="1"/>
+              <a:t>Extrau</a:t>
+            </a:r>
+            <a:r>
+              <a:rPr lang="es-ES" sz="1800" dirty="0"/>
+              <a:t> </a:t>
+            </a:r>
+            <a:r>
+              <a:rPr lang="es-ES" sz="1800" dirty="0" err="1"/>
+              <a:t>els</a:t>
+            </a:r>
+            <a:r>
+              <a:rPr lang="es-ES" sz="1800" dirty="0"/>
+              <a:t> </a:t>
+            </a:r>
+            <a:r>
+              <a:rPr lang="es-ES" sz="1800" dirty="0" err="1"/>
+              <a:t>valors</a:t>
+            </a:r>
+            <a:r>
+              <a:rPr lang="es-ES" sz="1800" dirty="0"/>
+              <a:t> del </a:t>
+            </a:r>
+            <a:r>
+              <a:rPr lang="es-ES" sz="1800" dirty="0" err="1"/>
+              <a:t>diccionari</a:t>
+            </a:r>
+            <a:r>
+              <a:rPr lang="es-ES" sz="1800" dirty="0"/>
+              <a:t>:</a:t>
+            </a:r>
+          </a:p>
+          <a:p>
+            <a:pPr lvl="1"/>
+            <a:r>
+              <a:rPr lang="es-ES" sz="1400" dirty="0" err="1"/>
+              <a:t>Fabricant</a:t>
+            </a:r>
+            <a:r>
+              <a:rPr lang="es-ES" sz="1400" dirty="0"/>
+              <a:t> de </a:t>
+            </a:r>
+            <a:r>
+              <a:rPr lang="es-ES" sz="1400" dirty="0" err="1"/>
+              <a:t>processador</a:t>
+            </a:r>
+            <a:endParaRPr lang="es-ES" sz="1400" dirty="0"/>
+          </a:p>
+          <a:p>
+            <a:pPr lvl="1"/>
+            <a:r>
+              <a:rPr lang="es-ES" sz="1400" dirty="0" err="1"/>
+              <a:t>Família</a:t>
+            </a:r>
+            <a:r>
+              <a:rPr lang="es-ES" sz="1400" dirty="0"/>
+              <a:t> de </a:t>
+            </a:r>
+            <a:r>
+              <a:rPr lang="es-ES" sz="1400" dirty="0" err="1"/>
+              <a:t>processador</a:t>
+            </a:r>
+            <a:endParaRPr lang="es-ES" sz="1400" dirty="0"/>
+          </a:p>
+          <a:p>
+            <a:pPr lvl="1"/>
+            <a:r>
+              <a:rPr lang="es-ES" sz="1400" dirty="0" err="1"/>
+              <a:t>Model</a:t>
+            </a:r>
+            <a:r>
+              <a:rPr lang="es-ES" sz="1400" dirty="0"/>
+              <a:t> del </a:t>
+            </a:r>
+            <a:r>
+              <a:rPr lang="es-ES" sz="1400" dirty="0" err="1"/>
+              <a:t>processador</a:t>
+            </a:r>
+            <a:endParaRPr lang="es-ES" sz="1400" dirty="0"/>
+          </a:p>
+          <a:p>
+            <a:pPr lvl="1"/>
+            <a:r>
+              <a:rPr lang="es-ES" sz="1400" dirty="0" err="1"/>
+              <a:t>S'usa</a:t>
+            </a:r>
+            <a:r>
+              <a:rPr lang="es-ES" sz="1400" dirty="0"/>
+              <a:t> .</a:t>
+            </a:r>
+            <a:r>
+              <a:rPr lang="es-ES" sz="1400" dirty="0" err="1"/>
+              <a:t>get</a:t>
+            </a:r>
+            <a:r>
+              <a:rPr lang="es-ES" sz="1400" dirty="0"/>
+              <a:t>() per evitar </a:t>
+            </a:r>
+            <a:r>
+              <a:rPr lang="es-ES" sz="1400" dirty="0" err="1"/>
+              <a:t>errors</a:t>
+            </a:r>
+            <a:r>
+              <a:rPr lang="es-ES" sz="1400" dirty="0"/>
+              <a:t> si la </a:t>
+            </a:r>
+            <a:r>
+              <a:rPr lang="es-ES" sz="1400" dirty="0" err="1"/>
+              <a:t>clau</a:t>
+            </a:r>
+            <a:r>
+              <a:rPr lang="es-ES" sz="1400" dirty="0"/>
+              <a:t> no </a:t>
+            </a:r>
+            <a:r>
+              <a:rPr lang="es-ES" sz="1400" dirty="0" err="1"/>
+              <a:t>existeix</a:t>
+            </a:r>
+            <a:r>
+              <a:rPr lang="es-ES" sz="1400" dirty="0"/>
+              <a:t>.</a:t>
+            </a:r>
+          </a:p>
+          <a:p>
+            <a:pPr marL="400050" lvl="1" indent="0">
+              <a:buNone/>
+            </a:pPr>
+            <a:endParaRPr lang="es-ES" sz="1400" dirty="0"/>
+          </a:p>
+          <a:p>
+            <a:pPr>
+              <a:buFont typeface="+mj-lt"/>
+              <a:buAutoNum type="arabicPeriod"/>
+            </a:pPr>
+            <a:r>
+              <a:rPr lang="es-ES" sz="1800" dirty="0" err="1"/>
+              <a:t>Neteja</a:t>
+            </a:r>
+            <a:r>
+              <a:rPr lang="es-ES" sz="1800" dirty="0"/>
+              <a:t> el </a:t>
+            </a:r>
+            <a:r>
+              <a:rPr lang="es-ES" sz="1800" dirty="0" err="1"/>
+              <a:t>nom</a:t>
+            </a:r>
+            <a:r>
+              <a:rPr lang="es-ES" sz="1800" dirty="0"/>
+              <a:t> de la </a:t>
+            </a:r>
+            <a:r>
+              <a:rPr lang="es-ES" sz="1800" dirty="0" err="1"/>
+              <a:t>família</a:t>
+            </a:r>
+            <a:r>
+              <a:rPr lang="es-ES" sz="1800" dirty="0"/>
+              <a:t>:</a:t>
+            </a:r>
+          </a:p>
+          <a:p>
+            <a:pPr lvl="1"/>
+            <a:r>
+              <a:rPr lang="es-ES" sz="1400" dirty="0"/>
+              <a:t>Elimina </a:t>
+            </a:r>
+            <a:r>
+              <a:rPr lang="es-ES" sz="1400" dirty="0" err="1"/>
+              <a:t>els</a:t>
+            </a:r>
+            <a:r>
+              <a:rPr lang="es-ES" sz="1400" dirty="0"/>
+              <a:t> </a:t>
+            </a:r>
+            <a:r>
+              <a:rPr lang="es-ES" sz="1400" dirty="0" err="1"/>
+              <a:t>símbols</a:t>
+            </a:r>
+            <a:r>
+              <a:rPr lang="es-ES" sz="1400" dirty="0"/>
+              <a:t> de marca ® i ™</a:t>
+            </a:r>
+          </a:p>
+          <a:p>
+            <a:pPr lvl="1"/>
+            <a:r>
+              <a:rPr lang="es-ES" sz="1400" dirty="0"/>
+              <a:t>Elimina </a:t>
+            </a:r>
+            <a:r>
+              <a:rPr lang="es-ES" sz="1400" dirty="0" err="1"/>
+              <a:t>espais</a:t>
+            </a:r>
+            <a:r>
+              <a:rPr lang="es-ES" sz="1400" dirty="0"/>
+              <a:t> extra </a:t>
+            </a:r>
+            <a:r>
+              <a:rPr lang="es-ES" sz="1400" dirty="0" err="1"/>
+              <a:t>amb</a:t>
+            </a:r>
+            <a:r>
+              <a:rPr lang="es-ES" sz="1400" dirty="0"/>
+              <a:t> .</a:t>
+            </a:r>
+            <a:r>
+              <a:rPr lang="es-ES" sz="1400" dirty="0" err="1"/>
+              <a:t>strip</a:t>
+            </a:r>
+            <a:r>
+              <a:rPr lang="es-ES" sz="1400" dirty="0"/>
+              <a:t>().</a:t>
+            </a:r>
+          </a:p>
+          <a:p>
+            <a:endParaRPr lang="es-ES" sz="1800" dirty="0"/>
+          </a:p>
+          <a:p>
+            <a:pPr>
+              <a:buFont typeface="+mj-lt"/>
+              <a:buAutoNum type="arabicPeriod"/>
+            </a:pPr>
+            <a:r>
+              <a:rPr lang="es-ES" sz="1800" dirty="0"/>
+              <a:t>Evita </a:t>
+            </a:r>
+            <a:r>
+              <a:rPr lang="es-ES" sz="1800" dirty="0" err="1"/>
+              <a:t>duplicacions</a:t>
+            </a:r>
+            <a:r>
+              <a:rPr lang="es-ES" sz="1800" dirty="0"/>
+              <a:t> en el </a:t>
+            </a:r>
+            <a:r>
+              <a:rPr lang="es-ES" sz="1800" dirty="0" err="1"/>
+              <a:t>nom</a:t>
+            </a:r>
+            <a:r>
+              <a:rPr lang="es-ES" sz="1800" dirty="0"/>
+              <a:t> del </a:t>
+            </a:r>
+            <a:r>
+              <a:rPr lang="es-ES" sz="1800" dirty="0" err="1"/>
+              <a:t>model</a:t>
+            </a:r>
+            <a:r>
+              <a:rPr lang="es-ES" sz="1800" dirty="0"/>
+              <a:t>:</a:t>
+            </a:r>
+          </a:p>
+          <a:p>
+            <a:pPr lvl="1"/>
+            <a:r>
+              <a:rPr lang="es-ES" sz="1400" dirty="0"/>
+              <a:t>Si el </a:t>
+            </a:r>
+            <a:r>
+              <a:rPr lang="es-ES" sz="1400" dirty="0" err="1"/>
+              <a:t>model</a:t>
+            </a:r>
+            <a:r>
+              <a:rPr lang="es-ES" sz="1400" dirty="0"/>
+              <a:t> </a:t>
+            </a:r>
+            <a:r>
+              <a:rPr lang="es-ES" sz="1400" dirty="0" err="1"/>
+              <a:t>comença</a:t>
+            </a:r>
+            <a:r>
+              <a:rPr lang="es-ES" sz="1400" dirty="0"/>
+              <a:t> </a:t>
+            </a:r>
+            <a:r>
+              <a:rPr lang="es-ES" sz="1400" dirty="0" err="1"/>
+              <a:t>amb</a:t>
+            </a:r>
+            <a:r>
+              <a:rPr lang="es-ES" sz="1400" dirty="0"/>
+              <a:t> la </a:t>
+            </a:r>
+            <a:r>
+              <a:rPr lang="es-ES" sz="1400" dirty="0" err="1"/>
+              <a:t>paraula</a:t>
+            </a:r>
+            <a:r>
+              <a:rPr lang="es-ES" sz="1400" dirty="0"/>
+              <a:t> de la </a:t>
+            </a:r>
+            <a:r>
+              <a:rPr lang="es-ES" sz="1400" dirty="0" err="1"/>
+              <a:t>família</a:t>
+            </a:r>
+            <a:r>
+              <a:rPr lang="es-ES" sz="1400" dirty="0"/>
+              <a:t> (per </a:t>
+            </a:r>
+            <a:r>
+              <a:rPr lang="es-ES" sz="1400" dirty="0" err="1"/>
+              <a:t>exemple</a:t>
+            </a:r>
+            <a:r>
+              <a:rPr lang="es-ES" sz="1400" dirty="0"/>
+              <a:t>, Intel Core i7 i i7-12700K), elimina la </a:t>
+            </a:r>
+            <a:r>
+              <a:rPr lang="es-ES" sz="1400" dirty="0" err="1"/>
+              <a:t>repetició</a:t>
+            </a:r>
+            <a:r>
+              <a:rPr lang="es-ES" sz="1400" dirty="0"/>
+              <a:t>.</a:t>
+            </a:r>
+          </a:p>
+          <a:p>
+            <a:pPr lvl="1"/>
+            <a:r>
+              <a:rPr lang="es-ES" sz="1400" dirty="0"/>
+              <a:t>Si el </a:t>
+            </a:r>
+            <a:r>
+              <a:rPr lang="es-ES" sz="1400" dirty="0" err="1"/>
+              <a:t>nou</a:t>
+            </a:r>
+            <a:r>
+              <a:rPr lang="es-ES" sz="1400" dirty="0"/>
+              <a:t> </a:t>
+            </a:r>
+            <a:r>
+              <a:rPr lang="es-ES" sz="1400" dirty="0" err="1"/>
+              <a:t>model</a:t>
+            </a:r>
+            <a:r>
+              <a:rPr lang="es-ES" sz="1400" dirty="0"/>
+              <a:t> </a:t>
+            </a:r>
+            <a:r>
+              <a:rPr lang="es-ES" sz="1400" dirty="0" err="1"/>
+              <a:t>comença</a:t>
+            </a:r>
+            <a:r>
+              <a:rPr lang="es-ES" sz="1400" dirty="0"/>
+              <a:t> </a:t>
+            </a:r>
+            <a:r>
+              <a:rPr lang="es-ES" sz="1400" dirty="0" err="1"/>
+              <a:t>amb</a:t>
+            </a:r>
+            <a:r>
+              <a:rPr lang="es-ES" sz="1400" dirty="0"/>
+              <a:t> un </a:t>
+            </a:r>
+            <a:r>
+              <a:rPr lang="es-ES" sz="1400" dirty="0" err="1"/>
+              <a:t>guió</a:t>
+            </a:r>
+            <a:r>
+              <a:rPr lang="es-ES" sz="1400" dirty="0"/>
+              <a:t> (-), </a:t>
+            </a:r>
+            <a:r>
+              <a:rPr lang="es-ES" sz="1400" dirty="0" err="1"/>
+              <a:t>ho</a:t>
+            </a:r>
+            <a:r>
+              <a:rPr lang="es-ES" sz="1400" dirty="0"/>
+              <a:t> </a:t>
+            </a:r>
+            <a:r>
+              <a:rPr lang="es-ES" sz="1400" dirty="0" err="1"/>
+              <a:t>uneix</a:t>
+            </a:r>
+            <a:r>
+              <a:rPr lang="es-ES" sz="1400" dirty="0"/>
+              <a:t> </a:t>
+            </a:r>
+            <a:r>
+              <a:rPr lang="es-ES" sz="1400" dirty="0" err="1"/>
+              <a:t>directament</a:t>
+            </a:r>
+            <a:r>
+              <a:rPr lang="es-ES" sz="1400" dirty="0"/>
+              <a:t>.</a:t>
+            </a:r>
+          </a:p>
+          <a:p>
+            <a:pPr lvl="1"/>
+            <a:r>
+              <a:rPr lang="es-ES" sz="1400" dirty="0"/>
+              <a:t>Retorna el </a:t>
+            </a:r>
+            <a:r>
+              <a:rPr lang="es-ES" sz="1400" dirty="0" err="1"/>
+              <a:t>nom</a:t>
+            </a:r>
+            <a:r>
+              <a:rPr lang="es-ES" sz="1400" dirty="0"/>
+              <a:t> net en </a:t>
+            </a:r>
+            <a:r>
+              <a:rPr lang="es-ES" sz="1400" dirty="0" err="1"/>
+              <a:t>format</a:t>
+            </a:r>
+            <a:r>
+              <a:rPr lang="es-ES" sz="1400" dirty="0"/>
+              <a:t> </a:t>
+            </a:r>
+            <a:r>
+              <a:rPr lang="es-ES" sz="1400" dirty="0" err="1"/>
+              <a:t>Família-Model</a:t>
+            </a:r>
+            <a:r>
+              <a:rPr lang="es-ES" sz="1400" dirty="0"/>
+              <a:t>. </a:t>
+            </a:r>
+            <a:r>
+              <a:rPr lang="es-ES" sz="1400" b="1" dirty="0"/>
+              <a:t>(Intel Core i7-12650H)</a:t>
+            </a:r>
+          </a:p>
+        </p:txBody>
+      </p:sp>
+      <p:pic>
+        <p:nvPicPr>
+          <p:cNvPr id="5" name="Imagen 4">
+            <a:extLst>
+              <a:ext uri="{FF2B5EF4-FFF2-40B4-BE49-F238E27FC236}">
+                <a16:creationId xmlns:a16="http://schemas.microsoft.com/office/drawing/2014/main" id="{E82DF8DD-6CCE-AF32-11FC-293EDE203439}"/>
+              </a:ext>
+            </a:extLst>
+          </p:cNvPr>
+          <p:cNvPicPr>
+            <a:picLocks noChangeAspect="1"/>
+          </p:cNvPicPr>
+          <p:nvPr/>
+        </p:nvPicPr>
+        <p:blipFill>
+          <a:blip r:embed="rId2"/>
+          <a:stretch>
+            <a:fillRect/>
+          </a:stretch>
+        </p:blipFill>
+        <p:spPr>
+          <a:xfrm>
+            <a:off x="5498728" y="1600200"/>
+            <a:ext cx="2849084" cy="2533650"/>
+          </a:xfrm>
+          <a:prstGeom prst="rect">
+            <a:avLst/>
+          </a:prstGeom>
+        </p:spPr>
+      </p:pic>
     </p:spTree>
+    <p:extLst>
+      <p:ext uri="{BB962C8B-B14F-4D97-AF65-F5344CB8AC3E}">
+        <p14:creationId xmlns:p14="http://schemas.microsoft.com/office/powerpoint/2010/main" val="2368052124"/>
+      </p:ext>
+    </p:extLst>
   </p:cSld>
   <p:clrMapOvr>
     <a:masterClrMapping/>
@@ -4355,7 +7454,13 @@
       </p:grpSpPr>
       <p:sp>
         <p:nvSpPr>
-          <p:cNvPr id="2" name="Title 1"/>
+          <p:cNvPr id="4" name="Título 3">
+            <a:extLst>
+              <a:ext uri="{FF2B5EF4-FFF2-40B4-BE49-F238E27FC236}">
+                <a16:creationId xmlns:a16="http://schemas.microsoft.com/office/drawing/2014/main" id="{8F5C367D-E0CE-43A5-7F8F-A8AA222D5279}"/>
+              </a:ext>
+            </a:extLst>
+          </p:cNvPr>
           <p:cNvSpPr>
             <a:spLocks noGrp="1"/>
           </p:cNvSpPr>
@@ -4369,14 +7474,21 @@
           <a:lstStyle/>
           <a:p>
             <a:r>
-              <a:t>Resultados y Modelo Final</a:t>
-            </a:r>
-          </a:p>
-        </p:txBody>
-      </p:sp>
-      <p:sp>
-        <p:nvSpPr>
-          <p:cNvPr id="3" name="Content Placeholder 2"/>
+              <a:rPr lang="es-ES" dirty="0"/>
+              <a:t>DATASET</a:t>
+            </a:r>
+          </a:p>
+        </p:txBody>
+      </p:sp>
+      <p:sp>
+        <p:nvSpPr>
+          <p:cNvPr id="6" name="Marcador de contenido 5">
+            <a:extLst>
+              <a:ext uri="{FF2B5EF4-FFF2-40B4-BE49-F238E27FC236}">
+                <a16:creationId xmlns:a16="http://schemas.microsoft.com/office/drawing/2014/main" id="{DFFC5B2F-7FF8-61E5-C8D3-8C6EC7F0ED98}"/>
+              </a:ext>
+            </a:extLst>
+          </p:cNvPr>
           <p:cNvSpPr>
             <a:spLocks noGrp="1"/>
           </p:cNvSpPr>
@@ -4389,33 +7501,46 @@
           <a:bodyPr/>
           <a:lstStyle/>
           <a:p>
-            <a:r>
-              <a:t>Modelo seleccionado y justificación</a:t>
-            </a:r>
-          </a:p>
-          <a:p>
-            <a:r>
-              <a:t>Hiperparámetros optimizados</a:t>
-            </a:r>
-          </a:p>
-          <a:p>
-            <a:r>
-              <a:t>Métricas en conjunto de prueba: Accuracy, Precision, Recall, F1-score</a:t>
-            </a:r>
-          </a:p>
-          <a:p>
-            <a:r>
-              <a:t>Matriz de confusión y características más importantes</a:t>
-            </a:r>
-          </a:p>
-          <a:p>
-            <a:r>
-              <a:t>Incluir visualizaciones de la matriz de confusión e importancia de features</a:t>
-            </a:r>
-          </a:p>
-        </p:txBody>
-      </p:sp>
+            <a:endParaRPr lang="es-ES"/>
+          </a:p>
+        </p:txBody>
+      </p:sp>
+      <p:pic>
+        <p:nvPicPr>
+          <p:cNvPr id="5" name="Imagen 4">
+            <a:extLst>
+              <a:ext uri="{FF2B5EF4-FFF2-40B4-BE49-F238E27FC236}">
+                <a16:creationId xmlns:a16="http://schemas.microsoft.com/office/drawing/2014/main" id="{FBBF08CF-2E2D-903B-1900-8F4D69B427B6}"/>
+              </a:ext>
+            </a:extLst>
+          </p:cNvPr>
+          <p:cNvPicPr>
+            <a:picLocks noChangeAspect="1"/>
+          </p:cNvPicPr>
+          <p:nvPr/>
+        </p:nvPicPr>
+        <p:blipFill>
+          <a:blip r:embed="rId2"/>
+          <a:stretch>
+            <a:fillRect/>
+          </a:stretch>
+        </p:blipFill>
+        <p:spPr>
+          <a:xfrm>
+            <a:off x="0" y="1509085"/>
+            <a:ext cx="9144000" cy="3839829"/>
+          </a:xfrm>
+          <a:prstGeom prst="rect">
+            <a:avLst/>
+          </a:prstGeom>
+        </p:spPr>
+      </p:pic>
     </p:spTree>
+    <p:extLst>
+      <p:ext uri="{BB962C8B-B14F-4D97-AF65-F5344CB8AC3E}">
+        <p14:creationId xmlns:p14="http://schemas.microsoft.com/office/powerpoint/2010/main" val="1355905418"/>
+      </p:ext>
+    </p:extLst>
   </p:cSld>
   <p:clrMapOvr>
     <a:masterClrMapping/>

--- a/presentacion_chollos.pptx
+++ b/presentacion_chollos.pptx
@@ -6,26 +6,25 @@
   </p:sldMasterIdLst>
   <p:sldIdLst>
     <p:sldId id="256" r:id="rId2"/>
-    <p:sldId id="257" r:id="rId3"/>
-    <p:sldId id="258" r:id="rId4"/>
-    <p:sldId id="266" r:id="rId5"/>
-    <p:sldId id="267" r:id="rId6"/>
-    <p:sldId id="268" r:id="rId7"/>
-    <p:sldId id="270" r:id="rId8"/>
-    <p:sldId id="269" r:id="rId9"/>
-    <p:sldId id="271" r:id="rId10"/>
+    <p:sldId id="258" r:id="rId3"/>
+    <p:sldId id="266" r:id="rId4"/>
+    <p:sldId id="267" r:id="rId5"/>
+    <p:sldId id="268" r:id="rId6"/>
+    <p:sldId id="270" r:id="rId7"/>
+    <p:sldId id="269" r:id="rId8"/>
+    <p:sldId id="271" r:id="rId9"/>
+    <p:sldId id="261" r:id="rId10"/>
     <p:sldId id="273" r:id="rId11"/>
     <p:sldId id="274" r:id="rId12"/>
-    <p:sldId id="261" r:id="rId13"/>
-    <p:sldId id="272" r:id="rId14"/>
-    <p:sldId id="263" r:id="rId15"/>
-    <p:sldId id="275" r:id="rId16"/>
-    <p:sldId id="276" r:id="rId17"/>
-    <p:sldId id="277" r:id="rId18"/>
-    <p:sldId id="278" r:id="rId19"/>
-    <p:sldId id="279" r:id="rId20"/>
-    <p:sldId id="280" r:id="rId21"/>
-    <p:sldId id="265" r:id="rId22"/>
+    <p:sldId id="272" r:id="rId13"/>
+    <p:sldId id="263" r:id="rId14"/>
+    <p:sldId id="275" r:id="rId15"/>
+    <p:sldId id="276" r:id="rId16"/>
+    <p:sldId id="277" r:id="rId17"/>
+    <p:sldId id="278" r:id="rId18"/>
+    <p:sldId id="279" r:id="rId19"/>
+    <p:sldId id="280" r:id="rId20"/>
+    <p:sldId id="265" r:id="rId21"/>
   </p:sldIdLst>
   <p:sldSz cx="9144000" cy="6858000" type="screen4x3"/>
   <p:notesSz cx="6858000" cy="9144000"/>
@@ -3159,7 +3158,7 @@
             </a:r>
             <a:r>
               <a:rPr lang="es-ES" dirty="0" err="1"/>
-              <a:t>Portatils</a:t>
+              <a:t>Portàtils</a:t>
             </a:r>
             <a:endParaRPr dirty="0"/>
           </a:p>
@@ -3181,12 +3180,20 @@
             <p:ph type="subTitle" idx="1"/>
           </p:nvPr>
         </p:nvSpPr>
-        <p:spPr/>
+        <p:spPr>
+          <a:xfrm>
+            <a:off x="1371600" y="3886200"/>
+            <a:ext cx="6400800" cy="736600"/>
+          </a:xfrm>
+        </p:spPr>
         <p:txBody>
           <a:bodyPr/>
           <a:lstStyle/>
           <a:p>
-            <a:endParaRPr lang="es-ES"/>
+            <a:r>
+              <a:rPr lang="es-ES" dirty="0"/>
+              <a:t>Luis Rosello i Toni Oliveira</a:t>
+            </a:r>
           </a:p>
         </p:txBody>
       </p:sp>
@@ -4287,175 +4294,6 @@
           <a:chExt cx="0" cy="0"/>
         </a:xfrm>
       </p:grpSpPr>
-      <p:sp>
-        <p:nvSpPr>
-          <p:cNvPr id="2" name="Title 1"/>
-          <p:cNvSpPr>
-            <a:spLocks noGrp="1"/>
-          </p:cNvSpPr>
-          <p:nvPr>
-            <p:ph type="title"/>
-          </p:nvPr>
-        </p:nvSpPr>
-        <p:spPr/>
-        <p:txBody>
-          <a:bodyPr/>
-          <a:lstStyle/>
-          <a:p>
-            <a:r>
-              <a:rPr dirty="0" err="1"/>
-              <a:t>Exploració</a:t>
-            </a:r>
-            <a:r>
-              <a:rPr dirty="0"/>
-              <a:t> y </a:t>
-            </a:r>
-            <a:r>
-              <a:rPr lang="es-ES" dirty="0" err="1"/>
-              <a:t>Neteja</a:t>
-            </a:r>
-            <a:r>
-              <a:rPr dirty="0"/>
-              <a:t> </a:t>
-            </a:r>
-            <a:r>
-              <a:rPr lang="es-ES" dirty="0"/>
-              <a:t>de Dades</a:t>
-            </a:r>
-            <a:endParaRPr dirty="0"/>
-          </a:p>
-        </p:txBody>
-      </p:sp>
-      <p:sp>
-        <p:nvSpPr>
-          <p:cNvPr id="3" name="Content Placeholder 2"/>
-          <p:cNvSpPr>
-            <a:spLocks noGrp="1"/>
-          </p:cNvSpPr>
-          <p:nvPr>
-            <p:ph idx="1"/>
-          </p:nvPr>
-        </p:nvSpPr>
-        <p:spPr/>
-        <p:txBody>
-          <a:bodyPr>
-            <a:normAutofit/>
-          </a:bodyPr>
-          <a:lstStyle/>
-          <a:p>
-            <a:r>
-              <a:rPr dirty="0"/>
-              <a:t>Tra</a:t>
-            </a:r>
-            <a:r>
-              <a:rPr lang="es-ES" dirty="0"/>
-              <a:t>c</a:t>
-            </a:r>
-            <a:r>
-              <a:rPr dirty="0"/>
-              <a:t>tam</a:t>
-            </a:r>
-            <a:r>
-              <a:rPr lang="es-ES" dirty="0" err="1"/>
-              <a:t>ent</a:t>
-            </a:r>
-            <a:r>
-              <a:rPr dirty="0"/>
-              <a:t> de </a:t>
-            </a:r>
-            <a:r>
-              <a:rPr dirty="0" err="1"/>
-              <a:t>valors</a:t>
-            </a:r>
-            <a:r>
-              <a:rPr dirty="0"/>
-              <a:t> </a:t>
-            </a:r>
-            <a:r>
-              <a:rPr dirty="0" err="1"/>
-              <a:t>nuls</a:t>
-            </a:r>
-            <a:r>
-              <a:rPr dirty="0"/>
-              <a:t>:</a:t>
-            </a:r>
-          </a:p>
-          <a:p>
-            <a:pPr lvl="1"/>
-            <a:r>
-              <a:rPr lang="es-ES" dirty="0"/>
-              <a:t>Mitjana</a:t>
-            </a:r>
-          </a:p>
-          <a:p>
-            <a:pPr lvl="1"/>
-            <a:r>
-              <a:rPr lang="es-ES" dirty="0"/>
-              <a:t>Moda</a:t>
-            </a:r>
-          </a:p>
-          <a:p>
-            <a:pPr lvl="1"/>
-            <a:r>
-              <a:rPr lang="es-ES" dirty="0"/>
-              <a:t>Eliminar files </a:t>
-            </a:r>
-            <a:r>
-              <a:rPr lang="es-ES" dirty="0" err="1"/>
-              <a:t>irrelevants</a:t>
-            </a:r>
-            <a:endParaRPr lang="es-ES" dirty="0"/>
-          </a:p>
-          <a:p>
-            <a:r>
-              <a:rPr lang="es-ES" dirty="0" err="1"/>
-              <a:t>Detecció</a:t>
-            </a:r>
-            <a:r>
-              <a:rPr lang="es-ES" dirty="0"/>
-              <a:t> y </a:t>
-            </a:r>
-            <a:r>
-              <a:rPr lang="es-ES" dirty="0" err="1"/>
-              <a:t>tractament</a:t>
-            </a:r>
-            <a:r>
-              <a:rPr lang="es-ES" dirty="0"/>
-              <a:t> de </a:t>
-            </a:r>
-            <a:r>
-              <a:rPr lang="es-ES" dirty="0" err="1"/>
-              <a:t>outliers</a:t>
-            </a:r>
-            <a:endParaRPr lang="es-ES" dirty="0"/>
-          </a:p>
-        </p:txBody>
-      </p:sp>
-    </p:spTree>
-  </p:cSld>
-  <p:clrMapOvr>
-    <a:masterClrMapping/>
-  </p:clrMapOvr>
-</p:sld>
-</file>
-
-<file path=ppt/slides/slide13.xml><?xml version="1.0" encoding="utf-8"?>
-<p:sld xmlns:a="http://schemas.openxmlformats.org/drawingml/2006/main" xmlns:r="http://schemas.openxmlformats.org/officeDocument/2006/relationships" xmlns:p="http://schemas.openxmlformats.org/presentationml/2006/main">
-  <p:cSld>
-    <p:spTree>
-      <p:nvGrpSpPr>
-        <p:cNvPr id="1" name=""/>
-        <p:cNvGrpSpPr/>
-        <p:nvPr/>
-      </p:nvGrpSpPr>
-      <p:grpSpPr>
-        <a:xfrm>
-          <a:off x="0" y="0"/>
-          <a:ext cx="0" cy="0"/>
-          <a:chOff x="0" y="0"/>
-          <a:chExt cx="0" cy="0"/>
-        </a:xfrm>
-      </p:grpSpPr>
       <p:pic>
         <p:nvPicPr>
           <p:cNvPr id="3" name="Imagen 2">
@@ -4499,6 +4337,161 @@
 </p:sld>
 </file>
 
+<file path=ppt/slides/slide13.xml><?xml version="1.0" encoding="utf-8"?>
+<p:sld xmlns:a="http://schemas.openxmlformats.org/drawingml/2006/main" xmlns:r="http://schemas.openxmlformats.org/officeDocument/2006/relationships" xmlns:p="http://schemas.openxmlformats.org/presentationml/2006/main">
+  <p:cSld>
+    <p:spTree>
+      <p:nvGrpSpPr>
+        <p:cNvPr id="1" name=""/>
+        <p:cNvGrpSpPr/>
+        <p:nvPr/>
+      </p:nvGrpSpPr>
+      <p:grpSpPr>
+        <a:xfrm>
+          <a:off x="0" y="0"/>
+          <a:ext cx="0" cy="0"/>
+          <a:chOff x="0" y="0"/>
+          <a:chExt cx="0" cy="0"/>
+        </a:xfrm>
+      </p:grpSpPr>
+      <p:sp>
+        <p:nvSpPr>
+          <p:cNvPr id="2" name="Title 1"/>
+          <p:cNvSpPr>
+            <a:spLocks noGrp="1"/>
+          </p:cNvSpPr>
+          <p:nvPr>
+            <p:ph type="title"/>
+          </p:nvPr>
+        </p:nvSpPr>
+        <p:spPr/>
+        <p:txBody>
+          <a:bodyPr/>
+          <a:lstStyle/>
+          <a:p>
+            <a:r>
+              <a:rPr dirty="0"/>
+              <a:t>Models de Machine Learning</a:t>
+            </a:r>
+          </a:p>
+        </p:txBody>
+      </p:sp>
+      <p:sp>
+        <p:nvSpPr>
+          <p:cNvPr id="3" name="Content Placeholder 2"/>
+          <p:cNvSpPr>
+            <a:spLocks noGrp="1"/>
+          </p:cNvSpPr>
+          <p:nvPr>
+            <p:ph idx="1"/>
+          </p:nvPr>
+        </p:nvSpPr>
+        <p:spPr/>
+        <p:txBody>
+          <a:bodyPr/>
+          <a:lstStyle/>
+          <a:p>
+            <a:r>
+              <a:rPr dirty="0"/>
+              <a:t>Models </a:t>
+            </a:r>
+            <a:r>
+              <a:rPr dirty="0" err="1"/>
+              <a:t>implemen</a:t>
+            </a:r>
+            <a:r>
+              <a:rPr lang="es-ES" dirty="0" err="1"/>
+              <a:t>tat</a:t>
+            </a:r>
+            <a:r>
+              <a:rPr dirty="0"/>
+              <a:t>s:</a:t>
+            </a:r>
+          </a:p>
+          <a:p>
+            <a:r>
+              <a:rPr dirty="0"/>
+              <a:t>• Random Forest, Gradient Boosting, SVM, </a:t>
+            </a:r>
+            <a:r>
+              <a:rPr dirty="0" err="1"/>
+              <a:t>Regresió</a:t>
+            </a:r>
+            <a:r>
+              <a:rPr dirty="0"/>
+              <a:t> </a:t>
+            </a:r>
+            <a:r>
+              <a:rPr dirty="0" err="1"/>
+              <a:t>Logística</a:t>
+            </a:r>
+            <a:endParaRPr dirty="0"/>
+          </a:p>
+          <a:p>
+            <a:r>
+              <a:rPr dirty="0" err="1"/>
+              <a:t>Evaluació</a:t>
+            </a:r>
+            <a:r>
+              <a:rPr dirty="0"/>
+              <a:t> </a:t>
+            </a:r>
+            <a:r>
+              <a:rPr lang="es-ES" dirty="0" err="1"/>
+              <a:t>mitjançant</a:t>
+            </a:r>
+            <a:r>
+              <a:rPr dirty="0"/>
+              <a:t> </a:t>
+            </a:r>
+            <a:r>
+              <a:rPr dirty="0" err="1"/>
+              <a:t>validació</a:t>
+            </a:r>
+            <a:r>
+              <a:rPr dirty="0"/>
+              <a:t> </a:t>
+            </a:r>
+            <a:r>
+              <a:rPr lang="es-ES" dirty="0" err="1"/>
+              <a:t>creuada</a:t>
+            </a:r>
+            <a:r>
+              <a:rPr lang="es-ES" dirty="0"/>
+              <a:t> i</a:t>
+            </a:r>
+            <a:r>
+              <a:rPr dirty="0"/>
+              <a:t> </a:t>
+            </a:r>
+            <a:r>
+              <a:rPr dirty="0" err="1"/>
+              <a:t>comparació</a:t>
+            </a:r>
+            <a:r>
+              <a:rPr dirty="0"/>
+              <a:t> de </a:t>
+            </a:r>
+            <a:r>
+              <a:rPr dirty="0" err="1"/>
+              <a:t>métri</a:t>
+            </a:r>
+            <a:r>
+              <a:rPr lang="es-ES" dirty="0" err="1"/>
+              <a:t>ques</a:t>
+            </a:r>
+            <a:endParaRPr dirty="0"/>
+          </a:p>
+        </p:txBody>
+      </p:sp>
+    </p:spTree>
+  </p:cSld>
+  <p:clrMapOvr>
+    <a:masterClrMapping/>
+  </p:clrMapOvr>
+</p:sld>
+</file>
+
 <file path=ppt/slides/slide14.xml><?xml version="1.0" encoding="utf-8"?>
 <p:sld xmlns:a="http://schemas.openxmlformats.org/drawingml/2006/main" xmlns:r="http://schemas.openxmlformats.org/officeDocument/2006/relationships" xmlns:p="http://schemas.openxmlformats.org/presentationml/2006/main">
   <p:cSld>
@@ -4518,161 +4511,6 @@
       </p:grpSpPr>
       <p:sp>
         <p:nvSpPr>
-          <p:cNvPr id="2" name="Title 1"/>
-          <p:cNvSpPr>
-            <a:spLocks noGrp="1"/>
-          </p:cNvSpPr>
-          <p:nvPr>
-            <p:ph type="title"/>
-          </p:nvPr>
-        </p:nvSpPr>
-        <p:spPr/>
-        <p:txBody>
-          <a:bodyPr/>
-          <a:lstStyle/>
-          <a:p>
-            <a:r>
-              <a:rPr dirty="0"/>
-              <a:t>Models de Machine Learning</a:t>
-            </a:r>
-          </a:p>
-        </p:txBody>
-      </p:sp>
-      <p:sp>
-        <p:nvSpPr>
-          <p:cNvPr id="3" name="Content Placeholder 2"/>
-          <p:cNvSpPr>
-            <a:spLocks noGrp="1"/>
-          </p:cNvSpPr>
-          <p:nvPr>
-            <p:ph idx="1"/>
-          </p:nvPr>
-        </p:nvSpPr>
-        <p:spPr/>
-        <p:txBody>
-          <a:bodyPr/>
-          <a:lstStyle/>
-          <a:p>
-            <a:r>
-              <a:rPr dirty="0"/>
-              <a:t>Models </a:t>
-            </a:r>
-            <a:r>
-              <a:rPr dirty="0" err="1"/>
-              <a:t>implemen</a:t>
-            </a:r>
-            <a:r>
-              <a:rPr lang="es-ES" dirty="0" err="1"/>
-              <a:t>tat</a:t>
-            </a:r>
-            <a:r>
-              <a:rPr dirty="0"/>
-              <a:t>s:</a:t>
-            </a:r>
-          </a:p>
-          <a:p>
-            <a:r>
-              <a:rPr dirty="0"/>
-              <a:t>• Random Forest, Gradient Boosting, SVM, </a:t>
-            </a:r>
-            <a:r>
-              <a:rPr dirty="0" err="1"/>
-              <a:t>Regresió</a:t>
-            </a:r>
-            <a:r>
-              <a:rPr dirty="0"/>
-              <a:t> </a:t>
-            </a:r>
-            <a:r>
-              <a:rPr dirty="0" err="1"/>
-              <a:t>Logística</a:t>
-            </a:r>
-            <a:endParaRPr dirty="0"/>
-          </a:p>
-          <a:p>
-            <a:r>
-              <a:rPr dirty="0" err="1"/>
-              <a:t>Evaluació</a:t>
-            </a:r>
-            <a:r>
-              <a:rPr dirty="0"/>
-              <a:t> </a:t>
-            </a:r>
-            <a:r>
-              <a:rPr lang="es-ES" dirty="0" err="1"/>
-              <a:t>mitjançant</a:t>
-            </a:r>
-            <a:r>
-              <a:rPr dirty="0"/>
-              <a:t> </a:t>
-            </a:r>
-            <a:r>
-              <a:rPr dirty="0" err="1"/>
-              <a:t>validació</a:t>
-            </a:r>
-            <a:r>
-              <a:rPr dirty="0"/>
-              <a:t> </a:t>
-            </a:r>
-            <a:r>
-              <a:rPr lang="es-ES" dirty="0" err="1"/>
-              <a:t>creuada</a:t>
-            </a:r>
-            <a:r>
-              <a:rPr lang="es-ES" dirty="0"/>
-              <a:t> i</a:t>
-            </a:r>
-            <a:r>
-              <a:rPr dirty="0"/>
-              <a:t> </a:t>
-            </a:r>
-            <a:r>
-              <a:rPr dirty="0" err="1"/>
-              <a:t>comparació</a:t>
-            </a:r>
-            <a:r>
-              <a:rPr dirty="0"/>
-              <a:t> de </a:t>
-            </a:r>
-            <a:r>
-              <a:rPr dirty="0" err="1"/>
-              <a:t>métri</a:t>
-            </a:r>
-            <a:r>
-              <a:rPr lang="es-ES" dirty="0" err="1"/>
-              <a:t>ques</a:t>
-            </a:r>
-            <a:endParaRPr dirty="0"/>
-          </a:p>
-        </p:txBody>
-      </p:sp>
-    </p:spTree>
-  </p:cSld>
-  <p:clrMapOvr>
-    <a:masterClrMapping/>
-  </p:clrMapOvr>
-</p:sld>
-</file>
-
-<file path=ppt/slides/slide15.xml><?xml version="1.0" encoding="utf-8"?>
-<p:sld xmlns:a="http://schemas.openxmlformats.org/drawingml/2006/main" xmlns:r="http://schemas.openxmlformats.org/officeDocument/2006/relationships" xmlns:p="http://schemas.openxmlformats.org/presentationml/2006/main">
-  <p:cSld>
-    <p:spTree>
-      <p:nvGrpSpPr>
-        <p:cNvPr id="1" name=""/>
-        <p:cNvGrpSpPr/>
-        <p:nvPr/>
-      </p:nvGrpSpPr>
-      <p:grpSpPr>
-        <a:xfrm>
-          <a:off x="0" y="0"/>
-          <a:ext cx="0" cy="0"/>
-          <a:chOff x="0" y="0"/>
-          <a:chExt cx="0" cy="0"/>
-        </a:xfrm>
-      </p:grpSpPr>
-      <p:sp>
-        <p:nvSpPr>
           <p:cNvPr id="2" name="Título 1">
             <a:extLst>
               <a:ext uri="{FF2B5EF4-FFF2-40B4-BE49-F238E27FC236}">
@@ -5647,7 +5485,7 @@
 </p:sld>
 </file>
 
-<file path=ppt/slides/slide16.xml><?xml version="1.0" encoding="utf-8"?>
+<file path=ppt/slides/slide15.xml><?xml version="1.0" encoding="utf-8"?>
 <p:sld xmlns:a="http://schemas.openxmlformats.org/drawingml/2006/main" xmlns:r="http://schemas.openxmlformats.org/officeDocument/2006/relationships" xmlns:p="http://schemas.openxmlformats.org/presentationml/2006/main">
   <p:cSld>
     <p:spTree>
@@ -5737,7 +5575,7 @@
 </p:sld>
 </file>
 
-<file path=ppt/slides/slide17.xml><?xml version="1.0" encoding="utf-8"?>
+<file path=ppt/slides/slide16.xml><?xml version="1.0" encoding="utf-8"?>
 <p:sld xmlns:a="http://schemas.openxmlformats.org/drawingml/2006/main" xmlns:r="http://schemas.openxmlformats.org/officeDocument/2006/relationships" xmlns:p="http://schemas.openxmlformats.org/presentationml/2006/main">
   <p:cSld>
     <p:spTree>
@@ -5877,7 +5715,7 @@
 </p:sld>
 </file>
 
-<file path=ppt/slides/slide18.xml><?xml version="1.0" encoding="utf-8"?>
+<file path=ppt/slides/slide17.xml><?xml version="1.0" encoding="utf-8"?>
 <p:sld xmlns:a="http://schemas.openxmlformats.org/drawingml/2006/main" xmlns:r="http://schemas.openxmlformats.org/officeDocument/2006/relationships" xmlns:p="http://schemas.openxmlformats.org/presentationml/2006/main">
   <p:cSld>
     <p:spTree>
@@ -5937,7 +5775,7 @@
 </p:sld>
 </file>
 
-<file path=ppt/slides/slide19.xml><?xml version="1.0" encoding="utf-8"?>
+<file path=ppt/slides/slide18.xml><?xml version="1.0" encoding="utf-8"?>
 <p:sld xmlns:a="http://schemas.openxmlformats.org/drawingml/2006/main" xmlns:r="http://schemas.openxmlformats.org/officeDocument/2006/relationships" xmlns:p="http://schemas.openxmlformats.org/presentationml/2006/main">
   <p:cSld>
     <p:spTree>
@@ -6066,6 +5904,64 @@
 </p:sld>
 </file>
 
+<file path=ppt/slides/slide19.xml><?xml version="1.0" encoding="utf-8"?>
+<p:sld xmlns:a="http://schemas.openxmlformats.org/drawingml/2006/main" xmlns:r="http://schemas.openxmlformats.org/officeDocument/2006/relationships" xmlns:p="http://schemas.openxmlformats.org/presentationml/2006/main">
+  <p:cSld>
+    <p:spTree>
+      <p:nvGrpSpPr>
+        <p:cNvPr id="1" name=""/>
+        <p:cNvGrpSpPr/>
+        <p:nvPr/>
+      </p:nvGrpSpPr>
+      <p:grpSpPr>
+        <a:xfrm>
+          <a:off x="0" y="0"/>
+          <a:ext cx="0" cy="0"/>
+          <a:chOff x="0" y="0"/>
+          <a:chExt cx="0" cy="0"/>
+        </a:xfrm>
+      </p:grpSpPr>
+      <p:sp>
+        <p:nvSpPr>
+          <p:cNvPr id="2" name="Título 1">
+            <a:extLst>
+              <a:ext uri="{FF2B5EF4-FFF2-40B4-BE49-F238E27FC236}">
+                <a16:creationId xmlns:a16="http://schemas.microsoft.com/office/drawing/2014/main" id="{B26182C4-74F4-1B24-16B1-4177C53600D7}"/>
+              </a:ext>
+            </a:extLst>
+          </p:cNvPr>
+          <p:cNvSpPr>
+            <a:spLocks noGrp="1"/>
+          </p:cNvSpPr>
+          <p:nvPr>
+            <p:ph type="title"/>
+          </p:nvPr>
+        </p:nvSpPr>
+        <p:spPr/>
+        <p:txBody>
+          <a:bodyPr/>
+          <a:lstStyle/>
+          <a:p>
+            <a:r>
+              <a:rPr lang="es-ES" dirty="0"/>
+              <a:t>Client</a:t>
+            </a:r>
+          </a:p>
+        </p:txBody>
+      </p:sp>
+    </p:spTree>
+    <p:extLst>
+      <p:ext uri="{BB962C8B-B14F-4D97-AF65-F5344CB8AC3E}">
+        <p14:creationId xmlns:p14="http://schemas.microsoft.com/office/powerpoint/2010/main" val="1357325287"/>
+      </p:ext>
+    </p:extLst>
+  </p:cSld>
+  <p:clrMapOvr>
+    <a:masterClrMapping/>
+  </p:clrMapOvr>
+</p:sld>
+</file>
+
 <file path=ppt/slides/slide2.xml><?xml version="1.0" encoding="utf-8"?>
 <p:sld xmlns:a="http://schemas.openxmlformats.org/drawingml/2006/main" xmlns:r="http://schemas.openxmlformats.org/officeDocument/2006/relationships" xmlns:p="http://schemas.openxmlformats.org/presentationml/2006/main">
   <p:cSld>
@@ -6093,18 +5989,31 @@
             <p:ph type="title"/>
           </p:nvPr>
         </p:nvSpPr>
-        <p:spPr/>
+        <p:spPr>
+          <a:xfrm>
+            <a:off x="457200" y="776288"/>
+            <a:ext cx="8229600" cy="1143000"/>
+          </a:xfrm>
+        </p:spPr>
         <p:txBody>
           <a:bodyPr/>
           <a:lstStyle/>
           <a:p>
             <a:r>
               <a:rPr dirty="0" err="1"/>
-              <a:t>Objetivo</a:t>
+              <a:t>Obtenció</a:t>
             </a:r>
             <a:r>
               <a:rPr dirty="0"/>
-              <a:t> del Proyecto</a:t>
+              <a:t> de </a:t>
+            </a:r>
+            <a:r>
+              <a:rPr lang="es-ES" dirty="0"/>
+              <a:t>Dades</a:t>
+            </a:r>
+            <a:r>
+              <a:rPr dirty="0"/>
+              <a:t> - Web Scraping</a:t>
             </a:r>
           </a:p>
         </p:txBody>
@@ -6119,24 +6028,78 @@
             <p:ph idx="1"/>
           </p:nvPr>
         </p:nvSpPr>
-        <p:spPr/>
-        <p:txBody>
-          <a:bodyPr/>
+        <p:spPr>
+          <a:xfrm>
+            <a:off x="457200" y="2628900"/>
+            <a:ext cx="8229600" cy="3503613"/>
+          </a:xfrm>
+        </p:spPr>
+        <p:txBody>
+          <a:bodyPr>
+            <a:normAutofit/>
+          </a:bodyPr>
           <a:lstStyle/>
           <a:p>
             <a:r>
-              <a:t>Desarrollar un sistema automático que identifique 'chollos' en tiendas online</a:t>
-            </a:r>
-          </a:p>
-          <a:p>
-            <a:r>
-              <a:t>Ayudar a los consumidores a encontrar las mejores relaciones calidad-precio</a:t>
-            </a:r>
-          </a:p>
-          <a:p>
-            <a:r>
-              <a:t>Automatizar la extracción, procesamiento y análisis de datos de portátiles</a:t>
-            </a:r>
+              <a:rPr lang="es-ES" dirty="0" err="1"/>
+              <a:t>Fonts</a:t>
+            </a:r>
+            <a:r>
+              <a:rPr dirty="0"/>
+              <a:t> de </a:t>
+            </a:r>
+            <a:r>
+              <a:rPr lang="es-ES" dirty="0"/>
+              <a:t>dades</a:t>
+            </a:r>
+            <a:r>
+              <a:rPr dirty="0"/>
+              <a:t>: </a:t>
+            </a:r>
+            <a:r>
+              <a:rPr dirty="0" err="1"/>
+              <a:t>PCBox</a:t>
+            </a:r>
+            <a:r>
+              <a:rPr dirty="0"/>
+              <a:t> y </a:t>
+            </a:r>
+            <a:r>
+              <a:rPr dirty="0" err="1"/>
+              <a:t>AppInformática</a:t>
+            </a:r>
+            <a:endParaRPr dirty="0"/>
+          </a:p>
+          <a:p>
+            <a:r>
+              <a:rPr lang="es-ES" dirty="0" err="1"/>
+              <a:t>Ferramentes</a:t>
+            </a:r>
+            <a:r>
+              <a:rPr lang="es-ES" dirty="0"/>
+              <a:t> </a:t>
+            </a:r>
+            <a:r>
+              <a:rPr lang="es-ES" dirty="0" err="1"/>
+              <a:t>utilitzades</a:t>
+            </a:r>
+            <a:r>
+              <a:rPr lang="es-ES" dirty="0"/>
+              <a:t>: </a:t>
+            </a:r>
+            <a:r>
+              <a:rPr lang="es-ES" dirty="0" err="1"/>
+              <a:t>Requests_HTML</a:t>
+            </a:r>
+            <a:r>
+              <a:rPr lang="es-ES" dirty="0"/>
+              <a:t>, </a:t>
+            </a:r>
+            <a:r>
+              <a:rPr lang="es-ES" dirty="0" err="1"/>
+              <a:t>BeautifulSoup</a:t>
+            </a:r>
+            <a:endParaRPr dirty="0"/>
           </a:p>
         </p:txBody>
       </p:sp>
@@ -6167,129 +6130,34 @@
       </p:grpSpPr>
       <p:sp>
         <p:nvSpPr>
-          <p:cNvPr id="2" name="Título 1">
-            <a:extLst>
-              <a:ext uri="{FF2B5EF4-FFF2-40B4-BE49-F238E27FC236}">
-                <a16:creationId xmlns:a16="http://schemas.microsoft.com/office/drawing/2014/main" id="{B26182C4-74F4-1B24-16B1-4177C53600D7}"/>
-              </a:ext>
-            </a:extLst>
-          </p:cNvPr>
-          <p:cNvSpPr>
-            <a:spLocks noGrp="1"/>
-          </p:cNvSpPr>
-          <p:nvPr>
-            <p:ph type="title"/>
-          </p:nvPr>
-        </p:nvSpPr>
-        <p:spPr/>
-        <p:txBody>
-          <a:bodyPr/>
+          <p:cNvPr id="3" name="Content Placeholder 2"/>
+          <p:cNvSpPr>
+            <a:spLocks noGrp="1"/>
+          </p:cNvSpPr>
+          <p:nvPr>
+            <p:ph idx="1"/>
+          </p:nvPr>
+        </p:nvSpPr>
+        <p:spPr>
+          <a:xfrm>
+            <a:off x="920750" y="2940051"/>
+            <a:ext cx="7302500" cy="628650"/>
+          </a:xfrm>
+        </p:spPr>
+        <p:txBody>
+          <a:bodyPr>
+            <a:normAutofit/>
+          </a:bodyPr>
           <a:lstStyle/>
           <a:p>
-            <a:r>
-              <a:rPr lang="es-ES" dirty="0"/>
-              <a:t>Client</a:t>
-            </a:r>
-          </a:p>
-        </p:txBody>
-      </p:sp>
-    </p:spTree>
-    <p:extLst>
-      <p:ext uri="{BB962C8B-B14F-4D97-AF65-F5344CB8AC3E}">
-        <p14:creationId xmlns:p14="http://schemas.microsoft.com/office/powerpoint/2010/main" val="1357325287"/>
-      </p:ext>
-    </p:extLst>
-  </p:cSld>
-  <p:clrMapOvr>
-    <a:masterClrMapping/>
-  </p:clrMapOvr>
-</p:sld>
-</file>
-
-<file path=ppt/slides/slide21.xml><?xml version="1.0" encoding="utf-8"?>
-<p:sld xmlns:a="http://schemas.openxmlformats.org/drawingml/2006/main" xmlns:r="http://schemas.openxmlformats.org/officeDocument/2006/relationships" xmlns:p="http://schemas.openxmlformats.org/presentationml/2006/main">
-  <p:cSld>
-    <p:spTree>
-      <p:nvGrpSpPr>
-        <p:cNvPr id="1" name=""/>
-        <p:cNvGrpSpPr/>
-        <p:nvPr/>
-      </p:nvGrpSpPr>
-      <p:grpSpPr>
-        <a:xfrm>
-          <a:off x="0" y="0"/>
-          <a:ext cx="0" cy="0"/>
-          <a:chOff x="0" y="0"/>
-          <a:chExt cx="0" cy="0"/>
-        </a:xfrm>
-      </p:grpSpPr>
-      <p:sp>
-        <p:nvSpPr>
-          <p:cNvPr id="2" name="Title 1"/>
-          <p:cNvSpPr>
-            <a:spLocks noGrp="1"/>
-          </p:cNvSpPr>
-          <p:nvPr>
-            <p:ph type="title"/>
-          </p:nvPr>
-        </p:nvSpPr>
-        <p:spPr/>
-        <p:txBody>
-          <a:bodyPr/>
-          <a:lstStyle/>
-          <a:p>
-            <a:r>
-              <a:t>Conclusiones y Trabajo Futuro</a:t>
-            </a:r>
-          </a:p>
-        </p:txBody>
-      </p:sp>
-      <p:sp>
-        <p:nvSpPr>
-          <p:cNvPr id="3" name="Content Placeholder 2"/>
-          <p:cNvSpPr>
-            <a:spLocks noGrp="1"/>
-          </p:cNvSpPr>
-          <p:nvPr>
-            <p:ph idx="1"/>
-          </p:nvPr>
-        </p:nvSpPr>
-        <p:spPr/>
-        <p:txBody>
-          <a:bodyPr/>
-          <a:lstStyle/>
-          <a:p>
-            <a:r>
-              <a:t>Resumen de logros y limitaciones encontradas</a:t>
-            </a:r>
-          </a:p>
-          <a:p>
-            <a:r>
-              <a:t>Posibles mejoras:</a:t>
-            </a:r>
-          </a:p>
-          <a:p>
-            <a:pPr lvl="1"/>
-            <a:r>
-              <a:t>• Ampliar fuentes de datos</a:t>
-            </a:r>
-          </a:p>
-          <a:p>
-            <a:pPr lvl="1"/>
-            <a:r>
-              <a:t>• Implementar técnicas avanzadas de deep learning</a:t>
-            </a:r>
-          </a:p>
-          <a:p>
-            <a:pPr lvl="1"/>
-            <a:r>
-              <a:t>• Desarrollo de una API para consultas en tiempo real</a:t>
-            </a:r>
-          </a:p>
-          <a:p>
-            <a:r>
-              <a:t>Agradecimientos y contacto</a:t>
-            </a:r>
+            <a:pPr marL="0" indent="0">
+              <a:buNone/>
+            </a:pPr>
+            <a:r>
+              <a:rPr lang="es-ES" sz="2400" dirty="0"/>
+              <a:t>https://github.com/OlVeRaS94/PROYECTO-PIA-OFERTAS</a:t>
+            </a:r>
+            <a:endParaRPr sz="2400" dirty="0"/>
           </a:p>
         </p:txBody>
       </p:sp>
@@ -6302,155 +6170,6 @@
 </file>
 
 <file path=ppt/slides/slide3.xml><?xml version="1.0" encoding="utf-8"?>
-<p:sld xmlns:a="http://schemas.openxmlformats.org/drawingml/2006/main" xmlns:r="http://schemas.openxmlformats.org/officeDocument/2006/relationships" xmlns:p="http://schemas.openxmlformats.org/presentationml/2006/main">
-  <p:cSld>
-    <p:spTree>
-      <p:nvGrpSpPr>
-        <p:cNvPr id="1" name=""/>
-        <p:cNvGrpSpPr/>
-        <p:nvPr/>
-      </p:nvGrpSpPr>
-      <p:grpSpPr>
-        <a:xfrm>
-          <a:off x="0" y="0"/>
-          <a:ext cx="0" cy="0"/>
-          <a:chOff x="0" y="0"/>
-          <a:chExt cx="0" cy="0"/>
-        </a:xfrm>
-      </p:grpSpPr>
-      <p:sp>
-        <p:nvSpPr>
-          <p:cNvPr id="2" name="Title 1"/>
-          <p:cNvSpPr>
-            <a:spLocks noGrp="1"/>
-          </p:cNvSpPr>
-          <p:nvPr>
-            <p:ph type="title"/>
-          </p:nvPr>
-        </p:nvSpPr>
-        <p:spPr>
-          <a:xfrm>
-            <a:off x="457200" y="776288"/>
-            <a:ext cx="8229600" cy="1143000"/>
-          </a:xfrm>
-        </p:spPr>
-        <p:txBody>
-          <a:bodyPr/>
-          <a:lstStyle/>
-          <a:p>
-            <a:r>
-              <a:rPr dirty="0" err="1"/>
-              <a:t>Obtenció</a:t>
-            </a:r>
-            <a:r>
-              <a:rPr dirty="0"/>
-              <a:t> de </a:t>
-            </a:r>
-            <a:r>
-              <a:rPr lang="es-ES" dirty="0"/>
-              <a:t>Dades</a:t>
-            </a:r>
-            <a:r>
-              <a:rPr dirty="0"/>
-              <a:t> - Web Scraping</a:t>
-            </a:r>
-          </a:p>
-        </p:txBody>
-      </p:sp>
-      <p:sp>
-        <p:nvSpPr>
-          <p:cNvPr id="3" name="Content Placeholder 2"/>
-          <p:cNvSpPr>
-            <a:spLocks noGrp="1"/>
-          </p:cNvSpPr>
-          <p:nvPr>
-            <p:ph idx="1"/>
-          </p:nvPr>
-        </p:nvSpPr>
-        <p:spPr>
-          <a:xfrm>
-            <a:off x="457200" y="2628900"/>
-            <a:ext cx="8229600" cy="3503613"/>
-          </a:xfrm>
-        </p:spPr>
-        <p:txBody>
-          <a:bodyPr>
-            <a:normAutofit/>
-          </a:bodyPr>
-          <a:lstStyle/>
-          <a:p>
-            <a:r>
-              <a:rPr lang="es-ES" dirty="0" err="1"/>
-              <a:t>Fonts</a:t>
-            </a:r>
-            <a:r>
-              <a:rPr dirty="0"/>
-              <a:t> de </a:t>
-            </a:r>
-            <a:r>
-              <a:rPr lang="es-ES" dirty="0"/>
-              <a:t>dades</a:t>
-            </a:r>
-            <a:r>
-              <a:rPr dirty="0"/>
-              <a:t>: </a:t>
-            </a:r>
-            <a:r>
-              <a:rPr dirty="0" err="1"/>
-              <a:t>PCBox</a:t>
-            </a:r>
-            <a:r>
-              <a:rPr dirty="0"/>
-              <a:t> y </a:t>
-            </a:r>
-            <a:r>
-              <a:rPr dirty="0" err="1"/>
-              <a:t>AppInformática</a:t>
-            </a:r>
-            <a:endParaRPr dirty="0"/>
-          </a:p>
-          <a:p>
-            <a:r>
-              <a:rPr lang="es-ES" dirty="0" err="1"/>
-              <a:t>Ferramentes</a:t>
-            </a:r>
-            <a:r>
-              <a:rPr lang="es-ES" dirty="0"/>
-              <a:t> </a:t>
-            </a:r>
-            <a:r>
-              <a:rPr lang="es-ES" dirty="0" err="1"/>
-              <a:t>utilitzades</a:t>
-            </a:r>
-            <a:r>
-              <a:rPr lang="es-ES" dirty="0"/>
-              <a:t>: </a:t>
-            </a:r>
-            <a:r>
-              <a:rPr lang="es-ES" dirty="0" err="1"/>
-              <a:t>Requests_HTML</a:t>
-            </a:r>
-            <a:r>
-              <a:rPr lang="es-ES" dirty="0"/>
-              <a:t>, </a:t>
-            </a:r>
-            <a:r>
-              <a:rPr lang="es-ES" dirty="0" err="1"/>
-              <a:t>BeautifulSoup</a:t>
-            </a:r>
-            <a:endParaRPr dirty="0"/>
-          </a:p>
-        </p:txBody>
-      </p:sp>
-    </p:spTree>
-  </p:cSld>
-  <p:clrMapOvr>
-    <a:masterClrMapping/>
-  </p:clrMapOvr>
-</p:sld>
-</file>
-
-<file path=ppt/slides/slide4.xml><?xml version="1.0" encoding="utf-8"?>
 <p:sld xmlns:a="http://schemas.openxmlformats.org/drawingml/2006/main" xmlns:r="http://schemas.openxmlformats.org/officeDocument/2006/relationships" xmlns:p="http://schemas.openxmlformats.org/presentationml/2006/main">
   <p:cSld>
     <p:spTree>
@@ -6510,7 +6229,7 @@
 </p:sld>
 </file>
 
-<file path=ppt/slides/slide5.xml><?xml version="1.0" encoding="utf-8"?>
+<file path=ppt/slides/slide4.xml><?xml version="1.0" encoding="utf-8"?>
 <p:sld xmlns:a="http://schemas.openxmlformats.org/drawingml/2006/main" xmlns:r="http://schemas.openxmlformats.org/officeDocument/2006/relationships" xmlns:p="http://schemas.openxmlformats.org/presentationml/2006/main">
   <p:cSld>
     <p:spTree>
@@ -6570,7 +6289,7 @@
 </p:sld>
 </file>
 
-<file path=ppt/slides/slide6.xml><?xml version="1.0" encoding="utf-8"?>
+<file path=ppt/slides/slide5.xml><?xml version="1.0" encoding="utf-8"?>
 <p:sld xmlns:a="http://schemas.openxmlformats.org/drawingml/2006/main" xmlns:r="http://schemas.openxmlformats.org/officeDocument/2006/relationships" xmlns:p="http://schemas.openxmlformats.org/presentationml/2006/main">
   <p:cSld>
     <p:spTree>
@@ -6630,7 +6349,7 @@
 </p:sld>
 </file>
 
-<file path=ppt/slides/slide7.xml><?xml version="1.0" encoding="utf-8"?>
+<file path=ppt/slides/slide6.xml><?xml version="1.0" encoding="utf-8"?>
 <p:sld xmlns:a="http://schemas.openxmlformats.org/drawingml/2006/main" xmlns:r="http://schemas.openxmlformats.org/officeDocument/2006/relationships" xmlns:p="http://schemas.openxmlformats.org/presentationml/2006/main">
   <p:cSld>
     <p:spTree>
@@ -6886,7 +6605,7 @@
 </p:sld>
 </file>
 
-<file path=ppt/slides/slide8.xml><?xml version="1.0" encoding="utf-8"?>
+<file path=ppt/slides/slide7.xml><?xml version="1.0" encoding="utf-8"?>
 <p:sld xmlns:a="http://schemas.openxmlformats.org/drawingml/2006/main" xmlns:r="http://schemas.openxmlformats.org/officeDocument/2006/relationships" xmlns:p="http://schemas.openxmlformats.org/presentationml/2006/main">
   <p:cSld>
     <p:spTree>
@@ -7435,6 +7154,94 @@
 </p:sld>
 </file>
 
+<file path=ppt/slides/slide8.xml><?xml version="1.0" encoding="utf-8"?>
+<p:sld xmlns:a="http://schemas.openxmlformats.org/drawingml/2006/main" xmlns:r="http://schemas.openxmlformats.org/officeDocument/2006/relationships" xmlns:p="http://schemas.openxmlformats.org/presentationml/2006/main">
+  <p:cSld>
+    <p:spTree>
+      <p:nvGrpSpPr>
+        <p:cNvPr id="1" name=""/>
+        <p:cNvGrpSpPr/>
+        <p:nvPr/>
+      </p:nvGrpSpPr>
+      <p:grpSpPr>
+        <a:xfrm>
+          <a:off x="0" y="0"/>
+          <a:ext cx="0" cy="0"/>
+          <a:chOff x="0" y="0"/>
+          <a:chExt cx="0" cy="0"/>
+        </a:xfrm>
+      </p:grpSpPr>
+      <p:sp>
+        <p:nvSpPr>
+          <p:cNvPr id="4" name="Título 3">
+            <a:extLst>
+              <a:ext uri="{FF2B5EF4-FFF2-40B4-BE49-F238E27FC236}">
+                <a16:creationId xmlns:a16="http://schemas.microsoft.com/office/drawing/2014/main" id="{8F5C367D-E0CE-43A5-7F8F-A8AA222D5279}"/>
+              </a:ext>
+            </a:extLst>
+          </p:cNvPr>
+          <p:cNvSpPr>
+            <a:spLocks noGrp="1"/>
+          </p:cNvSpPr>
+          <p:nvPr>
+            <p:ph type="title"/>
+          </p:nvPr>
+        </p:nvSpPr>
+        <p:spPr/>
+        <p:txBody>
+          <a:bodyPr/>
+          <a:lstStyle/>
+          <a:p>
+            <a:r>
+              <a:rPr lang="es-ES" dirty="0"/>
+              <a:t>DATASET</a:t>
+            </a:r>
+          </a:p>
+        </p:txBody>
+      </p:sp>
+      <p:pic>
+        <p:nvPicPr>
+          <p:cNvPr id="8" name="Imagen 7">
+            <a:extLst>
+              <a:ext uri="{FF2B5EF4-FFF2-40B4-BE49-F238E27FC236}">
+                <a16:creationId xmlns:a16="http://schemas.microsoft.com/office/drawing/2014/main" id="{651B64E5-10BA-BE33-BE74-B6577133CE8A}"/>
+              </a:ext>
+            </a:extLst>
+          </p:cNvPr>
+          <p:cNvPicPr>
+            <a:picLocks noChangeAspect="1"/>
+          </p:cNvPicPr>
+          <p:nvPr/>
+        </p:nvPicPr>
+        <p:blipFill>
+          <a:blip r:embed="rId2"/>
+          <a:stretch>
+            <a:fillRect/>
+          </a:stretch>
+        </p:blipFill>
+        <p:spPr>
+          <a:xfrm>
+            <a:off x="0" y="1269398"/>
+            <a:ext cx="9144000" cy="4319204"/>
+          </a:xfrm>
+          <a:prstGeom prst="rect">
+            <a:avLst/>
+          </a:prstGeom>
+        </p:spPr>
+      </p:pic>
+    </p:spTree>
+    <p:extLst>
+      <p:ext uri="{BB962C8B-B14F-4D97-AF65-F5344CB8AC3E}">
+        <p14:creationId xmlns:p14="http://schemas.microsoft.com/office/powerpoint/2010/main" val="1355905418"/>
+      </p:ext>
+    </p:extLst>
+  </p:cSld>
+  <p:clrMapOvr>
+    <a:masterClrMapping/>
+  </p:clrMapOvr>
+</p:sld>
+</file>
+
 <file path=ppt/slides/slide9.xml><?xml version="1.0" encoding="utf-8"?>
 <p:sld xmlns:a="http://schemas.openxmlformats.org/drawingml/2006/main" xmlns:r="http://schemas.openxmlformats.org/officeDocument/2006/relationships" xmlns:p="http://schemas.openxmlformats.org/presentationml/2006/main">
   <p:cSld>
@@ -7454,13 +7261,7 @@
       </p:grpSpPr>
       <p:sp>
         <p:nvSpPr>
-          <p:cNvPr id="4" name="Título 3">
-            <a:extLst>
-              <a:ext uri="{FF2B5EF4-FFF2-40B4-BE49-F238E27FC236}">
-                <a16:creationId xmlns:a16="http://schemas.microsoft.com/office/drawing/2014/main" id="{8F5C367D-E0CE-43A5-7F8F-A8AA222D5279}"/>
-              </a:ext>
-            </a:extLst>
-          </p:cNvPr>
+          <p:cNvPr id="2" name="Title 1"/>
           <p:cNvSpPr>
             <a:spLocks noGrp="1"/>
           </p:cNvSpPr>
@@ -7474,21 +7275,32 @@
           <a:lstStyle/>
           <a:p>
             <a:r>
+              <a:rPr dirty="0" err="1"/>
+              <a:t>Exploració</a:t>
+            </a:r>
+            <a:r>
+              <a:rPr dirty="0"/>
+              <a:t> y </a:t>
+            </a:r>
+            <a:r>
+              <a:rPr lang="es-ES" dirty="0" err="1"/>
+              <a:t>Neteja</a:t>
+            </a:r>
+            <a:r>
+              <a:rPr dirty="0"/>
+              <a:t> </a:t>
+            </a:r>
+            <a:r>
               <a:rPr lang="es-ES" dirty="0"/>
-              <a:t>DATASET</a:t>
-            </a:r>
-          </a:p>
-        </p:txBody>
-      </p:sp>
-      <p:sp>
-        <p:nvSpPr>
-          <p:cNvPr id="6" name="Marcador de contenido 5">
-            <a:extLst>
-              <a:ext uri="{FF2B5EF4-FFF2-40B4-BE49-F238E27FC236}">
-                <a16:creationId xmlns:a16="http://schemas.microsoft.com/office/drawing/2014/main" id="{DFFC5B2F-7FF8-61E5-C8D3-8C6EC7F0ED98}"/>
-              </a:ext>
-            </a:extLst>
-          </p:cNvPr>
+              <a:t>de Dades</a:t>
+            </a:r>
+            <a:endParaRPr dirty="0"/>
+          </a:p>
+        </p:txBody>
+      </p:sp>
+      <p:sp>
+        <p:nvSpPr>
+          <p:cNvPr id="3" name="Content Placeholder 2"/>
           <p:cNvSpPr>
             <a:spLocks noGrp="1"/>
           </p:cNvSpPr>
@@ -7498,49 +7310,115 @@
         </p:nvSpPr>
         <p:spPr/>
         <p:txBody>
-          <a:bodyPr/>
+          <a:bodyPr>
+            <a:normAutofit/>
+          </a:bodyPr>
           <a:lstStyle/>
           <a:p>
-            <a:endParaRPr lang="es-ES"/>
-          </a:p>
-        </p:txBody>
-      </p:sp>
-      <p:pic>
-        <p:nvPicPr>
-          <p:cNvPr id="5" name="Imagen 4">
-            <a:extLst>
-              <a:ext uri="{FF2B5EF4-FFF2-40B4-BE49-F238E27FC236}">
-                <a16:creationId xmlns:a16="http://schemas.microsoft.com/office/drawing/2014/main" id="{FBBF08CF-2E2D-903B-1900-8F4D69B427B6}"/>
-              </a:ext>
-            </a:extLst>
-          </p:cNvPr>
-          <p:cNvPicPr>
-            <a:picLocks noChangeAspect="1"/>
-          </p:cNvPicPr>
-          <p:nvPr/>
-        </p:nvPicPr>
-        <p:blipFill>
-          <a:blip r:embed="rId2"/>
-          <a:stretch>
-            <a:fillRect/>
-          </a:stretch>
-        </p:blipFill>
-        <p:spPr>
-          <a:xfrm>
-            <a:off x="0" y="1509085"/>
-            <a:ext cx="9144000" cy="3839829"/>
-          </a:xfrm>
-          <a:prstGeom prst="rect">
-            <a:avLst/>
-          </a:prstGeom>
-        </p:spPr>
-      </p:pic>
+            <a:r>
+              <a:rPr dirty="0"/>
+              <a:t>Tra</a:t>
+            </a:r>
+            <a:r>
+              <a:rPr lang="es-ES" dirty="0"/>
+              <a:t>c</a:t>
+            </a:r>
+            <a:r>
+              <a:rPr dirty="0"/>
+              <a:t>tam</a:t>
+            </a:r>
+            <a:r>
+              <a:rPr lang="es-ES" dirty="0" err="1"/>
+              <a:t>ent</a:t>
+            </a:r>
+            <a:r>
+              <a:rPr dirty="0"/>
+              <a:t> de </a:t>
+            </a:r>
+            <a:r>
+              <a:rPr dirty="0" err="1"/>
+              <a:t>valors</a:t>
+            </a:r>
+            <a:r>
+              <a:rPr dirty="0"/>
+              <a:t> </a:t>
+            </a:r>
+            <a:r>
+              <a:rPr dirty="0" err="1"/>
+              <a:t>nuls</a:t>
+            </a:r>
+            <a:r>
+              <a:rPr dirty="0"/>
+              <a:t>:</a:t>
+            </a:r>
+          </a:p>
+          <a:p>
+            <a:pPr lvl="1"/>
+            <a:r>
+              <a:rPr lang="es-ES" dirty="0"/>
+              <a:t>Mitjana</a:t>
+            </a:r>
+          </a:p>
+          <a:p>
+            <a:pPr lvl="1"/>
+            <a:r>
+              <a:rPr lang="es-ES" dirty="0"/>
+              <a:t>Moda</a:t>
+            </a:r>
+          </a:p>
+          <a:p>
+            <a:pPr lvl="1"/>
+            <a:r>
+              <a:rPr lang="es-ES" dirty="0"/>
+              <a:t>Eliminar files </a:t>
+            </a:r>
+            <a:r>
+              <a:rPr lang="es-ES" dirty="0" err="1"/>
+              <a:t>irrelevants</a:t>
+            </a:r>
+            <a:endParaRPr lang="es-ES" dirty="0"/>
+          </a:p>
+          <a:p>
+            <a:r>
+              <a:rPr lang="es-ES" dirty="0" err="1"/>
+              <a:t>Detecció</a:t>
+            </a:r>
+            <a:r>
+              <a:rPr lang="es-ES" dirty="0"/>
+              <a:t> y </a:t>
+            </a:r>
+            <a:r>
+              <a:rPr lang="es-ES" dirty="0" err="1"/>
+              <a:t>tractament</a:t>
+            </a:r>
+            <a:r>
+              <a:rPr lang="es-ES" dirty="0"/>
+              <a:t> de </a:t>
+            </a:r>
+            <a:r>
+              <a:rPr lang="es-ES" dirty="0" err="1"/>
+              <a:t>outliers</a:t>
+            </a:r>
+            <a:endParaRPr lang="es-ES" dirty="0"/>
+          </a:p>
+          <a:p>
+            <a:r>
+              <a:rPr lang="es-ES" dirty="0" err="1"/>
+              <a:t>Duplicació</a:t>
+            </a:r>
+            <a:r>
+              <a:rPr lang="es-ES" dirty="0"/>
+              <a:t> de </a:t>
+            </a:r>
+            <a:r>
+              <a:rPr lang="es-ES" dirty="0" err="1"/>
+              <a:t>valors</a:t>
+            </a:r>
+            <a:endParaRPr lang="es-ES" dirty="0"/>
+          </a:p>
+        </p:txBody>
+      </p:sp>
     </p:spTree>
-    <p:extLst>
-      <p:ext uri="{BB962C8B-B14F-4D97-AF65-F5344CB8AC3E}">
-        <p14:creationId xmlns:p14="http://schemas.microsoft.com/office/powerpoint/2010/main" val="1355905418"/>
-      </p:ext>
-    </p:extLst>
   </p:cSld>
   <p:clrMapOvr>
     <a:masterClrMapping/>

--- a/presentacion_chollos.pptx
+++ b/presentacion_chollos.pptx
@@ -70,7 +70,7 @@
         <p:spPr>
           <a:xfrm>
             <a:off x="457200" y="274680"/>
-            <a:ext cx="8229240" cy="1142640"/>
+            <a:ext cx="8228880" cy="1142280"/>
           </a:xfrm>
           <a:prstGeom prst="rect">
             <a:avLst/>
@@ -85,14 +85,14 @@
             <a:noAutofit/>
           </a:bodyPr>
           <a:p>
-            <a:pPr indent="0">
-              <a:buNone/>
-            </a:pPr>
-            <a:endParaRPr b="0" lang="en-US" sz="1800" spc="-1" strike="noStrike">
-              <a:solidFill>
-                <a:schemeClr val="dk1"/>
-              </a:solidFill>
-              <a:latin typeface="Calibri"/>
+            <a:pPr indent="0" algn="ctr">
+              <a:buNone/>
+            </a:pPr>
+            <a:endParaRPr b="0" lang="es-ES" sz="4400" spc="-1" strike="noStrike">
+              <a:solidFill>
+                <a:srgbClr val="000000"/>
+              </a:solidFill>
+              <a:latin typeface="Arial"/>
             </a:endParaRPr>
           </a:p>
         </p:txBody>
@@ -110,7 +110,7 @@
         <p:spPr>
           <a:xfrm>
             <a:off x="457200" y="1600200"/>
-            <a:ext cx="8229240" cy="4525560"/>
+            <a:ext cx="8228880" cy="4525200"/>
           </a:xfrm>
           <a:prstGeom prst="rect">
             <a:avLst/>
@@ -144,7 +144,7 @@
             <a:spLocks noGrp="1"/>
           </p:cNvSpPr>
           <p:nvPr>
-            <p:ph type="ftr" idx="2"/>
+            <p:ph type="ftr" idx="1"/>
           </p:nvPr>
         </p:nvSpPr>
         <p:spPr/>
@@ -164,14 +164,14 @@
             <a:spLocks noGrp="1"/>
           </p:cNvSpPr>
           <p:nvPr>
-            <p:ph type="sldNum" idx="3"/>
+            <p:ph type="sldNum" idx="2"/>
           </p:nvPr>
         </p:nvSpPr>
         <p:spPr/>
         <p:txBody>
           <a:bodyPr/>
           <a:p>
-            <a:fld id="{21638D02-477E-4CCD-A369-F5712CDC6F22}" type="slidenum">
+            <a:fld id="{9171FC7A-5BD0-4C47-8645-2F4FD90859F3}" type="slidenum">
               <a:t>&lt;#&gt;</a:t>
             </a:fld>
           </a:p>
@@ -184,7 +184,7 @@
             <a:spLocks noGrp="1"/>
           </p:cNvSpPr>
           <p:nvPr>
-            <p:ph type="dt" idx="1"/>
+            <p:ph type="dt" idx="3"/>
           </p:nvPr>
         </p:nvSpPr>
         <p:spPr/>
@@ -227,7 +227,7 @@
             <a:spLocks noGrp="1"/>
           </p:cNvSpPr>
           <p:nvPr>
-            <p:ph type="ftr" idx="29"/>
+            <p:ph type="ftr" idx="28"/>
           </p:nvPr>
         </p:nvSpPr>
         <p:spPr/>
@@ -247,14 +247,14 @@
             <a:spLocks noGrp="1"/>
           </p:cNvSpPr>
           <p:nvPr>
-            <p:ph type="sldNum" idx="30"/>
+            <p:ph type="sldNum" idx="29"/>
           </p:nvPr>
         </p:nvSpPr>
         <p:spPr/>
         <p:txBody>
           <a:bodyPr/>
           <a:p>
-            <a:fld id="{DAC314BA-CF3A-4490-8312-3730EF811993}" type="slidenum">
+            <a:fld id="{196FE07C-E9F0-45A0-86C3-4358414AFA1F}" type="slidenum">
               <a:t>&lt;#&gt;</a:t>
             </a:fld>
           </a:p>
@@ -267,7 +267,7 @@
             <a:spLocks noGrp="1"/>
           </p:cNvSpPr>
           <p:nvPr>
-            <p:ph type="dt" idx="28"/>
+            <p:ph type="dt" idx="30"/>
           </p:nvPr>
         </p:nvSpPr>
         <p:spPr/>
@@ -310,7 +310,7 @@
             <a:spLocks noGrp="1"/>
           </p:cNvSpPr>
           <p:nvPr>
-            <p:ph type="ftr" idx="32"/>
+            <p:ph type="ftr" idx="31"/>
           </p:nvPr>
         </p:nvSpPr>
         <p:spPr/>
@@ -330,14 +330,14 @@
             <a:spLocks noGrp="1"/>
           </p:cNvSpPr>
           <p:nvPr>
-            <p:ph type="sldNum" idx="33"/>
+            <p:ph type="sldNum" idx="32"/>
           </p:nvPr>
         </p:nvSpPr>
         <p:spPr/>
         <p:txBody>
           <a:bodyPr/>
           <a:p>
-            <a:fld id="{A25C9E65-79A9-4AE8-B255-FEEB5ADA6016}" type="slidenum">
+            <a:fld id="{FDF359CB-1226-4F8D-8DCB-58283B6BEDAC}" type="slidenum">
               <a:t>&lt;#&gt;</a:t>
             </a:fld>
           </a:p>
@@ -350,7 +350,7 @@
             <a:spLocks noGrp="1"/>
           </p:cNvSpPr>
           <p:nvPr>
-            <p:ph type="dt" idx="31"/>
+            <p:ph type="dt" idx="33"/>
           </p:nvPr>
         </p:nvSpPr>
         <p:spPr/>
@@ -393,7 +393,7 @@
             <a:spLocks noGrp="1"/>
           </p:cNvSpPr>
           <p:nvPr>
-            <p:ph type="ftr" idx="5"/>
+            <p:ph type="ftr" idx="4"/>
           </p:nvPr>
         </p:nvSpPr>
         <p:spPr/>
@@ -413,14 +413,14 @@
             <a:spLocks noGrp="1"/>
           </p:cNvSpPr>
           <p:nvPr>
-            <p:ph type="sldNum" idx="6"/>
+            <p:ph type="sldNum" idx="5"/>
           </p:nvPr>
         </p:nvSpPr>
         <p:spPr/>
         <p:txBody>
           <a:bodyPr/>
           <a:p>
-            <a:fld id="{56381D2B-C920-482C-AA73-79C5E0859944}" type="slidenum">
+            <a:fld id="{DF9DB48C-B707-47AB-B57D-D024E1BB861F}" type="slidenum">
               <a:t>&lt;#&gt;</a:t>
             </a:fld>
           </a:p>
@@ -433,7 +433,7 @@
             <a:spLocks noGrp="1"/>
           </p:cNvSpPr>
           <p:nvPr>
-            <p:ph type="dt" idx="4"/>
+            <p:ph type="dt" idx="6"/>
           </p:nvPr>
         </p:nvSpPr>
         <p:spPr/>
@@ -476,7 +476,7 @@
             <a:spLocks noGrp="1"/>
           </p:cNvSpPr>
           <p:nvPr>
-            <p:ph type="ftr" idx="8"/>
+            <p:ph type="ftr" idx="7"/>
           </p:nvPr>
         </p:nvSpPr>
         <p:spPr/>
@@ -496,14 +496,14 @@
             <a:spLocks noGrp="1"/>
           </p:cNvSpPr>
           <p:nvPr>
-            <p:ph type="sldNum" idx="9"/>
+            <p:ph type="sldNum" idx="8"/>
           </p:nvPr>
         </p:nvSpPr>
         <p:spPr/>
         <p:txBody>
           <a:bodyPr/>
           <a:p>
-            <a:fld id="{03098772-1204-4501-9931-29A5C64A7F84}" type="slidenum">
+            <a:fld id="{4AE82648-0B15-4DC1-B006-27232C744AFA}" type="slidenum">
               <a:t>&lt;#&gt;</a:t>
             </a:fld>
           </a:p>
@@ -516,7 +516,7 @@
             <a:spLocks noGrp="1"/>
           </p:cNvSpPr>
           <p:nvPr>
-            <p:ph type="dt" idx="7"/>
+            <p:ph type="dt" idx="9"/>
           </p:nvPr>
         </p:nvSpPr>
         <p:spPr/>
@@ -554,7 +554,7 @@
       </p:grpSpPr>
       <p:sp>
         <p:nvSpPr>
-          <p:cNvPr id="22" name="PlaceHolder 1"/>
+          <p:cNvPr id="18" name="PlaceHolder 1"/>
           <p:cNvSpPr>
             <a:spLocks noGrp="1"/>
           </p:cNvSpPr>
@@ -565,7 +565,7 @@
         <p:spPr>
           <a:xfrm>
             <a:off x="457200" y="274680"/>
-            <a:ext cx="8229240" cy="1142640"/>
+            <a:ext cx="8228880" cy="1142280"/>
           </a:xfrm>
           <a:prstGeom prst="rect">
             <a:avLst/>
@@ -580,21 +580,21 @@
             <a:noAutofit/>
           </a:bodyPr>
           <a:p>
-            <a:pPr indent="0">
-              <a:buNone/>
-            </a:pPr>
-            <a:endParaRPr b="0" lang="en-US" sz="1800" spc="-1" strike="noStrike">
-              <a:solidFill>
-                <a:schemeClr val="dk1"/>
-              </a:solidFill>
-              <a:latin typeface="Calibri"/>
+            <a:pPr indent="0" algn="ctr">
+              <a:buNone/>
+            </a:pPr>
+            <a:endParaRPr b="0" lang="es-ES" sz="4400" spc="-1" strike="noStrike">
+              <a:solidFill>
+                <a:srgbClr val="000000"/>
+              </a:solidFill>
+              <a:latin typeface="Arial"/>
             </a:endParaRPr>
           </a:p>
         </p:txBody>
       </p:sp>
       <p:sp>
         <p:nvSpPr>
-          <p:cNvPr id="23" name="PlaceHolder 2"/>
+          <p:cNvPr id="19" name="PlaceHolder 2"/>
           <p:cNvSpPr>
             <a:spLocks noGrp="1"/>
           </p:cNvSpPr>
@@ -605,7 +605,7 @@
         <p:spPr>
           <a:xfrm>
             <a:off x="457200" y="1600200"/>
-            <a:ext cx="8229240" cy="4525560"/>
+            <a:ext cx="8228880" cy="4525200"/>
           </a:xfrm>
           <a:prstGeom prst="rect">
             <a:avLst/>
@@ -626,11 +626,11 @@
               </a:spcBef>
               <a:buNone/>
             </a:pPr>
-            <a:endParaRPr b="0" lang="en-US" sz="3200" spc="-1" strike="noStrike">
-              <a:solidFill>
-                <a:schemeClr val="dk1"/>
-              </a:solidFill>
-              <a:latin typeface="Calibri"/>
+            <a:endParaRPr b="0" lang="es-ES" sz="3200" spc="-1" strike="noStrike">
+              <a:solidFill>
+                <a:srgbClr val="000000"/>
+              </a:solidFill>
+              <a:latin typeface="Arial"/>
             </a:endParaRPr>
           </a:p>
         </p:txBody>
@@ -642,7 +642,7 @@
             <a:spLocks noGrp="1"/>
           </p:cNvSpPr>
           <p:nvPr>
-            <p:ph type="ftr" idx="11"/>
+            <p:ph type="ftr" idx="10"/>
           </p:nvPr>
         </p:nvSpPr>
         <p:spPr/>
@@ -662,14 +662,14 @@
             <a:spLocks noGrp="1"/>
           </p:cNvSpPr>
           <p:nvPr>
-            <p:ph type="sldNum" idx="12"/>
+            <p:ph type="sldNum" idx="11"/>
           </p:nvPr>
         </p:nvSpPr>
         <p:spPr/>
         <p:txBody>
           <a:bodyPr/>
           <a:p>
-            <a:fld id="{19E92C4A-F4F8-47CE-98AD-FD255FB7C097}" type="slidenum">
+            <a:fld id="{79BF9326-AE7C-48CA-BB28-C56113993425}" type="slidenum">
               <a:t>&lt;#&gt;</a:t>
             </a:fld>
           </a:p>
@@ -682,7 +682,7 @@
             <a:spLocks noGrp="1"/>
           </p:cNvSpPr>
           <p:nvPr>
-            <p:ph type="dt" idx="10"/>
+            <p:ph type="dt" idx="12"/>
           </p:nvPr>
         </p:nvSpPr>
         <p:spPr/>
@@ -725,7 +725,7 @@
             <a:spLocks noGrp="1"/>
           </p:cNvSpPr>
           <p:nvPr>
-            <p:ph type="ftr" idx="14"/>
+            <p:ph type="ftr" idx="13"/>
           </p:nvPr>
         </p:nvSpPr>
         <p:spPr/>
@@ -745,14 +745,14 @@
             <a:spLocks noGrp="1"/>
           </p:cNvSpPr>
           <p:nvPr>
-            <p:ph type="sldNum" idx="15"/>
+            <p:ph type="sldNum" idx="14"/>
           </p:nvPr>
         </p:nvSpPr>
         <p:spPr/>
         <p:txBody>
           <a:bodyPr/>
           <a:p>
-            <a:fld id="{15E292AD-E5C2-4AE1-8B89-6C80BCB837BC}" type="slidenum">
+            <a:fld id="{F49C3E6C-A14B-40E1-A7B8-72C7E8D3297D}" type="slidenum">
               <a:t>&lt;#&gt;</a:t>
             </a:fld>
           </a:p>
@@ -765,7 +765,7 @@
             <a:spLocks noGrp="1"/>
           </p:cNvSpPr>
           <p:nvPr>
-            <p:ph type="dt" idx="13"/>
+            <p:ph type="dt" idx="15"/>
           </p:nvPr>
         </p:nvSpPr>
         <p:spPr/>
@@ -803,7 +803,7 @@
       </p:grpSpPr>
       <p:sp>
         <p:nvSpPr>
-          <p:cNvPr id="35" name="PlaceHolder 1"/>
+          <p:cNvPr id="29" name="PlaceHolder 1"/>
           <p:cNvSpPr>
             <a:spLocks noGrp="1"/>
           </p:cNvSpPr>
@@ -814,7 +814,7 @@
         <p:spPr>
           <a:xfrm>
             <a:off x="457200" y="274680"/>
-            <a:ext cx="8229240" cy="1142640"/>
+            <a:ext cx="8228880" cy="1142280"/>
           </a:xfrm>
           <a:prstGeom prst="rect">
             <a:avLst/>
@@ -829,21 +829,21 @@
             <a:noAutofit/>
           </a:bodyPr>
           <a:p>
-            <a:pPr indent="0">
-              <a:buNone/>
-            </a:pPr>
-            <a:endParaRPr b="0" lang="en-US" sz="1800" spc="-1" strike="noStrike">
-              <a:solidFill>
-                <a:schemeClr val="dk1"/>
-              </a:solidFill>
-              <a:latin typeface="Calibri"/>
+            <a:pPr indent="0" algn="ctr">
+              <a:buNone/>
+            </a:pPr>
+            <a:endParaRPr b="0" lang="es-ES" sz="4400" spc="-1" strike="noStrike">
+              <a:solidFill>
+                <a:srgbClr val="000000"/>
+              </a:solidFill>
+              <a:latin typeface="Arial"/>
             </a:endParaRPr>
           </a:p>
         </p:txBody>
       </p:sp>
       <p:sp>
         <p:nvSpPr>
-          <p:cNvPr id="36" name="PlaceHolder 2"/>
+          <p:cNvPr id="30" name="PlaceHolder 2"/>
           <p:cNvSpPr>
             <a:spLocks noGrp="1"/>
           </p:cNvSpPr>
@@ -854,7 +854,7 @@
         <p:spPr>
           <a:xfrm>
             <a:off x="457200" y="1600200"/>
-            <a:ext cx="4015800" cy="4525560"/>
+            <a:ext cx="4015440" cy="4525200"/>
           </a:xfrm>
           <a:prstGeom prst="rect">
             <a:avLst/>
@@ -875,18 +875,18 @@
               </a:spcBef>
               <a:buNone/>
             </a:pPr>
-            <a:endParaRPr b="0" lang="en-US" sz="3200" spc="-1" strike="noStrike">
-              <a:solidFill>
-                <a:schemeClr val="dk1"/>
-              </a:solidFill>
-              <a:latin typeface="Calibri"/>
+            <a:endParaRPr b="0" lang="es-ES" sz="3200" spc="-1" strike="noStrike">
+              <a:solidFill>
+                <a:srgbClr val="000000"/>
+              </a:solidFill>
+              <a:latin typeface="Arial"/>
             </a:endParaRPr>
           </a:p>
         </p:txBody>
       </p:sp>
       <p:sp>
         <p:nvSpPr>
-          <p:cNvPr id="37" name="PlaceHolder 3"/>
+          <p:cNvPr id="31" name="PlaceHolder 3"/>
           <p:cNvSpPr>
             <a:spLocks noGrp="1"/>
           </p:cNvSpPr>
@@ -896,8 +896,8 @@
         </p:nvSpPr>
         <p:spPr>
           <a:xfrm>
-            <a:off x="4674240" y="1600200"/>
-            <a:ext cx="4015800" cy="4525560"/>
+            <a:off x="4673880" y="1600200"/>
+            <a:ext cx="4015440" cy="4525200"/>
           </a:xfrm>
           <a:prstGeom prst="rect">
             <a:avLst/>
@@ -918,11 +918,11 @@
               </a:spcBef>
               <a:buNone/>
             </a:pPr>
-            <a:endParaRPr b="0" lang="en-US" sz="3200" spc="-1" strike="noStrike">
-              <a:solidFill>
-                <a:schemeClr val="dk1"/>
-              </a:solidFill>
-              <a:latin typeface="Calibri"/>
+            <a:endParaRPr b="0" lang="es-ES" sz="3200" spc="-1" strike="noStrike">
+              <a:solidFill>
+                <a:srgbClr val="000000"/>
+              </a:solidFill>
+              <a:latin typeface="Arial"/>
             </a:endParaRPr>
           </a:p>
         </p:txBody>
@@ -934,7 +934,7 @@
             <a:spLocks noGrp="1"/>
           </p:cNvSpPr>
           <p:nvPr>
-            <p:ph type="ftr" idx="17"/>
+            <p:ph type="ftr" idx="16"/>
           </p:nvPr>
         </p:nvSpPr>
         <p:spPr/>
@@ -954,14 +954,14 @@
             <a:spLocks noGrp="1"/>
           </p:cNvSpPr>
           <p:nvPr>
-            <p:ph type="sldNum" idx="18"/>
+            <p:ph type="sldNum" idx="17"/>
           </p:nvPr>
         </p:nvSpPr>
         <p:spPr/>
         <p:txBody>
           <a:bodyPr/>
           <a:p>
-            <a:fld id="{C7AA4808-5F84-4BF0-BDC0-7B84A0F91100}" type="slidenum">
+            <a:fld id="{B5711EEE-12B5-4DCB-BFF1-016FDCE60F07}" type="slidenum">
               <a:t>&lt;#&gt;</a:t>
             </a:fld>
           </a:p>
@@ -974,7 +974,7 @@
             <a:spLocks noGrp="1"/>
           </p:cNvSpPr>
           <p:nvPr>
-            <p:ph type="dt" idx="16"/>
+            <p:ph type="dt" idx="18"/>
           </p:nvPr>
         </p:nvSpPr>
         <p:spPr/>
@@ -1017,7 +1017,7 @@
             <a:spLocks noGrp="1"/>
           </p:cNvSpPr>
           <p:nvPr>
-            <p:ph type="ftr" idx="20"/>
+            <p:ph type="ftr" idx="19"/>
           </p:nvPr>
         </p:nvSpPr>
         <p:spPr/>
@@ -1037,14 +1037,14 @@
             <a:spLocks noGrp="1"/>
           </p:cNvSpPr>
           <p:nvPr>
-            <p:ph type="sldNum" idx="21"/>
+            <p:ph type="sldNum" idx="20"/>
           </p:nvPr>
         </p:nvSpPr>
         <p:spPr/>
         <p:txBody>
           <a:bodyPr/>
           <a:p>
-            <a:fld id="{C4825130-4786-4719-8CBA-9A37CA063921}" type="slidenum">
+            <a:fld id="{3084C56F-2371-4CFE-A722-F20C38AE9E6F}" type="slidenum">
               <a:t>&lt;#&gt;</a:t>
             </a:fld>
           </a:p>
@@ -1057,7 +1057,7 @@
             <a:spLocks noGrp="1"/>
           </p:cNvSpPr>
           <p:nvPr>
-            <p:ph type="dt" idx="19"/>
+            <p:ph type="dt" idx="21"/>
           </p:nvPr>
         </p:nvSpPr>
         <p:spPr/>
@@ -1095,7 +1095,7 @@
       </p:grpSpPr>
       <p:sp>
         <p:nvSpPr>
-          <p:cNvPr id="51" name="PlaceHolder 1"/>
+          <p:cNvPr id="40" name="PlaceHolder 1"/>
           <p:cNvSpPr>
             <a:spLocks noGrp="1"/>
           </p:cNvSpPr>
@@ -1106,7 +1106,7 @@
         <p:spPr>
           <a:xfrm>
             <a:off x="457200" y="274680"/>
-            <a:ext cx="8229240" cy="1142640"/>
+            <a:ext cx="8228880" cy="1142280"/>
           </a:xfrm>
           <a:prstGeom prst="rect">
             <a:avLst/>
@@ -1121,14 +1121,14 @@
             <a:noAutofit/>
           </a:bodyPr>
           <a:p>
-            <a:pPr indent="0">
-              <a:buNone/>
-            </a:pPr>
-            <a:endParaRPr b="0" lang="en-US" sz="1800" spc="-1" strike="noStrike">
-              <a:solidFill>
-                <a:schemeClr val="dk1"/>
-              </a:solidFill>
-              <a:latin typeface="Calibri"/>
+            <a:pPr indent="0" algn="ctr">
+              <a:buNone/>
+            </a:pPr>
+            <a:endParaRPr b="0" lang="es-ES" sz="4400" spc="-1" strike="noStrike">
+              <a:solidFill>
+                <a:srgbClr val="000000"/>
+              </a:solidFill>
+              <a:latin typeface="Arial"/>
             </a:endParaRPr>
           </a:p>
         </p:txBody>
@@ -1140,7 +1140,7 @@
             <a:spLocks noGrp="1"/>
           </p:cNvSpPr>
           <p:nvPr>
-            <p:ph type="ftr" idx="23"/>
+            <p:ph type="ftr" idx="22"/>
           </p:nvPr>
         </p:nvSpPr>
         <p:spPr/>
@@ -1160,14 +1160,14 @@
             <a:spLocks noGrp="1"/>
           </p:cNvSpPr>
           <p:nvPr>
-            <p:ph type="sldNum" idx="24"/>
+            <p:ph type="sldNum" idx="23"/>
           </p:nvPr>
         </p:nvSpPr>
         <p:spPr/>
         <p:txBody>
           <a:bodyPr/>
           <a:p>
-            <a:fld id="{E8BE18EB-0F62-465A-B5BB-BC0477E64FD1}" type="slidenum">
+            <a:fld id="{DF7B84CA-4A2D-4966-946C-E44C9E86960E}" type="slidenum">
               <a:t>&lt;#&gt;</a:t>
             </a:fld>
           </a:p>
@@ -1180,7 +1180,7 @@
             <a:spLocks noGrp="1"/>
           </p:cNvSpPr>
           <p:nvPr>
-            <p:ph type="dt" idx="22"/>
+            <p:ph type="dt" idx="24"/>
           </p:nvPr>
         </p:nvSpPr>
         <p:spPr/>
@@ -1223,7 +1223,7 @@
             <a:spLocks noGrp="1"/>
           </p:cNvSpPr>
           <p:nvPr>
-            <p:ph type="ftr" idx="26"/>
+            <p:ph type="ftr" idx="25"/>
           </p:nvPr>
         </p:nvSpPr>
         <p:spPr/>
@@ -1243,14 +1243,14 @@
             <a:spLocks noGrp="1"/>
           </p:cNvSpPr>
           <p:nvPr>
-            <p:ph type="sldNum" idx="27"/>
+            <p:ph type="sldNum" idx="26"/>
           </p:nvPr>
         </p:nvSpPr>
         <p:spPr/>
         <p:txBody>
           <a:bodyPr/>
           <a:p>
-            <a:fld id="{A1C79378-FEE5-4070-AC1E-70519211900F}" type="slidenum">
+            <a:fld id="{AF07E7C6-6D95-43EC-9F5E-4892C39E33A7}" type="slidenum">
               <a:t>&lt;#&gt;</a:t>
             </a:fld>
           </a:p>
@@ -1263,7 +1263,7 @@
             <a:spLocks noGrp="1"/>
           </p:cNvSpPr>
           <p:nvPr>
-            <p:ph type="dt" idx="25"/>
+            <p:ph type="dt" idx="27"/>
           </p:nvPr>
         </p:nvSpPr>
         <p:spPr/>
@@ -1318,8 +1318,8 @@
         </p:nvSpPr>
         <p:spPr>
           <a:xfrm>
-            <a:off x="685800" y="2130480"/>
-            <a:ext cx="7772040" cy="1469520"/>
+            <a:off x="457200" y="274680"/>
+            <a:ext cx="8228880" cy="1142280"/>
           </a:xfrm>
           <a:prstGeom prst="rect">
             <a:avLst/>
@@ -1330,30 +1330,27 @@
           </a:ln>
         </p:spPr>
         <p:txBody>
-          <a:bodyPr lIns="91440" rIns="91440" tIns="45720" bIns="45720" anchor="ctr">
+          <a:bodyPr lIns="0" rIns="0" tIns="0" bIns="0" anchor="ctr">
             <a:noAutofit/>
           </a:bodyPr>
           <a:p>
-            <a:pPr indent="0" algn="ctr" defTabSz="457200">
-              <a:lnSpc>
-                <a:spcPct val="100000"/>
-              </a:lnSpc>
-              <a:buNone/>
-            </a:pPr>
-            <a:r>
-              <a:rPr b="0" lang="en-US" sz="4400" spc="-1" strike="noStrike">
-                <a:solidFill>
-                  <a:schemeClr val="dk1"/>
-                </a:solidFill>
-                <a:latin typeface="Calibri"/>
-              </a:rPr>
-              <a:t>Click to edit Master title style</a:t>
-            </a:r>
-            <a:endParaRPr b="0" lang="en-US" sz="4400" spc="-1" strike="noStrike">
-              <a:solidFill>
-                <a:schemeClr val="dk1"/>
-              </a:solidFill>
-              <a:latin typeface="Calibri"/>
+            <a:pPr indent="0">
+              <a:buNone/>
+            </a:pPr>
+            <a:r>
+              <a:rPr b="0" lang="es-ES" sz="1800" spc="-1" strike="noStrike">
+                <a:solidFill>
+                  <a:srgbClr val="000000"/>
+                </a:solidFill>
+                <a:latin typeface="Arial"/>
+              </a:rPr>
+              <a:t>Pulse para editar el formato del texto de título</a:t>
+            </a:r>
+            <a:endParaRPr b="0" lang="es-ES" sz="1800" spc="-1" strike="noStrike">
+              <a:solidFill>
+                <a:srgbClr val="000000"/>
+              </a:solidFill>
+              <a:latin typeface="Arial"/>
             </a:endParaRPr>
           </a:p>
         </p:txBody>
@@ -1365,83 +1362,13 @@
             <a:spLocks noGrp="1"/>
           </p:cNvSpPr>
           <p:nvPr>
-            <p:ph type="dt" idx="1"/>
-          </p:nvPr>
-        </p:nvSpPr>
-        <p:spPr>
-          <a:xfrm>
-            <a:off x="457200" y="6356520"/>
-            <a:ext cx="2133360" cy="364680"/>
-          </a:xfrm>
-          <a:prstGeom prst="rect">
-            <a:avLst/>
-          </a:prstGeom>
-          <a:noFill/>
-          <a:ln w="0">
-            <a:noFill/>
-          </a:ln>
-        </p:spPr>
-        <p:txBody>
-          <a:bodyPr lIns="91440" rIns="91440" tIns="45720" bIns="45720" anchor="ctr">
-            <a:noAutofit/>
-          </a:bodyPr>
-          <a:lstStyle>
-            <a:lvl1pPr indent="0" defTabSz="457200">
-              <a:lnSpc>
-                <a:spcPct val="100000"/>
-              </a:lnSpc>
-              <a:buNone/>
-              <a:defRPr b="0" lang="en-US" sz="1200" spc="-1" strike="noStrike">
-                <a:solidFill>
-                  <a:schemeClr val="dk1">
-                    <a:tint val="75000"/>
-                  </a:schemeClr>
-                </a:solidFill>
-                <a:latin typeface="Calibri"/>
-              </a:defRPr>
-            </a:lvl1pPr>
-          </a:lstStyle>
-          <a:p>
-            <a:pPr indent="0" defTabSz="457200">
-              <a:lnSpc>
-                <a:spcPct val="100000"/>
-              </a:lnSpc>
-              <a:buNone/>
-            </a:pPr>
-            <a:r>
-              <a:rPr b="0" lang="en-US" sz="1200" spc="-1" strike="noStrike">
-                <a:solidFill>
-                  <a:schemeClr val="dk1">
-                    <a:tint val="75000"/>
-                  </a:schemeClr>
-                </a:solidFill>
-                <a:latin typeface="Calibri"/>
-              </a:rPr>
-              <a:t> </a:t>
-            </a:r>
-            <a:endParaRPr b="0" lang="es-ES" sz="1200" spc="-1" strike="noStrike">
-              <a:solidFill>
-                <a:srgbClr val="000000"/>
-              </a:solidFill>
-              <a:latin typeface="Times New Roman"/>
-            </a:endParaRPr>
-          </a:p>
-        </p:txBody>
-      </p:sp>
-      <p:sp>
-        <p:nvSpPr>
-          <p:cNvPr id="2" name="PlaceHolder 3"/>
-          <p:cNvSpPr>
-            <a:spLocks noGrp="1"/>
-          </p:cNvSpPr>
-          <p:nvPr>
-            <p:ph type="ftr" idx="2"/>
+            <p:ph type="ftr" idx="1"/>
           </p:nvPr>
         </p:nvSpPr>
         <p:spPr>
           <a:xfrm>
             <a:off x="3124080" y="6356520"/>
-            <a:ext cx="2895120" cy="364680"/>
+            <a:ext cx="2894760" cy="364320"/>
           </a:xfrm>
           <a:prstGeom prst="rect">
             <a:avLst/>
@@ -1457,7 +1384,13 @@
           </a:bodyPr>
           <a:lstStyle>
             <a:lvl1pPr indent="0" algn="ctr">
-              <a:buNone/>
+              <a:lnSpc>
+                <a:spcPct val="100000"/>
+              </a:lnSpc>
+              <a:buNone/>
+              <a:tabLst>
+                <a:tab algn="l" pos="0"/>
+              </a:tabLst>
               <a:defRPr b="0" lang="es-ES" sz="1400" spc="-1" strike="noStrike">
                 <a:solidFill>
                   <a:srgbClr val="000000"/>
@@ -1468,7 +1401,13 @@
           </a:lstStyle>
           <a:p>
             <a:pPr indent="0" algn="ctr">
-              <a:buNone/>
+              <a:lnSpc>
+                <a:spcPct val="100000"/>
+              </a:lnSpc>
+              <a:buNone/>
+              <a:tabLst>
+                <a:tab algn="l" pos="0"/>
+              </a:tabLst>
             </a:pPr>
             <a:r>
               <a:rPr b="0" lang="es-ES" sz="1400" spc="-1" strike="noStrike">
@@ -1490,18 +1429,18 @@
       </p:sp>
       <p:sp>
         <p:nvSpPr>
-          <p:cNvPr id="3" name="PlaceHolder 4"/>
+          <p:cNvPr id="2" name="PlaceHolder 3"/>
           <p:cNvSpPr>
             <a:spLocks noGrp="1"/>
           </p:cNvSpPr>
           <p:nvPr>
-            <p:ph type="sldNum" idx="3"/>
+            <p:ph type="sldNum" idx="2"/>
           </p:nvPr>
         </p:nvSpPr>
         <p:spPr>
           <a:xfrm>
             <a:off x="6553080" y="6356520"/>
-            <a:ext cx="2133360" cy="364680"/>
+            <a:ext cx="2133000" cy="364320"/>
           </a:xfrm>
           <a:prstGeom prst="rect">
             <a:avLst/>
@@ -1521,6 +1460,9 @@
                 <a:spcPct val="100000"/>
               </a:lnSpc>
               <a:buNone/>
+              <a:tabLst>
+                <a:tab algn="l" pos="0"/>
+              </a:tabLst>
               <a:defRPr b="0" lang="en-US" sz="1200" spc="-1" strike="noStrike">
                 <a:solidFill>
                   <a:schemeClr val="dk1">
@@ -1537,8 +1479,11 @@
                 <a:spcPct val="100000"/>
               </a:lnSpc>
               <a:buNone/>
-            </a:pPr>
-            <a:fld id="{32DD5E75-14E3-471B-909B-F25552C6C113}" type="slidenum">
+              <a:tabLst>
+                <a:tab algn="l" pos="0"/>
+              </a:tabLst>
+            </a:pPr>
+            <a:fld id="{C621715D-AB7D-4C4D-BDBA-8AB03FF8E8C3}" type="slidenum">
               <a:rPr b="0" lang="en-US" sz="1200" spc="-1" strike="noStrike">
                 <a:solidFill>
                   <a:schemeClr val="dk1">
@@ -1550,6 +1495,66 @@
               <a:t>19</a:t>
             </a:fld>
             <a:endParaRPr b="0" lang="es-ES" sz="1200" spc="-1" strike="noStrike">
+              <a:solidFill>
+                <a:srgbClr val="000000"/>
+              </a:solidFill>
+              <a:latin typeface="Times New Roman"/>
+            </a:endParaRPr>
+          </a:p>
+        </p:txBody>
+      </p:sp>
+      <p:sp>
+        <p:nvSpPr>
+          <p:cNvPr id="3" name="PlaceHolder 4"/>
+          <p:cNvSpPr>
+            <a:spLocks noGrp="1"/>
+          </p:cNvSpPr>
+          <p:nvPr>
+            <p:ph type="dt" idx="3"/>
+          </p:nvPr>
+        </p:nvSpPr>
+        <p:spPr>
+          <a:xfrm>
+            <a:off x="457200" y="6356520"/>
+            <a:ext cx="2133000" cy="364320"/>
+          </a:xfrm>
+          <a:prstGeom prst="rect">
+            <a:avLst/>
+          </a:prstGeom>
+          <a:noFill/>
+          <a:ln w="0">
+            <a:noFill/>
+          </a:ln>
+        </p:spPr>
+        <p:txBody>
+          <a:bodyPr lIns="91440" rIns="91440" tIns="45720" bIns="45720" anchor="ctr">
+            <a:noAutofit/>
+          </a:bodyPr>
+          <a:lstStyle>
+            <a:lvl1pPr indent="0">
+              <a:buNone/>
+              <a:defRPr b="0" lang="es-ES" sz="1400" spc="-1" strike="noStrike">
+                <a:solidFill>
+                  <a:srgbClr val="000000"/>
+                </a:solidFill>
+                <a:latin typeface="Times New Roman"/>
+              </a:defRPr>
+            </a:lvl1pPr>
+          </a:lstStyle>
+          <a:p>
+            <a:pPr indent="0">
+              <a:buNone/>
+            </a:pPr>
+            <a:r>
+              <a:rPr b="0" lang="es-ES" sz="1400" spc="-1" strike="noStrike">
+                <a:solidFill>
+                  <a:srgbClr val="000000"/>
+                </a:solidFill>
+                <a:latin typeface="Times New Roman"/>
+              </a:rPr>
+              <a:t> </a:t>
+            </a:r>
+            <a:endParaRPr b="0" lang="es-ES" sz="1400" spc="-1" strike="noStrike">
               <a:solidFill>
                 <a:srgbClr val="000000"/>
               </a:solidFill>
@@ -1598,19 +1603,19 @@
               <a:buChar char=""/>
             </a:pPr>
             <a:r>
-              <a:rPr b="0" lang="en-US" sz="3200" spc="-1" strike="noStrike">
-                <a:solidFill>
-                  <a:schemeClr val="dk1"/>
-                </a:solidFill>
-                <a:latin typeface="Calibri"/>
+              <a:rPr b="0" lang="es-ES" sz="3200" spc="-1" strike="noStrike">
+                <a:solidFill>
+                  <a:srgbClr val="000000"/>
+                </a:solidFill>
+                <a:latin typeface="Arial"/>
               </a:rPr>
               <a:t>Pulse para editar el formato de texto del esquema</a:t>
             </a:r>
-            <a:endParaRPr b="0" lang="en-US" sz="3200" spc="-1" strike="noStrike">
-              <a:solidFill>
-                <a:schemeClr val="dk1"/>
-              </a:solidFill>
-              <a:latin typeface="Calibri"/>
+            <a:endParaRPr b="0" lang="es-ES" sz="3200" spc="-1" strike="noStrike">
+              <a:solidFill>
+                <a:srgbClr val="000000"/>
+              </a:solidFill>
+              <a:latin typeface="Arial"/>
             </a:endParaRPr>
           </a:p>
           <a:p>
@@ -1626,19 +1631,19 @@
               <a:buChar char=""/>
             </a:pPr>
             <a:r>
-              <a:rPr b="0" lang="en-US" sz="2400" spc="-1" strike="noStrike">
-                <a:solidFill>
-                  <a:schemeClr val="dk1"/>
-                </a:solidFill>
-                <a:latin typeface="Calibri"/>
+              <a:rPr b="0" lang="es-ES" sz="2800" spc="-1" strike="noStrike">
+                <a:solidFill>
+                  <a:srgbClr val="000000"/>
+                </a:solidFill>
+                <a:latin typeface="Arial"/>
               </a:rPr>
               <a:t>Segundo nivel del esquema</a:t>
             </a:r>
-            <a:endParaRPr b="0" lang="en-US" sz="2400" spc="-1" strike="noStrike">
-              <a:solidFill>
-                <a:schemeClr val="dk1"/>
-              </a:solidFill>
-              <a:latin typeface="Calibri"/>
+            <a:endParaRPr b="0" lang="es-ES" sz="2800" spc="-1" strike="noStrike">
+              <a:solidFill>
+                <a:srgbClr val="000000"/>
+              </a:solidFill>
+              <a:latin typeface="Arial"/>
             </a:endParaRPr>
           </a:p>
           <a:p>
@@ -1654,19 +1659,19 @@
               <a:buChar char=""/>
             </a:pPr>
             <a:r>
-              <a:rPr b="0" lang="en-US" sz="2000" spc="-1" strike="noStrike">
-                <a:solidFill>
-                  <a:schemeClr val="dk1"/>
-                </a:solidFill>
-                <a:latin typeface="Calibri"/>
+              <a:rPr b="0" lang="es-ES" sz="2400" spc="-1" strike="noStrike">
+                <a:solidFill>
+                  <a:srgbClr val="000000"/>
+                </a:solidFill>
+                <a:latin typeface="Arial"/>
               </a:rPr>
               <a:t>Tercer nivel del esquema</a:t>
             </a:r>
-            <a:endParaRPr b="0" lang="en-US" sz="2000" spc="-1" strike="noStrike">
-              <a:solidFill>
-                <a:schemeClr val="dk1"/>
-              </a:solidFill>
-              <a:latin typeface="Calibri"/>
+            <a:endParaRPr b="0" lang="es-ES" sz="2400" spc="-1" strike="noStrike">
+              <a:solidFill>
+                <a:srgbClr val="000000"/>
+              </a:solidFill>
+              <a:latin typeface="Arial"/>
             </a:endParaRPr>
           </a:p>
           <a:p>
@@ -1682,19 +1687,19 @@
               <a:buChar char=""/>
             </a:pPr>
             <a:r>
-              <a:rPr b="0" lang="en-US" sz="2000" spc="-1" strike="noStrike">
-                <a:solidFill>
-                  <a:schemeClr val="dk1"/>
-                </a:solidFill>
-                <a:latin typeface="Calibri"/>
+              <a:rPr b="0" lang="es-ES" sz="2000" spc="-1" strike="noStrike">
+                <a:solidFill>
+                  <a:srgbClr val="000000"/>
+                </a:solidFill>
+                <a:latin typeface="Arial"/>
               </a:rPr>
               <a:t>Cuarto nivel del esquema</a:t>
             </a:r>
-            <a:endParaRPr b="0" lang="en-US" sz="2000" spc="-1" strike="noStrike">
-              <a:solidFill>
-                <a:schemeClr val="dk1"/>
-              </a:solidFill>
-              <a:latin typeface="Calibri"/>
+            <a:endParaRPr b="0" lang="es-ES" sz="2000" spc="-1" strike="noStrike">
+              <a:solidFill>
+                <a:srgbClr val="000000"/>
+              </a:solidFill>
+              <a:latin typeface="Arial"/>
             </a:endParaRPr>
           </a:p>
           <a:p>
@@ -1710,19 +1715,19 @@
               <a:buChar char=""/>
             </a:pPr>
             <a:r>
-              <a:rPr b="0" lang="en-US" sz="2000" spc="-1" strike="noStrike">
-                <a:solidFill>
-                  <a:schemeClr val="dk1"/>
-                </a:solidFill>
-                <a:latin typeface="Calibri"/>
+              <a:rPr b="0" lang="es-ES" sz="2000" spc="-1" strike="noStrike">
+                <a:solidFill>
+                  <a:srgbClr val="000000"/>
+                </a:solidFill>
+                <a:latin typeface="Arial"/>
               </a:rPr>
               <a:t>Quinto nivel del esquema</a:t>
             </a:r>
-            <a:endParaRPr b="0" lang="en-US" sz="2000" spc="-1" strike="noStrike">
-              <a:solidFill>
-                <a:schemeClr val="dk1"/>
-              </a:solidFill>
-              <a:latin typeface="Calibri"/>
+            <a:endParaRPr b="0" lang="es-ES" sz="2000" spc="-1" strike="noStrike">
+              <a:solidFill>
+                <a:srgbClr val="000000"/>
+              </a:solidFill>
+              <a:latin typeface="Arial"/>
             </a:endParaRPr>
           </a:p>
           <a:p>
@@ -1738,19 +1743,19 @@
               <a:buChar char=""/>
             </a:pPr>
             <a:r>
-              <a:rPr b="0" lang="en-US" sz="2000" spc="-1" strike="noStrike">
-                <a:solidFill>
-                  <a:schemeClr val="dk1"/>
-                </a:solidFill>
-                <a:latin typeface="Calibri"/>
+              <a:rPr b="0" lang="es-ES" sz="2000" spc="-1" strike="noStrike">
+                <a:solidFill>
+                  <a:srgbClr val="000000"/>
+                </a:solidFill>
+                <a:latin typeface="Arial"/>
               </a:rPr>
               <a:t>Sexto nivel del esquema</a:t>
             </a:r>
-            <a:endParaRPr b="0" lang="en-US" sz="2000" spc="-1" strike="noStrike">
-              <a:solidFill>
-                <a:schemeClr val="dk1"/>
-              </a:solidFill>
-              <a:latin typeface="Calibri"/>
+            <a:endParaRPr b="0" lang="es-ES" sz="2000" spc="-1" strike="noStrike">
+              <a:solidFill>
+                <a:srgbClr val="000000"/>
+              </a:solidFill>
+              <a:latin typeface="Arial"/>
             </a:endParaRPr>
           </a:p>
           <a:p>
@@ -1766,19 +1771,19 @@
               <a:buChar char=""/>
             </a:pPr>
             <a:r>
-              <a:rPr b="0" lang="en-US" sz="2000" spc="-1" strike="noStrike">
-                <a:solidFill>
-                  <a:schemeClr val="dk1"/>
-                </a:solidFill>
-                <a:latin typeface="Calibri"/>
+              <a:rPr b="0" lang="es-ES" sz="2000" spc="-1" strike="noStrike">
+                <a:solidFill>
+                  <a:srgbClr val="000000"/>
+                </a:solidFill>
+                <a:latin typeface="Arial"/>
               </a:rPr>
               <a:t>Séptimo nivel del esquema</a:t>
             </a:r>
-            <a:endParaRPr b="0" lang="en-US" sz="2000" spc="-1" strike="noStrike">
-              <a:solidFill>
-                <a:schemeClr val="dk1"/>
-              </a:solidFill>
-              <a:latin typeface="Calibri"/>
+            <a:endParaRPr b="0" lang="es-ES" sz="2000" spc="-1" strike="noStrike">
+              <a:solidFill>
+                <a:srgbClr val="000000"/>
+              </a:solidFill>
+              <a:latin typeface="Arial"/>
             </a:endParaRPr>
           </a:p>
         </p:txBody>
@@ -1818,377 +1823,18 @@
       </p:grpSpPr>
       <p:sp>
         <p:nvSpPr>
-          <p:cNvPr id="57" name="PlaceHolder 1"/>
+          <p:cNvPr id="46" name="PlaceHolder 1"/>
           <p:cNvSpPr>
             <a:spLocks noGrp="1"/>
           </p:cNvSpPr>
           <p:nvPr>
-            <p:ph type="title"/>
-          </p:nvPr>
-        </p:nvSpPr>
-        <p:spPr>
-          <a:xfrm>
-            <a:off x="457200" y="272880"/>
-            <a:ext cx="3007800" cy="1161720"/>
-          </a:xfrm>
-          <a:prstGeom prst="rect">
-            <a:avLst/>
-          </a:prstGeom>
-          <a:noFill/>
-          <a:ln w="0">
-            <a:noFill/>
-          </a:ln>
-        </p:spPr>
-        <p:txBody>
-          <a:bodyPr lIns="91440" rIns="91440" tIns="45720" bIns="45720" anchor="b">
-            <a:noAutofit/>
-          </a:bodyPr>
-          <a:p>
-            <a:pPr indent="0" defTabSz="457200">
-              <a:lnSpc>
-                <a:spcPct val="100000"/>
-              </a:lnSpc>
-              <a:buNone/>
-            </a:pPr>
-            <a:r>
-              <a:rPr b="1" lang="en-US" sz="2000" spc="-1" strike="noStrike">
-                <a:solidFill>
-                  <a:schemeClr val="dk1"/>
-                </a:solidFill>
-                <a:latin typeface="Calibri"/>
-              </a:rPr>
-              <a:t>Click to edit Master title style</a:t>
-            </a:r>
-            <a:endParaRPr b="0" lang="en-US" sz="2000" spc="-1" strike="noStrike">
-              <a:solidFill>
-                <a:schemeClr val="dk1"/>
-              </a:solidFill>
-              <a:latin typeface="Calibri"/>
-            </a:endParaRPr>
-          </a:p>
-        </p:txBody>
-      </p:sp>
-      <p:sp>
-        <p:nvSpPr>
-          <p:cNvPr id="58" name="PlaceHolder 2"/>
-          <p:cNvSpPr>
-            <a:spLocks noGrp="1"/>
-          </p:cNvSpPr>
-          <p:nvPr>
-            <p:ph type="body"/>
-          </p:nvPr>
-        </p:nvSpPr>
-        <p:spPr>
-          <a:xfrm>
-            <a:off x="3575160" y="272880"/>
-            <a:ext cx="5111280" cy="5852880"/>
-          </a:xfrm>
-          <a:prstGeom prst="rect">
-            <a:avLst/>
-          </a:prstGeom>
-          <a:noFill/>
-          <a:ln w="0">
-            <a:noFill/>
-          </a:ln>
-        </p:spPr>
-        <p:txBody>
-          <a:bodyPr lIns="91440" rIns="91440" tIns="45720" bIns="45720" anchor="t">
-            <a:noAutofit/>
-          </a:bodyPr>
-          <a:p>
-            <a:pPr marL="343080" indent="-343080" defTabSz="457200">
-              <a:lnSpc>
-                <a:spcPct val="100000"/>
-              </a:lnSpc>
-              <a:spcBef>
-                <a:spcPts val="641"/>
-              </a:spcBef>
-              <a:buClr>
-                <a:srgbClr val="000000"/>
-              </a:buClr>
-              <a:buFont typeface="Arial"/>
-              <a:buChar char="•"/>
-            </a:pPr>
-            <a:r>
-              <a:rPr b="0" lang="en-US" sz="3200" spc="-1" strike="noStrike">
-                <a:solidFill>
-                  <a:schemeClr val="dk1"/>
-                </a:solidFill>
-                <a:latin typeface="Calibri"/>
-              </a:rPr>
-              <a:t>Click to edit Master text styles</a:t>
-            </a:r>
-            <a:endParaRPr b="0" lang="en-US" sz="3200" spc="-1" strike="noStrike">
-              <a:solidFill>
-                <a:schemeClr val="dk1"/>
-              </a:solidFill>
-              <a:latin typeface="Calibri"/>
-            </a:endParaRPr>
-          </a:p>
-          <a:p>
-            <a:pPr lvl="1" marL="743040" indent="-285840" defTabSz="457200">
-              <a:lnSpc>
-                <a:spcPct val="100000"/>
-              </a:lnSpc>
-              <a:spcBef>
-                <a:spcPts val="561"/>
-              </a:spcBef>
-              <a:buClr>
-                <a:srgbClr val="000000"/>
-              </a:buClr>
-              <a:buFont typeface="Arial"/>
-              <a:buChar char="–"/>
-            </a:pPr>
-            <a:r>
-              <a:rPr b="0" lang="en-US" sz="2800" spc="-1" strike="noStrike">
-                <a:solidFill>
-                  <a:schemeClr val="dk1"/>
-                </a:solidFill>
-                <a:latin typeface="Calibri"/>
-              </a:rPr>
-              <a:t>Second level</a:t>
-            </a:r>
-            <a:endParaRPr b="0" lang="en-US" sz="2800" spc="-1" strike="noStrike">
-              <a:solidFill>
-                <a:schemeClr val="dk1"/>
-              </a:solidFill>
-              <a:latin typeface="Calibri"/>
-            </a:endParaRPr>
-          </a:p>
-          <a:p>
-            <a:pPr lvl="2" marL="1143000" indent="-228600" defTabSz="457200">
-              <a:lnSpc>
-                <a:spcPct val="100000"/>
-              </a:lnSpc>
-              <a:spcBef>
-                <a:spcPts val="479"/>
-              </a:spcBef>
-              <a:buClr>
-                <a:srgbClr val="000000"/>
-              </a:buClr>
-              <a:buFont typeface="Arial"/>
-              <a:buChar char="•"/>
-            </a:pPr>
-            <a:r>
-              <a:rPr b="0" lang="en-US" sz="2400" spc="-1" strike="noStrike">
-                <a:solidFill>
-                  <a:schemeClr val="dk1"/>
-                </a:solidFill>
-                <a:latin typeface="Calibri"/>
-              </a:rPr>
-              <a:t>Third level</a:t>
-            </a:r>
-            <a:endParaRPr b="0" lang="en-US" sz="2400" spc="-1" strike="noStrike">
-              <a:solidFill>
-                <a:schemeClr val="dk1"/>
-              </a:solidFill>
-              <a:latin typeface="Calibri"/>
-            </a:endParaRPr>
-          </a:p>
-          <a:p>
-            <a:pPr lvl="3" marL="1600200" indent="-228600" defTabSz="457200">
-              <a:lnSpc>
-                <a:spcPct val="100000"/>
-              </a:lnSpc>
-              <a:spcBef>
-                <a:spcPts val="400"/>
-              </a:spcBef>
-              <a:buClr>
-                <a:srgbClr val="000000"/>
-              </a:buClr>
-              <a:buFont typeface="Arial"/>
-              <a:buChar char="–"/>
-            </a:pPr>
-            <a:r>
-              <a:rPr b="0" lang="en-US" sz="2000" spc="-1" strike="noStrike">
-                <a:solidFill>
-                  <a:schemeClr val="dk1"/>
-                </a:solidFill>
-                <a:latin typeface="Calibri"/>
-              </a:rPr>
-              <a:t>Fourth level</a:t>
-            </a:r>
-            <a:endParaRPr b="0" lang="en-US" sz="2000" spc="-1" strike="noStrike">
-              <a:solidFill>
-                <a:schemeClr val="dk1"/>
-              </a:solidFill>
-              <a:latin typeface="Calibri"/>
-            </a:endParaRPr>
-          </a:p>
-          <a:p>
-            <a:pPr lvl="4" marL="2057400" indent="-228600" defTabSz="457200">
-              <a:lnSpc>
-                <a:spcPct val="100000"/>
-              </a:lnSpc>
-              <a:spcBef>
-                <a:spcPts val="400"/>
-              </a:spcBef>
-              <a:buClr>
-                <a:srgbClr val="000000"/>
-              </a:buClr>
-              <a:buFont typeface="Arial"/>
-              <a:buChar char="»"/>
-            </a:pPr>
-            <a:r>
-              <a:rPr b="0" lang="en-US" sz="2000" spc="-1" strike="noStrike">
-                <a:solidFill>
-                  <a:schemeClr val="dk1"/>
-                </a:solidFill>
-                <a:latin typeface="Calibri"/>
-              </a:rPr>
-              <a:t>Fifth level</a:t>
-            </a:r>
-            <a:endParaRPr b="0" lang="en-US" sz="2000" spc="-1" strike="noStrike">
-              <a:solidFill>
-                <a:schemeClr val="dk1"/>
-              </a:solidFill>
-              <a:latin typeface="Calibri"/>
-            </a:endParaRPr>
-          </a:p>
-        </p:txBody>
-      </p:sp>
-      <p:sp>
-        <p:nvSpPr>
-          <p:cNvPr id="59" name="PlaceHolder 3"/>
-          <p:cNvSpPr>
-            <a:spLocks noGrp="1"/>
-          </p:cNvSpPr>
-          <p:nvPr>
-            <p:ph type="body"/>
-          </p:nvPr>
-        </p:nvSpPr>
-        <p:spPr>
-          <a:xfrm>
-            <a:off x="457200" y="1434960"/>
-            <a:ext cx="3007800" cy="4690800"/>
-          </a:xfrm>
-          <a:prstGeom prst="rect">
-            <a:avLst/>
-          </a:prstGeom>
-          <a:noFill/>
-          <a:ln w="0">
-            <a:noFill/>
-          </a:ln>
-        </p:spPr>
-        <p:txBody>
-          <a:bodyPr lIns="91440" rIns="91440" tIns="45720" bIns="45720" anchor="t">
-            <a:noAutofit/>
-          </a:bodyPr>
-          <a:p>
-            <a:pPr indent="0" defTabSz="457200">
-              <a:lnSpc>
-                <a:spcPct val="100000"/>
-              </a:lnSpc>
-              <a:spcBef>
-                <a:spcPts val="281"/>
-              </a:spcBef>
-              <a:buNone/>
-              <a:tabLst>
-                <a:tab algn="l" pos="0"/>
-              </a:tabLst>
-            </a:pPr>
-            <a:r>
-              <a:rPr b="0" lang="en-US" sz="1400" spc="-1" strike="noStrike">
-                <a:solidFill>
-                  <a:schemeClr val="dk1"/>
-                </a:solidFill>
-                <a:latin typeface="Calibri"/>
-              </a:rPr>
-              <a:t>Click to edit Master text styles</a:t>
-            </a:r>
-            <a:endParaRPr b="0" lang="en-US" sz="1400" spc="-1" strike="noStrike">
-              <a:solidFill>
-                <a:schemeClr val="dk1"/>
-              </a:solidFill>
-              <a:latin typeface="Calibri"/>
-            </a:endParaRPr>
-          </a:p>
-        </p:txBody>
-      </p:sp>
-      <p:sp>
-        <p:nvSpPr>
-          <p:cNvPr id="60" name="PlaceHolder 4"/>
-          <p:cNvSpPr>
-            <a:spLocks noGrp="1"/>
-          </p:cNvSpPr>
-          <p:nvPr>
-            <p:ph type="dt" idx="28"/>
-          </p:nvPr>
-        </p:nvSpPr>
-        <p:spPr>
-          <a:xfrm>
-            <a:off x="457200" y="6356520"/>
-            <a:ext cx="2133360" cy="364680"/>
-          </a:xfrm>
-          <a:prstGeom prst="rect">
-            <a:avLst/>
-          </a:prstGeom>
-          <a:noFill/>
-          <a:ln w="0">
-            <a:noFill/>
-          </a:ln>
-        </p:spPr>
-        <p:txBody>
-          <a:bodyPr lIns="91440" rIns="91440" tIns="45720" bIns="45720" anchor="ctr">
-            <a:noAutofit/>
-          </a:bodyPr>
-          <a:lstStyle>
-            <a:lvl1pPr indent="0" defTabSz="457200">
-              <a:lnSpc>
-                <a:spcPct val="100000"/>
-              </a:lnSpc>
-              <a:buNone/>
-              <a:defRPr b="0" lang="en-US" sz="1200" spc="-1" strike="noStrike">
-                <a:solidFill>
-                  <a:schemeClr val="dk1">
-                    <a:tint val="75000"/>
-                  </a:schemeClr>
-                </a:solidFill>
-                <a:latin typeface="Calibri"/>
-              </a:defRPr>
-            </a:lvl1pPr>
-          </a:lstStyle>
-          <a:p>
-            <a:pPr indent="0" defTabSz="457200">
-              <a:lnSpc>
-                <a:spcPct val="100000"/>
-              </a:lnSpc>
-              <a:buNone/>
-            </a:pPr>
-            <a:r>
-              <a:rPr b="0" lang="en-US" sz="1200" spc="-1" strike="noStrike">
-                <a:solidFill>
-                  <a:schemeClr val="dk1">
-                    <a:tint val="75000"/>
-                  </a:schemeClr>
-                </a:solidFill>
-                <a:latin typeface="Calibri"/>
-              </a:rPr>
-              <a:t>&lt;fecha/hora&gt;</a:t>
-            </a:r>
-            <a:endParaRPr b="0" lang="es-ES" sz="1200" spc="-1" strike="noStrike">
-              <a:solidFill>
-                <a:srgbClr val="000000"/>
-              </a:solidFill>
-              <a:latin typeface="Times New Roman"/>
-            </a:endParaRPr>
-          </a:p>
-        </p:txBody>
-      </p:sp>
-      <p:sp>
-        <p:nvSpPr>
-          <p:cNvPr id="61" name="PlaceHolder 5"/>
-          <p:cNvSpPr>
-            <a:spLocks noGrp="1"/>
-          </p:cNvSpPr>
-          <p:nvPr>
-            <p:ph type="ftr" idx="29"/>
+            <p:ph type="ftr" idx="28"/>
           </p:nvPr>
         </p:nvSpPr>
         <p:spPr>
           <a:xfrm>
             <a:off x="3124080" y="6356520"/>
-            <a:ext cx="2895120" cy="364680"/>
+            <a:ext cx="2894760" cy="364320"/>
           </a:xfrm>
           <a:prstGeom prst="rect">
             <a:avLst/>
@@ -2204,7 +1850,13 @@
           </a:bodyPr>
           <a:lstStyle>
             <a:lvl1pPr indent="0" algn="ctr">
-              <a:buNone/>
+              <a:lnSpc>
+                <a:spcPct val="100000"/>
+              </a:lnSpc>
+              <a:buNone/>
+              <a:tabLst>
+                <a:tab algn="l" pos="0"/>
+              </a:tabLst>
               <a:defRPr b="0" lang="es-ES" sz="1400" spc="-1" strike="noStrike">
                 <a:solidFill>
                   <a:srgbClr val="000000"/>
@@ -2215,7 +1867,13 @@
           </a:lstStyle>
           <a:p>
             <a:pPr indent="0" algn="ctr">
-              <a:buNone/>
+              <a:lnSpc>
+                <a:spcPct val="100000"/>
+              </a:lnSpc>
+              <a:buNone/>
+              <a:tabLst>
+                <a:tab algn="l" pos="0"/>
+              </a:tabLst>
             </a:pPr>
             <a:r>
               <a:rPr b="0" lang="es-ES" sz="1400" spc="-1" strike="noStrike">
@@ -2237,18 +1895,18 @@
       </p:sp>
       <p:sp>
         <p:nvSpPr>
-          <p:cNvPr id="62" name="PlaceHolder 6"/>
+          <p:cNvPr id="47" name="PlaceHolder 2"/>
           <p:cNvSpPr>
             <a:spLocks noGrp="1"/>
           </p:cNvSpPr>
           <p:nvPr>
-            <p:ph type="sldNum" idx="30"/>
+            <p:ph type="sldNum" idx="29"/>
           </p:nvPr>
         </p:nvSpPr>
         <p:spPr>
           <a:xfrm>
             <a:off x="6553080" y="6356520"/>
-            <a:ext cx="2133360" cy="364680"/>
+            <a:ext cx="2133000" cy="364320"/>
           </a:xfrm>
           <a:prstGeom prst="rect">
             <a:avLst/>
@@ -2268,6 +1926,9 @@
                 <a:spcPct val="100000"/>
               </a:lnSpc>
               <a:buNone/>
+              <a:tabLst>
+                <a:tab algn="l" pos="0"/>
+              </a:tabLst>
               <a:defRPr b="0" lang="en-US" sz="1200" spc="-1" strike="noStrike">
                 <a:solidFill>
                   <a:schemeClr val="dk1">
@@ -2284,8 +1945,11 @@
                 <a:spcPct val="100000"/>
               </a:lnSpc>
               <a:buNone/>
-            </a:pPr>
-            <a:fld id="{3B1861AA-69F6-4534-8F94-A80AFF027DB0}" type="slidenum">
+              <a:tabLst>
+                <a:tab algn="l" pos="0"/>
+              </a:tabLst>
+            </a:pPr>
+            <a:fld id="{E0ED5123-1F05-4483-B91B-D97DDE8689DC}" type="slidenum">
               <a:rPr b="0" lang="en-US" sz="1200" spc="-1" strike="noStrike">
                 <a:solidFill>
                   <a:schemeClr val="dk1">
@@ -2297,6 +1961,66 @@
               <a:t>&lt;número&gt;</a:t>
             </a:fld>
             <a:endParaRPr b="0" lang="es-ES" sz="1200" spc="-1" strike="noStrike">
+              <a:solidFill>
+                <a:srgbClr val="000000"/>
+              </a:solidFill>
+              <a:latin typeface="Times New Roman"/>
+            </a:endParaRPr>
+          </a:p>
+        </p:txBody>
+      </p:sp>
+      <p:sp>
+        <p:nvSpPr>
+          <p:cNvPr id="48" name="PlaceHolder 3"/>
+          <p:cNvSpPr>
+            <a:spLocks noGrp="1"/>
+          </p:cNvSpPr>
+          <p:nvPr>
+            <p:ph type="dt" idx="30"/>
+          </p:nvPr>
+        </p:nvSpPr>
+        <p:spPr>
+          <a:xfrm>
+            <a:off x="457200" y="6356520"/>
+            <a:ext cx="2133000" cy="364320"/>
+          </a:xfrm>
+          <a:prstGeom prst="rect">
+            <a:avLst/>
+          </a:prstGeom>
+          <a:noFill/>
+          <a:ln w="0">
+            <a:noFill/>
+          </a:ln>
+        </p:spPr>
+        <p:txBody>
+          <a:bodyPr lIns="91440" rIns="91440" tIns="45720" bIns="45720" anchor="ctr">
+            <a:noAutofit/>
+          </a:bodyPr>
+          <a:lstStyle>
+            <a:lvl1pPr indent="0">
+              <a:buNone/>
+              <a:defRPr b="0" lang="es-ES" sz="1400" spc="-1" strike="noStrike">
+                <a:solidFill>
+                  <a:srgbClr val="000000"/>
+                </a:solidFill>
+                <a:latin typeface="Times New Roman"/>
+              </a:defRPr>
+            </a:lvl1pPr>
+          </a:lstStyle>
+          <a:p>
+            <a:pPr indent="0">
+              <a:buNone/>
+            </a:pPr>
+            <a:r>
+              <a:rPr b="0" lang="es-ES" sz="1400" spc="-1" strike="noStrike">
+                <a:solidFill>
+                  <a:srgbClr val="000000"/>
+                </a:solidFill>
+                <a:latin typeface="Times New Roman"/>
+              </a:rPr>
+              <a:t>&lt;fecha/hora&gt;</a:t>
+            </a:r>
+            <a:endParaRPr b="0" lang="es-ES" sz="1400" spc="-1" strike="noStrike">
               <a:solidFill>
                 <a:srgbClr val="000000"/>
               </a:solidFill>
@@ -2340,423 +2064,18 @@
       </p:grpSpPr>
       <p:sp>
         <p:nvSpPr>
-          <p:cNvPr id="63" name="PlaceHolder 1"/>
+          <p:cNvPr id="49" name="PlaceHolder 1"/>
           <p:cNvSpPr>
             <a:spLocks noGrp="1"/>
           </p:cNvSpPr>
           <p:nvPr>
-            <p:ph type="title"/>
-          </p:nvPr>
-        </p:nvSpPr>
-        <p:spPr>
-          <a:xfrm>
-            <a:off x="1792440" y="4800600"/>
-            <a:ext cx="5486040" cy="566280"/>
-          </a:xfrm>
-          <a:prstGeom prst="rect">
-            <a:avLst/>
-          </a:prstGeom>
-          <a:noFill/>
-          <a:ln w="0">
-            <a:noFill/>
-          </a:ln>
-        </p:spPr>
-        <p:txBody>
-          <a:bodyPr lIns="91440" rIns="91440" tIns="45720" bIns="45720" anchor="b">
-            <a:noAutofit/>
-          </a:bodyPr>
-          <a:p>
-            <a:pPr indent="0" defTabSz="457200">
-              <a:lnSpc>
-                <a:spcPct val="100000"/>
-              </a:lnSpc>
-              <a:buNone/>
-            </a:pPr>
-            <a:r>
-              <a:rPr b="1" lang="en-US" sz="2000" spc="-1" strike="noStrike">
-                <a:solidFill>
-                  <a:schemeClr val="dk1"/>
-                </a:solidFill>
-                <a:latin typeface="Calibri"/>
-              </a:rPr>
-              <a:t>Click to edit Master title style</a:t>
-            </a:r>
-            <a:endParaRPr b="0" lang="en-US" sz="2000" spc="-1" strike="noStrike">
-              <a:solidFill>
-                <a:schemeClr val="dk1"/>
-              </a:solidFill>
-              <a:latin typeface="Calibri"/>
-            </a:endParaRPr>
-          </a:p>
-        </p:txBody>
-      </p:sp>
-      <p:sp>
-        <p:nvSpPr>
-          <p:cNvPr id="64" name="PlaceHolder 2"/>
-          <p:cNvSpPr>
-            <a:spLocks noGrp="1"/>
-          </p:cNvSpPr>
-          <p:nvPr>
-            <p:ph type="body"/>
-          </p:nvPr>
-        </p:nvSpPr>
-        <p:spPr>
-          <a:xfrm>
-            <a:off x="1792440" y="612720"/>
-            <a:ext cx="5486040" cy="4114440"/>
-          </a:xfrm>
-          <a:prstGeom prst="rect">
-            <a:avLst/>
-          </a:prstGeom>
-          <a:noFill/>
-          <a:ln w="0">
-            <a:noFill/>
-          </a:ln>
-        </p:spPr>
-        <p:txBody>
-          <a:bodyPr lIns="90000" rIns="90000" tIns="45000" bIns="45000" anchor="t">
-            <a:noAutofit/>
-          </a:bodyPr>
-          <a:p>
-            <a:pPr marL="432000" indent="-324000">
-              <a:spcBef>
-                <a:spcPts val="1417"/>
-              </a:spcBef>
-              <a:buClr>
-                <a:srgbClr val="000000"/>
-              </a:buClr>
-              <a:buSzPct val="45000"/>
-              <a:buFont typeface="Wingdings" charset="2"/>
-              <a:buChar char=""/>
-            </a:pPr>
-            <a:r>
-              <a:rPr b="0" lang="en-US" sz="3200" spc="-1" strike="noStrike">
-                <a:solidFill>
-                  <a:schemeClr val="dk1"/>
-                </a:solidFill>
-                <a:latin typeface="Calibri"/>
-              </a:rPr>
-              <a:t>Pulse para editar el formato de texto del esquema</a:t>
-            </a:r>
-            <a:endParaRPr b="0" lang="en-US" sz="3200" spc="-1" strike="noStrike">
-              <a:solidFill>
-                <a:schemeClr val="dk1"/>
-              </a:solidFill>
-              <a:latin typeface="Calibri"/>
-            </a:endParaRPr>
-          </a:p>
-          <a:p>
-            <a:pPr lvl="1" marL="864000" indent="-324000">
-              <a:spcBef>
-                <a:spcPts val="1134"/>
-              </a:spcBef>
-              <a:buClr>
-                <a:srgbClr val="000000"/>
-              </a:buClr>
-              <a:buSzPct val="75000"/>
-              <a:buFont typeface="Symbol" charset="2"/>
-              <a:buChar char=""/>
-            </a:pPr>
-            <a:r>
-              <a:rPr b="0" lang="en-US" sz="3200" spc="-1" strike="noStrike">
-                <a:solidFill>
-                  <a:schemeClr val="dk1"/>
-                </a:solidFill>
-                <a:latin typeface="Calibri"/>
-              </a:rPr>
-              <a:t>Segundo nivel del esquema</a:t>
-            </a:r>
-            <a:endParaRPr b="0" lang="en-US" sz="3200" spc="-1" strike="noStrike">
-              <a:solidFill>
-                <a:schemeClr val="dk1"/>
-              </a:solidFill>
-              <a:latin typeface="Calibri"/>
-            </a:endParaRPr>
-          </a:p>
-          <a:p>
-            <a:pPr lvl="2" marL="1296000" indent="-288000">
-              <a:spcBef>
-                <a:spcPts val="850"/>
-              </a:spcBef>
-              <a:buClr>
-                <a:srgbClr val="000000"/>
-              </a:buClr>
-              <a:buSzPct val="45000"/>
-              <a:buFont typeface="Wingdings" charset="2"/>
-              <a:buChar char=""/>
-            </a:pPr>
-            <a:r>
-              <a:rPr b="0" lang="en-US" sz="3200" spc="-1" strike="noStrike">
-                <a:solidFill>
-                  <a:schemeClr val="dk1"/>
-                </a:solidFill>
-                <a:latin typeface="Calibri"/>
-              </a:rPr>
-              <a:t>Tercer nivel del esquema</a:t>
-            </a:r>
-            <a:endParaRPr b="0" lang="en-US" sz="3200" spc="-1" strike="noStrike">
-              <a:solidFill>
-                <a:schemeClr val="dk1"/>
-              </a:solidFill>
-              <a:latin typeface="Calibri"/>
-            </a:endParaRPr>
-          </a:p>
-          <a:p>
-            <a:pPr lvl="3" marL="1728000" indent="-216000">
-              <a:spcBef>
-                <a:spcPts val="567"/>
-              </a:spcBef>
-              <a:buClr>
-                <a:srgbClr val="000000"/>
-              </a:buClr>
-              <a:buSzPct val="75000"/>
-              <a:buFont typeface="Symbol" charset="2"/>
-              <a:buChar char=""/>
-            </a:pPr>
-            <a:r>
-              <a:rPr b="0" lang="en-US" sz="3200" spc="-1" strike="noStrike">
-                <a:solidFill>
-                  <a:schemeClr val="dk1"/>
-                </a:solidFill>
-                <a:latin typeface="Calibri"/>
-              </a:rPr>
-              <a:t>Cuarto nivel del esquema</a:t>
-            </a:r>
-            <a:endParaRPr b="0" lang="en-US" sz="3200" spc="-1" strike="noStrike">
-              <a:solidFill>
-                <a:schemeClr val="dk1"/>
-              </a:solidFill>
-              <a:latin typeface="Calibri"/>
-            </a:endParaRPr>
-          </a:p>
-          <a:p>
-            <a:pPr lvl="4" marL="2160000" indent="-216000">
-              <a:spcBef>
-                <a:spcPts val="283"/>
-              </a:spcBef>
-              <a:buClr>
-                <a:srgbClr val="000000"/>
-              </a:buClr>
-              <a:buSzPct val="45000"/>
-              <a:buFont typeface="Wingdings" charset="2"/>
-              <a:buChar char=""/>
-            </a:pPr>
-            <a:r>
-              <a:rPr b="0" lang="en-US" sz="3200" spc="-1" strike="noStrike">
-                <a:solidFill>
-                  <a:schemeClr val="dk1"/>
-                </a:solidFill>
-                <a:latin typeface="Calibri"/>
-              </a:rPr>
-              <a:t>Quinto nivel del esquema</a:t>
-            </a:r>
-            <a:endParaRPr b="0" lang="en-US" sz="3200" spc="-1" strike="noStrike">
-              <a:solidFill>
-                <a:schemeClr val="dk1"/>
-              </a:solidFill>
-              <a:latin typeface="Calibri"/>
-            </a:endParaRPr>
-          </a:p>
-          <a:p>
-            <a:pPr lvl="5" marL="2592000" indent="-216000">
-              <a:spcBef>
-                <a:spcPts val="283"/>
-              </a:spcBef>
-              <a:buClr>
-                <a:srgbClr val="000000"/>
-              </a:buClr>
-              <a:buSzPct val="45000"/>
-              <a:buFont typeface="Wingdings" charset="2"/>
-              <a:buChar char=""/>
-            </a:pPr>
-            <a:r>
-              <a:rPr b="0" lang="en-US" sz="3200" spc="-1" strike="noStrike">
-                <a:solidFill>
-                  <a:schemeClr val="dk1"/>
-                </a:solidFill>
-                <a:latin typeface="Calibri"/>
-              </a:rPr>
-              <a:t>Sexto nivel del esquema</a:t>
-            </a:r>
-            <a:endParaRPr b="0" lang="en-US" sz="3200" spc="-1" strike="noStrike">
-              <a:solidFill>
-                <a:schemeClr val="dk1"/>
-              </a:solidFill>
-              <a:latin typeface="Calibri"/>
-            </a:endParaRPr>
-          </a:p>
-          <a:p>
-            <a:pPr lvl="6" marL="3024000" indent="-216000">
-              <a:spcBef>
-                <a:spcPts val="283"/>
-              </a:spcBef>
-              <a:buClr>
-                <a:srgbClr val="000000"/>
-              </a:buClr>
-              <a:buSzPct val="45000"/>
-              <a:buFont typeface="Wingdings" charset="2"/>
-              <a:buChar char=""/>
-            </a:pPr>
-            <a:r>
-              <a:rPr b="0" lang="en-US" sz="3200" spc="-1" strike="noStrike">
-                <a:solidFill>
-                  <a:schemeClr val="dk1"/>
-                </a:solidFill>
-                <a:latin typeface="Calibri"/>
-              </a:rPr>
-              <a:t>Séptimo nivel del esquema</a:t>
-            </a:r>
-            <a:endParaRPr b="0" lang="en-US" sz="3200" spc="-1" strike="noStrike">
-              <a:solidFill>
-                <a:schemeClr val="dk1"/>
-              </a:solidFill>
-              <a:latin typeface="Calibri"/>
-            </a:endParaRPr>
-          </a:p>
-        </p:txBody>
-      </p:sp>
-      <p:sp>
-        <p:nvSpPr>
-          <p:cNvPr id="65" name="PlaceHolder 3"/>
-          <p:cNvSpPr>
-            <a:spLocks noGrp="1"/>
-          </p:cNvSpPr>
-          <p:nvPr>
-            <p:ph type="body"/>
-          </p:nvPr>
-        </p:nvSpPr>
-        <p:spPr>
-          <a:xfrm>
-            <a:off x="1792440" y="5367240"/>
-            <a:ext cx="5486040" cy="804600"/>
-          </a:xfrm>
-          <a:prstGeom prst="rect">
-            <a:avLst/>
-          </a:prstGeom>
-          <a:noFill/>
-          <a:ln w="0">
-            <a:noFill/>
-          </a:ln>
-        </p:spPr>
-        <p:txBody>
-          <a:bodyPr lIns="91440" rIns="91440" tIns="45720" bIns="45720" anchor="t">
-            <a:noAutofit/>
-          </a:bodyPr>
-          <a:p>
-            <a:pPr indent="0" defTabSz="457200">
-              <a:lnSpc>
-                <a:spcPct val="100000"/>
-              </a:lnSpc>
-              <a:spcBef>
-                <a:spcPts val="281"/>
-              </a:spcBef>
-              <a:buNone/>
-              <a:tabLst>
-                <a:tab algn="l" pos="0"/>
-              </a:tabLst>
-            </a:pPr>
-            <a:r>
-              <a:rPr b="0" lang="en-US" sz="1400" spc="-1" strike="noStrike">
-                <a:solidFill>
-                  <a:schemeClr val="dk1"/>
-                </a:solidFill>
-                <a:latin typeface="Calibri"/>
-              </a:rPr>
-              <a:t>Click to edit Master text styles</a:t>
-            </a:r>
-            <a:endParaRPr b="0" lang="en-US" sz="1400" spc="-1" strike="noStrike">
-              <a:solidFill>
-                <a:schemeClr val="dk1"/>
-              </a:solidFill>
-              <a:latin typeface="Calibri"/>
-            </a:endParaRPr>
-          </a:p>
-        </p:txBody>
-      </p:sp>
-      <p:sp>
-        <p:nvSpPr>
-          <p:cNvPr id="66" name="PlaceHolder 4"/>
-          <p:cNvSpPr>
-            <a:spLocks noGrp="1"/>
-          </p:cNvSpPr>
-          <p:nvPr>
-            <p:ph type="dt" idx="31"/>
-          </p:nvPr>
-        </p:nvSpPr>
-        <p:spPr>
-          <a:xfrm>
-            <a:off x="457200" y="6356520"/>
-            <a:ext cx="2133360" cy="364680"/>
-          </a:xfrm>
-          <a:prstGeom prst="rect">
-            <a:avLst/>
-          </a:prstGeom>
-          <a:noFill/>
-          <a:ln w="0">
-            <a:noFill/>
-          </a:ln>
-        </p:spPr>
-        <p:txBody>
-          <a:bodyPr lIns="91440" rIns="91440" tIns="45720" bIns="45720" anchor="ctr">
-            <a:noAutofit/>
-          </a:bodyPr>
-          <a:lstStyle>
-            <a:lvl1pPr indent="0" defTabSz="457200">
-              <a:lnSpc>
-                <a:spcPct val="100000"/>
-              </a:lnSpc>
-              <a:buNone/>
-              <a:defRPr b="0" lang="en-US" sz="1200" spc="-1" strike="noStrike">
-                <a:solidFill>
-                  <a:schemeClr val="dk1">
-                    <a:tint val="75000"/>
-                  </a:schemeClr>
-                </a:solidFill>
-                <a:latin typeface="Calibri"/>
-              </a:defRPr>
-            </a:lvl1pPr>
-          </a:lstStyle>
-          <a:p>
-            <a:pPr indent="0" defTabSz="457200">
-              <a:lnSpc>
-                <a:spcPct val="100000"/>
-              </a:lnSpc>
-              <a:buNone/>
-            </a:pPr>
-            <a:r>
-              <a:rPr b="0" lang="en-US" sz="1200" spc="-1" strike="noStrike">
-                <a:solidFill>
-                  <a:schemeClr val="dk1">
-                    <a:tint val="75000"/>
-                  </a:schemeClr>
-                </a:solidFill>
-                <a:latin typeface="Calibri"/>
-              </a:rPr>
-              <a:t>&lt;fecha/hora&gt;</a:t>
-            </a:r>
-            <a:endParaRPr b="0" lang="es-ES" sz="1200" spc="-1" strike="noStrike">
-              <a:solidFill>
-                <a:srgbClr val="000000"/>
-              </a:solidFill>
-              <a:latin typeface="Times New Roman"/>
-            </a:endParaRPr>
-          </a:p>
-        </p:txBody>
-      </p:sp>
-      <p:sp>
-        <p:nvSpPr>
-          <p:cNvPr id="67" name="PlaceHolder 5"/>
-          <p:cNvSpPr>
-            <a:spLocks noGrp="1"/>
-          </p:cNvSpPr>
-          <p:nvPr>
-            <p:ph type="ftr" idx="32"/>
+            <p:ph type="ftr" idx="31"/>
           </p:nvPr>
         </p:nvSpPr>
         <p:spPr>
           <a:xfrm>
             <a:off x="3124080" y="6356520"/>
-            <a:ext cx="2895120" cy="364680"/>
+            <a:ext cx="2894760" cy="364320"/>
           </a:xfrm>
           <a:prstGeom prst="rect">
             <a:avLst/>
@@ -2772,7 +2091,13 @@
           </a:bodyPr>
           <a:lstStyle>
             <a:lvl1pPr indent="0" algn="ctr">
-              <a:buNone/>
+              <a:lnSpc>
+                <a:spcPct val="100000"/>
+              </a:lnSpc>
+              <a:buNone/>
+              <a:tabLst>
+                <a:tab algn="l" pos="0"/>
+              </a:tabLst>
               <a:defRPr b="0" lang="es-ES" sz="1400" spc="-1" strike="noStrike">
                 <a:solidFill>
                   <a:srgbClr val="000000"/>
@@ -2783,7 +2108,13 @@
           </a:lstStyle>
           <a:p>
             <a:pPr indent="0" algn="ctr">
-              <a:buNone/>
+              <a:lnSpc>
+                <a:spcPct val="100000"/>
+              </a:lnSpc>
+              <a:buNone/>
+              <a:tabLst>
+                <a:tab algn="l" pos="0"/>
+              </a:tabLst>
             </a:pPr>
             <a:r>
               <a:rPr b="0" lang="es-ES" sz="1400" spc="-1" strike="noStrike">
@@ -2805,18 +2136,18 @@
       </p:sp>
       <p:sp>
         <p:nvSpPr>
-          <p:cNvPr id="68" name="PlaceHolder 6"/>
+          <p:cNvPr id="50" name="PlaceHolder 2"/>
           <p:cNvSpPr>
             <a:spLocks noGrp="1"/>
           </p:cNvSpPr>
           <p:nvPr>
-            <p:ph type="sldNum" idx="33"/>
+            <p:ph type="sldNum" idx="32"/>
           </p:nvPr>
         </p:nvSpPr>
         <p:spPr>
           <a:xfrm>
             <a:off x="6553080" y="6356520"/>
-            <a:ext cx="2133360" cy="364680"/>
+            <a:ext cx="2133000" cy="364320"/>
           </a:xfrm>
           <a:prstGeom prst="rect">
             <a:avLst/>
@@ -2836,6 +2167,9 @@
                 <a:spcPct val="100000"/>
               </a:lnSpc>
               <a:buNone/>
+              <a:tabLst>
+                <a:tab algn="l" pos="0"/>
+              </a:tabLst>
               <a:defRPr b="0" lang="en-US" sz="1200" spc="-1" strike="noStrike">
                 <a:solidFill>
                   <a:schemeClr val="dk1">
@@ -2852,8 +2186,11 @@
                 <a:spcPct val="100000"/>
               </a:lnSpc>
               <a:buNone/>
-            </a:pPr>
-            <a:fld id="{4B2D5C84-A60D-4FA0-A8BB-44A5E985FB1A}" type="slidenum">
+              <a:tabLst>
+                <a:tab algn="l" pos="0"/>
+              </a:tabLst>
+            </a:pPr>
+            <a:fld id="{67BAA110-5AD1-4375-8A25-D3062E056B3F}" type="slidenum">
               <a:rPr b="0" lang="en-US" sz="1200" spc="-1" strike="noStrike">
                 <a:solidFill>
                   <a:schemeClr val="dk1">
@@ -2865,6 +2202,66 @@
               <a:t>&lt;número&gt;</a:t>
             </a:fld>
             <a:endParaRPr b="0" lang="es-ES" sz="1200" spc="-1" strike="noStrike">
+              <a:solidFill>
+                <a:srgbClr val="000000"/>
+              </a:solidFill>
+              <a:latin typeface="Times New Roman"/>
+            </a:endParaRPr>
+          </a:p>
+        </p:txBody>
+      </p:sp>
+      <p:sp>
+        <p:nvSpPr>
+          <p:cNvPr id="51" name="PlaceHolder 3"/>
+          <p:cNvSpPr>
+            <a:spLocks noGrp="1"/>
+          </p:cNvSpPr>
+          <p:nvPr>
+            <p:ph type="dt" idx="33"/>
+          </p:nvPr>
+        </p:nvSpPr>
+        <p:spPr>
+          <a:xfrm>
+            <a:off x="457200" y="6356520"/>
+            <a:ext cx="2133000" cy="364320"/>
+          </a:xfrm>
+          <a:prstGeom prst="rect">
+            <a:avLst/>
+          </a:prstGeom>
+          <a:noFill/>
+          <a:ln w="0">
+            <a:noFill/>
+          </a:ln>
+        </p:spPr>
+        <p:txBody>
+          <a:bodyPr lIns="91440" rIns="91440" tIns="45720" bIns="45720" anchor="ctr">
+            <a:noAutofit/>
+          </a:bodyPr>
+          <a:lstStyle>
+            <a:lvl1pPr indent="0">
+              <a:buNone/>
+              <a:defRPr b="0" lang="es-ES" sz="1400" spc="-1" strike="noStrike">
+                <a:solidFill>
+                  <a:srgbClr val="000000"/>
+                </a:solidFill>
+                <a:latin typeface="Times New Roman"/>
+              </a:defRPr>
+            </a:lvl1pPr>
+          </a:lstStyle>
+          <a:p>
+            <a:pPr indent="0">
+              <a:buNone/>
+            </a:pPr>
+            <a:r>
+              <a:rPr b="0" lang="es-ES" sz="1400" spc="-1" strike="noStrike">
+                <a:solidFill>
+                  <a:srgbClr val="000000"/>
+                </a:solidFill>
+                <a:latin typeface="Times New Roman"/>
+              </a:rPr>
+              <a:t>&lt;fecha/hora&gt;</a:t>
+            </a:r>
+            <a:endParaRPr b="0" lang="es-ES" sz="1400" spc="-1" strike="noStrike">
               <a:solidFill>
                 <a:srgbClr val="000000"/>
               </a:solidFill>
@@ -2913,314 +2310,13 @@
             <a:spLocks noGrp="1"/>
           </p:cNvSpPr>
           <p:nvPr>
-            <p:ph type="title"/>
-          </p:nvPr>
-        </p:nvSpPr>
-        <p:spPr>
-          <a:xfrm>
-            <a:off x="457200" y="274680"/>
-            <a:ext cx="8229240" cy="1142640"/>
-          </a:xfrm>
-          <a:prstGeom prst="rect">
-            <a:avLst/>
-          </a:prstGeom>
-          <a:noFill/>
-          <a:ln w="0">
-            <a:noFill/>
-          </a:ln>
-        </p:spPr>
-        <p:txBody>
-          <a:bodyPr lIns="91440" rIns="91440" tIns="45720" bIns="45720" anchor="ctr">
-            <a:noAutofit/>
-          </a:bodyPr>
-          <a:p>
-            <a:pPr indent="0" algn="ctr" defTabSz="457200">
-              <a:lnSpc>
-                <a:spcPct val="100000"/>
-              </a:lnSpc>
-              <a:buNone/>
-            </a:pPr>
-            <a:r>
-              <a:rPr b="0" lang="en-US" sz="4400" spc="-1" strike="noStrike">
-                <a:solidFill>
-                  <a:schemeClr val="dk1"/>
-                </a:solidFill>
-                <a:latin typeface="Calibri"/>
-              </a:rPr>
-              <a:t>Click to edit Master title style</a:t>
-            </a:r>
-            <a:endParaRPr b="0" lang="en-US" sz="4400" spc="-1" strike="noStrike">
-              <a:solidFill>
-                <a:schemeClr val="dk1"/>
-              </a:solidFill>
-              <a:latin typeface="Calibri"/>
-            </a:endParaRPr>
-          </a:p>
-        </p:txBody>
-      </p:sp>
-      <p:sp>
-        <p:nvSpPr>
-          <p:cNvPr id="8" name="PlaceHolder 2"/>
-          <p:cNvSpPr>
-            <a:spLocks noGrp="1"/>
-          </p:cNvSpPr>
-          <p:nvPr>
-            <p:ph type="body"/>
-          </p:nvPr>
-        </p:nvSpPr>
-        <p:spPr>
-          <a:xfrm>
-            <a:off x="457200" y="1600200"/>
-            <a:ext cx="8229240" cy="4525560"/>
-          </a:xfrm>
-          <a:prstGeom prst="rect">
-            <a:avLst/>
-          </a:prstGeom>
-          <a:noFill/>
-          <a:ln w="0">
-            <a:noFill/>
-          </a:ln>
-        </p:spPr>
-        <p:txBody>
-          <a:bodyPr lIns="91440" rIns="91440" tIns="45720" bIns="45720" anchor="t" vert="eaVert">
-            <a:noAutofit/>
-          </a:bodyPr>
-          <a:p>
-            <a:pPr marL="343080" indent="-343080" defTabSz="457200">
-              <a:lnSpc>
-                <a:spcPct val="100000"/>
-              </a:lnSpc>
-              <a:spcBef>
-                <a:spcPts val="641"/>
-              </a:spcBef>
-              <a:buClr>
-                <a:srgbClr val="000000"/>
-              </a:buClr>
-              <a:buFont typeface="Arial"/>
-              <a:buChar char="•"/>
-            </a:pPr>
-            <a:r>
-              <a:rPr b="0" lang="en-US" sz="3200" spc="-1" strike="noStrike">
-                <a:solidFill>
-                  <a:schemeClr val="dk1"/>
-                </a:solidFill>
-                <a:latin typeface="Calibri"/>
-              </a:rPr>
-              <a:t>Click to edit Master text styles</a:t>
-            </a:r>
-            <a:endParaRPr b="0" lang="en-US" sz="3200" spc="-1" strike="noStrike">
-              <a:solidFill>
-                <a:schemeClr val="dk1"/>
-              </a:solidFill>
-              <a:latin typeface="Calibri"/>
-            </a:endParaRPr>
-          </a:p>
-          <a:p>
-            <a:pPr lvl="1" marL="743040" indent="-285840" defTabSz="457200">
-              <a:lnSpc>
-                <a:spcPct val="100000"/>
-              </a:lnSpc>
-              <a:spcBef>
-                <a:spcPts val="561"/>
-              </a:spcBef>
-              <a:buClr>
-                <a:srgbClr val="000000"/>
-              </a:buClr>
-              <a:buFont typeface="Arial"/>
-              <a:buChar char="–"/>
-            </a:pPr>
-            <a:r>
-              <a:rPr b="0" lang="en-US" sz="2800" spc="-1" strike="noStrike">
-                <a:solidFill>
-                  <a:schemeClr val="dk1"/>
-                </a:solidFill>
-                <a:latin typeface="Calibri"/>
-              </a:rPr>
-              <a:t>Second level</a:t>
-            </a:r>
-            <a:endParaRPr b="0" lang="en-US" sz="2800" spc="-1" strike="noStrike">
-              <a:solidFill>
-                <a:schemeClr val="dk1"/>
-              </a:solidFill>
-              <a:latin typeface="Calibri"/>
-            </a:endParaRPr>
-          </a:p>
-          <a:p>
-            <a:pPr lvl="2" marL="1143000" indent="-228600" defTabSz="457200">
-              <a:lnSpc>
-                <a:spcPct val="100000"/>
-              </a:lnSpc>
-              <a:spcBef>
-                <a:spcPts val="479"/>
-              </a:spcBef>
-              <a:buClr>
-                <a:srgbClr val="000000"/>
-              </a:buClr>
-              <a:buFont typeface="Arial"/>
-              <a:buChar char="•"/>
-            </a:pPr>
-            <a:r>
-              <a:rPr b="0" lang="en-US" sz="2400" spc="-1" strike="noStrike">
-                <a:solidFill>
-                  <a:schemeClr val="dk1"/>
-                </a:solidFill>
-                <a:latin typeface="Calibri"/>
-              </a:rPr>
-              <a:t>Third level</a:t>
-            </a:r>
-            <a:endParaRPr b="0" lang="en-US" sz="2400" spc="-1" strike="noStrike">
-              <a:solidFill>
-                <a:schemeClr val="dk1"/>
-              </a:solidFill>
-              <a:latin typeface="Calibri"/>
-            </a:endParaRPr>
-          </a:p>
-          <a:p>
-            <a:pPr lvl="3" marL="1600200" indent="-228600" defTabSz="457200">
-              <a:lnSpc>
-                <a:spcPct val="100000"/>
-              </a:lnSpc>
-              <a:spcBef>
-                <a:spcPts val="400"/>
-              </a:spcBef>
-              <a:buClr>
-                <a:srgbClr val="000000"/>
-              </a:buClr>
-              <a:buFont typeface="Arial"/>
-              <a:buChar char="–"/>
-            </a:pPr>
-            <a:r>
-              <a:rPr b="0" lang="en-US" sz="2000" spc="-1" strike="noStrike">
-                <a:solidFill>
-                  <a:schemeClr val="dk1"/>
-                </a:solidFill>
-                <a:latin typeface="Calibri"/>
-              </a:rPr>
-              <a:t>Fourth level</a:t>
-            </a:r>
-            <a:endParaRPr b="0" lang="en-US" sz="2000" spc="-1" strike="noStrike">
-              <a:solidFill>
-                <a:schemeClr val="dk1"/>
-              </a:solidFill>
-              <a:latin typeface="Calibri"/>
-            </a:endParaRPr>
-          </a:p>
-          <a:p>
-            <a:pPr lvl="4" marL="2057400" indent="-228600" defTabSz="457200">
-              <a:lnSpc>
-                <a:spcPct val="100000"/>
-              </a:lnSpc>
-              <a:spcBef>
-                <a:spcPts val="400"/>
-              </a:spcBef>
-              <a:buClr>
-                <a:srgbClr val="000000"/>
-              </a:buClr>
-              <a:buFont typeface="Arial"/>
-              <a:buChar char="»"/>
-            </a:pPr>
-            <a:r>
-              <a:rPr b="0" lang="en-US" sz="2000" spc="-1" strike="noStrike">
-                <a:solidFill>
-                  <a:schemeClr val="dk1"/>
-                </a:solidFill>
-                <a:latin typeface="Calibri"/>
-              </a:rPr>
-              <a:t>Fifth level</a:t>
-            </a:r>
-            <a:endParaRPr b="0" lang="en-US" sz="2000" spc="-1" strike="noStrike">
-              <a:solidFill>
-                <a:schemeClr val="dk1"/>
-              </a:solidFill>
-              <a:latin typeface="Calibri"/>
-            </a:endParaRPr>
-          </a:p>
-        </p:txBody>
-      </p:sp>
-      <p:sp>
-        <p:nvSpPr>
-          <p:cNvPr id="9" name="PlaceHolder 3"/>
-          <p:cNvSpPr>
-            <a:spLocks noGrp="1"/>
-          </p:cNvSpPr>
-          <p:nvPr>
-            <p:ph type="dt" idx="4"/>
-          </p:nvPr>
-        </p:nvSpPr>
-        <p:spPr>
-          <a:xfrm>
-            <a:off x="457200" y="6356520"/>
-            <a:ext cx="2133360" cy="364680"/>
-          </a:xfrm>
-          <a:prstGeom prst="rect">
-            <a:avLst/>
-          </a:prstGeom>
-          <a:noFill/>
-          <a:ln w="0">
-            <a:noFill/>
-          </a:ln>
-        </p:spPr>
-        <p:txBody>
-          <a:bodyPr lIns="91440" rIns="91440" tIns="45720" bIns="45720" anchor="ctr">
-            <a:noAutofit/>
-          </a:bodyPr>
-          <a:lstStyle>
-            <a:lvl1pPr indent="0" defTabSz="457200">
-              <a:lnSpc>
-                <a:spcPct val="100000"/>
-              </a:lnSpc>
-              <a:buNone/>
-              <a:defRPr b="0" lang="en-US" sz="1200" spc="-1" strike="noStrike">
-                <a:solidFill>
-                  <a:schemeClr val="dk1">
-                    <a:tint val="75000"/>
-                  </a:schemeClr>
-                </a:solidFill>
-                <a:latin typeface="Calibri"/>
-              </a:defRPr>
-            </a:lvl1pPr>
-          </a:lstStyle>
-          <a:p>
-            <a:pPr indent="0" defTabSz="457200">
-              <a:lnSpc>
-                <a:spcPct val="100000"/>
-              </a:lnSpc>
-              <a:buNone/>
-            </a:pPr>
-            <a:r>
-              <a:rPr b="0" lang="en-US" sz="1200" spc="-1" strike="noStrike">
-                <a:solidFill>
-                  <a:schemeClr val="dk1">
-                    <a:tint val="75000"/>
-                  </a:schemeClr>
-                </a:solidFill>
-                <a:latin typeface="Calibri"/>
-              </a:rPr>
-              <a:t>&lt;fecha/hora&gt;</a:t>
-            </a:r>
-            <a:endParaRPr b="0" lang="es-ES" sz="1200" spc="-1" strike="noStrike">
-              <a:solidFill>
-                <a:srgbClr val="000000"/>
-              </a:solidFill>
-              <a:latin typeface="Times New Roman"/>
-            </a:endParaRPr>
-          </a:p>
-        </p:txBody>
-      </p:sp>
-      <p:sp>
-        <p:nvSpPr>
-          <p:cNvPr id="10" name="PlaceHolder 4"/>
-          <p:cNvSpPr>
-            <a:spLocks noGrp="1"/>
-          </p:cNvSpPr>
-          <p:nvPr>
-            <p:ph type="ftr" idx="5"/>
+            <p:ph type="ftr" idx="4"/>
           </p:nvPr>
         </p:nvSpPr>
         <p:spPr>
           <a:xfrm>
             <a:off x="3124080" y="6356520"/>
-            <a:ext cx="2895120" cy="364680"/>
+            <a:ext cx="2894760" cy="364320"/>
           </a:xfrm>
           <a:prstGeom prst="rect">
             <a:avLst/>
@@ -3236,7 +2332,13 @@
           </a:bodyPr>
           <a:lstStyle>
             <a:lvl1pPr indent="0" algn="ctr">
-              <a:buNone/>
+              <a:lnSpc>
+                <a:spcPct val="100000"/>
+              </a:lnSpc>
+              <a:buNone/>
+              <a:tabLst>
+                <a:tab algn="l" pos="0"/>
+              </a:tabLst>
               <a:defRPr b="0" lang="es-ES" sz="1400" spc="-1" strike="noStrike">
                 <a:solidFill>
                   <a:srgbClr val="000000"/>
@@ -3247,7 +2349,13 @@
           </a:lstStyle>
           <a:p>
             <a:pPr indent="0" algn="ctr">
-              <a:buNone/>
+              <a:lnSpc>
+                <a:spcPct val="100000"/>
+              </a:lnSpc>
+              <a:buNone/>
+              <a:tabLst>
+                <a:tab algn="l" pos="0"/>
+              </a:tabLst>
             </a:pPr>
             <a:r>
               <a:rPr b="0" lang="es-ES" sz="1400" spc="-1" strike="noStrike">
@@ -3269,18 +2377,18 @@
       </p:sp>
       <p:sp>
         <p:nvSpPr>
-          <p:cNvPr id="11" name="PlaceHolder 5"/>
+          <p:cNvPr id="8" name="PlaceHolder 2"/>
           <p:cNvSpPr>
             <a:spLocks noGrp="1"/>
           </p:cNvSpPr>
           <p:nvPr>
-            <p:ph type="sldNum" idx="6"/>
+            <p:ph type="sldNum" idx="5"/>
           </p:nvPr>
         </p:nvSpPr>
         <p:spPr>
           <a:xfrm>
             <a:off x="6553080" y="6356520"/>
-            <a:ext cx="2133360" cy="364680"/>
+            <a:ext cx="2133000" cy="364320"/>
           </a:xfrm>
           <a:prstGeom prst="rect">
             <a:avLst/>
@@ -3300,6 +2408,9 @@
                 <a:spcPct val="100000"/>
               </a:lnSpc>
               <a:buNone/>
+              <a:tabLst>
+                <a:tab algn="l" pos="0"/>
+              </a:tabLst>
               <a:defRPr b="0" lang="en-US" sz="1200" spc="-1" strike="noStrike">
                 <a:solidFill>
                   <a:schemeClr val="dk1">
@@ -3316,8 +2427,11 @@
                 <a:spcPct val="100000"/>
               </a:lnSpc>
               <a:buNone/>
-            </a:pPr>
-            <a:fld id="{F879C6F4-F635-4020-B4B1-A16B13A7F546}" type="slidenum">
+              <a:tabLst>
+                <a:tab algn="l" pos="0"/>
+              </a:tabLst>
+            </a:pPr>
+            <a:fld id="{93AAE3E3-E39C-438A-98E2-35065B3F4507}" type="slidenum">
               <a:rPr b="0" lang="en-US" sz="1200" spc="-1" strike="noStrike">
                 <a:solidFill>
                   <a:schemeClr val="dk1">
@@ -3329,6 +2443,66 @@
               <a:t>&lt;número&gt;</a:t>
             </a:fld>
             <a:endParaRPr b="0" lang="es-ES" sz="1200" spc="-1" strike="noStrike">
+              <a:solidFill>
+                <a:srgbClr val="000000"/>
+              </a:solidFill>
+              <a:latin typeface="Times New Roman"/>
+            </a:endParaRPr>
+          </a:p>
+        </p:txBody>
+      </p:sp>
+      <p:sp>
+        <p:nvSpPr>
+          <p:cNvPr id="9" name="PlaceHolder 3"/>
+          <p:cNvSpPr>
+            <a:spLocks noGrp="1"/>
+          </p:cNvSpPr>
+          <p:nvPr>
+            <p:ph type="dt" idx="6"/>
+          </p:nvPr>
+        </p:nvSpPr>
+        <p:spPr>
+          <a:xfrm>
+            <a:off x="457200" y="6356520"/>
+            <a:ext cx="2133000" cy="364320"/>
+          </a:xfrm>
+          <a:prstGeom prst="rect">
+            <a:avLst/>
+          </a:prstGeom>
+          <a:noFill/>
+          <a:ln w="0">
+            <a:noFill/>
+          </a:ln>
+        </p:spPr>
+        <p:txBody>
+          <a:bodyPr lIns="91440" rIns="91440" tIns="45720" bIns="45720" anchor="ctr">
+            <a:noAutofit/>
+          </a:bodyPr>
+          <a:lstStyle>
+            <a:lvl1pPr indent="0">
+              <a:buNone/>
+              <a:defRPr b="0" lang="es-ES" sz="1400" spc="-1" strike="noStrike">
+                <a:solidFill>
+                  <a:srgbClr val="000000"/>
+                </a:solidFill>
+                <a:latin typeface="Times New Roman"/>
+              </a:defRPr>
+            </a:lvl1pPr>
+          </a:lstStyle>
+          <a:p>
+            <a:pPr indent="0">
+              <a:buNone/>
+            </a:pPr>
+            <a:r>
+              <a:rPr b="0" lang="es-ES" sz="1400" spc="-1" strike="noStrike">
+                <a:solidFill>
+                  <a:srgbClr val="000000"/>
+                </a:solidFill>
+                <a:latin typeface="Times New Roman"/>
+              </a:rPr>
+              <a:t>&lt;fecha/hora&gt;</a:t>
+            </a:r>
+            <a:endParaRPr b="0" lang="es-ES" sz="1400" spc="-1" strike="noStrike">
               <a:solidFill>
                 <a:srgbClr val="000000"/>
               </a:solidFill>
@@ -3372,319 +2546,18 @@
       </p:grpSpPr>
       <p:sp>
         <p:nvSpPr>
-          <p:cNvPr id="12" name="PlaceHolder 1"/>
+          <p:cNvPr id="10" name="PlaceHolder 1"/>
           <p:cNvSpPr>
             <a:spLocks noGrp="1"/>
           </p:cNvSpPr>
           <p:nvPr>
-            <p:ph type="title"/>
-          </p:nvPr>
-        </p:nvSpPr>
-        <p:spPr>
-          <a:xfrm>
-            <a:off x="6629400" y="274680"/>
-            <a:ext cx="2057040" cy="5851080"/>
-          </a:xfrm>
-          <a:prstGeom prst="rect">
-            <a:avLst/>
-          </a:prstGeom>
-          <a:noFill/>
-          <a:ln w="0">
-            <a:noFill/>
-          </a:ln>
-        </p:spPr>
-        <p:txBody>
-          <a:bodyPr lIns="91440" rIns="91440" tIns="45720" bIns="45720" anchor="ctr" vert="eaVert">
-            <a:noAutofit/>
-          </a:bodyPr>
-          <a:p>
-            <a:pPr indent="0" algn="ctr" defTabSz="457200">
-              <a:lnSpc>
-                <a:spcPct val="100000"/>
-              </a:lnSpc>
-              <a:buNone/>
-            </a:pPr>
-            <a:r>
-              <a:rPr b="0" lang="en-US" sz="4400" spc="-1" strike="noStrike">
-                <a:solidFill>
-                  <a:schemeClr val="dk1"/>
-                </a:solidFill>
-                <a:latin typeface="Calibri"/>
-              </a:rPr>
-              <a:t>Click to edit Master title style</a:t>
-            </a:r>
-            <a:endParaRPr b="0" lang="en-US" sz="4400" spc="-1" strike="noStrike">
-              <a:solidFill>
-                <a:schemeClr val="dk1"/>
-              </a:solidFill>
-              <a:latin typeface="Calibri"/>
-            </a:endParaRPr>
-          </a:p>
-        </p:txBody>
-      </p:sp>
-      <p:sp>
-        <p:nvSpPr>
-          <p:cNvPr id="13" name="PlaceHolder 2"/>
-          <p:cNvSpPr>
-            <a:spLocks noGrp="1"/>
-          </p:cNvSpPr>
-          <p:nvPr>
-            <p:ph type="body"/>
-          </p:nvPr>
-        </p:nvSpPr>
-        <p:spPr>
-          <a:xfrm>
-            <a:off x="457200" y="274680"/>
-            <a:ext cx="6019560" cy="5851080"/>
-          </a:xfrm>
-          <a:prstGeom prst="rect">
-            <a:avLst/>
-          </a:prstGeom>
-          <a:noFill/>
-          <a:ln w="0">
-            <a:noFill/>
-          </a:ln>
-        </p:spPr>
-        <p:txBody>
-          <a:bodyPr lIns="91440" rIns="91440" tIns="45720" bIns="45720" anchor="t" vert="eaVert">
-            <a:noAutofit/>
-          </a:bodyPr>
-          <a:p>
-            <a:pPr marL="343080" indent="-343080" defTabSz="457200">
-              <a:lnSpc>
-                <a:spcPct val="100000"/>
-              </a:lnSpc>
-              <a:spcBef>
-                <a:spcPts val="641"/>
-              </a:spcBef>
-              <a:buClr>
-                <a:srgbClr val="000000"/>
-              </a:buClr>
-              <a:buFont typeface="Arial"/>
-              <a:buChar char="•"/>
-            </a:pPr>
-            <a:r>
-              <a:rPr b="0" lang="en-US" sz="3200" spc="-1" strike="noStrike">
-                <a:solidFill>
-                  <a:schemeClr val="dk1"/>
-                </a:solidFill>
-                <a:latin typeface="Calibri"/>
-              </a:rPr>
-              <a:t>Click to edit Master text styles</a:t>
-            </a:r>
-            <a:endParaRPr b="0" lang="en-US" sz="3200" spc="-1" strike="noStrike">
-              <a:solidFill>
-                <a:schemeClr val="dk1"/>
-              </a:solidFill>
-              <a:latin typeface="Calibri"/>
-            </a:endParaRPr>
-          </a:p>
-          <a:p>
-            <a:pPr lvl="1" marL="743040" indent="-285840" defTabSz="457200">
-              <a:lnSpc>
-                <a:spcPct val="100000"/>
-              </a:lnSpc>
-              <a:spcBef>
-                <a:spcPts val="561"/>
-              </a:spcBef>
-              <a:buClr>
-                <a:srgbClr val="000000"/>
-              </a:buClr>
-              <a:buFont typeface="Arial"/>
-              <a:buChar char="–"/>
-            </a:pPr>
-            <a:r>
-              <a:rPr b="0" lang="en-US" sz="2800" spc="-1" strike="noStrike">
-                <a:solidFill>
-                  <a:schemeClr val="dk1"/>
-                </a:solidFill>
-                <a:latin typeface="Calibri"/>
-              </a:rPr>
-              <a:t>Second level</a:t>
-            </a:r>
-            <a:endParaRPr b="0" lang="en-US" sz="2800" spc="-1" strike="noStrike">
-              <a:solidFill>
-                <a:schemeClr val="dk1"/>
-              </a:solidFill>
-              <a:latin typeface="Calibri"/>
-            </a:endParaRPr>
-          </a:p>
-          <a:p>
-            <a:pPr lvl="2" marL="1143000" indent="-228600" defTabSz="457200">
-              <a:lnSpc>
-                <a:spcPct val="100000"/>
-              </a:lnSpc>
-              <a:spcBef>
-                <a:spcPts val="479"/>
-              </a:spcBef>
-              <a:buClr>
-                <a:srgbClr val="000000"/>
-              </a:buClr>
-              <a:buFont typeface="Arial"/>
-              <a:buChar char="•"/>
-            </a:pPr>
-            <a:r>
-              <a:rPr b="0" lang="en-US" sz="2400" spc="-1" strike="noStrike">
-                <a:solidFill>
-                  <a:schemeClr val="dk1"/>
-                </a:solidFill>
-                <a:latin typeface="Calibri"/>
-              </a:rPr>
-              <a:t>Third level</a:t>
-            </a:r>
-            <a:endParaRPr b="0" lang="en-US" sz="2400" spc="-1" strike="noStrike">
-              <a:solidFill>
-                <a:schemeClr val="dk1"/>
-              </a:solidFill>
-              <a:latin typeface="Calibri"/>
-            </a:endParaRPr>
-          </a:p>
-          <a:p>
-            <a:pPr lvl="3" marL="1600200" indent="-228600" defTabSz="457200">
-              <a:lnSpc>
-                <a:spcPct val="100000"/>
-              </a:lnSpc>
-              <a:spcBef>
-                <a:spcPts val="400"/>
-              </a:spcBef>
-              <a:buClr>
-                <a:srgbClr val="000000"/>
-              </a:buClr>
-              <a:buFont typeface="Arial"/>
-              <a:buChar char="–"/>
-            </a:pPr>
-            <a:r>
-              <a:rPr b="0" lang="en-US" sz="2000" spc="-1" strike="noStrike">
-                <a:solidFill>
-                  <a:schemeClr val="dk1"/>
-                </a:solidFill>
-                <a:latin typeface="Calibri"/>
-              </a:rPr>
-              <a:t>Fourth level</a:t>
-            </a:r>
-            <a:endParaRPr b="0" lang="en-US" sz="2000" spc="-1" strike="noStrike">
-              <a:solidFill>
-                <a:schemeClr val="dk1"/>
-              </a:solidFill>
-              <a:latin typeface="Calibri"/>
-            </a:endParaRPr>
-          </a:p>
-          <a:p>
-            <a:pPr lvl="4" marL="2057400" indent="-228600" defTabSz="457200">
-              <a:lnSpc>
-                <a:spcPct val="100000"/>
-              </a:lnSpc>
-              <a:spcBef>
-                <a:spcPts val="400"/>
-              </a:spcBef>
-              <a:buClr>
-                <a:srgbClr val="000000"/>
-              </a:buClr>
-              <a:buFont typeface="Arial"/>
-              <a:buChar char="»"/>
-            </a:pPr>
-            <a:r>
-              <a:rPr b="0" lang="en-US" sz="2000" spc="-1" strike="noStrike">
-                <a:solidFill>
-                  <a:schemeClr val="dk1"/>
-                </a:solidFill>
-                <a:latin typeface="Calibri"/>
-              </a:rPr>
-              <a:t>Fifth level</a:t>
-            </a:r>
-            <a:endParaRPr b="0" lang="en-US" sz="2000" spc="-1" strike="noStrike">
-              <a:solidFill>
-                <a:schemeClr val="dk1"/>
-              </a:solidFill>
-              <a:latin typeface="Calibri"/>
-            </a:endParaRPr>
-          </a:p>
-        </p:txBody>
-      </p:sp>
-      <p:sp>
-        <p:nvSpPr>
-          <p:cNvPr id="14" name="PlaceHolder 3"/>
-          <p:cNvSpPr>
-            <a:spLocks noGrp="1"/>
-          </p:cNvSpPr>
-          <p:nvPr>
-            <p:ph type="dt" idx="7"/>
-          </p:nvPr>
-        </p:nvSpPr>
-        <p:spPr>
-          <a:xfrm>
-            <a:off x="457200" y="6356520"/>
-            <a:ext cx="2133360" cy="364680"/>
-          </a:xfrm>
-          <a:prstGeom prst="rect">
-            <a:avLst/>
-          </a:prstGeom>
-          <a:noFill/>
-          <a:ln w="0">
-            <a:noFill/>
-          </a:ln>
-        </p:spPr>
-        <p:txBody>
-          <a:bodyPr lIns="91440" rIns="91440" tIns="45720" bIns="45720" anchor="ctr">
-            <a:noAutofit/>
-          </a:bodyPr>
-          <a:lstStyle>
-            <a:lvl1pPr indent="0" defTabSz="457200">
-              <a:lnSpc>
-                <a:spcPct val="100000"/>
-              </a:lnSpc>
-              <a:buNone/>
-              <a:defRPr b="0" lang="en-US" sz="1200" spc="-1" strike="noStrike">
-                <a:solidFill>
-                  <a:schemeClr val="dk1">
-                    <a:tint val="75000"/>
-                  </a:schemeClr>
-                </a:solidFill>
-                <a:latin typeface="Calibri"/>
-              </a:defRPr>
-            </a:lvl1pPr>
-          </a:lstStyle>
-          <a:p>
-            <a:pPr indent="0" defTabSz="457200">
-              <a:lnSpc>
-                <a:spcPct val="100000"/>
-              </a:lnSpc>
-              <a:buNone/>
-            </a:pPr>
-            <a:r>
-              <a:rPr b="0" lang="en-US" sz="1200" spc="-1" strike="noStrike">
-                <a:solidFill>
-                  <a:schemeClr val="dk1">
-                    <a:tint val="75000"/>
-                  </a:schemeClr>
-                </a:solidFill>
-                <a:latin typeface="Calibri"/>
-              </a:rPr>
-              <a:t>&lt;fecha/hora&gt;</a:t>
-            </a:r>
-            <a:endParaRPr b="0" lang="es-ES" sz="1200" spc="-1" strike="noStrike">
-              <a:solidFill>
-                <a:srgbClr val="000000"/>
-              </a:solidFill>
-              <a:latin typeface="Times New Roman"/>
-            </a:endParaRPr>
-          </a:p>
-        </p:txBody>
-      </p:sp>
-      <p:sp>
-        <p:nvSpPr>
-          <p:cNvPr id="15" name="PlaceHolder 4"/>
-          <p:cNvSpPr>
-            <a:spLocks noGrp="1"/>
-          </p:cNvSpPr>
-          <p:nvPr>
-            <p:ph type="ftr" idx="8"/>
+            <p:ph type="ftr" idx="7"/>
           </p:nvPr>
         </p:nvSpPr>
         <p:spPr>
           <a:xfrm>
             <a:off x="3124080" y="6356520"/>
-            <a:ext cx="2895120" cy="364680"/>
+            <a:ext cx="2894760" cy="364320"/>
           </a:xfrm>
           <a:prstGeom prst="rect">
             <a:avLst/>
@@ -3700,7 +2573,13 @@
           </a:bodyPr>
           <a:lstStyle>
             <a:lvl1pPr indent="0" algn="ctr">
-              <a:buNone/>
+              <a:lnSpc>
+                <a:spcPct val="100000"/>
+              </a:lnSpc>
+              <a:buNone/>
+              <a:tabLst>
+                <a:tab algn="l" pos="0"/>
+              </a:tabLst>
               <a:defRPr b="0" lang="es-ES" sz="1400" spc="-1" strike="noStrike">
                 <a:solidFill>
                   <a:srgbClr val="000000"/>
@@ -3711,7 +2590,13 @@
           </a:lstStyle>
           <a:p>
             <a:pPr indent="0" algn="ctr">
-              <a:buNone/>
+              <a:lnSpc>
+                <a:spcPct val="100000"/>
+              </a:lnSpc>
+              <a:buNone/>
+              <a:tabLst>
+                <a:tab algn="l" pos="0"/>
+              </a:tabLst>
             </a:pPr>
             <a:r>
               <a:rPr b="0" lang="es-ES" sz="1400" spc="-1" strike="noStrike">
@@ -3733,18 +2618,18 @@
       </p:sp>
       <p:sp>
         <p:nvSpPr>
-          <p:cNvPr id="16" name="PlaceHolder 5"/>
+          <p:cNvPr id="11" name="PlaceHolder 2"/>
           <p:cNvSpPr>
             <a:spLocks noGrp="1"/>
           </p:cNvSpPr>
           <p:nvPr>
-            <p:ph type="sldNum" idx="9"/>
+            <p:ph type="sldNum" idx="8"/>
           </p:nvPr>
         </p:nvSpPr>
         <p:spPr>
           <a:xfrm>
             <a:off x="6553080" y="6356520"/>
-            <a:ext cx="2133360" cy="364680"/>
+            <a:ext cx="2133000" cy="364320"/>
           </a:xfrm>
           <a:prstGeom prst="rect">
             <a:avLst/>
@@ -3764,6 +2649,9 @@
                 <a:spcPct val="100000"/>
               </a:lnSpc>
               <a:buNone/>
+              <a:tabLst>
+                <a:tab algn="l" pos="0"/>
+              </a:tabLst>
               <a:defRPr b="0" lang="en-US" sz="1200" spc="-1" strike="noStrike">
                 <a:solidFill>
                   <a:schemeClr val="dk1">
@@ -3780,8 +2668,11 @@
                 <a:spcPct val="100000"/>
               </a:lnSpc>
               <a:buNone/>
-            </a:pPr>
-            <a:fld id="{2909F640-1238-45C7-AD94-AB639406F025}" type="slidenum">
+              <a:tabLst>
+                <a:tab algn="l" pos="0"/>
+              </a:tabLst>
+            </a:pPr>
+            <a:fld id="{218DAB9C-AF08-4749-B775-35803295E2B2}" type="slidenum">
               <a:rPr b="0" lang="en-US" sz="1200" spc="-1" strike="noStrike">
                 <a:solidFill>
                   <a:schemeClr val="dk1">
@@ -3793,6 +2684,66 @@
               <a:t>&lt;número&gt;</a:t>
             </a:fld>
             <a:endParaRPr b="0" lang="es-ES" sz="1200" spc="-1" strike="noStrike">
+              <a:solidFill>
+                <a:srgbClr val="000000"/>
+              </a:solidFill>
+              <a:latin typeface="Times New Roman"/>
+            </a:endParaRPr>
+          </a:p>
+        </p:txBody>
+      </p:sp>
+      <p:sp>
+        <p:nvSpPr>
+          <p:cNvPr id="12" name="PlaceHolder 3"/>
+          <p:cNvSpPr>
+            <a:spLocks noGrp="1"/>
+          </p:cNvSpPr>
+          <p:nvPr>
+            <p:ph type="dt" idx="9"/>
+          </p:nvPr>
+        </p:nvSpPr>
+        <p:spPr>
+          <a:xfrm>
+            <a:off x="457200" y="6356520"/>
+            <a:ext cx="2133000" cy="364320"/>
+          </a:xfrm>
+          <a:prstGeom prst="rect">
+            <a:avLst/>
+          </a:prstGeom>
+          <a:noFill/>
+          <a:ln w="0">
+            <a:noFill/>
+          </a:ln>
+        </p:spPr>
+        <p:txBody>
+          <a:bodyPr lIns="91440" rIns="91440" tIns="45720" bIns="45720" anchor="ctr">
+            <a:noAutofit/>
+          </a:bodyPr>
+          <a:lstStyle>
+            <a:lvl1pPr indent="0">
+              <a:buNone/>
+              <a:defRPr b="0" lang="es-ES" sz="1400" spc="-1" strike="noStrike">
+                <a:solidFill>
+                  <a:srgbClr val="000000"/>
+                </a:solidFill>
+                <a:latin typeface="Times New Roman"/>
+              </a:defRPr>
+            </a:lvl1pPr>
+          </a:lstStyle>
+          <a:p>
+            <a:pPr indent="0">
+              <a:buNone/>
+            </a:pPr>
+            <a:r>
+              <a:rPr b="0" lang="es-ES" sz="1400" spc="-1" strike="noStrike">
+                <a:solidFill>
+                  <a:srgbClr val="000000"/>
+                </a:solidFill>
+                <a:latin typeface="Times New Roman"/>
+              </a:rPr>
+              <a:t>&lt;fecha/hora&gt;</a:t>
+            </a:r>
+            <a:endParaRPr b="0" lang="es-ES" sz="1400" spc="-1" strike="noStrike">
               <a:solidFill>
                 <a:srgbClr val="000000"/>
               </a:solidFill>
@@ -3836,7 +2787,7 @@
       </p:grpSpPr>
       <p:sp>
         <p:nvSpPr>
-          <p:cNvPr id="17" name="PlaceHolder 1"/>
+          <p:cNvPr id="13" name="PlaceHolder 1"/>
           <p:cNvSpPr>
             <a:spLocks noGrp="1"/>
           </p:cNvSpPr>
@@ -3847,7 +2798,7 @@
         <p:spPr>
           <a:xfrm>
             <a:off x="457200" y="274680"/>
-            <a:ext cx="8229240" cy="1142640"/>
+            <a:ext cx="8228880" cy="1142280"/>
           </a:xfrm>
           <a:prstGeom prst="rect">
             <a:avLst/>
@@ -3858,37 +2809,34 @@
           </a:ln>
         </p:spPr>
         <p:txBody>
-          <a:bodyPr lIns="91440" rIns="91440" tIns="45720" bIns="45720" anchor="ctr">
+          <a:bodyPr lIns="0" rIns="0" tIns="0" bIns="0" anchor="ctr">
             <a:noAutofit/>
           </a:bodyPr>
           <a:p>
-            <a:pPr indent="0" algn="ctr" defTabSz="457200">
-              <a:lnSpc>
-                <a:spcPct val="100000"/>
-              </a:lnSpc>
-              <a:buNone/>
-            </a:pPr>
-            <a:r>
-              <a:rPr b="0" lang="en-US" sz="4400" spc="-1" strike="noStrike">
-                <a:solidFill>
-                  <a:schemeClr val="dk1"/>
-                </a:solidFill>
-                <a:latin typeface="Calibri"/>
-              </a:rPr>
-              <a:t>Click to edit Master title style</a:t>
-            </a:r>
-            <a:endParaRPr b="0" lang="en-US" sz="4400" spc="-1" strike="noStrike">
-              <a:solidFill>
-                <a:schemeClr val="dk1"/>
-              </a:solidFill>
-              <a:latin typeface="Calibri"/>
+            <a:pPr indent="0">
+              <a:buNone/>
+            </a:pPr>
+            <a:r>
+              <a:rPr b="0" lang="es-ES" sz="1800" spc="-1" strike="noStrike">
+                <a:solidFill>
+                  <a:srgbClr val="000000"/>
+                </a:solidFill>
+                <a:latin typeface="Arial"/>
+              </a:rPr>
+              <a:t>Pulse para editar el formato del texto de título</a:t>
+            </a:r>
+            <a:endParaRPr b="0" lang="es-ES" sz="1800" spc="-1" strike="noStrike">
+              <a:solidFill>
+                <a:srgbClr val="000000"/>
+              </a:solidFill>
+              <a:latin typeface="Arial"/>
             </a:endParaRPr>
           </a:p>
         </p:txBody>
       </p:sp>
       <p:sp>
         <p:nvSpPr>
-          <p:cNvPr id="18" name="PlaceHolder 2"/>
+          <p:cNvPr id="14" name="PlaceHolder 2"/>
           <p:cNvSpPr>
             <a:spLocks noGrp="1"/>
           </p:cNvSpPr>
@@ -3899,7 +2847,7 @@
         <p:spPr>
           <a:xfrm>
             <a:off x="457200" y="1600200"/>
-            <a:ext cx="8229240" cy="4525560"/>
+            <a:ext cx="8228880" cy="4525200"/>
           </a:xfrm>
           <a:prstGeom prst="rect">
             <a:avLst/>
@@ -3910,245 +2858,221 @@
           </a:ln>
         </p:spPr>
         <p:txBody>
-          <a:bodyPr lIns="91440" rIns="91440" tIns="45720" bIns="45720" anchor="t">
-            <a:noAutofit/>
+          <a:bodyPr lIns="0" rIns="0" tIns="0" bIns="0" anchor="t">
+            <a:normAutofit/>
           </a:bodyPr>
           <a:p>
-            <a:pPr marL="343080" indent="-343080" defTabSz="457200">
-              <a:lnSpc>
-                <a:spcPct val="100000"/>
-              </a:lnSpc>
+            <a:pPr marL="432000" indent="-324000">
               <a:spcBef>
-                <a:spcPts val="641"/>
+                <a:spcPts val="1417"/>
               </a:spcBef>
               <a:buClr>
                 <a:srgbClr val="000000"/>
               </a:buClr>
-              <a:buFont typeface="Arial"/>
-              <a:buChar char="•"/>
-            </a:pPr>
-            <a:r>
-              <a:rPr b="0" lang="en-US" sz="3200" spc="-1" strike="noStrike">
-                <a:solidFill>
-                  <a:schemeClr val="dk1"/>
-                </a:solidFill>
-                <a:latin typeface="Calibri"/>
-              </a:rPr>
-              <a:t>Click to edit Master text styles</a:t>
-            </a:r>
-            <a:endParaRPr b="0" lang="en-US" sz="3200" spc="-1" strike="noStrike">
-              <a:solidFill>
-                <a:schemeClr val="dk1"/>
-              </a:solidFill>
-              <a:latin typeface="Calibri"/>
-            </a:endParaRPr>
-          </a:p>
-          <a:p>
-            <a:pPr lvl="1" marL="743040" indent="-285840" defTabSz="457200">
-              <a:lnSpc>
-                <a:spcPct val="100000"/>
-              </a:lnSpc>
+              <a:buSzPct val="45000"/>
+              <a:buFont typeface="Wingdings" charset="2"/>
+              <a:buChar char=""/>
+            </a:pPr>
+            <a:r>
+              <a:rPr b="0" lang="es-ES" sz="1800" spc="-1" strike="noStrike">
+                <a:solidFill>
+                  <a:srgbClr val="000000"/>
+                </a:solidFill>
+                <a:latin typeface="Arial"/>
+              </a:rPr>
+              <a:t>Pulse para editar el formato de texto del esquema</a:t>
+            </a:r>
+            <a:endParaRPr b="0" lang="es-ES" sz="1800" spc="-1" strike="noStrike">
+              <a:solidFill>
+                <a:srgbClr val="000000"/>
+              </a:solidFill>
+              <a:latin typeface="Arial"/>
+            </a:endParaRPr>
+          </a:p>
+          <a:p>
+            <a:pPr lvl="1" marL="864000" indent="-324000">
               <a:spcBef>
-                <a:spcPts val="561"/>
+                <a:spcPts val="1134"/>
               </a:spcBef>
               <a:buClr>
                 <a:srgbClr val="000000"/>
               </a:buClr>
-              <a:buFont typeface="Arial"/>
-              <a:buChar char="–"/>
-            </a:pPr>
-            <a:r>
-              <a:rPr b="0" lang="en-US" sz="2800" spc="-1" strike="noStrike">
-                <a:solidFill>
-                  <a:schemeClr val="dk1"/>
-                </a:solidFill>
-                <a:latin typeface="Calibri"/>
-              </a:rPr>
-              <a:t>Second level</a:t>
-            </a:r>
-            <a:endParaRPr b="0" lang="en-US" sz="2800" spc="-1" strike="noStrike">
-              <a:solidFill>
-                <a:schemeClr val="dk1"/>
-              </a:solidFill>
-              <a:latin typeface="Calibri"/>
-            </a:endParaRPr>
-          </a:p>
-          <a:p>
-            <a:pPr lvl="2" marL="1143000" indent="-228600" defTabSz="457200">
-              <a:lnSpc>
-                <a:spcPct val="100000"/>
-              </a:lnSpc>
+              <a:buSzPct val="75000"/>
+              <a:buFont typeface="Symbol" charset="2"/>
+              <a:buChar char=""/>
+            </a:pPr>
+            <a:r>
+              <a:rPr b="0" lang="es-ES" sz="1800" spc="-1" strike="noStrike">
+                <a:solidFill>
+                  <a:srgbClr val="000000"/>
+                </a:solidFill>
+                <a:latin typeface="Arial"/>
+              </a:rPr>
+              <a:t>Segundo nivel del esquema</a:t>
+            </a:r>
+            <a:endParaRPr b="0" lang="es-ES" sz="1800" spc="-1" strike="noStrike">
+              <a:solidFill>
+                <a:srgbClr val="000000"/>
+              </a:solidFill>
+              <a:latin typeface="Arial"/>
+            </a:endParaRPr>
+          </a:p>
+          <a:p>
+            <a:pPr lvl="2" marL="1296000" indent="-288000">
               <a:spcBef>
-                <a:spcPts val="479"/>
+                <a:spcPts val="850"/>
               </a:spcBef>
               <a:buClr>
                 <a:srgbClr val="000000"/>
               </a:buClr>
-              <a:buFont typeface="Arial"/>
-              <a:buChar char="•"/>
-            </a:pPr>
-            <a:r>
-              <a:rPr b="0" lang="en-US" sz="2400" spc="-1" strike="noStrike">
-                <a:solidFill>
-                  <a:schemeClr val="dk1"/>
-                </a:solidFill>
-                <a:latin typeface="Calibri"/>
-              </a:rPr>
-              <a:t>Third level</a:t>
-            </a:r>
-            <a:endParaRPr b="0" lang="en-US" sz="2400" spc="-1" strike="noStrike">
-              <a:solidFill>
-                <a:schemeClr val="dk1"/>
-              </a:solidFill>
-              <a:latin typeface="Calibri"/>
-            </a:endParaRPr>
-          </a:p>
-          <a:p>
-            <a:pPr lvl="3" marL="1600200" indent="-228600" defTabSz="457200">
-              <a:lnSpc>
-                <a:spcPct val="100000"/>
-              </a:lnSpc>
+              <a:buSzPct val="45000"/>
+              <a:buFont typeface="Wingdings" charset="2"/>
+              <a:buChar char=""/>
+            </a:pPr>
+            <a:r>
+              <a:rPr b="0" lang="es-ES" sz="1800" spc="-1" strike="noStrike">
+                <a:solidFill>
+                  <a:srgbClr val="000000"/>
+                </a:solidFill>
+                <a:latin typeface="Arial"/>
+              </a:rPr>
+              <a:t>Tercer nivel del esquema</a:t>
+            </a:r>
+            <a:endParaRPr b="0" lang="es-ES" sz="1800" spc="-1" strike="noStrike">
+              <a:solidFill>
+                <a:srgbClr val="000000"/>
+              </a:solidFill>
+              <a:latin typeface="Arial"/>
+            </a:endParaRPr>
+          </a:p>
+          <a:p>
+            <a:pPr lvl="3" marL="1728000" indent="-216000">
               <a:spcBef>
-                <a:spcPts val="400"/>
+                <a:spcPts val="567"/>
               </a:spcBef>
               <a:buClr>
                 <a:srgbClr val="000000"/>
               </a:buClr>
-              <a:buFont typeface="Arial"/>
-              <a:buChar char="–"/>
-            </a:pPr>
-            <a:r>
-              <a:rPr b="0" lang="en-US" sz="2000" spc="-1" strike="noStrike">
-                <a:solidFill>
-                  <a:schemeClr val="dk1"/>
-                </a:solidFill>
-                <a:latin typeface="Calibri"/>
-              </a:rPr>
-              <a:t>Fourth level</a:t>
-            </a:r>
-            <a:endParaRPr b="0" lang="en-US" sz="2000" spc="-1" strike="noStrike">
-              <a:solidFill>
-                <a:schemeClr val="dk1"/>
-              </a:solidFill>
-              <a:latin typeface="Calibri"/>
-            </a:endParaRPr>
-          </a:p>
-          <a:p>
-            <a:pPr lvl="4" marL="2057400" indent="-228600" defTabSz="457200">
-              <a:lnSpc>
-                <a:spcPct val="100000"/>
-              </a:lnSpc>
+              <a:buSzPct val="75000"/>
+              <a:buFont typeface="Symbol" charset="2"/>
+              <a:buChar char=""/>
+            </a:pPr>
+            <a:r>
+              <a:rPr b="0" lang="es-ES" sz="1800" spc="-1" strike="noStrike">
+                <a:solidFill>
+                  <a:srgbClr val="000000"/>
+                </a:solidFill>
+                <a:latin typeface="Arial"/>
+              </a:rPr>
+              <a:t>Cuarto nivel del esquema</a:t>
+            </a:r>
+            <a:endParaRPr b="0" lang="es-ES" sz="1800" spc="-1" strike="noStrike">
+              <a:solidFill>
+                <a:srgbClr val="000000"/>
+              </a:solidFill>
+              <a:latin typeface="Arial"/>
+            </a:endParaRPr>
+          </a:p>
+          <a:p>
+            <a:pPr lvl="4" marL="2160000" indent="-216000">
               <a:spcBef>
-                <a:spcPts val="400"/>
+                <a:spcPts val="283"/>
               </a:spcBef>
               <a:buClr>
                 <a:srgbClr val="000000"/>
               </a:buClr>
-              <a:buFont typeface="Arial"/>
-              <a:buChar char="»"/>
-            </a:pPr>
-            <a:r>
-              <a:rPr b="0" lang="en-US" sz="2000" spc="-1" strike="noStrike">
-                <a:solidFill>
-                  <a:schemeClr val="dk1"/>
-                </a:solidFill>
-                <a:latin typeface="Calibri"/>
-              </a:rPr>
-              <a:t>Fifth level</a:t>
-            </a:r>
-            <a:endParaRPr b="0" lang="en-US" sz="2000" spc="-1" strike="noStrike">
-              <a:solidFill>
-                <a:schemeClr val="dk1"/>
-              </a:solidFill>
-              <a:latin typeface="Calibri"/>
+              <a:buSzPct val="45000"/>
+              <a:buFont typeface="Wingdings" charset="2"/>
+              <a:buChar char=""/>
+            </a:pPr>
+            <a:r>
+              <a:rPr b="0" lang="es-ES" sz="1800" spc="-1" strike="noStrike">
+                <a:solidFill>
+                  <a:srgbClr val="000000"/>
+                </a:solidFill>
+                <a:latin typeface="Arial"/>
+              </a:rPr>
+              <a:t>Quinto nivel del esquema</a:t>
+            </a:r>
+            <a:endParaRPr b="0" lang="es-ES" sz="1800" spc="-1" strike="noStrike">
+              <a:solidFill>
+                <a:srgbClr val="000000"/>
+              </a:solidFill>
+              <a:latin typeface="Arial"/>
+            </a:endParaRPr>
+          </a:p>
+          <a:p>
+            <a:pPr lvl="5" marL="2592000" indent="-216000">
+              <a:spcBef>
+                <a:spcPts val="283"/>
+              </a:spcBef>
+              <a:buClr>
+                <a:srgbClr val="000000"/>
+              </a:buClr>
+              <a:buSzPct val="45000"/>
+              <a:buFont typeface="Wingdings" charset="2"/>
+              <a:buChar char=""/>
+            </a:pPr>
+            <a:r>
+              <a:rPr b="0" lang="es-ES" sz="1800" spc="-1" strike="noStrike">
+                <a:solidFill>
+                  <a:srgbClr val="000000"/>
+                </a:solidFill>
+                <a:latin typeface="Arial"/>
+              </a:rPr>
+              <a:t>Sexto nivel del esquema</a:t>
+            </a:r>
+            <a:endParaRPr b="0" lang="es-ES" sz="1800" spc="-1" strike="noStrike">
+              <a:solidFill>
+                <a:srgbClr val="000000"/>
+              </a:solidFill>
+              <a:latin typeface="Arial"/>
+            </a:endParaRPr>
+          </a:p>
+          <a:p>
+            <a:pPr lvl="6" marL="3024000" indent="-216000">
+              <a:spcBef>
+                <a:spcPts val="283"/>
+              </a:spcBef>
+              <a:buClr>
+                <a:srgbClr val="000000"/>
+              </a:buClr>
+              <a:buSzPct val="45000"/>
+              <a:buFont typeface="Wingdings" charset="2"/>
+              <a:buChar char=""/>
+            </a:pPr>
+            <a:r>
+              <a:rPr b="0" lang="es-ES" sz="1800" spc="-1" strike="noStrike">
+                <a:solidFill>
+                  <a:srgbClr val="000000"/>
+                </a:solidFill>
+                <a:latin typeface="Arial"/>
+              </a:rPr>
+              <a:t>Séptimo nivel del esquema</a:t>
+            </a:r>
+            <a:endParaRPr b="0" lang="es-ES" sz="1800" spc="-1" strike="noStrike">
+              <a:solidFill>
+                <a:srgbClr val="000000"/>
+              </a:solidFill>
+              <a:latin typeface="Arial"/>
             </a:endParaRPr>
           </a:p>
         </p:txBody>
       </p:sp>
       <p:sp>
         <p:nvSpPr>
-          <p:cNvPr id="19" name="PlaceHolder 3"/>
+          <p:cNvPr id="15" name="PlaceHolder 3"/>
           <p:cNvSpPr>
             <a:spLocks noGrp="1"/>
           </p:cNvSpPr>
           <p:nvPr>
-            <p:ph type="dt" idx="10"/>
-          </p:nvPr>
-        </p:nvSpPr>
-        <p:spPr>
-          <a:xfrm>
-            <a:off x="457200" y="6356520"/>
-            <a:ext cx="2133360" cy="364680"/>
-          </a:xfrm>
-          <a:prstGeom prst="rect">
-            <a:avLst/>
-          </a:prstGeom>
-          <a:noFill/>
-          <a:ln w="0">
-            <a:noFill/>
-          </a:ln>
-        </p:spPr>
-        <p:txBody>
-          <a:bodyPr lIns="91440" rIns="91440" tIns="45720" bIns="45720" anchor="ctr">
-            <a:noAutofit/>
-          </a:bodyPr>
-          <a:lstStyle>
-            <a:lvl1pPr indent="0" defTabSz="457200">
-              <a:lnSpc>
-                <a:spcPct val="100000"/>
-              </a:lnSpc>
-              <a:buNone/>
-              <a:defRPr b="0" lang="en-US" sz="1200" spc="-1" strike="noStrike">
-                <a:solidFill>
-                  <a:schemeClr val="dk1">
-                    <a:tint val="75000"/>
-                  </a:schemeClr>
-                </a:solidFill>
-                <a:latin typeface="Calibri"/>
-              </a:defRPr>
-            </a:lvl1pPr>
-          </a:lstStyle>
-          <a:p>
-            <a:pPr indent="0" defTabSz="457200">
-              <a:lnSpc>
-                <a:spcPct val="100000"/>
-              </a:lnSpc>
-              <a:buNone/>
-            </a:pPr>
-            <a:r>
-              <a:rPr b="0" lang="en-US" sz="1200" spc="-1" strike="noStrike">
-                <a:solidFill>
-                  <a:schemeClr val="dk1">
-                    <a:tint val="75000"/>
-                  </a:schemeClr>
-                </a:solidFill>
-                <a:latin typeface="Calibri"/>
-              </a:rPr>
-              <a:t>&lt;fecha/hora&gt;</a:t>
-            </a:r>
-            <a:endParaRPr b="0" lang="es-ES" sz="1200" spc="-1" strike="noStrike">
-              <a:solidFill>
-                <a:srgbClr val="000000"/>
-              </a:solidFill>
-              <a:latin typeface="Times New Roman"/>
-            </a:endParaRPr>
-          </a:p>
-        </p:txBody>
-      </p:sp>
-      <p:sp>
-        <p:nvSpPr>
-          <p:cNvPr id="20" name="PlaceHolder 4"/>
-          <p:cNvSpPr>
-            <a:spLocks noGrp="1"/>
-          </p:cNvSpPr>
-          <p:nvPr>
-            <p:ph type="ftr" idx="11"/>
+            <p:ph type="ftr" idx="10"/>
           </p:nvPr>
         </p:nvSpPr>
         <p:spPr>
           <a:xfrm>
             <a:off x="3124080" y="6356520"/>
-            <a:ext cx="2895120" cy="364680"/>
+            <a:ext cx="2894760" cy="364320"/>
           </a:xfrm>
           <a:prstGeom prst="rect">
             <a:avLst/>
@@ -4164,7 +3088,13 @@
           </a:bodyPr>
           <a:lstStyle>
             <a:lvl1pPr indent="0" algn="ctr">
-              <a:buNone/>
+              <a:lnSpc>
+                <a:spcPct val="100000"/>
+              </a:lnSpc>
+              <a:buNone/>
+              <a:tabLst>
+                <a:tab algn="l" pos="0"/>
+              </a:tabLst>
               <a:defRPr b="0" lang="es-ES" sz="1400" spc="-1" strike="noStrike">
                 <a:solidFill>
                   <a:srgbClr val="000000"/>
@@ -4175,7 +3105,13 @@
           </a:lstStyle>
           <a:p>
             <a:pPr indent="0" algn="ctr">
-              <a:buNone/>
+              <a:lnSpc>
+                <a:spcPct val="100000"/>
+              </a:lnSpc>
+              <a:buNone/>
+              <a:tabLst>
+                <a:tab algn="l" pos="0"/>
+              </a:tabLst>
             </a:pPr>
             <a:r>
               <a:rPr b="0" lang="es-ES" sz="1400" spc="-1" strike="noStrike">
@@ -4197,18 +3133,18 @@
       </p:sp>
       <p:sp>
         <p:nvSpPr>
-          <p:cNvPr id="21" name="PlaceHolder 5"/>
+          <p:cNvPr id="16" name="PlaceHolder 4"/>
           <p:cNvSpPr>
             <a:spLocks noGrp="1"/>
           </p:cNvSpPr>
           <p:nvPr>
-            <p:ph type="sldNum" idx="12"/>
+            <p:ph type="sldNum" idx="11"/>
           </p:nvPr>
         </p:nvSpPr>
         <p:spPr>
           <a:xfrm>
             <a:off x="6553080" y="6356520"/>
-            <a:ext cx="2133360" cy="364680"/>
+            <a:ext cx="2133000" cy="364320"/>
           </a:xfrm>
           <a:prstGeom prst="rect">
             <a:avLst/>
@@ -4228,6 +3164,9 @@
                 <a:spcPct val="100000"/>
               </a:lnSpc>
               <a:buNone/>
+              <a:tabLst>
+                <a:tab algn="l" pos="0"/>
+              </a:tabLst>
               <a:defRPr b="0" lang="en-US" sz="1200" spc="-1" strike="noStrike">
                 <a:solidFill>
                   <a:schemeClr val="dk1">
@@ -4244,8 +3183,11 @@
                 <a:spcPct val="100000"/>
               </a:lnSpc>
               <a:buNone/>
-            </a:pPr>
-            <a:fld id="{7E300984-6164-4D97-A676-D77C23619D9D}" type="slidenum">
+              <a:tabLst>
+                <a:tab algn="l" pos="0"/>
+              </a:tabLst>
+            </a:pPr>
+            <a:fld id="{7D033CFD-1620-46AF-80B2-BAC057337EC9}" type="slidenum">
               <a:rPr b="0" lang="en-US" sz="1200" spc="-1" strike="noStrike">
                 <a:solidFill>
                   <a:schemeClr val="dk1">
@@ -4257,6 +3199,66 @@
               <a:t>&lt;número&gt;</a:t>
             </a:fld>
             <a:endParaRPr b="0" lang="es-ES" sz="1200" spc="-1" strike="noStrike">
+              <a:solidFill>
+                <a:srgbClr val="000000"/>
+              </a:solidFill>
+              <a:latin typeface="Times New Roman"/>
+            </a:endParaRPr>
+          </a:p>
+        </p:txBody>
+      </p:sp>
+      <p:sp>
+        <p:nvSpPr>
+          <p:cNvPr id="17" name="PlaceHolder 5"/>
+          <p:cNvSpPr>
+            <a:spLocks noGrp="1"/>
+          </p:cNvSpPr>
+          <p:nvPr>
+            <p:ph type="dt" idx="12"/>
+          </p:nvPr>
+        </p:nvSpPr>
+        <p:spPr>
+          <a:xfrm>
+            <a:off x="457200" y="6356520"/>
+            <a:ext cx="2133000" cy="364320"/>
+          </a:xfrm>
+          <a:prstGeom prst="rect">
+            <a:avLst/>
+          </a:prstGeom>
+          <a:noFill/>
+          <a:ln w="0">
+            <a:noFill/>
+          </a:ln>
+        </p:spPr>
+        <p:txBody>
+          <a:bodyPr lIns="91440" rIns="91440" tIns="45720" bIns="45720" anchor="ctr">
+            <a:noAutofit/>
+          </a:bodyPr>
+          <a:lstStyle>
+            <a:lvl1pPr indent="0">
+              <a:buNone/>
+              <a:defRPr b="0" lang="es-ES" sz="1400" spc="-1" strike="noStrike">
+                <a:solidFill>
+                  <a:srgbClr val="000000"/>
+                </a:solidFill>
+                <a:latin typeface="Times New Roman"/>
+              </a:defRPr>
+            </a:lvl1pPr>
+          </a:lstStyle>
+          <a:p>
+            <a:pPr indent="0">
+              <a:buNone/>
+            </a:pPr>
+            <a:r>
+              <a:rPr b="0" lang="es-ES" sz="1400" spc="-1" strike="noStrike">
+                <a:solidFill>
+                  <a:srgbClr val="000000"/>
+                </a:solidFill>
+                <a:latin typeface="Times New Roman"/>
+              </a:rPr>
+              <a:t>&lt;fecha/hora&gt;</a:t>
+            </a:r>
+            <a:endParaRPr b="0" lang="es-ES" sz="1400" spc="-1" strike="noStrike">
               <a:solidFill>
                 <a:srgbClr val="000000"/>
               </a:solidFill>
@@ -4300,200 +3302,18 @@
       </p:grpSpPr>
       <p:sp>
         <p:nvSpPr>
-          <p:cNvPr id="24" name="PlaceHolder 1"/>
+          <p:cNvPr id="20" name="PlaceHolder 1"/>
           <p:cNvSpPr>
             <a:spLocks noGrp="1"/>
           </p:cNvSpPr>
           <p:nvPr>
-            <p:ph type="title"/>
-          </p:nvPr>
-        </p:nvSpPr>
-        <p:spPr>
-          <a:xfrm>
-            <a:off x="722160" y="4406760"/>
-            <a:ext cx="7772040" cy="1361880"/>
-          </a:xfrm>
-          <a:prstGeom prst="rect">
-            <a:avLst/>
-          </a:prstGeom>
-          <a:noFill/>
-          <a:ln w="0">
-            <a:noFill/>
-          </a:ln>
-        </p:spPr>
-        <p:txBody>
-          <a:bodyPr lIns="91440" rIns="91440" tIns="45720" bIns="45720" anchor="t">
-            <a:noAutofit/>
-          </a:bodyPr>
-          <a:p>
-            <a:pPr indent="0" defTabSz="457200">
-              <a:lnSpc>
-                <a:spcPct val="100000"/>
-              </a:lnSpc>
-              <a:buNone/>
-            </a:pPr>
-            <a:r>
-              <a:rPr b="1" lang="en-US" sz="4000" spc="-1" strike="noStrike" cap="all">
-                <a:solidFill>
-                  <a:schemeClr val="dk1"/>
-                </a:solidFill>
-                <a:latin typeface="Calibri"/>
-              </a:rPr>
-              <a:t>Click to edit Master title style</a:t>
-            </a:r>
-            <a:endParaRPr b="0" lang="en-US" sz="4000" spc="-1" strike="noStrike">
-              <a:solidFill>
-                <a:schemeClr val="dk1"/>
-              </a:solidFill>
-              <a:latin typeface="Calibri"/>
-            </a:endParaRPr>
-          </a:p>
-        </p:txBody>
-      </p:sp>
-      <p:sp>
-        <p:nvSpPr>
-          <p:cNvPr id="25" name="PlaceHolder 2"/>
-          <p:cNvSpPr>
-            <a:spLocks noGrp="1"/>
-          </p:cNvSpPr>
-          <p:nvPr>
-            <p:ph type="body"/>
-          </p:nvPr>
-        </p:nvSpPr>
-        <p:spPr>
-          <a:xfrm>
-            <a:off x="722160" y="2906640"/>
-            <a:ext cx="7772040" cy="1499760"/>
-          </a:xfrm>
-          <a:prstGeom prst="rect">
-            <a:avLst/>
-          </a:prstGeom>
-          <a:noFill/>
-          <a:ln w="0">
-            <a:noFill/>
-          </a:ln>
-        </p:spPr>
-        <p:txBody>
-          <a:bodyPr lIns="91440" rIns="91440" tIns="45720" bIns="45720" anchor="b">
-            <a:noAutofit/>
-          </a:bodyPr>
-          <a:p>
-            <a:pPr indent="0" defTabSz="457200">
-              <a:lnSpc>
-                <a:spcPct val="100000"/>
-              </a:lnSpc>
-              <a:spcBef>
-                <a:spcPts val="400"/>
-              </a:spcBef>
-              <a:buNone/>
-              <a:tabLst>
-                <a:tab algn="l" pos="0"/>
-              </a:tabLst>
-            </a:pPr>
-            <a:r>
-              <a:rPr b="0" lang="en-US" sz="2000" spc="-1" strike="noStrike">
-                <a:solidFill>
-                  <a:schemeClr val="dk1">
-                    <a:tint val="75000"/>
-                  </a:schemeClr>
-                </a:solidFill>
-                <a:latin typeface="Calibri"/>
-              </a:rPr>
-              <a:t>Click to edit Master text styles</a:t>
-            </a:r>
-            <a:endParaRPr b="0" lang="en-US" sz="2000" spc="-1" strike="noStrike">
-              <a:solidFill>
-                <a:schemeClr val="dk1"/>
-              </a:solidFill>
-              <a:latin typeface="Calibri"/>
-            </a:endParaRPr>
-          </a:p>
-        </p:txBody>
-      </p:sp>
-      <p:sp>
-        <p:nvSpPr>
-          <p:cNvPr id="26" name="PlaceHolder 3"/>
-          <p:cNvSpPr>
-            <a:spLocks noGrp="1"/>
-          </p:cNvSpPr>
-          <p:nvPr>
-            <p:ph type="dt" idx="13"/>
-          </p:nvPr>
-        </p:nvSpPr>
-        <p:spPr>
-          <a:xfrm>
-            <a:off x="457200" y="6356520"/>
-            <a:ext cx="2133360" cy="364680"/>
-          </a:xfrm>
-          <a:prstGeom prst="rect">
-            <a:avLst/>
-          </a:prstGeom>
-          <a:noFill/>
-          <a:ln w="0">
-            <a:noFill/>
-          </a:ln>
-        </p:spPr>
-        <p:txBody>
-          <a:bodyPr lIns="91440" rIns="91440" tIns="45720" bIns="45720" anchor="ctr">
-            <a:noAutofit/>
-          </a:bodyPr>
-          <a:lstStyle>
-            <a:lvl1pPr indent="0" defTabSz="457200">
-              <a:lnSpc>
-                <a:spcPct val="100000"/>
-              </a:lnSpc>
-              <a:buNone/>
-              <a:defRPr b="0" lang="en-US" sz="1200" spc="-1" strike="noStrike">
-                <a:solidFill>
-                  <a:schemeClr val="dk1">
-                    <a:tint val="75000"/>
-                  </a:schemeClr>
-                </a:solidFill>
-                <a:latin typeface="Calibri"/>
-              </a:defRPr>
-            </a:lvl1pPr>
-          </a:lstStyle>
-          <a:p>
-            <a:pPr indent="0" defTabSz="457200">
-              <a:lnSpc>
-                <a:spcPct val="100000"/>
-              </a:lnSpc>
-              <a:buNone/>
-            </a:pPr>
-            <a:r>
-              <a:rPr b="0" lang="en-US" sz="1200" spc="-1" strike="noStrike">
-                <a:solidFill>
-                  <a:schemeClr val="dk1">
-                    <a:tint val="75000"/>
-                  </a:schemeClr>
-                </a:solidFill>
-                <a:latin typeface="Calibri"/>
-              </a:rPr>
-              <a:t>&lt;fecha/hora&gt;</a:t>
-            </a:r>
-            <a:endParaRPr b="0" lang="es-ES" sz="1200" spc="-1" strike="noStrike">
-              <a:solidFill>
-                <a:srgbClr val="000000"/>
-              </a:solidFill>
-              <a:latin typeface="Times New Roman"/>
-            </a:endParaRPr>
-          </a:p>
-        </p:txBody>
-      </p:sp>
-      <p:sp>
-        <p:nvSpPr>
-          <p:cNvPr id="27" name="PlaceHolder 4"/>
-          <p:cNvSpPr>
-            <a:spLocks noGrp="1"/>
-          </p:cNvSpPr>
-          <p:nvPr>
-            <p:ph type="ftr" idx="14"/>
+            <p:ph type="ftr" idx="13"/>
           </p:nvPr>
         </p:nvSpPr>
         <p:spPr>
           <a:xfrm>
             <a:off x="3124080" y="6356520"/>
-            <a:ext cx="2895120" cy="364680"/>
+            <a:ext cx="2894760" cy="364320"/>
           </a:xfrm>
           <a:prstGeom prst="rect">
             <a:avLst/>
@@ -4509,7 +3329,13 @@
           </a:bodyPr>
           <a:lstStyle>
             <a:lvl1pPr indent="0" algn="ctr">
-              <a:buNone/>
+              <a:lnSpc>
+                <a:spcPct val="100000"/>
+              </a:lnSpc>
+              <a:buNone/>
+              <a:tabLst>
+                <a:tab algn="l" pos="0"/>
+              </a:tabLst>
               <a:defRPr b="0" lang="es-ES" sz="1400" spc="-1" strike="noStrike">
                 <a:solidFill>
                   <a:srgbClr val="000000"/>
@@ -4520,7 +3346,13 @@
           </a:lstStyle>
           <a:p>
             <a:pPr indent="0" algn="ctr">
-              <a:buNone/>
+              <a:lnSpc>
+                <a:spcPct val="100000"/>
+              </a:lnSpc>
+              <a:buNone/>
+              <a:tabLst>
+                <a:tab algn="l" pos="0"/>
+              </a:tabLst>
             </a:pPr>
             <a:r>
               <a:rPr b="0" lang="es-ES" sz="1400" spc="-1" strike="noStrike">
@@ -4542,18 +3374,18 @@
       </p:sp>
       <p:sp>
         <p:nvSpPr>
-          <p:cNvPr id="28" name="PlaceHolder 5"/>
+          <p:cNvPr id="21" name="PlaceHolder 2"/>
           <p:cNvSpPr>
             <a:spLocks noGrp="1"/>
           </p:cNvSpPr>
           <p:nvPr>
-            <p:ph type="sldNum" idx="15"/>
+            <p:ph type="sldNum" idx="14"/>
           </p:nvPr>
         </p:nvSpPr>
         <p:spPr>
           <a:xfrm>
             <a:off x="6553080" y="6356520"/>
-            <a:ext cx="2133360" cy="364680"/>
+            <a:ext cx="2133000" cy="364320"/>
           </a:xfrm>
           <a:prstGeom prst="rect">
             <a:avLst/>
@@ -4573,6 +3405,9 @@
                 <a:spcPct val="100000"/>
               </a:lnSpc>
               <a:buNone/>
+              <a:tabLst>
+                <a:tab algn="l" pos="0"/>
+              </a:tabLst>
               <a:defRPr b="0" lang="en-US" sz="1200" spc="-1" strike="noStrike">
                 <a:solidFill>
                   <a:schemeClr val="dk1">
@@ -4589,8 +3424,11 @@
                 <a:spcPct val="100000"/>
               </a:lnSpc>
               <a:buNone/>
-            </a:pPr>
-            <a:fld id="{8ACF051C-BB7E-4845-BDE5-C8F19FFEB923}" type="slidenum">
+              <a:tabLst>
+                <a:tab algn="l" pos="0"/>
+              </a:tabLst>
+            </a:pPr>
+            <a:fld id="{ED4E5D5E-908E-4CA5-82C3-0EE1DF1CA4F7}" type="slidenum">
               <a:rPr b="0" lang="en-US" sz="1200" spc="-1" strike="noStrike">
                 <a:solidFill>
                   <a:schemeClr val="dk1">
@@ -4602,6 +3440,66 @@
               <a:t>&lt;número&gt;</a:t>
             </a:fld>
             <a:endParaRPr b="0" lang="es-ES" sz="1200" spc="-1" strike="noStrike">
+              <a:solidFill>
+                <a:srgbClr val="000000"/>
+              </a:solidFill>
+              <a:latin typeface="Times New Roman"/>
+            </a:endParaRPr>
+          </a:p>
+        </p:txBody>
+      </p:sp>
+      <p:sp>
+        <p:nvSpPr>
+          <p:cNvPr id="22" name="PlaceHolder 3"/>
+          <p:cNvSpPr>
+            <a:spLocks noGrp="1"/>
+          </p:cNvSpPr>
+          <p:nvPr>
+            <p:ph type="dt" idx="15"/>
+          </p:nvPr>
+        </p:nvSpPr>
+        <p:spPr>
+          <a:xfrm>
+            <a:off x="457200" y="6356520"/>
+            <a:ext cx="2133000" cy="364320"/>
+          </a:xfrm>
+          <a:prstGeom prst="rect">
+            <a:avLst/>
+          </a:prstGeom>
+          <a:noFill/>
+          <a:ln w="0">
+            <a:noFill/>
+          </a:ln>
+        </p:spPr>
+        <p:txBody>
+          <a:bodyPr lIns="91440" rIns="91440" tIns="45720" bIns="45720" anchor="ctr">
+            <a:noAutofit/>
+          </a:bodyPr>
+          <a:lstStyle>
+            <a:lvl1pPr indent="0">
+              <a:buNone/>
+              <a:defRPr b="0" lang="es-ES" sz="1400" spc="-1" strike="noStrike">
+                <a:solidFill>
+                  <a:srgbClr val="000000"/>
+                </a:solidFill>
+                <a:latin typeface="Times New Roman"/>
+              </a:defRPr>
+            </a:lvl1pPr>
+          </a:lstStyle>
+          <a:p>
+            <a:pPr indent="0">
+              <a:buNone/>
+            </a:pPr>
+            <a:r>
+              <a:rPr b="0" lang="es-ES" sz="1400" spc="-1" strike="noStrike">
+                <a:solidFill>
+                  <a:srgbClr val="000000"/>
+                </a:solidFill>
+                <a:latin typeface="Times New Roman"/>
+              </a:rPr>
+              <a:t>&lt;fecha/hora&gt;</a:t>
+            </a:r>
+            <a:endParaRPr b="0" lang="es-ES" sz="1400" spc="-1" strike="noStrike">
               <a:solidFill>
                 <a:srgbClr val="000000"/>
               </a:solidFill>
@@ -4645,7 +3543,7 @@
       </p:grpSpPr>
       <p:sp>
         <p:nvSpPr>
-          <p:cNvPr id="29" name="PlaceHolder 1"/>
+          <p:cNvPr id="23" name="PlaceHolder 1"/>
           <p:cNvSpPr>
             <a:spLocks noGrp="1"/>
           </p:cNvSpPr>
@@ -4656,7 +3554,7 @@
         <p:spPr>
           <a:xfrm>
             <a:off x="457200" y="274680"/>
-            <a:ext cx="8229240" cy="1142640"/>
+            <a:ext cx="8228880" cy="1142280"/>
           </a:xfrm>
           <a:prstGeom prst="rect">
             <a:avLst/>
@@ -4667,37 +3565,34 @@
           </a:ln>
         </p:spPr>
         <p:txBody>
-          <a:bodyPr lIns="91440" rIns="91440" tIns="45720" bIns="45720" anchor="ctr">
+          <a:bodyPr lIns="0" rIns="0" tIns="0" bIns="0" anchor="ctr">
             <a:noAutofit/>
           </a:bodyPr>
           <a:p>
-            <a:pPr indent="0" algn="ctr" defTabSz="457200">
-              <a:lnSpc>
-                <a:spcPct val="100000"/>
-              </a:lnSpc>
-              <a:buNone/>
-            </a:pPr>
-            <a:r>
-              <a:rPr b="0" lang="en-US" sz="4400" spc="-1" strike="noStrike">
-                <a:solidFill>
-                  <a:schemeClr val="dk1"/>
-                </a:solidFill>
-                <a:latin typeface="Calibri"/>
-              </a:rPr>
-              <a:t>Click to edit Master title style</a:t>
-            </a:r>
-            <a:endParaRPr b="0" lang="en-US" sz="4400" spc="-1" strike="noStrike">
-              <a:solidFill>
-                <a:schemeClr val="dk1"/>
-              </a:solidFill>
-              <a:latin typeface="Calibri"/>
+            <a:pPr indent="0">
+              <a:buNone/>
+            </a:pPr>
+            <a:r>
+              <a:rPr b="0" lang="es-ES" sz="1800" spc="-1" strike="noStrike">
+                <a:solidFill>
+                  <a:srgbClr val="000000"/>
+                </a:solidFill>
+                <a:latin typeface="Arial"/>
+              </a:rPr>
+              <a:t>Pulse para editar el formato del texto de título</a:t>
+            </a:r>
+            <a:endParaRPr b="0" lang="es-ES" sz="1800" spc="-1" strike="noStrike">
+              <a:solidFill>
+                <a:srgbClr val="000000"/>
+              </a:solidFill>
+              <a:latin typeface="Arial"/>
             </a:endParaRPr>
           </a:p>
         </p:txBody>
       </p:sp>
       <p:sp>
         <p:nvSpPr>
-          <p:cNvPr id="30" name="PlaceHolder 2"/>
+          <p:cNvPr id="24" name="PlaceHolder 2"/>
           <p:cNvSpPr>
             <a:spLocks noGrp="1"/>
           </p:cNvSpPr>
@@ -4708,7 +3603,7 @@
         <p:spPr>
           <a:xfrm>
             <a:off x="457200" y="1600200"/>
-            <a:ext cx="4038120" cy="4525560"/>
+            <a:ext cx="4015440" cy="4525200"/>
           </a:xfrm>
           <a:prstGeom prst="rect">
             <a:avLst/>
@@ -4719,164 +3614,210 @@
           </a:ln>
         </p:spPr>
         <p:txBody>
-          <a:bodyPr lIns="91440" rIns="91440" tIns="45720" bIns="45720" anchor="t">
-            <a:noAutofit/>
+          <a:bodyPr lIns="0" rIns="0" tIns="0" bIns="0" anchor="t">
+            <a:normAutofit/>
           </a:bodyPr>
           <a:p>
-            <a:pPr marL="343080" indent="-343080" defTabSz="457200">
-              <a:lnSpc>
-                <a:spcPct val="100000"/>
-              </a:lnSpc>
+            <a:pPr marL="432000" indent="-324000">
               <a:spcBef>
-                <a:spcPts val="561"/>
+                <a:spcPts val="1417"/>
               </a:spcBef>
               <a:buClr>
                 <a:srgbClr val="000000"/>
               </a:buClr>
-              <a:buFont typeface="Arial"/>
-              <a:buChar char="•"/>
-            </a:pPr>
-            <a:r>
-              <a:rPr b="0" lang="en-US" sz="2800" spc="-1" strike="noStrike">
-                <a:solidFill>
-                  <a:schemeClr val="dk1"/>
-                </a:solidFill>
-                <a:latin typeface="Calibri"/>
-              </a:rPr>
-              <a:t>Click to edit Master text styles</a:t>
-            </a:r>
-            <a:endParaRPr b="0" lang="en-US" sz="2800" spc="-1" strike="noStrike">
-              <a:solidFill>
-                <a:schemeClr val="dk1"/>
-              </a:solidFill>
-              <a:latin typeface="Calibri"/>
-            </a:endParaRPr>
-          </a:p>
-          <a:p>
-            <a:pPr lvl="1" marL="743040" indent="-285840" defTabSz="457200">
-              <a:lnSpc>
-                <a:spcPct val="100000"/>
-              </a:lnSpc>
+              <a:buSzPct val="45000"/>
+              <a:buFont typeface="Wingdings" charset="2"/>
+              <a:buChar char=""/>
+            </a:pPr>
+            <a:r>
+              <a:rPr b="0" lang="es-ES" sz="1800" spc="-1" strike="noStrike">
+                <a:solidFill>
+                  <a:srgbClr val="000000"/>
+                </a:solidFill>
+                <a:latin typeface="Arial"/>
+              </a:rPr>
+              <a:t>Pulse para editar el formato de texto del esquema</a:t>
+            </a:r>
+            <a:endParaRPr b="0" lang="es-ES" sz="1800" spc="-1" strike="noStrike">
+              <a:solidFill>
+                <a:srgbClr val="000000"/>
+              </a:solidFill>
+              <a:latin typeface="Arial"/>
+            </a:endParaRPr>
+          </a:p>
+          <a:p>
+            <a:pPr lvl="1" marL="864000" indent="-324000">
               <a:spcBef>
-                <a:spcPts val="479"/>
+                <a:spcPts val="1134"/>
               </a:spcBef>
               <a:buClr>
                 <a:srgbClr val="000000"/>
               </a:buClr>
-              <a:buFont typeface="Arial"/>
-              <a:buChar char="–"/>
-            </a:pPr>
-            <a:r>
-              <a:rPr b="0" lang="en-US" sz="2400" spc="-1" strike="noStrike">
-                <a:solidFill>
-                  <a:schemeClr val="dk1"/>
-                </a:solidFill>
-                <a:latin typeface="Calibri"/>
-              </a:rPr>
-              <a:t>Second level</a:t>
-            </a:r>
-            <a:endParaRPr b="0" lang="en-US" sz="2400" spc="-1" strike="noStrike">
-              <a:solidFill>
-                <a:schemeClr val="dk1"/>
-              </a:solidFill>
-              <a:latin typeface="Calibri"/>
-            </a:endParaRPr>
-          </a:p>
-          <a:p>
-            <a:pPr lvl="2" marL="1143000" indent="-228600" defTabSz="457200">
-              <a:lnSpc>
-                <a:spcPct val="100000"/>
-              </a:lnSpc>
+              <a:buSzPct val="75000"/>
+              <a:buFont typeface="Symbol" charset="2"/>
+              <a:buChar char=""/>
+            </a:pPr>
+            <a:r>
+              <a:rPr b="0" lang="es-ES" sz="1800" spc="-1" strike="noStrike">
+                <a:solidFill>
+                  <a:srgbClr val="000000"/>
+                </a:solidFill>
+                <a:latin typeface="Arial"/>
+              </a:rPr>
+              <a:t>Segundo nivel del esquema</a:t>
+            </a:r>
+            <a:endParaRPr b="0" lang="es-ES" sz="1800" spc="-1" strike="noStrike">
+              <a:solidFill>
+                <a:srgbClr val="000000"/>
+              </a:solidFill>
+              <a:latin typeface="Arial"/>
+            </a:endParaRPr>
+          </a:p>
+          <a:p>
+            <a:pPr lvl="2" marL="1296000" indent="-288000">
               <a:spcBef>
-                <a:spcPts val="400"/>
+                <a:spcPts val="850"/>
               </a:spcBef>
               <a:buClr>
                 <a:srgbClr val="000000"/>
               </a:buClr>
-              <a:buFont typeface="Arial"/>
-              <a:buChar char="•"/>
-            </a:pPr>
-            <a:r>
-              <a:rPr b="0" lang="en-US" sz="2000" spc="-1" strike="noStrike">
-                <a:solidFill>
-                  <a:schemeClr val="dk1"/>
-                </a:solidFill>
-                <a:latin typeface="Calibri"/>
-              </a:rPr>
-              <a:t>Third level</a:t>
-            </a:r>
-            <a:endParaRPr b="0" lang="en-US" sz="2000" spc="-1" strike="noStrike">
-              <a:solidFill>
-                <a:schemeClr val="dk1"/>
-              </a:solidFill>
-              <a:latin typeface="Calibri"/>
-            </a:endParaRPr>
-          </a:p>
-          <a:p>
-            <a:pPr lvl="3" marL="1600200" indent="-228600" defTabSz="457200">
-              <a:lnSpc>
-                <a:spcPct val="100000"/>
-              </a:lnSpc>
+              <a:buSzPct val="45000"/>
+              <a:buFont typeface="Wingdings" charset="2"/>
+              <a:buChar char=""/>
+            </a:pPr>
+            <a:r>
+              <a:rPr b="0" lang="es-ES" sz="1800" spc="-1" strike="noStrike">
+                <a:solidFill>
+                  <a:srgbClr val="000000"/>
+                </a:solidFill>
+                <a:latin typeface="Arial"/>
+              </a:rPr>
+              <a:t>Tercer nivel del esquema</a:t>
+            </a:r>
+            <a:endParaRPr b="0" lang="es-ES" sz="1800" spc="-1" strike="noStrike">
+              <a:solidFill>
+                <a:srgbClr val="000000"/>
+              </a:solidFill>
+              <a:latin typeface="Arial"/>
+            </a:endParaRPr>
+          </a:p>
+          <a:p>
+            <a:pPr lvl="3" marL="1728000" indent="-216000">
               <a:spcBef>
-                <a:spcPts val="360"/>
+                <a:spcPts val="567"/>
               </a:spcBef>
               <a:buClr>
                 <a:srgbClr val="000000"/>
               </a:buClr>
-              <a:buFont typeface="Arial"/>
-              <a:buChar char="–"/>
-            </a:pPr>
-            <a:r>
-              <a:rPr b="0" lang="en-US" sz="1800" spc="-1" strike="noStrike">
-                <a:solidFill>
-                  <a:schemeClr val="dk1"/>
-                </a:solidFill>
-                <a:latin typeface="Calibri"/>
-              </a:rPr>
-              <a:t>Fourth level</a:t>
-            </a:r>
-            <a:endParaRPr b="0" lang="en-US" sz="1800" spc="-1" strike="noStrike">
-              <a:solidFill>
-                <a:schemeClr val="dk1"/>
-              </a:solidFill>
-              <a:latin typeface="Calibri"/>
-            </a:endParaRPr>
-          </a:p>
-          <a:p>
-            <a:pPr lvl="4" marL="2057400" indent="-228600" defTabSz="457200">
-              <a:lnSpc>
-                <a:spcPct val="100000"/>
-              </a:lnSpc>
+              <a:buSzPct val="75000"/>
+              <a:buFont typeface="Symbol" charset="2"/>
+              <a:buChar char=""/>
+            </a:pPr>
+            <a:r>
+              <a:rPr b="0" lang="es-ES" sz="1800" spc="-1" strike="noStrike">
+                <a:solidFill>
+                  <a:srgbClr val="000000"/>
+                </a:solidFill>
+                <a:latin typeface="Arial"/>
+              </a:rPr>
+              <a:t>Cuarto nivel del esquema</a:t>
+            </a:r>
+            <a:endParaRPr b="0" lang="es-ES" sz="1800" spc="-1" strike="noStrike">
+              <a:solidFill>
+                <a:srgbClr val="000000"/>
+              </a:solidFill>
+              <a:latin typeface="Arial"/>
+            </a:endParaRPr>
+          </a:p>
+          <a:p>
+            <a:pPr lvl="4" marL="2160000" indent="-216000">
               <a:spcBef>
-                <a:spcPts val="360"/>
+                <a:spcPts val="283"/>
               </a:spcBef>
               <a:buClr>
                 <a:srgbClr val="000000"/>
               </a:buClr>
-              <a:buFont typeface="Arial"/>
-              <a:buChar char="»"/>
-            </a:pPr>
-            <a:r>
-              <a:rPr b="0" lang="en-US" sz="1800" spc="-1" strike="noStrike">
-                <a:solidFill>
-                  <a:schemeClr val="dk1"/>
-                </a:solidFill>
-                <a:latin typeface="Calibri"/>
-              </a:rPr>
-              <a:t>Fifth level</a:t>
-            </a:r>
-            <a:endParaRPr b="0" lang="en-US" sz="1800" spc="-1" strike="noStrike">
-              <a:solidFill>
-                <a:schemeClr val="dk1"/>
-              </a:solidFill>
-              <a:latin typeface="Calibri"/>
+              <a:buSzPct val="45000"/>
+              <a:buFont typeface="Wingdings" charset="2"/>
+              <a:buChar char=""/>
+            </a:pPr>
+            <a:r>
+              <a:rPr b="0" lang="es-ES" sz="1800" spc="-1" strike="noStrike">
+                <a:solidFill>
+                  <a:srgbClr val="000000"/>
+                </a:solidFill>
+                <a:latin typeface="Arial"/>
+              </a:rPr>
+              <a:t>Quinto nivel del esquema</a:t>
+            </a:r>
+            <a:endParaRPr b="0" lang="es-ES" sz="1800" spc="-1" strike="noStrike">
+              <a:solidFill>
+                <a:srgbClr val="000000"/>
+              </a:solidFill>
+              <a:latin typeface="Arial"/>
+            </a:endParaRPr>
+          </a:p>
+          <a:p>
+            <a:pPr lvl="5" marL="2592000" indent="-216000">
+              <a:spcBef>
+                <a:spcPts val="283"/>
+              </a:spcBef>
+              <a:buClr>
+                <a:srgbClr val="000000"/>
+              </a:buClr>
+              <a:buSzPct val="45000"/>
+              <a:buFont typeface="Wingdings" charset="2"/>
+              <a:buChar char=""/>
+            </a:pPr>
+            <a:r>
+              <a:rPr b="0" lang="es-ES" sz="1800" spc="-1" strike="noStrike">
+                <a:solidFill>
+                  <a:srgbClr val="000000"/>
+                </a:solidFill>
+                <a:latin typeface="Arial"/>
+              </a:rPr>
+              <a:t>Sexto nivel del esquema</a:t>
+            </a:r>
+            <a:endParaRPr b="0" lang="es-ES" sz="1800" spc="-1" strike="noStrike">
+              <a:solidFill>
+                <a:srgbClr val="000000"/>
+              </a:solidFill>
+              <a:latin typeface="Arial"/>
+            </a:endParaRPr>
+          </a:p>
+          <a:p>
+            <a:pPr lvl="6" marL="3024000" indent="-216000">
+              <a:spcBef>
+                <a:spcPts val="283"/>
+              </a:spcBef>
+              <a:buClr>
+                <a:srgbClr val="000000"/>
+              </a:buClr>
+              <a:buSzPct val="45000"/>
+              <a:buFont typeface="Wingdings" charset="2"/>
+              <a:buChar char=""/>
+            </a:pPr>
+            <a:r>
+              <a:rPr b="0" lang="es-ES" sz="1800" spc="-1" strike="noStrike">
+                <a:solidFill>
+                  <a:srgbClr val="000000"/>
+                </a:solidFill>
+                <a:latin typeface="Arial"/>
+              </a:rPr>
+              <a:t>Séptimo nivel del esquema</a:t>
+            </a:r>
+            <a:endParaRPr b="0" lang="es-ES" sz="1800" spc="-1" strike="noStrike">
+              <a:solidFill>
+                <a:srgbClr val="000000"/>
+              </a:solidFill>
+              <a:latin typeface="Arial"/>
             </a:endParaRPr>
           </a:p>
         </p:txBody>
       </p:sp>
       <p:sp>
         <p:nvSpPr>
-          <p:cNvPr id="31" name="PlaceHolder 3"/>
+          <p:cNvPr id="25" name="PlaceHolder 3"/>
           <p:cNvSpPr>
             <a:spLocks noGrp="1"/>
           </p:cNvSpPr>
@@ -4886,8 +3827,8 @@
         </p:nvSpPr>
         <p:spPr>
           <a:xfrm>
-            <a:off x="4648320" y="1600200"/>
-            <a:ext cx="4038120" cy="4525560"/>
+            <a:off x="4674240" y="1600200"/>
+            <a:ext cx="4015440" cy="4525200"/>
           </a:xfrm>
           <a:prstGeom prst="rect">
             <a:avLst/>
@@ -4898,245 +3839,221 @@
           </a:ln>
         </p:spPr>
         <p:txBody>
-          <a:bodyPr lIns="91440" rIns="91440" tIns="45720" bIns="45720" anchor="t">
-            <a:noAutofit/>
+          <a:bodyPr lIns="0" rIns="0" tIns="0" bIns="0" anchor="t">
+            <a:normAutofit/>
           </a:bodyPr>
           <a:p>
-            <a:pPr marL="343080" indent="-343080" defTabSz="457200">
-              <a:lnSpc>
-                <a:spcPct val="100000"/>
-              </a:lnSpc>
+            <a:pPr marL="432000" indent="-324000">
               <a:spcBef>
-                <a:spcPts val="561"/>
+                <a:spcPts val="1417"/>
               </a:spcBef>
               <a:buClr>
                 <a:srgbClr val="000000"/>
               </a:buClr>
-              <a:buFont typeface="Arial"/>
-              <a:buChar char="•"/>
-            </a:pPr>
-            <a:r>
-              <a:rPr b="0" lang="en-US" sz="2800" spc="-1" strike="noStrike">
-                <a:solidFill>
-                  <a:schemeClr val="dk1"/>
-                </a:solidFill>
-                <a:latin typeface="Calibri"/>
-              </a:rPr>
-              <a:t>Click to edit Master text styles</a:t>
-            </a:r>
-            <a:endParaRPr b="0" lang="en-US" sz="2800" spc="-1" strike="noStrike">
-              <a:solidFill>
-                <a:schemeClr val="dk1"/>
-              </a:solidFill>
-              <a:latin typeface="Calibri"/>
-            </a:endParaRPr>
-          </a:p>
-          <a:p>
-            <a:pPr lvl="1" marL="743040" indent="-285840" defTabSz="457200">
-              <a:lnSpc>
-                <a:spcPct val="100000"/>
-              </a:lnSpc>
+              <a:buSzPct val="45000"/>
+              <a:buFont typeface="Wingdings" charset="2"/>
+              <a:buChar char=""/>
+            </a:pPr>
+            <a:r>
+              <a:rPr b="0" lang="es-ES" sz="1800" spc="-1" strike="noStrike">
+                <a:solidFill>
+                  <a:srgbClr val="000000"/>
+                </a:solidFill>
+                <a:latin typeface="Arial"/>
+              </a:rPr>
+              <a:t>Pulse para editar el formato de texto del esquema</a:t>
+            </a:r>
+            <a:endParaRPr b="0" lang="es-ES" sz="1800" spc="-1" strike="noStrike">
+              <a:solidFill>
+                <a:srgbClr val="000000"/>
+              </a:solidFill>
+              <a:latin typeface="Arial"/>
+            </a:endParaRPr>
+          </a:p>
+          <a:p>
+            <a:pPr lvl="1" marL="864000" indent="-324000">
               <a:spcBef>
-                <a:spcPts val="479"/>
+                <a:spcPts val="1134"/>
               </a:spcBef>
               <a:buClr>
                 <a:srgbClr val="000000"/>
               </a:buClr>
-              <a:buFont typeface="Arial"/>
-              <a:buChar char="–"/>
-            </a:pPr>
-            <a:r>
-              <a:rPr b="0" lang="en-US" sz="2400" spc="-1" strike="noStrike">
-                <a:solidFill>
-                  <a:schemeClr val="dk1"/>
-                </a:solidFill>
-                <a:latin typeface="Calibri"/>
-              </a:rPr>
-              <a:t>Second level</a:t>
-            </a:r>
-            <a:endParaRPr b="0" lang="en-US" sz="2400" spc="-1" strike="noStrike">
-              <a:solidFill>
-                <a:schemeClr val="dk1"/>
-              </a:solidFill>
-              <a:latin typeface="Calibri"/>
-            </a:endParaRPr>
-          </a:p>
-          <a:p>
-            <a:pPr lvl="2" marL="1143000" indent="-228600" defTabSz="457200">
-              <a:lnSpc>
-                <a:spcPct val="100000"/>
-              </a:lnSpc>
+              <a:buSzPct val="75000"/>
+              <a:buFont typeface="Symbol" charset="2"/>
+              <a:buChar char=""/>
+            </a:pPr>
+            <a:r>
+              <a:rPr b="0" lang="es-ES" sz="1800" spc="-1" strike="noStrike">
+                <a:solidFill>
+                  <a:srgbClr val="000000"/>
+                </a:solidFill>
+                <a:latin typeface="Arial"/>
+              </a:rPr>
+              <a:t>Segundo nivel del esquema</a:t>
+            </a:r>
+            <a:endParaRPr b="0" lang="es-ES" sz="1800" spc="-1" strike="noStrike">
+              <a:solidFill>
+                <a:srgbClr val="000000"/>
+              </a:solidFill>
+              <a:latin typeface="Arial"/>
+            </a:endParaRPr>
+          </a:p>
+          <a:p>
+            <a:pPr lvl="2" marL="1296000" indent="-288000">
               <a:spcBef>
-                <a:spcPts val="400"/>
+                <a:spcPts val="850"/>
               </a:spcBef>
               <a:buClr>
                 <a:srgbClr val="000000"/>
               </a:buClr>
-              <a:buFont typeface="Arial"/>
-              <a:buChar char="•"/>
-            </a:pPr>
-            <a:r>
-              <a:rPr b="0" lang="en-US" sz="2000" spc="-1" strike="noStrike">
-                <a:solidFill>
-                  <a:schemeClr val="dk1"/>
-                </a:solidFill>
-                <a:latin typeface="Calibri"/>
-              </a:rPr>
-              <a:t>Third level</a:t>
-            </a:r>
-            <a:endParaRPr b="0" lang="en-US" sz="2000" spc="-1" strike="noStrike">
-              <a:solidFill>
-                <a:schemeClr val="dk1"/>
-              </a:solidFill>
-              <a:latin typeface="Calibri"/>
-            </a:endParaRPr>
-          </a:p>
-          <a:p>
-            <a:pPr lvl="3" marL="1600200" indent="-228600" defTabSz="457200">
-              <a:lnSpc>
-                <a:spcPct val="100000"/>
-              </a:lnSpc>
+              <a:buSzPct val="45000"/>
+              <a:buFont typeface="Wingdings" charset="2"/>
+              <a:buChar char=""/>
+            </a:pPr>
+            <a:r>
+              <a:rPr b="0" lang="es-ES" sz="1800" spc="-1" strike="noStrike">
+                <a:solidFill>
+                  <a:srgbClr val="000000"/>
+                </a:solidFill>
+                <a:latin typeface="Arial"/>
+              </a:rPr>
+              <a:t>Tercer nivel del esquema</a:t>
+            </a:r>
+            <a:endParaRPr b="0" lang="es-ES" sz="1800" spc="-1" strike="noStrike">
+              <a:solidFill>
+                <a:srgbClr val="000000"/>
+              </a:solidFill>
+              <a:latin typeface="Arial"/>
+            </a:endParaRPr>
+          </a:p>
+          <a:p>
+            <a:pPr lvl="3" marL="1728000" indent="-216000">
               <a:spcBef>
-                <a:spcPts val="360"/>
+                <a:spcPts val="567"/>
               </a:spcBef>
               <a:buClr>
                 <a:srgbClr val="000000"/>
               </a:buClr>
-              <a:buFont typeface="Arial"/>
-              <a:buChar char="–"/>
-            </a:pPr>
-            <a:r>
-              <a:rPr b="0" lang="en-US" sz="1800" spc="-1" strike="noStrike">
-                <a:solidFill>
-                  <a:schemeClr val="dk1"/>
-                </a:solidFill>
-                <a:latin typeface="Calibri"/>
-              </a:rPr>
-              <a:t>Fourth level</a:t>
-            </a:r>
-            <a:endParaRPr b="0" lang="en-US" sz="1800" spc="-1" strike="noStrike">
-              <a:solidFill>
-                <a:schemeClr val="dk1"/>
-              </a:solidFill>
-              <a:latin typeface="Calibri"/>
-            </a:endParaRPr>
-          </a:p>
-          <a:p>
-            <a:pPr lvl="4" marL="2057400" indent="-228600" defTabSz="457200">
-              <a:lnSpc>
-                <a:spcPct val="100000"/>
-              </a:lnSpc>
+              <a:buSzPct val="75000"/>
+              <a:buFont typeface="Symbol" charset="2"/>
+              <a:buChar char=""/>
+            </a:pPr>
+            <a:r>
+              <a:rPr b="0" lang="es-ES" sz="1800" spc="-1" strike="noStrike">
+                <a:solidFill>
+                  <a:srgbClr val="000000"/>
+                </a:solidFill>
+                <a:latin typeface="Arial"/>
+              </a:rPr>
+              <a:t>Cuarto nivel del esquema</a:t>
+            </a:r>
+            <a:endParaRPr b="0" lang="es-ES" sz="1800" spc="-1" strike="noStrike">
+              <a:solidFill>
+                <a:srgbClr val="000000"/>
+              </a:solidFill>
+              <a:latin typeface="Arial"/>
+            </a:endParaRPr>
+          </a:p>
+          <a:p>
+            <a:pPr lvl="4" marL="2160000" indent="-216000">
               <a:spcBef>
-                <a:spcPts val="360"/>
+                <a:spcPts val="283"/>
               </a:spcBef>
               <a:buClr>
                 <a:srgbClr val="000000"/>
               </a:buClr>
-              <a:buFont typeface="Arial"/>
-              <a:buChar char="»"/>
-            </a:pPr>
-            <a:r>
-              <a:rPr b="0" lang="en-US" sz="1800" spc="-1" strike="noStrike">
-                <a:solidFill>
-                  <a:schemeClr val="dk1"/>
-                </a:solidFill>
-                <a:latin typeface="Calibri"/>
-              </a:rPr>
-              <a:t>Fifth level</a:t>
-            </a:r>
-            <a:endParaRPr b="0" lang="en-US" sz="1800" spc="-1" strike="noStrike">
-              <a:solidFill>
-                <a:schemeClr val="dk1"/>
-              </a:solidFill>
-              <a:latin typeface="Calibri"/>
+              <a:buSzPct val="45000"/>
+              <a:buFont typeface="Wingdings" charset="2"/>
+              <a:buChar char=""/>
+            </a:pPr>
+            <a:r>
+              <a:rPr b="0" lang="es-ES" sz="1800" spc="-1" strike="noStrike">
+                <a:solidFill>
+                  <a:srgbClr val="000000"/>
+                </a:solidFill>
+                <a:latin typeface="Arial"/>
+              </a:rPr>
+              <a:t>Quinto nivel del esquema</a:t>
+            </a:r>
+            <a:endParaRPr b="0" lang="es-ES" sz="1800" spc="-1" strike="noStrike">
+              <a:solidFill>
+                <a:srgbClr val="000000"/>
+              </a:solidFill>
+              <a:latin typeface="Arial"/>
+            </a:endParaRPr>
+          </a:p>
+          <a:p>
+            <a:pPr lvl="5" marL="2592000" indent="-216000">
+              <a:spcBef>
+                <a:spcPts val="283"/>
+              </a:spcBef>
+              <a:buClr>
+                <a:srgbClr val="000000"/>
+              </a:buClr>
+              <a:buSzPct val="45000"/>
+              <a:buFont typeface="Wingdings" charset="2"/>
+              <a:buChar char=""/>
+            </a:pPr>
+            <a:r>
+              <a:rPr b="0" lang="es-ES" sz="1800" spc="-1" strike="noStrike">
+                <a:solidFill>
+                  <a:srgbClr val="000000"/>
+                </a:solidFill>
+                <a:latin typeface="Arial"/>
+              </a:rPr>
+              <a:t>Sexto nivel del esquema</a:t>
+            </a:r>
+            <a:endParaRPr b="0" lang="es-ES" sz="1800" spc="-1" strike="noStrike">
+              <a:solidFill>
+                <a:srgbClr val="000000"/>
+              </a:solidFill>
+              <a:latin typeface="Arial"/>
+            </a:endParaRPr>
+          </a:p>
+          <a:p>
+            <a:pPr lvl="6" marL="3024000" indent="-216000">
+              <a:spcBef>
+                <a:spcPts val="283"/>
+              </a:spcBef>
+              <a:buClr>
+                <a:srgbClr val="000000"/>
+              </a:buClr>
+              <a:buSzPct val="45000"/>
+              <a:buFont typeface="Wingdings" charset="2"/>
+              <a:buChar char=""/>
+            </a:pPr>
+            <a:r>
+              <a:rPr b="0" lang="es-ES" sz="1800" spc="-1" strike="noStrike">
+                <a:solidFill>
+                  <a:srgbClr val="000000"/>
+                </a:solidFill>
+                <a:latin typeface="Arial"/>
+              </a:rPr>
+              <a:t>Séptimo nivel del esquema</a:t>
+            </a:r>
+            <a:endParaRPr b="0" lang="es-ES" sz="1800" spc="-1" strike="noStrike">
+              <a:solidFill>
+                <a:srgbClr val="000000"/>
+              </a:solidFill>
+              <a:latin typeface="Arial"/>
             </a:endParaRPr>
           </a:p>
         </p:txBody>
       </p:sp>
       <p:sp>
         <p:nvSpPr>
-          <p:cNvPr id="32" name="PlaceHolder 4"/>
+          <p:cNvPr id="26" name="PlaceHolder 4"/>
           <p:cNvSpPr>
             <a:spLocks noGrp="1"/>
           </p:cNvSpPr>
           <p:nvPr>
-            <p:ph type="dt" idx="16"/>
-          </p:nvPr>
-        </p:nvSpPr>
-        <p:spPr>
-          <a:xfrm>
-            <a:off x="457200" y="6356520"/>
-            <a:ext cx="2133360" cy="364680"/>
-          </a:xfrm>
-          <a:prstGeom prst="rect">
-            <a:avLst/>
-          </a:prstGeom>
-          <a:noFill/>
-          <a:ln w="0">
-            <a:noFill/>
-          </a:ln>
-        </p:spPr>
-        <p:txBody>
-          <a:bodyPr lIns="91440" rIns="91440" tIns="45720" bIns="45720" anchor="ctr">
-            <a:noAutofit/>
-          </a:bodyPr>
-          <a:lstStyle>
-            <a:lvl1pPr indent="0" defTabSz="457200">
-              <a:lnSpc>
-                <a:spcPct val="100000"/>
-              </a:lnSpc>
-              <a:buNone/>
-              <a:defRPr b="0" lang="en-US" sz="1200" spc="-1" strike="noStrike">
-                <a:solidFill>
-                  <a:schemeClr val="dk1">
-                    <a:tint val="75000"/>
-                  </a:schemeClr>
-                </a:solidFill>
-                <a:latin typeface="Calibri"/>
-              </a:defRPr>
-            </a:lvl1pPr>
-          </a:lstStyle>
-          <a:p>
-            <a:pPr indent="0" defTabSz="457200">
-              <a:lnSpc>
-                <a:spcPct val="100000"/>
-              </a:lnSpc>
-              <a:buNone/>
-            </a:pPr>
-            <a:r>
-              <a:rPr b="0" lang="en-US" sz="1200" spc="-1" strike="noStrike">
-                <a:solidFill>
-                  <a:schemeClr val="dk1">
-                    <a:tint val="75000"/>
-                  </a:schemeClr>
-                </a:solidFill>
-                <a:latin typeface="Calibri"/>
-              </a:rPr>
-              <a:t>&lt;fecha/hora&gt;</a:t>
-            </a:r>
-            <a:endParaRPr b="0" lang="es-ES" sz="1200" spc="-1" strike="noStrike">
-              <a:solidFill>
-                <a:srgbClr val="000000"/>
-              </a:solidFill>
-              <a:latin typeface="Times New Roman"/>
-            </a:endParaRPr>
-          </a:p>
-        </p:txBody>
-      </p:sp>
-      <p:sp>
-        <p:nvSpPr>
-          <p:cNvPr id="33" name="PlaceHolder 5"/>
-          <p:cNvSpPr>
-            <a:spLocks noGrp="1"/>
-          </p:cNvSpPr>
-          <p:nvPr>
-            <p:ph type="ftr" idx="17"/>
+            <p:ph type="ftr" idx="16"/>
           </p:nvPr>
         </p:nvSpPr>
         <p:spPr>
           <a:xfrm>
             <a:off x="3124080" y="6356520"/>
-            <a:ext cx="2895120" cy="364680"/>
+            <a:ext cx="2894760" cy="364320"/>
           </a:xfrm>
           <a:prstGeom prst="rect">
             <a:avLst/>
@@ -5152,7 +4069,13 @@
           </a:bodyPr>
           <a:lstStyle>
             <a:lvl1pPr indent="0" algn="ctr">
-              <a:buNone/>
+              <a:lnSpc>
+                <a:spcPct val="100000"/>
+              </a:lnSpc>
+              <a:buNone/>
+              <a:tabLst>
+                <a:tab algn="l" pos="0"/>
+              </a:tabLst>
               <a:defRPr b="0" lang="es-ES" sz="1400" spc="-1" strike="noStrike">
                 <a:solidFill>
                   <a:srgbClr val="000000"/>
@@ -5163,7 +4086,13 @@
           </a:lstStyle>
           <a:p>
             <a:pPr indent="0" algn="ctr">
-              <a:buNone/>
+              <a:lnSpc>
+                <a:spcPct val="100000"/>
+              </a:lnSpc>
+              <a:buNone/>
+              <a:tabLst>
+                <a:tab algn="l" pos="0"/>
+              </a:tabLst>
             </a:pPr>
             <a:r>
               <a:rPr b="0" lang="es-ES" sz="1400" spc="-1" strike="noStrike">
@@ -5185,18 +4114,18 @@
       </p:sp>
       <p:sp>
         <p:nvSpPr>
-          <p:cNvPr id="34" name="PlaceHolder 6"/>
+          <p:cNvPr id="27" name="PlaceHolder 5"/>
           <p:cNvSpPr>
             <a:spLocks noGrp="1"/>
           </p:cNvSpPr>
           <p:nvPr>
-            <p:ph type="sldNum" idx="18"/>
+            <p:ph type="sldNum" idx="17"/>
           </p:nvPr>
         </p:nvSpPr>
         <p:spPr>
           <a:xfrm>
             <a:off x="6553080" y="6356520"/>
-            <a:ext cx="2133360" cy="364680"/>
+            <a:ext cx="2133000" cy="364320"/>
           </a:xfrm>
           <a:prstGeom prst="rect">
             <a:avLst/>
@@ -5216,6 +4145,9 @@
                 <a:spcPct val="100000"/>
               </a:lnSpc>
               <a:buNone/>
+              <a:tabLst>
+                <a:tab algn="l" pos="0"/>
+              </a:tabLst>
               <a:defRPr b="0" lang="en-US" sz="1200" spc="-1" strike="noStrike">
                 <a:solidFill>
                   <a:schemeClr val="dk1">
@@ -5232,8 +4164,11 @@
                 <a:spcPct val="100000"/>
               </a:lnSpc>
               <a:buNone/>
-            </a:pPr>
-            <a:fld id="{D2C9D252-3CF7-404C-ADA1-6F3313F2B895}" type="slidenum">
+              <a:tabLst>
+                <a:tab algn="l" pos="0"/>
+              </a:tabLst>
+            </a:pPr>
+            <a:fld id="{4747FF95-19B0-4A07-BE27-A92D254244EA}" type="slidenum">
               <a:rPr b="0" lang="en-US" sz="1200" spc="-1" strike="noStrike">
                 <a:solidFill>
                   <a:schemeClr val="dk1">
@@ -5245,6 +4180,66 @@
               <a:t>&lt;número&gt;</a:t>
             </a:fld>
             <a:endParaRPr b="0" lang="es-ES" sz="1200" spc="-1" strike="noStrike">
+              <a:solidFill>
+                <a:srgbClr val="000000"/>
+              </a:solidFill>
+              <a:latin typeface="Times New Roman"/>
+            </a:endParaRPr>
+          </a:p>
+        </p:txBody>
+      </p:sp>
+      <p:sp>
+        <p:nvSpPr>
+          <p:cNvPr id="28" name="PlaceHolder 6"/>
+          <p:cNvSpPr>
+            <a:spLocks noGrp="1"/>
+          </p:cNvSpPr>
+          <p:nvPr>
+            <p:ph type="dt" idx="18"/>
+          </p:nvPr>
+        </p:nvSpPr>
+        <p:spPr>
+          <a:xfrm>
+            <a:off x="457200" y="6356520"/>
+            <a:ext cx="2133000" cy="364320"/>
+          </a:xfrm>
+          <a:prstGeom prst="rect">
+            <a:avLst/>
+          </a:prstGeom>
+          <a:noFill/>
+          <a:ln w="0">
+            <a:noFill/>
+          </a:ln>
+        </p:spPr>
+        <p:txBody>
+          <a:bodyPr lIns="91440" rIns="91440" tIns="45720" bIns="45720" anchor="ctr">
+            <a:noAutofit/>
+          </a:bodyPr>
+          <a:lstStyle>
+            <a:lvl1pPr indent="0">
+              <a:buNone/>
+              <a:defRPr b="0" lang="es-ES" sz="1400" spc="-1" strike="noStrike">
+                <a:solidFill>
+                  <a:srgbClr val="000000"/>
+                </a:solidFill>
+                <a:latin typeface="Times New Roman"/>
+              </a:defRPr>
+            </a:lvl1pPr>
+          </a:lstStyle>
+          <a:p>
+            <a:pPr indent="0">
+              <a:buNone/>
+            </a:pPr>
+            <a:r>
+              <a:rPr b="0" lang="es-ES" sz="1400" spc="-1" strike="noStrike">
+                <a:solidFill>
+                  <a:srgbClr val="000000"/>
+                </a:solidFill>
+                <a:latin typeface="Times New Roman"/>
+              </a:rPr>
+              <a:t>&lt;fecha/hora&gt;</a:t>
+            </a:r>
+            <a:endParaRPr b="0" lang="es-ES" sz="1400" spc="-1" strike="noStrike">
               <a:solidFill>
                 <a:srgbClr val="000000"/>
               </a:solidFill>
@@ -5288,614 +4283,18 @@
       </p:grpSpPr>
       <p:sp>
         <p:nvSpPr>
-          <p:cNvPr id="38" name="PlaceHolder 1"/>
+          <p:cNvPr id="32" name="PlaceHolder 1"/>
           <p:cNvSpPr>
             <a:spLocks noGrp="1"/>
           </p:cNvSpPr>
           <p:nvPr>
-            <p:ph type="title"/>
-          </p:nvPr>
-        </p:nvSpPr>
-        <p:spPr>
-          <a:xfrm>
-            <a:off x="457200" y="274680"/>
-            <a:ext cx="8229240" cy="1142640"/>
-          </a:xfrm>
-          <a:prstGeom prst="rect">
-            <a:avLst/>
-          </a:prstGeom>
-          <a:noFill/>
-          <a:ln w="0">
-            <a:noFill/>
-          </a:ln>
-        </p:spPr>
-        <p:txBody>
-          <a:bodyPr lIns="91440" rIns="91440" tIns="45720" bIns="45720" anchor="ctr">
-            <a:noAutofit/>
-          </a:bodyPr>
-          <a:p>
-            <a:pPr indent="0" algn="ctr" defTabSz="457200">
-              <a:lnSpc>
-                <a:spcPct val="100000"/>
-              </a:lnSpc>
-              <a:buNone/>
-            </a:pPr>
-            <a:r>
-              <a:rPr b="0" lang="en-US" sz="4400" spc="-1" strike="noStrike">
-                <a:solidFill>
-                  <a:schemeClr val="dk1"/>
-                </a:solidFill>
-                <a:latin typeface="Calibri"/>
-              </a:rPr>
-              <a:t>Click to edit Master title style</a:t>
-            </a:r>
-            <a:endParaRPr b="0" lang="en-US" sz="4400" spc="-1" strike="noStrike">
-              <a:solidFill>
-                <a:schemeClr val="dk1"/>
-              </a:solidFill>
-              <a:latin typeface="Calibri"/>
-            </a:endParaRPr>
-          </a:p>
-        </p:txBody>
-      </p:sp>
-      <p:sp>
-        <p:nvSpPr>
-          <p:cNvPr id="39" name="PlaceHolder 2"/>
-          <p:cNvSpPr>
-            <a:spLocks noGrp="1"/>
-          </p:cNvSpPr>
-          <p:nvPr>
-            <p:ph type="body"/>
-          </p:nvPr>
-        </p:nvSpPr>
-        <p:spPr>
-          <a:xfrm>
-            <a:off x="457200" y="1535040"/>
-            <a:ext cx="4039920" cy="639360"/>
-          </a:xfrm>
-          <a:prstGeom prst="rect">
-            <a:avLst/>
-          </a:prstGeom>
-          <a:noFill/>
-          <a:ln w="0">
-            <a:noFill/>
-          </a:ln>
-        </p:spPr>
-        <p:txBody>
-          <a:bodyPr lIns="91440" rIns="91440" tIns="45720" bIns="45720" anchor="b">
-            <a:noAutofit/>
-          </a:bodyPr>
-          <a:p>
-            <a:pPr indent="0" defTabSz="457200">
-              <a:lnSpc>
-                <a:spcPct val="100000"/>
-              </a:lnSpc>
-              <a:spcBef>
-                <a:spcPts val="479"/>
-              </a:spcBef>
-              <a:buNone/>
-              <a:tabLst>
-                <a:tab algn="l" pos="0"/>
-              </a:tabLst>
-            </a:pPr>
-            <a:r>
-              <a:rPr b="1" lang="en-US" sz="2400" spc="-1" strike="noStrike">
-                <a:solidFill>
-                  <a:schemeClr val="dk1"/>
-                </a:solidFill>
-                <a:latin typeface="Calibri"/>
-              </a:rPr>
-              <a:t>Click to edit Master text styles</a:t>
-            </a:r>
-            <a:endParaRPr b="0" lang="en-US" sz="2400" spc="-1" strike="noStrike">
-              <a:solidFill>
-                <a:schemeClr val="dk1"/>
-              </a:solidFill>
-              <a:latin typeface="Calibri"/>
-            </a:endParaRPr>
-          </a:p>
-        </p:txBody>
-      </p:sp>
-      <p:sp>
-        <p:nvSpPr>
-          <p:cNvPr id="40" name="PlaceHolder 3"/>
-          <p:cNvSpPr>
-            <a:spLocks noGrp="1"/>
-          </p:cNvSpPr>
-          <p:nvPr>
-            <p:ph type="body"/>
-          </p:nvPr>
-        </p:nvSpPr>
-        <p:spPr>
-          <a:xfrm>
-            <a:off x="457200" y="2174760"/>
-            <a:ext cx="4039920" cy="3951000"/>
-          </a:xfrm>
-          <a:prstGeom prst="rect">
-            <a:avLst/>
-          </a:prstGeom>
-          <a:noFill/>
-          <a:ln w="0">
-            <a:noFill/>
-          </a:ln>
-        </p:spPr>
-        <p:txBody>
-          <a:bodyPr lIns="91440" rIns="91440" tIns="45720" bIns="45720" anchor="t">
-            <a:noAutofit/>
-          </a:bodyPr>
-          <a:p>
-            <a:pPr marL="343080" indent="-343080" defTabSz="457200">
-              <a:lnSpc>
-                <a:spcPct val="100000"/>
-              </a:lnSpc>
-              <a:spcBef>
-                <a:spcPts val="479"/>
-              </a:spcBef>
-              <a:buClr>
-                <a:srgbClr val="000000"/>
-              </a:buClr>
-              <a:buFont typeface="Arial"/>
-              <a:buChar char="•"/>
-            </a:pPr>
-            <a:r>
-              <a:rPr b="0" lang="en-US" sz="2400" spc="-1" strike="noStrike">
-                <a:solidFill>
-                  <a:schemeClr val="dk1"/>
-                </a:solidFill>
-                <a:latin typeface="Calibri"/>
-              </a:rPr>
-              <a:t>Click to edit Master text styles</a:t>
-            </a:r>
-            <a:endParaRPr b="0" lang="en-US" sz="2400" spc="-1" strike="noStrike">
-              <a:solidFill>
-                <a:schemeClr val="dk1"/>
-              </a:solidFill>
-              <a:latin typeface="Calibri"/>
-            </a:endParaRPr>
-          </a:p>
-          <a:p>
-            <a:pPr lvl="1" marL="743040" indent="-285840" defTabSz="457200">
-              <a:lnSpc>
-                <a:spcPct val="100000"/>
-              </a:lnSpc>
-              <a:spcBef>
-                <a:spcPts val="400"/>
-              </a:spcBef>
-              <a:buClr>
-                <a:srgbClr val="000000"/>
-              </a:buClr>
-              <a:buFont typeface="Arial"/>
-              <a:buChar char="–"/>
-            </a:pPr>
-            <a:r>
-              <a:rPr b="0" lang="en-US" sz="2000" spc="-1" strike="noStrike">
-                <a:solidFill>
-                  <a:schemeClr val="dk1"/>
-                </a:solidFill>
-                <a:latin typeface="Calibri"/>
-              </a:rPr>
-              <a:t>Second level</a:t>
-            </a:r>
-            <a:endParaRPr b="0" lang="en-US" sz="2000" spc="-1" strike="noStrike">
-              <a:solidFill>
-                <a:schemeClr val="dk1"/>
-              </a:solidFill>
-              <a:latin typeface="Calibri"/>
-            </a:endParaRPr>
-          </a:p>
-          <a:p>
-            <a:pPr lvl="2" marL="1143000" indent="-228600" defTabSz="457200">
-              <a:lnSpc>
-                <a:spcPct val="100000"/>
-              </a:lnSpc>
-              <a:spcBef>
-                <a:spcPts val="360"/>
-              </a:spcBef>
-              <a:buClr>
-                <a:srgbClr val="000000"/>
-              </a:buClr>
-              <a:buFont typeface="Arial"/>
-              <a:buChar char="•"/>
-            </a:pPr>
-            <a:r>
-              <a:rPr b="0" lang="en-US" sz="1800" spc="-1" strike="noStrike">
-                <a:solidFill>
-                  <a:schemeClr val="dk1"/>
-                </a:solidFill>
-                <a:latin typeface="Calibri"/>
-              </a:rPr>
-              <a:t>Third level</a:t>
-            </a:r>
-            <a:endParaRPr b="0" lang="en-US" sz="1800" spc="-1" strike="noStrike">
-              <a:solidFill>
-                <a:schemeClr val="dk1"/>
-              </a:solidFill>
-              <a:latin typeface="Calibri"/>
-            </a:endParaRPr>
-          </a:p>
-          <a:p>
-            <a:pPr lvl="3" marL="1600200" indent="-228600" defTabSz="457200">
-              <a:lnSpc>
-                <a:spcPct val="100000"/>
-              </a:lnSpc>
-              <a:spcBef>
-                <a:spcPts val="320"/>
-              </a:spcBef>
-              <a:buClr>
-                <a:srgbClr val="000000"/>
-              </a:buClr>
-              <a:buFont typeface="Arial"/>
-              <a:buChar char="–"/>
-            </a:pPr>
-            <a:r>
-              <a:rPr b="0" lang="en-US" sz="1600" spc="-1" strike="noStrike">
-                <a:solidFill>
-                  <a:schemeClr val="dk1"/>
-                </a:solidFill>
-                <a:latin typeface="Calibri"/>
-              </a:rPr>
-              <a:t>Fourth level</a:t>
-            </a:r>
-            <a:endParaRPr b="0" lang="en-US" sz="1600" spc="-1" strike="noStrike">
-              <a:solidFill>
-                <a:schemeClr val="dk1"/>
-              </a:solidFill>
-              <a:latin typeface="Calibri"/>
-            </a:endParaRPr>
-          </a:p>
-          <a:p>
-            <a:pPr lvl="4" marL="2057400" indent="-228600" defTabSz="457200">
-              <a:lnSpc>
-                <a:spcPct val="100000"/>
-              </a:lnSpc>
-              <a:spcBef>
-                <a:spcPts val="320"/>
-              </a:spcBef>
-              <a:buClr>
-                <a:srgbClr val="000000"/>
-              </a:buClr>
-              <a:buFont typeface="Arial"/>
-              <a:buChar char="»"/>
-            </a:pPr>
-            <a:r>
-              <a:rPr b="0" lang="en-US" sz="1600" spc="-1" strike="noStrike">
-                <a:solidFill>
-                  <a:schemeClr val="dk1"/>
-                </a:solidFill>
-                <a:latin typeface="Calibri"/>
-              </a:rPr>
-              <a:t>Fifth level</a:t>
-            </a:r>
-            <a:endParaRPr b="0" lang="en-US" sz="1600" spc="-1" strike="noStrike">
-              <a:solidFill>
-                <a:schemeClr val="dk1"/>
-              </a:solidFill>
-              <a:latin typeface="Calibri"/>
-            </a:endParaRPr>
-          </a:p>
-        </p:txBody>
-      </p:sp>
-      <p:sp>
-        <p:nvSpPr>
-          <p:cNvPr id="41" name="PlaceHolder 4"/>
-          <p:cNvSpPr>
-            <a:spLocks noGrp="1"/>
-          </p:cNvSpPr>
-          <p:nvPr>
-            <p:ph type="body"/>
-          </p:nvPr>
-        </p:nvSpPr>
-        <p:spPr>
-          <a:xfrm>
-            <a:off x="4645080" y="1535040"/>
-            <a:ext cx="4041360" cy="639360"/>
-          </a:xfrm>
-          <a:prstGeom prst="rect">
-            <a:avLst/>
-          </a:prstGeom>
-          <a:noFill/>
-          <a:ln w="0">
-            <a:noFill/>
-          </a:ln>
-        </p:spPr>
-        <p:txBody>
-          <a:bodyPr lIns="91440" rIns="91440" tIns="45720" bIns="45720" anchor="b">
-            <a:noAutofit/>
-          </a:bodyPr>
-          <a:p>
-            <a:pPr indent="0" defTabSz="457200">
-              <a:lnSpc>
-                <a:spcPct val="100000"/>
-              </a:lnSpc>
-              <a:spcBef>
-                <a:spcPts val="479"/>
-              </a:spcBef>
-              <a:buNone/>
-              <a:tabLst>
-                <a:tab algn="l" pos="0"/>
-              </a:tabLst>
-            </a:pPr>
-            <a:r>
-              <a:rPr b="1" lang="en-US" sz="2400" spc="-1" strike="noStrike">
-                <a:solidFill>
-                  <a:schemeClr val="dk1"/>
-                </a:solidFill>
-                <a:latin typeface="Calibri"/>
-              </a:rPr>
-              <a:t>Click to edit Master text styles</a:t>
-            </a:r>
-            <a:endParaRPr b="0" lang="en-US" sz="2400" spc="-1" strike="noStrike">
-              <a:solidFill>
-                <a:schemeClr val="dk1"/>
-              </a:solidFill>
-              <a:latin typeface="Calibri"/>
-            </a:endParaRPr>
-          </a:p>
-        </p:txBody>
-      </p:sp>
-      <p:sp>
-        <p:nvSpPr>
-          <p:cNvPr id="42" name="PlaceHolder 5"/>
-          <p:cNvSpPr>
-            <a:spLocks noGrp="1"/>
-          </p:cNvSpPr>
-          <p:nvPr>
-            <p:ph type="body"/>
-          </p:nvPr>
-        </p:nvSpPr>
-        <p:spPr>
-          <a:xfrm>
-            <a:off x="4645080" y="2174760"/>
-            <a:ext cx="4041360" cy="3951000"/>
-          </a:xfrm>
-          <a:prstGeom prst="rect">
-            <a:avLst/>
-          </a:prstGeom>
-          <a:noFill/>
-          <a:ln w="0">
-            <a:noFill/>
-          </a:ln>
-        </p:spPr>
-        <p:txBody>
-          <a:bodyPr lIns="91440" rIns="91440" tIns="45720" bIns="45720" anchor="t">
-            <a:noAutofit/>
-          </a:bodyPr>
-          <a:p>
-            <a:pPr marL="343080" indent="-343080" defTabSz="457200">
-              <a:lnSpc>
-                <a:spcPct val="100000"/>
-              </a:lnSpc>
-              <a:spcBef>
-                <a:spcPts val="479"/>
-              </a:spcBef>
-              <a:buClr>
-                <a:srgbClr val="000000"/>
-              </a:buClr>
-              <a:buFont typeface="Arial"/>
-              <a:buChar char="•"/>
-            </a:pPr>
-            <a:r>
-              <a:rPr b="0" lang="en-US" sz="2400" spc="-1" strike="noStrike">
-                <a:solidFill>
-                  <a:schemeClr val="dk1"/>
-                </a:solidFill>
-                <a:latin typeface="Calibri"/>
-              </a:rPr>
-              <a:t>Click to edit Master text styles</a:t>
-            </a:r>
-            <a:endParaRPr b="0" lang="en-US" sz="2400" spc="-1" strike="noStrike">
-              <a:solidFill>
-                <a:schemeClr val="dk1"/>
-              </a:solidFill>
-              <a:latin typeface="Calibri"/>
-            </a:endParaRPr>
-          </a:p>
-          <a:p>
-            <a:pPr lvl="1" marL="743040" indent="-285840" defTabSz="457200">
-              <a:lnSpc>
-                <a:spcPct val="100000"/>
-              </a:lnSpc>
-              <a:spcBef>
-                <a:spcPts val="400"/>
-              </a:spcBef>
-              <a:buClr>
-                <a:srgbClr val="000000"/>
-              </a:buClr>
-              <a:buFont typeface="Arial"/>
-              <a:buChar char="–"/>
-            </a:pPr>
-            <a:r>
-              <a:rPr b="0" lang="en-US" sz="2000" spc="-1" strike="noStrike">
-                <a:solidFill>
-                  <a:schemeClr val="dk1"/>
-                </a:solidFill>
-                <a:latin typeface="Calibri"/>
-              </a:rPr>
-              <a:t>Second level</a:t>
-            </a:r>
-            <a:endParaRPr b="0" lang="en-US" sz="2000" spc="-1" strike="noStrike">
-              <a:solidFill>
-                <a:schemeClr val="dk1"/>
-              </a:solidFill>
-              <a:latin typeface="Calibri"/>
-            </a:endParaRPr>
-          </a:p>
-          <a:p>
-            <a:pPr lvl="2" marL="1143000" indent="-228600" defTabSz="457200">
-              <a:lnSpc>
-                <a:spcPct val="100000"/>
-              </a:lnSpc>
-              <a:spcBef>
-                <a:spcPts val="360"/>
-              </a:spcBef>
-              <a:buClr>
-                <a:srgbClr val="000000"/>
-              </a:buClr>
-              <a:buFont typeface="Arial"/>
-              <a:buChar char="•"/>
-            </a:pPr>
-            <a:r>
-              <a:rPr b="0" lang="en-US" sz="1800" spc="-1" strike="noStrike">
-                <a:solidFill>
-                  <a:schemeClr val="dk1"/>
-                </a:solidFill>
-                <a:latin typeface="Calibri"/>
-              </a:rPr>
-              <a:t>Third level</a:t>
-            </a:r>
-            <a:endParaRPr b="0" lang="en-US" sz="1800" spc="-1" strike="noStrike">
-              <a:solidFill>
-                <a:schemeClr val="dk1"/>
-              </a:solidFill>
-              <a:latin typeface="Calibri"/>
-            </a:endParaRPr>
-          </a:p>
-          <a:p>
-            <a:pPr lvl="3" marL="1600200" indent="-228600" defTabSz="457200">
-              <a:lnSpc>
-                <a:spcPct val="100000"/>
-              </a:lnSpc>
-              <a:spcBef>
-                <a:spcPts val="320"/>
-              </a:spcBef>
-              <a:buClr>
-                <a:srgbClr val="000000"/>
-              </a:buClr>
-              <a:buFont typeface="Arial"/>
-              <a:buChar char="–"/>
-            </a:pPr>
-            <a:r>
-              <a:rPr b="0" lang="en-US" sz="1600" spc="-1" strike="noStrike">
-                <a:solidFill>
-                  <a:schemeClr val="dk1"/>
-                </a:solidFill>
-                <a:latin typeface="Calibri"/>
-              </a:rPr>
-              <a:t>Fourth level</a:t>
-            </a:r>
-            <a:endParaRPr b="0" lang="en-US" sz="1600" spc="-1" strike="noStrike">
-              <a:solidFill>
-                <a:schemeClr val="dk1"/>
-              </a:solidFill>
-              <a:latin typeface="Calibri"/>
-            </a:endParaRPr>
-          </a:p>
-          <a:p>
-            <a:pPr lvl="4" marL="2057400" indent="-228600" defTabSz="457200">
-              <a:lnSpc>
-                <a:spcPct val="100000"/>
-              </a:lnSpc>
-              <a:spcBef>
-                <a:spcPts val="320"/>
-              </a:spcBef>
-              <a:buClr>
-                <a:srgbClr val="000000"/>
-              </a:buClr>
-              <a:buFont typeface="Arial"/>
-              <a:buChar char="»"/>
-            </a:pPr>
-            <a:r>
-              <a:rPr b="0" lang="en-US" sz="1600" spc="-1" strike="noStrike">
-                <a:solidFill>
-                  <a:schemeClr val="dk1"/>
-                </a:solidFill>
-                <a:latin typeface="Calibri"/>
-              </a:rPr>
-              <a:t>Fifth level</a:t>
-            </a:r>
-            <a:endParaRPr b="0" lang="en-US" sz="1600" spc="-1" strike="noStrike">
-              <a:solidFill>
-                <a:schemeClr val="dk1"/>
-              </a:solidFill>
-              <a:latin typeface="Calibri"/>
-            </a:endParaRPr>
-          </a:p>
-        </p:txBody>
-      </p:sp>
-      <p:sp>
-        <p:nvSpPr>
-          <p:cNvPr id="43" name="PlaceHolder 6"/>
-          <p:cNvSpPr>
-            <a:spLocks noGrp="1"/>
-          </p:cNvSpPr>
-          <p:nvPr>
-            <p:ph type="dt" idx="19"/>
-          </p:nvPr>
-        </p:nvSpPr>
-        <p:spPr>
-          <a:xfrm>
-            <a:off x="457200" y="6356520"/>
-            <a:ext cx="2133360" cy="364680"/>
-          </a:xfrm>
-          <a:prstGeom prst="rect">
-            <a:avLst/>
-          </a:prstGeom>
-          <a:noFill/>
-          <a:ln w="0">
-            <a:noFill/>
-          </a:ln>
-        </p:spPr>
-        <p:txBody>
-          <a:bodyPr lIns="91440" rIns="91440" tIns="45720" bIns="45720" anchor="ctr">
-            <a:noAutofit/>
-          </a:bodyPr>
-          <a:lstStyle>
-            <a:lvl1pPr indent="0" defTabSz="457200">
-              <a:lnSpc>
-                <a:spcPct val="100000"/>
-              </a:lnSpc>
-              <a:buNone/>
-              <a:defRPr b="0" lang="en-US" sz="1200" spc="-1" strike="noStrike">
-                <a:solidFill>
-                  <a:schemeClr val="dk1">
-                    <a:tint val="75000"/>
-                  </a:schemeClr>
-                </a:solidFill>
-                <a:latin typeface="Calibri"/>
-              </a:defRPr>
-            </a:lvl1pPr>
-          </a:lstStyle>
-          <a:p>
-            <a:pPr indent="0" defTabSz="457200">
-              <a:lnSpc>
-                <a:spcPct val="100000"/>
-              </a:lnSpc>
-              <a:buNone/>
-            </a:pPr>
-            <a:r>
-              <a:rPr b="0" lang="en-US" sz="1200" spc="-1" strike="noStrike">
-                <a:solidFill>
-                  <a:schemeClr val="dk1">
-                    <a:tint val="75000"/>
-                  </a:schemeClr>
-                </a:solidFill>
-                <a:latin typeface="Calibri"/>
-              </a:rPr>
-              <a:t>&lt;fecha/hora&gt;</a:t>
-            </a:r>
-            <a:endParaRPr b="0" lang="es-ES" sz="1200" spc="-1" strike="noStrike">
-              <a:solidFill>
-                <a:srgbClr val="000000"/>
-              </a:solidFill>
-              <a:latin typeface="Times New Roman"/>
-            </a:endParaRPr>
-          </a:p>
-        </p:txBody>
-      </p:sp>
-      <p:sp>
-        <p:nvSpPr>
-          <p:cNvPr id="44" name="PlaceHolder 7"/>
-          <p:cNvSpPr>
-            <a:spLocks noGrp="1"/>
-          </p:cNvSpPr>
-          <p:nvPr>
-            <p:ph type="ftr" idx="20"/>
+            <p:ph type="ftr" idx="19"/>
           </p:nvPr>
         </p:nvSpPr>
         <p:spPr>
           <a:xfrm>
             <a:off x="3124080" y="6356520"/>
-            <a:ext cx="2895120" cy="364680"/>
+            <a:ext cx="2894760" cy="364320"/>
           </a:xfrm>
           <a:prstGeom prst="rect">
             <a:avLst/>
@@ -5911,7 +4310,13 @@
           </a:bodyPr>
           <a:lstStyle>
             <a:lvl1pPr indent="0" algn="ctr">
-              <a:buNone/>
+              <a:lnSpc>
+                <a:spcPct val="100000"/>
+              </a:lnSpc>
+              <a:buNone/>
+              <a:tabLst>
+                <a:tab algn="l" pos="0"/>
+              </a:tabLst>
               <a:defRPr b="0" lang="es-ES" sz="1400" spc="-1" strike="noStrike">
                 <a:solidFill>
                   <a:srgbClr val="000000"/>
@@ -5922,7 +4327,13 @@
           </a:lstStyle>
           <a:p>
             <a:pPr indent="0" algn="ctr">
-              <a:buNone/>
+              <a:lnSpc>
+                <a:spcPct val="100000"/>
+              </a:lnSpc>
+              <a:buNone/>
+              <a:tabLst>
+                <a:tab algn="l" pos="0"/>
+              </a:tabLst>
             </a:pPr>
             <a:r>
               <a:rPr b="0" lang="es-ES" sz="1400" spc="-1" strike="noStrike">
@@ -5944,18 +4355,18 @@
       </p:sp>
       <p:sp>
         <p:nvSpPr>
-          <p:cNvPr id="45" name="PlaceHolder 8"/>
+          <p:cNvPr id="33" name="PlaceHolder 2"/>
           <p:cNvSpPr>
             <a:spLocks noGrp="1"/>
           </p:cNvSpPr>
           <p:nvPr>
-            <p:ph type="sldNum" idx="21"/>
+            <p:ph type="sldNum" idx="20"/>
           </p:nvPr>
         </p:nvSpPr>
         <p:spPr>
           <a:xfrm>
             <a:off x="6553080" y="6356520"/>
-            <a:ext cx="2133360" cy="364680"/>
+            <a:ext cx="2133000" cy="364320"/>
           </a:xfrm>
           <a:prstGeom prst="rect">
             <a:avLst/>
@@ -5975,6 +4386,9 @@
                 <a:spcPct val="100000"/>
               </a:lnSpc>
               <a:buNone/>
+              <a:tabLst>
+                <a:tab algn="l" pos="0"/>
+              </a:tabLst>
               <a:defRPr b="0" lang="en-US" sz="1200" spc="-1" strike="noStrike">
                 <a:solidFill>
                   <a:schemeClr val="dk1">
@@ -5991,8 +4405,11 @@
                 <a:spcPct val="100000"/>
               </a:lnSpc>
               <a:buNone/>
-            </a:pPr>
-            <a:fld id="{A093A00E-CCA8-4199-B02B-126F1071CD47}" type="slidenum">
+              <a:tabLst>
+                <a:tab algn="l" pos="0"/>
+              </a:tabLst>
+            </a:pPr>
+            <a:fld id="{8DE7DCCB-7AED-4C5F-921B-4669959D6D2B}" type="slidenum">
               <a:rPr b="0" lang="en-US" sz="1200" spc="-1" strike="noStrike">
                 <a:solidFill>
                   <a:schemeClr val="dk1">
@@ -6004,6 +4421,66 @@
               <a:t>&lt;número&gt;</a:t>
             </a:fld>
             <a:endParaRPr b="0" lang="es-ES" sz="1200" spc="-1" strike="noStrike">
+              <a:solidFill>
+                <a:srgbClr val="000000"/>
+              </a:solidFill>
+              <a:latin typeface="Times New Roman"/>
+            </a:endParaRPr>
+          </a:p>
+        </p:txBody>
+      </p:sp>
+      <p:sp>
+        <p:nvSpPr>
+          <p:cNvPr id="34" name="PlaceHolder 3"/>
+          <p:cNvSpPr>
+            <a:spLocks noGrp="1"/>
+          </p:cNvSpPr>
+          <p:nvPr>
+            <p:ph type="dt" idx="21"/>
+          </p:nvPr>
+        </p:nvSpPr>
+        <p:spPr>
+          <a:xfrm>
+            <a:off x="457200" y="6356520"/>
+            <a:ext cx="2133000" cy="364320"/>
+          </a:xfrm>
+          <a:prstGeom prst="rect">
+            <a:avLst/>
+          </a:prstGeom>
+          <a:noFill/>
+          <a:ln w="0">
+            <a:noFill/>
+          </a:ln>
+        </p:spPr>
+        <p:txBody>
+          <a:bodyPr lIns="91440" rIns="91440" tIns="45720" bIns="45720" anchor="ctr">
+            <a:noAutofit/>
+          </a:bodyPr>
+          <a:lstStyle>
+            <a:lvl1pPr indent="0">
+              <a:buNone/>
+              <a:defRPr b="0" lang="es-ES" sz="1400" spc="-1" strike="noStrike">
+                <a:solidFill>
+                  <a:srgbClr val="000000"/>
+                </a:solidFill>
+                <a:latin typeface="Times New Roman"/>
+              </a:defRPr>
+            </a:lvl1pPr>
+          </a:lstStyle>
+          <a:p>
+            <a:pPr indent="0">
+              <a:buNone/>
+            </a:pPr>
+            <a:r>
+              <a:rPr b="0" lang="es-ES" sz="1400" spc="-1" strike="noStrike">
+                <a:solidFill>
+                  <a:srgbClr val="000000"/>
+                </a:solidFill>
+                <a:latin typeface="Times New Roman"/>
+              </a:rPr>
+              <a:t>&lt;fecha/hora&gt;</a:t>
+            </a:r>
+            <a:endParaRPr b="0" lang="es-ES" sz="1400" spc="-1" strike="noStrike">
               <a:solidFill>
                 <a:srgbClr val="000000"/>
               </a:solidFill>
@@ -6047,7 +4524,7 @@
       </p:grpSpPr>
       <p:sp>
         <p:nvSpPr>
-          <p:cNvPr id="46" name="PlaceHolder 1"/>
+          <p:cNvPr id="35" name="PlaceHolder 1"/>
           <p:cNvSpPr>
             <a:spLocks noGrp="1"/>
           </p:cNvSpPr>
@@ -6058,7 +4535,7 @@
         <p:spPr>
           <a:xfrm>
             <a:off x="457200" y="274680"/>
-            <a:ext cx="8229240" cy="1142640"/>
+            <a:ext cx="8228880" cy="1142280"/>
           </a:xfrm>
           <a:prstGeom prst="rect">
             <a:avLst/>
@@ -6069,118 +4546,45 @@
           </a:ln>
         </p:spPr>
         <p:txBody>
-          <a:bodyPr lIns="91440" rIns="91440" tIns="45720" bIns="45720" anchor="ctr">
+          <a:bodyPr lIns="0" rIns="0" tIns="0" bIns="0" anchor="ctr">
             <a:noAutofit/>
           </a:bodyPr>
           <a:p>
-            <a:pPr indent="0" algn="ctr" defTabSz="457200">
-              <a:lnSpc>
-                <a:spcPct val="100000"/>
-              </a:lnSpc>
-              <a:buNone/>
-            </a:pPr>
-            <a:r>
-              <a:rPr b="0" lang="en-US" sz="4400" spc="-1" strike="noStrike">
-                <a:solidFill>
-                  <a:schemeClr val="dk1"/>
-                </a:solidFill>
-                <a:latin typeface="Calibri"/>
-              </a:rPr>
-              <a:t>Click to edit Master title style</a:t>
-            </a:r>
-            <a:endParaRPr b="0" lang="en-US" sz="4400" spc="-1" strike="noStrike">
-              <a:solidFill>
-                <a:schemeClr val="dk1"/>
-              </a:solidFill>
-              <a:latin typeface="Calibri"/>
+            <a:pPr indent="0">
+              <a:buNone/>
+            </a:pPr>
+            <a:r>
+              <a:rPr b="0" lang="es-ES" sz="1800" spc="-1" strike="noStrike">
+                <a:solidFill>
+                  <a:srgbClr val="000000"/>
+                </a:solidFill>
+                <a:latin typeface="Arial"/>
+              </a:rPr>
+              <a:t>Pulse para editar el formato del texto de título</a:t>
+            </a:r>
+            <a:endParaRPr b="0" lang="es-ES" sz="1800" spc="-1" strike="noStrike">
+              <a:solidFill>
+                <a:srgbClr val="000000"/>
+              </a:solidFill>
+              <a:latin typeface="Arial"/>
             </a:endParaRPr>
           </a:p>
         </p:txBody>
       </p:sp>
       <p:sp>
         <p:nvSpPr>
-          <p:cNvPr id="47" name="PlaceHolder 2"/>
+          <p:cNvPr id="36" name="PlaceHolder 2"/>
           <p:cNvSpPr>
             <a:spLocks noGrp="1"/>
           </p:cNvSpPr>
           <p:nvPr>
-            <p:ph type="dt" idx="22"/>
-          </p:nvPr>
-        </p:nvSpPr>
-        <p:spPr>
-          <a:xfrm>
-            <a:off x="457200" y="6356520"/>
-            <a:ext cx="2133360" cy="364680"/>
-          </a:xfrm>
-          <a:prstGeom prst="rect">
-            <a:avLst/>
-          </a:prstGeom>
-          <a:noFill/>
-          <a:ln w="0">
-            <a:noFill/>
-          </a:ln>
-        </p:spPr>
-        <p:txBody>
-          <a:bodyPr lIns="91440" rIns="91440" tIns="45720" bIns="45720" anchor="ctr">
-            <a:noAutofit/>
-          </a:bodyPr>
-          <a:lstStyle>
-            <a:lvl1pPr indent="0" defTabSz="457200">
-              <a:lnSpc>
-                <a:spcPct val="100000"/>
-              </a:lnSpc>
-              <a:buNone/>
-              <a:defRPr b="0" lang="en-US" sz="1200" spc="-1" strike="noStrike">
-                <a:solidFill>
-                  <a:schemeClr val="dk1">
-                    <a:tint val="75000"/>
-                  </a:schemeClr>
-                </a:solidFill>
-                <a:latin typeface="Calibri"/>
-              </a:defRPr>
-            </a:lvl1pPr>
-          </a:lstStyle>
-          <a:p>
-            <a:pPr indent="0" defTabSz="457200">
-              <a:lnSpc>
-                <a:spcPct val="100000"/>
-              </a:lnSpc>
-              <a:buNone/>
-            </a:pPr>
-            <a:r>
-              <a:rPr b="0" lang="en-US" sz="1200" spc="-1" strike="noStrike">
-                <a:solidFill>
-                  <a:schemeClr val="dk1">
-                    <a:tint val="75000"/>
-                  </a:schemeClr>
-                </a:solidFill>
-                <a:latin typeface="Calibri"/>
-              </a:rPr>
-              <a:t>&lt;fecha/hora&gt;</a:t>
-            </a:r>
-            <a:endParaRPr b="0" lang="es-ES" sz="1200" spc="-1" strike="noStrike">
-              <a:solidFill>
-                <a:srgbClr val="000000"/>
-              </a:solidFill>
-              <a:latin typeface="Times New Roman"/>
-            </a:endParaRPr>
-          </a:p>
-        </p:txBody>
-      </p:sp>
-      <p:sp>
-        <p:nvSpPr>
-          <p:cNvPr id="48" name="PlaceHolder 3"/>
-          <p:cNvSpPr>
-            <a:spLocks noGrp="1"/>
-          </p:cNvSpPr>
-          <p:nvPr>
-            <p:ph type="ftr" idx="23"/>
+            <p:ph type="ftr" idx="22"/>
           </p:nvPr>
         </p:nvSpPr>
         <p:spPr>
           <a:xfrm>
             <a:off x="3124080" y="6356520"/>
-            <a:ext cx="2895120" cy="364680"/>
+            <a:ext cx="2894760" cy="364320"/>
           </a:xfrm>
           <a:prstGeom prst="rect">
             <a:avLst/>
@@ -6196,7 +4600,13 @@
           </a:bodyPr>
           <a:lstStyle>
             <a:lvl1pPr indent="0" algn="ctr">
-              <a:buNone/>
+              <a:lnSpc>
+                <a:spcPct val="100000"/>
+              </a:lnSpc>
+              <a:buNone/>
+              <a:tabLst>
+                <a:tab algn="l" pos="0"/>
+              </a:tabLst>
               <a:defRPr b="0" lang="es-ES" sz="1400" spc="-1" strike="noStrike">
                 <a:solidFill>
                   <a:srgbClr val="000000"/>
@@ -6207,7 +4617,13 @@
           </a:lstStyle>
           <a:p>
             <a:pPr indent="0" algn="ctr">
-              <a:buNone/>
+              <a:lnSpc>
+                <a:spcPct val="100000"/>
+              </a:lnSpc>
+              <a:buNone/>
+              <a:tabLst>
+                <a:tab algn="l" pos="0"/>
+              </a:tabLst>
             </a:pPr>
             <a:r>
               <a:rPr b="0" lang="es-ES" sz="1400" spc="-1" strike="noStrike">
@@ -6229,18 +4645,18 @@
       </p:sp>
       <p:sp>
         <p:nvSpPr>
-          <p:cNvPr id="49" name="PlaceHolder 4"/>
+          <p:cNvPr id="37" name="PlaceHolder 3"/>
           <p:cNvSpPr>
             <a:spLocks noGrp="1"/>
           </p:cNvSpPr>
           <p:nvPr>
-            <p:ph type="sldNum" idx="24"/>
+            <p:ph type="sldNum" idx="23"/>
           </p:nvPr>
         </p:nvSpPr>
         <p:spPr>
           <a:xfrm>
             <a:off x="6553080" y="6356520"/>
-            <a:ext cx="2133360" cy="364680"/>
+            <a:ext cx="2133000" cy="364320"/>
           </a:xfrm>
           <a:prstGeom prst="rect">
             <a:avLst/>
@@ -6260,6 +4676,9 @@
                 <a:spcPct val="100000"/>
               </a:lnSpc>
               <a:buNone/>
+              <a:tabLst>
+                <a:tab algn="l" pos="0"/>
+              </a:tabLst>
               <a:defRPr b="0" lang="en-US" sz="1200" spc="-1" strike="noStrike">
                 <a:solidFill>
                   <a:schemeClr val="dk1">
@@ -6276,8 +4695,11 @@
                 <a:spcPct val="100000"/>
               </a:lnSpc>
               <a:buNone/>
-            </a:pPr>
-            <a:fld id="{3D8B8A65-DEF3-4050-9D26-3A2C41713016}" type="slidenum">
+              <a:tabLst>
+                <a:tab algn="l" pos="0"/>
+              </a:tabLst>
+            </a:pPr>
+            <a:fld id="{0A01D64D-8777-49DE-B114-E83C690468CD}" type="slidenum">
               <a:rPr b="0" lang="en-US" sz="1200" spc="-1" strike="noStrike">
                 <a:solidFill>
                   <a:schemeClr val="dk1">
@@ -6299,7 +4721,67 @@
       </p:sp>
       <p:sp>
         <p:nvSpPr>
-          <p:cNvPr id="50" name="PlaceHolder 5"/>
+          <p:cNvPr id="38" name="PlaceHolder 4"/>
+          <p:cNvSpPr>
+            <a:spLocks noGrp="1"/>
+          </p:cNvSpPr>
+          <p:nvPr>
+            <p:ph type="dt" idx="24"/>
+          </p:nvPr>
+        </p:nvSpPr>
+        <p:spPr>
+          <a:xfrm>
+            <a:off x="457200" y="6356520"/>
+            <a:ext cx="2133000" cy="364320"/>
+          </a:xfrm>
+          <a:prstGeom prst="rect">
+            <a:avLst/>
+          </a:prstGeom>
+          <a:noFill/>
+          <a:ln w="0">
+            <a:noFill/>
+          </a:ln>
+        </p:spPr>
+        <p:txBody>
+          <a:bodyPr lIns="91440" rIns="91440" tIns="45720" bIns="45720" anchor="ctr">
+            <a:noAutofit/>
+          </a:bodyPr>
+          <a:lstStyle>
+            <a:lvl1pPr indent="0">
+              <a:buNone/>
+              <a:defRPr b="0" lang="es-ES" sz="1400" spc="-1" strike="noStrike">
+                <a:solidFill>
+                  <a:srgbClr val="000000"/>
+                </a:solidFill>
+                <a:latin typeface="Times New Roman"/>
+              </a:defRPr>
+            </a:lvl1pPr>
+          </a:lstStyle>
+          <a:p>
+            <a:pPr indent="0">
+              <a:buNone/>
+            </a:pPr>
+            <a:r>
+              <a:rPr b="0" lang="es-ES" sz="1400" spc="-1" strike="noStrike">
+                <a:solidFill>
+                  <a:srgbClr val="000000"/>
+                </a:solidFill>
+                <a:latin typeface="Times New Roman"/>
+              </a:rPr>
+              <a:t>&lt;fecha/hora&gt;</a:t>
+            </a:r>
+            <a:endParaRPr b="0" lang="es-ES" sz="1400" spc="-1" strike="noStrike">
+              <a:solidFill>
+                <a:srgbClr val="000000"/>
+              </a:solidFill>
+              <a:latin typeface="Times New Roman"/>
+            </a:endParaRPr>
+          </a:p>
+        </p:txBody>
+      </p:sp>
+      <p:sp>
+        <p:nvSpPr>
+          <p:cNvPr id="39" name="PlaceHolder 5"/>
           <p:cNvSpPr>
             <a:spLocks noGrp="1"/>
           </p:cNvSpPr>
@@ -6337,19 +4819,19 @@
               <a:buChar char=""/>
             </a:pPr>
             <a:r>
-              <a:rPr b="0" lang="en-US" sz="3200" spc="-1" strike="noStrike">
-                <a:solidFill>
-                  <a:schemeClr val="dk1"/>
-                </a:solidFill>
-                <a:latin typeface="Calibri"/>
+              <a:rPr b="0" lang="es-ES" sz="3200" spc="-1" strike="noStrike">
+                <a:solidFill>
+                  <a:srgbClr val="000000"/>
+                </a:solidFill>
+                <a:latin typeface="Arial"/>
               </a:rPr>
               <a:t>Pulse para editar el formato de texto del esquema</a:t>
             </a:r>
-            <a:endParaRPr b="0" lang="en-US" sz="3200" spc="-1" strike="noStrike">
-              <a:solidFill>
-                <a:schemeClr val="dk1"/>
-              </a:solidFill>
-              <a:latin typeface="Calibri"/>
+            <a:endParaRPr b="0" lang="es-ES" sz="3200" spc="-1" strike="noStrike">
+              <a:solidFill>
+                <a:srgbClr val="000000"/>
+              </a:solidFill>
+              <a:latin typeface="Arial"/>
             </a:endParaRPr>
           </a:p>
           <a:p>
@@ -6365,19 +4847,19 @@
               <a:buChar char=""/>
             </a:pPr>
             <a:r>
-              <a:rPr b="0" lang="en-US" sz="2400" spc="-1" strike="noStrike">
-                <a:solidFill>
-                  <a:schemeClr val="dk1"/>
-                </a:solidFill>
-                <a:latin typeface="Calibri"/>
+              <a:rPr b="0" lang="es-ES" sz="2800" spc="-1" strike="noStrike">
+                <a:solidFill>
+                  <a:srgbClr val="000000"/>
+                </a:solidFill>
+                <a:latin typeface="Arial"/>
               </a:rPr>
               <a:t>Segundo nivel del esquema</a:t>
             </a:r>
-            <a:endParaRPr b="0" lang="en-US" sz="2400" spc="-1" strike="noStrike">
-              <a:solidFill>
-                <a:schemeClr val="dk1"/>
-              </a:solidFill>
-              <a:latin typeface="Calibri"/>
+            <a:endParaRPr b="0" lang="es-ES" sz="2800" spc="-1" strike="noStrike">
+              <a:solidFill>
+                <a:srgbClr val="000000"/>
+              </a:solidFill>
+              <a:latin typeface="Arial"/>
             </a:endParaRPr>
           </a:p>
           <a:p>
@@ -6393,19 +4875,19 @@
               <a:buChar char=""/>
             </a:pPr>
             <a:r>
-              <a:rPr b="0" lang="en-US" sz="2000" spc="-1" strike="noStrike">
-                <a:solidFill>
-                  <a:schemeClr val="dk1"/>
-                </a:solidFill>
-                <a:latin typeface="Calibri"/>
+              <a:rPr b="0" lang="es-ES" sz="2400" spc="-1" strike="noStrike">
+                <a:solidFill>
+                  <a:srgbClr val="000000"/>
+                </a:solidFill>
+                <a:latin typeface="Arial"/>
               </a:rPr>
               <a:t>Tercer nivel del esquema</a:t>
             </a:r>
-            <a:endParaRPr b="0" lang="en-US" sz="2000" spc="-1" strike="noStrike">
-              <a:solidFill>
-                <a:schemeClr val="dk1"/>
-              </a:solidFill>
-              <a:latin typeface="Calibri"/>
+            <a:endParaRPr b="0" lang="es-ES" sz="2400" spc="-1" strike="noStrike">
+              <a:solidFill>
+                <a:srgbClr val="000000"/>
+              </a:solidFill>
+              <a:latin typeface="Arial"/>
             </a:endParaRPr>
           </a:p>
           <a:p>
@@ -6421,19 +4903,19 @@
               <a:buChar char=""/>
             </a:pPr>
             <a:r>
-              <a:rPr b="0" lang="en-US" sz="2000" spc="-1" strike="noStrike">
-                <a:solidFill>
-                  <a:schemeClr val="dk1"/>
-                </a:solidFill>
-                <a:latin typeface="Calibri"/>
+              <a:rPr b="0" lang="es-ES" sz="2000" spc="-1" strike="noStrike">
+                <a:solidFill>
+                  <a:srgbClr val="000000"/>
+                </a:solidFill>
+                <a:latin typeface="Arial"/>
               </a:rPr>
               <a:t>Cuarto nivel del esquema</a:t>
             </a:r>
-            <a:endParaRPr b="0" lang="en-US" sz="2000" spc="-1" strike="noStrike">
-              <a:solidFill>
-                <a:schemeClr val="dk1"/>
-              </a:solidFill>
-              <a:latin typeface="Calibri"/>
+            <a:endParaRPr b="0" lang="es-ES" sz="2000" spc="-1" strike="noStrike">
+              <a:solidFill>
+                <a:srgbClr val="000000"/>
+              </a:solidFill>
+              <a:latin typeface="Arial"/>
             </a:endParaRPr>
           </a:p>
           <a:p>
@@ -6449,19 +4931,19 @@
               <a:buChar char=""/>
             </a:pPr>
             <a:r>
-              <a:rPr b="0" lang="en-US" sz="2000" spc="-1" strike="noStrike">
-                <a:solidFill>
-                  <a:schemeClr val="dk1"/>
-                </a:solidFill>
-                <a:latin typeface="Calibri"/>
+              <a:rPr b="0" lang="es-ES" sz="2000" spc="-1" strike="noStrike">
+                <a:solidFill>
+                  <a:srgbClr val="000000"/>
+                </a:solidFill>
+                <a:latin typeface="Arial"/>
               </a:rPr>
               <a:t>Quinto nivel del esquema</a:t>
             </a:r>
-            <a:endParaRPr b="0" lang="en-US" sz="2000" spc="-1" strike="noStrike">
-              <a:solidFill>
-                <a:schemeClr val="dk1"/>
-              </a:solidFill>
-              <a:latin typeface="Calibri"/>
+            <a:endParaRPr b="0" lang="es-ES" sz="2000" spc="-1" strike="noStrike">
+              <a:solidFill>
+                <a:srgbClr val="000000"/>
+              </a:solidFill>
+              <a:latin typeface="Arial"/>
             </a:endParaRPr>
           </a:p>
           <a:p>
@@ -6477,19 +4959,19 @@
               <a:buChar char=""/>
             </a:pPr>
             <a:r>
-              <a:rPr b="0" lang="en-US" sz="2000" spc="-1" strike="noStrike">
-                <a:solidFill>
-                  <a:schemeClr val="dk1"/>
-                </a:solidFill>
-                <a:latin typeface="Calibri"/>
+              <a:rPr b="0" lang="es-ES" sz="2000" spc="-1" strike="noStrike">
+                <a:solidFill>
+                  <a:srgbClr val="000000"/>
+                </a:solidFill>
+                <a:latin typeface="Arial"/>
               </a:rPr>
               <a:t>Sexto nivel del esquema</a:t>
             </a:r>
-            <a:endParaRPr b="0" lang="en-US" sz="2000" spc="-1" strike="noStrike">
-              <a:solidFill>
-                <a:schemeClr val="dk1"/>
-              </a:solidFill>
-              <a:latin typeface="Calibri"/>
+            <a:endParaRPr b="0" lang="es-ES" sz="2000" spc="-1" strike="noStrike">
+              <a:solidFill>
+                <a:srgbClr val="000000"/>
+              </a:solidFill>
+              <a:latin typeface="Arial"/>
             </a:endParaRPr>
           </a:p>
           <a:p>
@@ -6505,19 +4987,19 @@
               <a:buChar char=""/>
             </a:pPr>
             <a:r>
-              <a:rPr b="0" lang="en-US" sz="2000" spc="-1" strike="noStrike">
-                <a:solidFill>
-                  <a:schemeClr val="dk1"/>
-                </a:solidFill>
-                <a:latin typeface="Calibri"/>
+              <a:rPr b="0" lang="es-ES" sz="2000" spc="-1" strike="noStrike">
+                <a:solidFill>
+                  <a:srgbClr val="000000"/>
+                </a:solidFill>
+                <a:latin typeface="Arial"/>
               </a:rPr>
               <a:t>Séptimo nivel del esquema</a:t>
             </a:r>
-            <a:endParaRPr b="0" lang="en-US" sz="2000" spc="-1" strike="noStrike">
-              <a:solidFill>
-                <a:schemeClr val="dk1"/>
-              </a:solidFill>
-              <a:latin typeface="Calibri"/>
+            <a:endParaRPr b="0" lang="es-ES" sz="2000" spc="-1" strike="noStrike">
+              <a:solidFill>
+                <a:srgbClr val="000000"/>
+              </a:solidFill>
+              <a:latin typeface="Arial"/>
             </a:endParaRPr>
           </a:p>
         </p:txBody>
@@ -6557,88 +5039,18 @@
       </p:grpSpPr>
       <p:sp>
         <p:nvSpPr>
-          <p:cNvPr id="52" name="PlaceHolder 1"/>
+          <p:cNvPr id="41" name="PlaceHolder 1"/>
           <p:cNvSpPr>
             <a:spLocks noGrp="1"/>
           </p:cNvSpPr>
           <p:nvPr>
-            <p:ph type="dt" idx="25"/>
-          </p:nvPr>
-        </p:nvSpPr>
-        <p:spPr>
-          <a:xfrm>
-            <a:off x="457200" y="6356520"/>
-            <a:ext cx="2133360" cy="364680"/>
-          </a:xfrm>
-          <a:prstGeom prst="rect">
-            <a:avLst/>
-          </a:prstGeom>
-          <a:noFill/>
-          <a:ln w="0">
-            <a:noFill/>
-          </a:ln>
-        </p:spPr>
-        <p:txBody>
-          <a:bodyPr lIns="91440" rIns="91440" tIns="45720" bIns="45720" anchor="ctr">
-            <a:noAutofit/>
-          </a:bodyPr>
-          <a:lstStyle>
-            <a:lvl1pPr indent="0" defTabSz="457200">
-              <a:lnSpc>
-                <a:spcPct val="100000"/>
-              </a:lnSpc>
-              <a:buNone/>
-              <a:defRPr b="0" lang="en-US" sz="1200" spc="-1" strike="noStrike">
-                <a:solidFill>
-                  <a:schemeClr val="dk1">
-                    <a:tint val="75000"/>
-                  </a:schemeClr>
-                </a:solidFill>
-                <a:latin typeface="Calibri"/>
-              </a:defRPr>
-            </a:lvl1pPr>
-          </a:lstStyle>
-          <a:p>
-            <a:pPr indent="0" defTabSz="457200">
-              <a:lnSpc>
-                <a:spcPct val="100000"/>
-              </a:lnSpc>
-              <a:buNone/>
-            </a:pPr>
-            <a:r>
-              <a:rPr b="0" lang="en-US" sz="1200" spc="-1" strike="noStrike">
-                <a:solidFill>
-                  <a:schemeClr val="dk1">
-                    <a:tint val="75000"/>
-                  </a:schemeClr>
-                </a:solidFill>
-                <a:latin typeface="Calibri"/>
-              </a:rPr>
-              <a:t>&lt;fecha/hora&gt;</a:t>
-            </a:r>
-            <a:endParaRPr b="0" lang="es-ES" sz="1200" spc="-1" strike="noStrike">
-              <a:solidFill>
-                <a:srgbClr val="000000"/>
-              </a:solidFill>
-              <a:latin typeface="Times New Roman"/>
-            </a:endParaRPr>
-          </a:p>
-        </p:txBody>
-      </p:sp>
-      <p:sp>
-        <p:nvSpPr>
-          <p:cNvPr id="53" name="PlaceHolder 2"/>
-          <p:cNvSpPr>
-            <a:spLocks noGrp="1"/>
-          </p:cNvSpPr>
-          <p:nvPr>
-            <p:ph type="ftr" idx="26"/>
+            <p:ph type="ftr" idx="25"/>
           </p:nvPr>
         </p:nvSpPr>
         <p:spPr>
           <a:xfrm>
             <a:off x="3124080" y="6356520"/>
-            <a:ext cx="2895120" cy="364680"/>
+            <a:ext cx="2894760" cy="364320"/>
           </a:xfrm>
           <a:prstGeom prst="rect">
             <a:avLst/>
@@ -6654,7 +5066,13 @@
           </a:bodyPr>
           <a:lstStyle>
             <a:lvl1pPr indent="0" algn="ctr">
-              <a:buNone/>
+              <a:lnSpc>
+                <a:spcPct val="100000"/>
+              </a:lnSpc>
+              <a:buNone/>
+              <a:tabLst>
+                <a:tab algn="l" pos="0"/>
+              </a:tabLst>
               <a:defRPr b="0" lang="es-ES" sz="1400" spc="-1" strike="noStrike">
                 <a:solidFill>
                   <a:srgbClr val="000000"/>
@@ -6665,7 +5083,13 @@
           </a:lstStyle>
           <a:p>
             <a:pPr indent="0" algn="ctr">
-              <a:buNone/>
+              <a:lnSpc>
+                <a:spcPct val="100000"/>
+              </a:lnSpc>
+              <a:buNone/>
+              <a:tabLst>
+                <a:tab algn="l" pos="0"/>
+              </a:tabLst>
             </a:pPr>
             <a:r>
               <a:rPr b="0" lang="es-ES" sz="1400" spc="-1" strike="noStrike">
@@ -6687,18 +5111,18 @@
       </p:sp>
       <p:sp>
         <p:nvSpPr>
-          <p:cNvPr id="54" name="PlaceHolder 3"/>
+          <p:cNvPr id="42" name="PlaceHolder 2"/>
           <p:cNvSpPr>
             <a:spLocks noGrp="1"/>
           </p:cNvSpPr>
           <p:nvPr>
-            <p:ph type="sldNum" idx="27"/>
+            <p:ph type="sldNum" idx="26"/>
           </p:nvPr>
         </p:nvSpPr>
         <p:spPr>
           <a:xfrm>
             <a:off x="6553080" y="6356520"/>
-            <a:ext cx="2133360" cy="364680"/>
+            <a:ext cx="2133000" cy="364320"/>
           </a:xfrm>
           <a:prstGeom prst="rect">
             <a:avLst/>
@@ -6718,6 +5142,9 @@
                 <a:spcPct val="100000"/>
               </a:lnSpc>
               <a:buNone/>
+              <a:tabLst>
+                <a:tab algn="l" pos="0"/>
+              </a:tabLst>
               <a:defRPr b="0" lang="en-US" sz="1200" spc="-1" strike="noStrike">
                 <a:solidFill>
                   <a:schemeClr val="dk1">
@@ -6734,8 +5161,11 @@
                 <a:spcPct val="100000"/>
               </a:lnSpc>
               <a:buNone/>
-            </a:pPr>
-            <a:fld id="{A1B2A59D-80C1-462E-88C0-66E47EB0413E}" type="slidenum">
+              <a:tabLst>
+                <a:tab algn="l" pos="0"/>
+              </a:tabLst>
+            </a:pPr>
+            <a:fld id="{C2D9B297-C184-408B-BE3F-1A728DCC7C9F}" type="slidenum">
               <a:rPr b="0" lang="en-US" sz="1200" spc="-1" strike="noStrike">
                 <a:solidFill>
                   <a:schemeClr val="dk1">
@@ -6757,7 +5187,67 @@
       </p:sp>
       <p:sp>
         <p:nvSpPr>
-          <p:cNvPr id="55" name="PlaceHolder 4"/>
+          <p:cNvPr id="43" name="PlaceHolder 3"/>
+          <p:cNvSpPr>
+            <a:spLocks noGrp="1"/>
+          </p:cNvSpPr>
+          <p:nvPr>
+            <p:ph type="dt" idx="27"/>
+          </p:nvPr>
+        </p:nvSpPr>
+        <p:spPr>
+          <a:xfrm>
+            <a:off x="457200" y="6356520"/>
+            <a:ext cx="2133000" cy="364320"/>
+          </a:xfrm>
+          <a:prstGeom prst="rect">
+            <a:avLst/>
+          </a:prstGeom>
+          <a:noFill/>
+          <a:ln w="0">
+            <a:noFill/>
+          </a:ln>
+        </p:spPr>
+        <p:txBody>
+          <a:bodyPr lIns="91440" rIns="91440" tIns="45720" bIns="45720" anchor="ctr">
+            <a:noAutofit/>
+          </a:bodyPr>
+          <a:lstStyle>
+            <a:lvl1pPr indent="0">
+              <a:buNone/>
+              <a:defRPr b="0" lang="es-ES" sz="1400" spc="-1" strike="noStrike">
+                <a:solidFill>
+                  <a:srgbClr val="000000"/>
+                </a:solidFill>
+                <a:latin typeface="Times New Roman"/>
+              </a:defRPr>
+            </a:lvl1pPr>
+          </a:lstStyle>
+          <a:p>
+            <a:pPr indent="0">
+              <a:buNone/>
+            </a:pPr>
+            <a:r>
+              <a:rPr b="0" lang="es-ES" sz="1400" spc="-1" strike="noStrike">
+                <a:solidFill>
+                  <a:srgbClr val="000000"/>
+                </a:solidFill>
+                <a:latin typeface="Times New Roman"/>
+              </a:rPr>
+              <a:t>&lt;fecha/hora&gt;</a:t>
+            </a:r>
+            <a:endParaRPr b="0" lang="es-ES" sz="1400" spc="-1" strike="noStrike">
+              <a:solidFill>
+                <a:srgbClr val="000000"/>
+              </a:solidFill>
+              <a:latin typeface="Times New Roman"/>
+            </a:endParaRPr>
+          </a:p>
+        </p:txBody>
+      </p:sp>
+      <p:sp>
+        <p:nvSpPr>
+          <p:cNvPr id="44" name="PlaceHolder 4"/>
           <p:cNvSpPr>
             <a:spLocks noGrp="1"/>
           </p:cNvSpPr>
@@ -6783,30 +5273,30 @@
             <a:noAutofit/>
           </a:bodyPr>
           <a:p>
-            <a:pPr indent="0">
-              <a:buNone/>
-            </a:pPr>
-            <a:r>
-              <a:rPr b="0" lang="en-US" sz="1800" spc="-1" strike="noStrike">
-                <a:solidFill>
-                  <a:schemeClr val="dk1"/>
-                </a:solidFill>
-                <a:latin typeface="Calibri"/>
+            <a:pPr indent="0" algn="ctr">
+              <a:buNone/>
+            </a:pPr>
+            <a:r>
+              <a:rPr b="0" lang="es-ES" sz="4400" spc="-1" strike="noStrike">
+                <a:solidFill>
+                  <a:srgbClr val="000000"/>
+                </a:solidFill>
+                <a:latin typeface="Arial"/>
               </a:rPr>
               <a:t>Pulse para editar el formato del texto de título</a:t>
             </a:r>
-            <a:endParaRPr b="0" lang="en-US" sz="1800" spc="-1" strike="noStrike">
-              <a:solidFill>
-                <a:schemeClr val="dk1"/>
-              </a:solidFill>
-              <a:latin typeface="Calibri"/>
+            <a:endParaRPr b="0" lang="es-ES" sz="4400" spc="-1" strike="noStrike">
+              <a:solidFill>
+                <a:srgbClr val="000000"/>
+              </a:solidFill>
+              <a:latin typeface="Arial"/>
             </a:endParaRPr>
           </a:p>
         </p:txBody>
       </p:sp>
       <p:sp>
         <p:nvSpPr>
-          <p:cNvPr id="56" name="PlaceHolder 5"/>
+          <p:cNvPr id="45" name="PlaceHolder 5"/>
           <p:cNvSpPr>
             <a:spLocks noGrp="1"/>
           </p:cNvSpPr>
@@ -6844,19 +5334,19 @@
               <a:buChar char=""/>
             </a:pPr>
             <a:r>
-              <a:rPr b="0" lang="en-US" sz="3200" spc="-1" strike="noStrike">
-                <a:solidFill>
-                  <a:schemeClr val="dk1"/>
-                </a:solidFill>
-                <a:latin typeface="Calibri"/>
+              <a:rPr b="0" lang="es-ES" sz="3200" spc="-1" strike="noStrike">
+                <a:solidFill>
+                  <a:srgbClr val="000000"/>
+                </a:solidFill>
+                <a:latin typeface="Arial"/>
               </a:rPr>
               <a:t>Pulse para editar el formato de texto del esquema</a:t>
             </a:r>
-            <a:endParaRPr b="0" lang="en-US" sz="3200" spc="-1" strike="noStrike">
-              <a:solidFill>
-                <a:schemeClr val="dk1"/>
-              </a:solidFill>
-              <a:latin typeface="Calibri"/>
+            <a:endParaRPr b="0" lang="es-ES" sz="3200" spc="-1" strike="noStrike">
+              <a:solidFill>
+                <a:srgbClr val="000000"/>
+              </a:solidFill>
+              <a:latin typeface="Arial"/>
             </a:endParaRPr>
           </a:p>
           <a:p>
@@ -6872,19 +5362,19 @@
               <a:buChar char=""/>
             </a:pPr>
             <a:r>
-              <a:rPr b="0" lang="en-US" sz="2400" spc="-1" strike="noStrike">
-                <a:solidFill>
-                  <a:schemeClr val="dk1"/>
-                </a:solidFill>
-                <a:latin typeface="Calibri"/>
+              <a:rPr b="0" lang="es-ES" sz="2800" spc="-1" strike="noStrike">
+                <a:solidFill>
+                  <a:srgbClr val="000000"/>
+                </a:solidFill>
+                <a:latin typeface="Arial"/>
               </a:rPr>
               <a:t>Segundo nivel del esquema</a:t>
             </a:r>
-            <a:endParaRPr b="0" lang="en-US" sz="2400" spc="-1" strike="noStrike">
-              <a:solidFill>
-                <a:schemeClr val="dk1"/>
-              </a:solidFill>
-              <a:latin typeface="Calibri"/>
+            <a:endParaRPr b="0" lang="es-ES" sz="2800" spc="-1" strike="noStrike">
+              <a:solidFill>
+                <a:srgbClr val="000000"/>
+              </a:solidFill>
+              <a:latin typeface="Arial"/>
             </a:endParaRPr>
           </a:p>
           <a:p>
@@ -6900,19 +5390,19 @@
               <a:buChar char=""/>
             </a:pPr>
             <a:r>
-              <a:rPr b="0" lang="en-US" sz="2000" spc="-1" strike="noStrike">
-                <a:solidFill>
-                  <a:schemeClr val="dk1"/>
-                </a:solidFill>
-                <a:latin typeface="Calibri"/>
+              <a:rPr b="0" lang="es-ES" sz="2400" spc="-1" strike="noStrike">
+                <a:solidFill>
+                  <a:srgbClr val="000000"/>
+                </a:solidFill>
+                <a:latin typeface="Arial"/>
               </a:rPr>
               <a:t>Tercer nivel del esquema</a:t>
             </a:r>
-            <a:endParaRPr b="0" lang="en-US" sz="2000" spc="-1" strike="noStrike">
-              <a:solidFill>
-                <a:schemeClr val="dk1"/>
-              </a:solidFill>
-              <a:latin typeface="Calibri"/>
+            <a:endParaRPr b="0" lang="es-ES" sz="2400" spc="-1" strike="noStrike">
+              <a:solidFill>
+                <a:srgbClr val="000000"/>
+              </a:solidFill>
+              <a:latin typeface="Arial"/>
             </a:endParaRPr>
           </a:p>
           <a:p>
@@ -6928,19 +5418,19 @@
               <a:buChar char=""/>
             </a:pPr>
             <a:r>
-              <a:rPr b="0" lang="en-US" sz="2000" spc="-1" strike="noStrike">
-                <a:solidFill>
-                  <a:schemeClr val="dk1"/>
-                </a:solidFill>
-                <a:latin typeface="Calibri"/>
+              <a:rPr b="0" lang="es-ES" sz="2000" spc="-1" strike="noStrike">
+                <a:solidFill>
+                  <a:srgbClr val="000000"/>
+                </a:solidFill>
+                <a:latin typeface="Arial"/>
               </a:rPr>
               <a:t>Cuarto nivel del esquema</a:t>
             </a:r>
-            <a:endParaRPr b="0" lang="en-US" sz="2000" spc="-1" strike="noStrike">
-              <a:solidFill>
-                <a:schemeClr val="dk1"/>
-              </a:solidFill>
-              <a:latin typeface="Calibri"/>
+            <a:endParaRPr b="0" lang="es-ES" sz="2000" spc="-1" strike="noStrike">
+              <a:solidFill>
+                <a:srgbClr val="000000"/>
+              </a:solidFill>
+              <a:latin typeface="Arial"/>
             </a:endParaRPr>
           </a:p>
           <a:p>
@@ -6956,19 +5446,19 @@
               <a:buChar char=""/>
             </a:pPr>
             <a:r>
-              <a:rPr b="0" lang="en-US" sz="2000" spc="-1" strike="noStrike">
-                <a:solidFill>
-                  <a:schemeClr val="dk1"/>
-                </a:solidFill>
-                <a:latin typeface="Calibri"/>
+              <a:rPr b="0" lang="es-ES" sz="2000" spc="-1" strike="noStrike">
+                <a:solidFill>
+                  <a:srgbClr val="000000"/>
+                </a:solidFill>
+                <a:latin typeface="Arial"/>
               </a:rPr>
               <a:t>Quinto nivel del esquema</a:t>
             </a:r>
-            <a:endParaRPr b="0" lang="en-US" sz="2000" spc="-1" strike="noStrike">
-              <a:solidFill>
-                <a:schemeClr val="dk1"/>
-              </a:solidFill>
-              <a:latin typeface="Calibri"/>
+            <a:endParaRPr b="0" lang="es-ES" sz="2000" spc="-1" strike="noStrike">
+              <a:solidFill>
+                <a:srgbClr val="000000"/>
+              </a:solidFill>
+              <a:latin typeface="Arial"/>
             </a:endParaRPr>
           </a:p>
           <a:p>
@@ -6984,19 +5474,19 @@
               <a:buChar char=""/>
             </a:pPr>
             <a:r>
-              <a:rPr b="0" lang="en-US" sz="2000" spc="-1" strike="noStrike">
-                <a:solidFill>
-                  <a:schemeClr val="dk1"/>
-                </a:solidFill>
-                <a:latin typeface="Calibri"/>
+              <a:rPr b="0" lang="es-ES" sz="2000" spc="-1" strike="noStrike">
+                <a:solidFill>
+                  <a:srgbClr val="000000"/>
+                </a:solidFill>
+                <a:latin typeface="Arial"/>
               </a:rPr>
               <a:t>Sexto nivel del esquema</a:t>
             </a:r>
-            <a:endParaRPr b="0" lang="en-US" sz="2000" spc="-1" strike="noStrike">
-              <a:solidFill>
-                <a:schemeClr val="dk1"/>
-              </a:solidFill>
-              <a:latin typeface="Calibri"/>
+            <a:endParaRPr b="0" lang="es-ES" sz="2000" spc="-1" strike="noStrike">
+              <a:solidFill>
+                <a:srgbClr val="000000"/>
+              </a:solidFill>
+              <a:latin typeface="Arial"/>
             </a:endParaRPr>
           </a:p>
           <a:p>
@@ -7012,19 +5502,19 @@
               <a:buChar char=""/>
             </a:pPr>
             <a:r>
-              <a:rPr b="0" lang="en-US" sz="2000" spc="-1" strike="noStrike">
-                <a:solidFill>
-                  <a:schemeClr val="dk1"/>
-                </a:solidFill>
-                <a:latin typeface="Calibri"/>
+              <a:rPr b="0" lang="es-ES" sz="2000" spc="-1" strike="noStrike">
+                <a:solidFill>
+                  <a:srgbClr val="000000"/>
+                </a:solidFill>
+                <a:latin typeface="Arial"/>
               </a:rPr>
               <a:t>Séptimo nivel del esquema</a:t>
             </a:r>
-            <a:endParaRPr b="0" lang="en-US" sz="2000" spc="-1" strike="noStrike">
-              <a:solidFill>
-                <a:schemeClr val="dk1"/>
-              </a:solidFill>
-              <a:latin typeface="Calibri"/>
+            <a:endParaRPr b="0" lang="es-ES" sz="2000" spc="-1" strike="noStrike">
+              <a:solidFill>
+                <a:srgbClr val="000000"/>
+              </a:solidFill>
+              <a:latin typeface="Arial"/>
             </a:endParaRPr>
           </a:p>
         </p:txBody>
@@ -7057,7 +5547,7 @@
       </p:grpSpPr>
       <p:sp>
         <p:nvSpPr>
-          <p:cNvPr id="69" name="PlaceHolder 1"/>
+          <p:cNvPr id="52" name="PlaceHolder 1"/>
           <p:cNvSpPr>
             <a:spLocks noGrp="1"/>
           </p:cNvSpPr>
@@ -7068,7 +5558,7 @@
         <p:spPr>
           <a:xfrm>
             <a:off x="685800" y="2130480"/>
-            <a:ext cx="7772040" cy="1469520"/>
+            <a:ext cx="7771680" cy="1469160"/>
           </a:xfrm>
           <a:prstGeom prst="rect">
             <a:avLst/>
@@ -7088,6 +5578,9 @@
                 <a:spcPct val="100000"/>
               </a:lnSpc>
               <a:buNone/>
+              <a:tabLst>
+                <a:tab algn="l" pos="0"/>
+              </a:tabLst>
             </a:pPr>
             <a:r>
               <a:rPr b="0" lang="en-US" sz="4400" spc="-1" strike="noStrike">
@@ -7107,18 +5600,18 @@
               </a:rPr>
               <a:t>ons de "Chollos" en Portàtils</a:t>
             </a:r>
-            <a:endParaRPr b="0" lang="en-US" sz="4400" spc="-1" strike="noStrike">
-              <a:solidFill>
-                <a:schemeClr val="dk1"/>
-              </a:solidFill>
-              <a:latin typeface="Calibri"/>
+            <a:endParaRPr b="0" lang="es-ES" sz="4400" spc="-1" strike="noStrike">
+              <a:solidFill>
+                <a:srgbClr val="000000"/>
+              </a:solidFill>
+              <a:latin typeface="Arial"/>
             </a:endParaRPr>
           </a:p>
         </p:txBody>
       </p:sp>
       <p:sp>
         <p:nvSpPr>
-          <p:cNvPr id="70" name="PlaceHolder 2"/>
+          <p:cNvPr id="53" name="PlaceHolder 2"/>
           <p:cNvSpPr>
             <a:spLocks noGrp="1"/>
           </p:cNvSpPr>
@@ -7129,7 +5622,7 @@
         <p:spPr>
           <a:xfrm>
             <a:off x="1371600" y="3886200"/>
-            <a:ext cx="6400440" cy="736200"/>
+            <a:ext cx="6400080" cy="735840"/>
           </a:xfrm>
           <a:prstGeom prst="rect">
             <a:avLst/>
@@ -7208,7 +5701,7 @@
       </p:grpSpPr>
       <p:sp>
         <p:nvSpPr>
-          <p:cNvPr id="85" name="PlaceHolder 1"/>
+          <p:cNvPr id="68" name="PlaceHolder 1"/>
           <p:cNvSpPr>
             <a:spLocks noGrp="1"/>
           </p:cNvSpPr>
@@ -7219,7 +5712,7 @@
         <p:spPr>
           <a:xfrm>
             <a:off x="457200" y="274680"/>
-            <a:ext cx="8229240" cy="1142640"/>
+            <a:ext cx="8228880" cy="1142280"/>
           </a:xfrm>
           <a:prstGeom prst="rect">
             <a:avLst/>
@@ -7239,6 +5732,9 @@
                 <a:spcPct val="100000"/>
               </a:lnSpc>
               <a:buNone/>
+              <a:tabLst>
+                <a:tab algn="l" pos="0"/>
+              </a:tabLst>
             </a:pPr>
             <a:r>
               <a:rPr b="0" lang="es-ES" sz="4400" spc="-1" strike="noStrike">
@@ -7249,18 +5745,18 @@
               </a:rPr>
               <a:t>Etiquetatge</a:t>
             </a:r>
-            <a:endParaRPr b="0" lang="en-US" sz="4400" spc="-1" strike="noStrike">
-              <a:solidFill>
-                <a:schemeClr val="dk1"/>
-              </a:solidFill>
-              <a:latin typeface="Calibri"/>
+            <a:endParaRPr b="0" lang="es-ES" sz="4400" spc="-1" strike="noStrike">
+              <a:solidFill>
+                <a:srgbClr val="000000"/>
+              </a:solidFill>
+              <a:latin typeface="Arial"/>
             </a:endParaRPr>
           </a:p>
         </p:txBody>
       </p:sp>
       <p:sp>
         <p:nvSpPr>
-          <p:cNvPr id="86" name="PlaceHolder 2"/>
+          <p:cNvPr id="69" name="PlaceHolder 2"/>
           <p:cNvSpPr>
             <a:spLocks noGrp="1"/>
           </p:cNvSpPr>
@@ -7271,7 +5767,7 @@
         <p:spPr>
           <a:xfrm>
             <a:off x="457200" y="1600200"/>
-            <a:ext cx="8229240" cy="4525560"/>
+            <a:ext cx="8228880" cy="4525200"/>
           </a:xfrm>
           <a:prstGeom prst="rect">
             <a:avLst/>
@@ -7283,7 +5779,7 @@
         </p:spPr>
         <p:txBody>
           <a:bodyPr lIns="91440" rIns="91440" tIns="45720" bIns="45720" anchor="t">
-            <a:normAutofit fontScale="87491"/>
+            <a:normAutofit fontScale="87222"/>
           </a:bodyPr>
           <a:p>
             <a:pPr indent="0" defTabSz="457200">
@@ -7307,11 +5803,11 @@
               </a:rPr>
               <a:t>Com s'etiqueten els portàtils:</a:t>
             </a:r>
-            <a:endParaRPr b="0" lang="en-US" sz="2000" spc="-1" strike="noStrike">
-              <a:solidFill>
-                <a:schemeClr val="dk1"/>
-              </a:solidFill>
-              <a:latin typeface="Calibri"/>
+            <a:endParaRPr b="0" lang="es-ES" sz="2000" spc="-1" strike="noStrike">
+              <a:solidFill>
+                <a:srgbClr val="000000"/>
+              </a:solidFill>
+              <a:latin typeface="Arial"/>
             </a:endParaRPr>
           </a:p>
           <a:p>
@@ -7336,11 +5832,11 @@
               </a:rPr>
               <a:t>Basant-se en el Value_Score (qualitat dividida pel preu) </a:t>
             </a:r>
-            <a:endParaRPr b="0" lang="en-US" sz="2000" spc="-1" strike="noStrike">
-              <a:solidFill>
-                <a:schemeClr val="dk1"/>
-              </a:solidFill>
-              <a:latin typeface="Calibri"/>
+            <a:endParaRPr b="0" lang="es-ES" sz="2000" spc="-1" strike="noStrike">
+              <a:solidFill>
+                <a:srgbClr val="000000"/>
+              </a:solidFill>
+              <a:latin typeface="Arial"/>
             </a:endParaRPr>
           </a:p>
           <a:p>
@@ -7356,11 +5852,11 @@
                 <a:tab algn="l" pos="0"/>
               </a:tabLst>
             </a:pPr>
-            <a:endParaRPr b="0" lang="en-US" sz="2000" spc="-1" strike="noStrike">
-              <a:solidFill>
-                <a:schemeClr val="dk1"/>
-              </a:solidFill>
-              <a:latin typeface="Calibri"/>
+            <a:endParaRPr b="0" lang="es-ES" sz="2000" spc="-1" strike="noStrike">
+              <a:solidFill>
+                <a:srgbClr val="000000"/>
+              </a:solidFill>
+              <a:latin typeface="Arial"/>
             </a:endParaRPr>
           </a:p>
           <a:p>
@@ -7376,11 +5872,11 @@
                 <a:tab algn="l" pos="0"/>
               </a:tabLst>
             </a:pPr>
-            <a:endParaRPr b="0" lang="en-US" sz="2000" spc="-1" strike="noStrike">
-              <a:solidFill>
-                <a:schemeClr val="dk1"/>
-              </a:solidFill>
-              <a:latin typeface="Calibri"/>
+            <a:endParaRPr b="0" lang="es-ES" sz="2000" spc="-1" strike="noStrike">
+              <a:solidFill>
+                <a:srgbClr val="000000"/>
+              </a:solidFill>
+              <a:latin typeface="Arial"/>
             </a:endParaRPr>
           </a:p>
           <a:p>
@@ -7396,11 +5892,11 @@
                 <a:tab algn="l" pos="0"/>
               </a:tabLst>
             </a:pPr>
-            <a:endParaRPr b="0" lang="en-US" sz="2000" spc="-1" strike="noStrike">
-              <a:solidFill>
-                <a:schemeClr val="dk1"/>
-              </a:solidFill>
-              <a:latin typeface="Calibri"/>
+            <a:endParaRPr b="0" lang="es-ES" sz="2000" spc="-1" strike="noStrike">
+              <a:solidFill>
+                <a:srgbClr val="000000"/>
+              </a:solidFill>
+              <a:latin typeface="Arial"/>
             </a:endParaRPr>
           </a:p>
           <a:p>
@@ -7416,11 +5912,11 @@
                 <a:tab algn="l" pos="0"/>
               </a:tabLst>
             </a:pPr>
-            <a:endParaRPr b="0" lang="en-US" sz="2000" spc="-1" strike="noStrike">
-              <a:solidFill>
-                <a:schemeClr val="dk1"/>
-              </a:solidFill>
-              <a:latin typeface="Calibri"/>
+            <a:endParaRPr b="0" lang="es-ES" sz="2000" spc="-1" strike="noStrike">
+              <a:solidFill>
+                <a:srgbClr val="000000"/>
+              </a:solidFill>
+              <a:latin typeface="Arial"/>
             </a:endParaRPr>
           </a:p>
           <a:p>
@@ -7445,11 +5941,11 @@
               </a:rPr>
               <a:t>Aplicant correccions manuals</a:t>
             </a:r>
-            <a:endParaRPr b="0" lang="en-US" sz="2000" spc="-1" strike="noStrike">
-              <a:solidFill>
-                <a:schemeClr val="dk1"/>
-              </a:solidFill>
-              <a:latin typeface="Calibri"/>
+            <a:endParaRPr b="0" lang="es-ES" sz="2000" spc="-1" strike="noStrike">
+              <a:solidFill>
+                <a:srgbClr val="000000"/>
+              </a:solidFill>
+              <a:latin typeface="Arial"/>
             </a:endParaRPr>
           </a:p>
           <a:p>
@@ -7465,11 +5961,11 @@
                 <a:tab algn="l" pos="0"/>
               </a:tabLst>
             </a:pPr>
-            <a:endParaRPr b="0" lang="en-US" sz="2000" spc="-1" strike="noStrike">
-              <a:solidFill>
-                <a:schemeClr val="dk1"/>
-              </a:solidFill>
-              <a:latin typeface="Calibri"/>
+            <a:endParaRPr b="0" lang="es-ES" sz="2000" spc="-1" strike="noStrike">
+              <a:solidFill>
+                <a:srgbClr val="000000"/>
+              </a:solidFill>
+              <a:latin typeface="Arial"/>
             </a:endParaRPr>
           </a:p>
           <a:p>
@@ -7494,11 +5990,11 @@
               </a:rPr>
               <a:t>Elements valorats positivament:</a:t>
             </a:r>
-            <a:endParaRPr b="0" lang="en-US" sz="2000" spc="-1" strike="noStrike">
-              <a:solidFill>
-                <a:schemeClr val="dk1"/>
-              </a:solidFill>
-              <a:latin typeface="Calibri"/>
+            <a:endParaRPr b="0" lang="es-ES" sz="2000" spc="-1" strike="noStrike">
+              <a:solidFill>
+                <a:srgbClr val="000000"/>
+              </a:solidFill>
+              <a:latin typeface="Arial"/>
             </a:endParaRPr>
           </a:p>
           <a:p>
@@ -7536,11 +6032,11 @@
               </a:rPr>
               <a:t> i emmagatzematge superiors a la mitjana del seu rang de preu</a:t>
             </a:r>
-            <a:endParaRPr b="0" lang="en-US" sz="2000" spc="-1" strike="noStrike">
-              <a:solidFill>
-                <a:schemeClr val="dk1"/>
-              </a:solidFill>
-              <a:latin typeface="Calibri"/>
+            <a:endParaRPr b="0" lang="es-ES" sz="2000" spc="-1" strike="noStrike">
+              <a:solidFill>
+                <a:srgbClr val="000000"/>
+              </a:solidFill>
+              <a:latin typeface="Arial"/>
             </a:endParaRPr>
           </a:p>
           <a:p>
@@ -7587,11 +6083,11 @@
               </a:rPr>
               <a:t> recent</a:t>
             </a:r>
-            <a:endParaRPr b="0" lang="en-US" sz="2000" spc="-1" strike="noStrike">
-              <a:solidFill>
-                <a:schemeClr val="dk1"/>
-              </a:solidFill>
-              <a:latin typeface="Calibri"/>
+            <a:endParaRPr b="0" lang="es-ES" sz="2000" spc="-1" strike="noStrike">
+              <a:solidFill>
+                <a:srgbClr val="000000"/>
+              </a:solidFill>
+              <a:latin typeface="Arial"/>
             </a:endParaRPr>
           </a:p>
           <a:p>
@@ -7629,11 +6125,11 @@
               </a:rPr>
               <a:t> en lloc de DDR4</a:t>
             </a:r>
-            <a:endParaRPr b="0" lang="en-US" sz="2000" spc="-1" strike="noStrike">
-              <a:solidFill>
-                <a:schemeClr val="dk1"/>
-              </a:solidFill>
-              <a:latin typeface="Calibri"/>
+            <a:endParaRPr b="0" lang="es-ES" sz="2000" spc="-1" strike="noStrike">
+              <a:solidFill>
+                <a:srgbClr val="000000"/>
+              </a:solidFill>
+              <a:latin typeface="Arial"/>
             </a:endParaRPr>
           </a:p>
           <a:p>
@@ -7680,11 +6176,11 @@
               </a:rPr>
               <a:t> de pantalla</a:t>
             </a:r>
-            <a:endParaRPr b="0" lang="en-US" sz="2000" spc="-1" strike="noStrike">
-              <a:solidFill>
-                <a:schemeClr val="dk1"/>
-              </a:solidFill>
-              <a:latin typeface="Calibri"/>
+            <a:endParaRPr b="0" lang="es-ES" sz="2000" spc="-1" strike="noStrike">
+              <a:solidFill>
+                <a:srgbClr val="000000"/>
+              </a:solidFill>
+              <a:latin typeface="Arial"/>
             </a:endParaRPr>
           </a:p>
           <a:p>
@@ -7722,18 +6218,18 @@
               </a:rPr>
               <a:t> de major capacitat</a:t>
             </a:r>
-            <a:endParaRPr b="0" lang="en-US" sz="2000" spc="-1" strike="noStrike">
-              <a:solidFill>
-                <a:schemeClr val="dk1"/>
-              </a:solidFill>
-              <a:latin typeface="Calibri"/>
+            <a:endParaRPr b="0" lang="es-ES" sz="2000" spc="-1" strike="noStrike">
+              <a:solidFill>
+                <a:srgbClr val="000000"/>
+              </a:solidFill>
+              <a:latin typeface="Arial"/>
             </a:endParaRPr>
           </a:p>
         </p:txBody>
       </p:sp>
       <p:pic>
         <p:nvPicPr>
-          <p:cNvPr id="87" name="Imagen 4" descr=""/>
+          <p:cNvPr id="70" name="Imagen 4" descr=""/>
           <p:cNvPicPr/>
           <p:nvPr/>
         </p:nvPicPr>
@@ -7744,7 +6240,7 @@
         <p:spPr>
           <a:xfrm>
             <a:off x="601560" y="2340000"/>
-            <a:ext cx="2467080" cy="1199880"/>
+            <a:ext cx="2466720" cy="1199520"/>
           </a:xfrm>
           <a:prstGeom prst="rect">
             <a:avLst/>
@@ -7756,7 +6252,7 @@
       </p:pic>
       <p:pic>
         <p:nvPicPr>
-          <p:cNvPr id="88" name="Imagen 6" descr=""/>
+          <p:cNvPr id="71" name="Imagen 6" descr=""/>
           <p:cNvPicPr/>
           <p:nvPr/>
         </p:nvPicPr>
@@ -7767,7 +6263,7 @@
         <p:spPr>
           <a:xfrm>
             <a:off x="3128760" y="2712960"/>
-            <a:ext cx="5202000" cy="356400"/>
+            <a:ext cx="5201640" cy="356040"/>
           </a:xfrm>
           <a:prstGeom prst="rect">
             <a:avLst/>
@@ -7809,7 +6305,7 @@
       </p:grpSpPr>
       <p:sp>
         <p:nvSpPr>
-          <p:cNvPr id="89" name="PlaceHolder 1"/>
+          <p:cNvPr id="72" name="PlaceHolder 1"/>
           <p:cNvSpPr>
             <a:spLocks noGrp="1"/>
           </p:cNvSpPr>
@@ -7820,7 +6316,7 @@
         <p:spPr>
           <a:xfrm>
             <a:off x="457200" y="274680"/>
-            <a:ext cx="8229240" cy="1142640"/>
+            <a:ext cx="8228880" cy="1142280"/>
           </a:xfrm>
           <a:prstGeom prst="rect">
             <a:avLst/>
@@ -7832,7 +6328,7 @@
         </p:spPr>
         <p:txBody>
           <a:bodyPr lIns="91440" rIns="91440" tIns="45720" bIns="45720" anchor="ctr">
-            <a:normAutofit fontScale="93422"/>
+            <a:normAutofit fontScale="93333"/>
           </a:bodyPr>
           <a:p>
             <a:pPr indent="0" algn="ctr" defTabSz="457200">
@@ -7840,6 +6336,9 @@
                 <a:spcPct val="100000"/>
               </a:lnSpc>
               <a:buNone/>
+              <a:tabLst>
+                <a:tab algn="l" pos="0"/>
+              </a:tabLst>
             </a:pPr>
             <a:r>
               <a:rPr b="0" lang="it-IT" sz="4400" spc="-1" strike="noStrike">
@@ -7862,18 +6361,18 @@
               </a:rPr>
               <a:t>(Random Forest)</a:t>
             </a:r>
-            <a:endParaRPr b="0" lang="en-US" sz="3100" spc="-1" strike="noStrike">
-              <a:solidFill>
-                <a:schemeClr val="dk1"/>
-              </a:solidFill>
-              <a:latin typeface="Calibri"/>
+            <a:endParaRPr b="0" lang="es-ES" sz="3100" spc="-1" strike="noStrike">
+              <a:solidFill>
+                <a:srgbClr val="000000"/>
+              </a:solidFill>
+              <a:latin typeface="Arial"/>
             </a:endParaRPr>
           </a:p>
         </p:txBody>
       </p:sp>
       <p:sp>
         <p:nvSpPr>
-          <p:cNvPr id="90" name="PlaceHolder 2"/>
+          <p:cNvPr id="73" name="PlaceHolder 2"/>
           <p:cNvSpPr>
             <a:spLocks noGrp="1"/>
           </p:cNvSpPr>
@@ -7884,7 +6383,7 @@
         <p:spPr>
           <a:xfrm>
             <a:off x="457200" y="1600200"/>
-            <a:ext cx="8229240" cy="4525560"/>
+            <a:ext cx="8228880" cy="4525200"/>
           </a:xfrm>
           <a:prstGeom prst="rect">
             <a:avLst/>
@@ -7896,7 +6395,7 @@
         </p:spPr>
         <p:txBody>
           <a:bodyPr lIns="91440" rIns="91440" tIns="45720" bIns="45720" anchor="t">
-            <a:normAutofit fontScale="68743" lnSpcReduction="10000"/>
+            <a:normAutofit fontScale="68333" lnSpcReduction="10000"/>
           </a:bodyPr>
           <a:p>
             <a:pPr marL="343080" indent="-343080" defTabSz="457200">
@@ -7930,11 +6429,11 @@
               </a:rPr>
               <a:t> El model Random Forest gestiona eficaçment les relacions no lineals.</a:t>
             </a:r>
-            <a:endParaRPr b="0" lang="en-US" sz="3200" spc="-1" strike="noStrike">
-              <a:solidFill>
-                <a:schemeClr val="dk1"/>
-              </a:solidFill>
-              <a:latin typeface="Calibri"/>
+            <a:endParaRPr b="0" lang="es-ES" sz="3200" spc="-1" strike="noStrike">
+              <a:solidFill>
+                <a:srgbClr val="000000"/>
+              </a:solidFill>
+              <a:latin typeface="Arial"/>
             </a:endParaRPr>
           </a:p>
           <a:p>
@@ -7969,11 +6468,11 @@
               </a:rPr>
               <a:t> Combina adequadament factors numèrics (RAM, preu) amb categòrics convertits (tipus de processador, sistema operatiu).</a:t>
             </a:r>
-            <a:endParaRPr b="0" lang="en-US" sz="3200" spc="-1" strike="noStrike">
-              <a:solidFill>
-                <a:schemeClr val="dk1"/>
-              </a:solidFill>
-              <a:latin typeface="Calibri"/>
+            <a:endParaRPr b="0" lang="es-ES" sz="3200" spc="-1" strike="noStrike">
+              <a:solidFill>
+                <a:srgbClr val="000000"/>
+              </a:solidFill>
+              <a:latin typeface="Arial"/>
             </a:endParaRPr>
           </a:p>
           <a:p>
@@ -8008,11 +6507,11 @@
               </a:rPr>
               <a:t> Redueix el risc de sobreajust en un conjunt de dades relativament xicotet.</a:t>
             </a:r>
-            <a:endParaRPr b="0" lang="en-US" sz="3200" spc="-1" strike="noStrike">
-              <a:solidFill>
-                <a:schemeClr val="dk1"/>
-              </a:solidFill>
-              <a:latin typeface="Calibri"/>
+            <a:endParaRPr b="0" lang="es-ES" sz="3200" spc="-1" strike="noStrike">
+              <a:solidFill>
+                <a:srgbClr val="000000"/>
+              </a:solidFill>
+              <a:latin typeface="Arial"/>
             </a:endParaRPr>
           </a:p>
           <a:p>
@@ -8047,11 +6546,11 @@
               </a:rPr>
               <a:t> Proporciona automàticament mètriques d'importància de variables.</a:t>
             </a:r>
-            <a:endParaRPr b="0" lang="en-US" sz="3200" spc="-1" strike="noStrike">
-              <a:solidFill>
-                <a:schemeClr val="dk1"/>
-              </a:solidFill>
-              <a:latin typeface="Calibri"/>
+            <a:endParaRPr b="0" lang="es-ES" sz="3200" spc="-1" strike="noStrike">
+              <a:solidFill>
+                <a:srgbClr val="000000"/>
+              </a:solidFill>
+              <a:latin typeface="Arial"/>
             </a:endParaRPr>
           </a:p>
           <a:p>
@@ -8086,11 +6585,11 @@
               </a:rPr>
               <a:t> Funciona bé amb el conjunt d'entrenament etiquetat manualment (~60 mostres).</a:t>
             </a:r>
-            <a:endParaRPr b="0" lang="en-US" sz="3200" spc="-1" strike="noStrike">
-              <a:solidFill>
-                <a:schemeClr val="dk1"/>
-              </a:solidFill>
-              <a:latin typeface="Calibri"/>
+            <a:endParaRPr b="0" lang="es-ES" sz="3200" spc="-1" strike="noStrike">
+              <a:solidFill>
+                <a:srgbClr val="000000"/>
+              </a:solidFill>
+              <a:latin typeface="Arial"/>
             </a:endParaRPr>
           </a:p>
         </p:txBody>
@@ -8127,7 +6626,7 @@
       </p:grpSpPr>
       <p:pic>
         <p:nvPicPr>
-          <p:cNvPr id="91" name="Imagen 2" descr=""/>
+          <p:cNvPr id="74" name="Imagen 2" descr=""/>
           <p:cNvPicPr/>
           <p:nvPr/>
         </p:nvPicPr>
@@ -8138,7 +6637,7 @@
         <p:spPr>
           <a:xfrm>
             <a:off x="15480" y="0"/>
-            <a:ext cx="9112320" cy="6857640"/>
+            <a:ext cx="9111960" cy="6857280"/>
           </a:xfrm>
           <a:prstGeom prst="rect">
             <a:avLst/>
@@ -8180,7 +6679,7 @@
       </p:grpSpPr>
       <p:sp>
         <p:nvSpPr>
-          <p:cNvPr id="92" name="PlaceHolder 1"/>
+          <p:cNvPr id="75" name="PlaceHolder 1"/>
           <p:cNvSpPr>
             <a:spLocks noGrp="1"/>
           </p:cNvSpPr>
@@ -8191,7 +6690,7 @@
         <p:spPr>
           <a:xfrm>
             <a:off x="457200" y="274680"/>
-            <a:ext cx="8229240" cy="1142640"/>
+            <a:ext cx="8228880" cy="1142280"/>
           </a:xfrm>
           <a:prstGeom prst="rect">
             <a:avLst/>
@@ -8211,6 +6710,9 @@
                 <a:spcPct val="100000"/>
               </a:lnSpc>
               <a:buNone/>
+              <a:tabLst>
+                <a:tab algn="l" pos="0"/>
+              </a:tabLst>
             </a:pPr>
             <a:r>
               <a:rPr b="0" lang="en-US" sz="4400" spc="-1" strike="noStrike">
@@ -8221,18 +6723,18 @@
               </a:rPr>
               <a:t>Models de Machine Learning</a:t>
             </a:r>
-            <a:endParaRPr b="0" lang="en-US" sz="4400" spc="-1" strike="noStrike">
-              <a:solidFill>
-                <a:schemeClr val="dk1"/>
-              </a:solidFill>
-              <a:latin typeface="Calibri"/>
+            <a:endParaRPr b="0" lang="es-ES" sz="4400" spc="-1" strike="noStrike">
+              <a:solidFill>
+                <a:srgbClr val="000000"/>
+              </a:solidFill>
+              <a:latin typeface="Arial"/>
             </a:endParaRPr>
           </a:p>
         </p:txBody>
       </p:sp>
       <p:sp>
         <p:nvSpPr>
-          <p:cNvPr id="93" name="PlaceHolder 2"/>
+          <p:cNvPr id="76" name="PlaceHolder 2"/>
           <p:cNvSpPr>
             <a:spLocks noGrp="1"/>
           </p:cNvSpPr>
@@ -8243,7 +6745,7 @@
         <p:spPr>
           <a:xfrm>
             <a:off x="457200" y="1600200"/>
-            <a:ext cx="8229240" cy="4525560"/>
+            <a:ext cx="8228880" cy="4525200"/>
           </a:xfrm>
           <a:prstGeom prst="rect">
             <a:avLst/>
@@ -8289,11 +6791,11 @@
               </a:rPr>
               <a:t>tats:</a:t>
             </a:r>
-            <a:endParaRPr b="0" lang="en-US" sz="3200" spc="-1" strike="noStrike">
-              <a:solidFill>
-                <a:schemeClr val="dk1"/>
-              </a:solidFill>
-              <a:latin typeface="Calibri"/>
+            <a:endParaRPr b="0" lang="es-ES" sz="3200" spc="-1" strike="noStrike">
+              <a:solidFill>
+                <a:srgbClr val="000000"/>
+              </a:solidFill>
+              <a:latin typeface="Arial"/>
             </a:endParaRPr>
           </a:p>
           <a:p>
@@ -8328,11 +6830,11 @@
               </a:rPr>
               <a:t>Random Forest, Gradient Boosting, SVM, Regresió Logística</a:t>
             </a:r>
-            <a:endParaRPr b="0" lang="en-US" sz="3200" spc="-1" strike="noStrike">
-              <a:solidFill>
-                <a:schemeClr val="dk1"/>
-              </a:solidFill>
-              <a:latin typeface="Calibri"/>
+            <a:endParaRPr b="0" lang="es-ES" sz="3200" spc="-1" strike="noStrike">
+              <a:solidFill>
+                <a:srgbClr val="000000"/>
+              </a:solidFill>
+              <a:latin typeface="Arial"/>
             </a:endParaRPr>
           </a:p>
           <a:p>
@@ -8358,11 +6860,11 @@
               </a:rPr>
               <a:t>Evaluació mitjançant validació creuada i comparació de métriques</a:t>
             </a:r>
-            <a:endParaRPr b="0" lang="en-US" sz="3200" spc="-1" strike="noStrike">
-              <a:solidFill>
-                <a:schemeClr val="dk1"/>
-              </a:solidFill>
-              <a:latin typeface="Calibri"/>
+            <a:endParaRPr b="0" lang="es-ES" sz="3200" spc="-1" strike="noStrike">
+              <a:solidFill>
+                <a:srgbClr val="000000"/>
+              </a:solidFill>
+              <a:latin typeface="Arial"/>
             </a:endParaRPr>
           </a:p>
         </p:txBody>
@@ -8399,7 +6901,7 @@
       </p:grpSpPr>
       <p:sp>
         <p:nvSpPr>
-          <p:cNvPr id="94" name="PlaceHolder 1"/>
+          <p:cNvPr id="77" name="PlaceHolder 1"/>
           <p:cNvSpPr>
             <a:spLocks noGrp="1"/>
           </p:cNvSpPr>
@@ -8410,7 +6912,7 @@
         <p:spPr>
           <a:xfrm>
             <a:off x="457200" y="274680"/>
-            <a:ext cx="8229240" cy="1142640"/>
+            <a:ext cx="8228880" cy="1142280"/>
           </a:xfrm>
           <a:prstGeom prst="rect">
             <a:avLst/>
@@ -8430,6 +6932,9 @@
                 <a:spcPct val="100000"/>
               </a:lnSpc>
               <a:buNone/>
+              <a:tabLst>
+                <a:tab algn="l" pos="0"/>
+              </a:tabLst>
             </a:pPr>
             <a:r>
               <a:rPr b="0" lang="it-IT" sz="4400" spc="-1" strike="noStrike">
@@ -8440,18 +6945,18 @@
               </a:rPr>
               <a:t>Per què aquests models?</a:t>
             </a:r>
-            <a:endParaRPr b="0" lang="en-US" sz="4400" spc="-1" strike="noStrike">
-              <a:solidFill>
-                <a:schemeClr val="dk1"/>
-              </a:solidFill>
-              <a:latin typeface="Calibri"/>
+            <a:endParaRPr b="0" lang="es-ES" sz="4400" spc="-1" strike="noStrike">
+              <a:solidFill>
+                <a:srgbClr val="000000"/>
+              </a:solidFill>
+              <a:latin typeface="Arial"/>
             </a:endParaRPr>
           </a:p>
         </p:txBody>
       </p:sp>
       <p:sp>
         <p:nvSpPr>
-          <p:cNvPr id="95" name="PlaceHolder 2"/>
+          <p:cNvPr id="78" name="PlaceHolder 2"/>
           <p:cNvSpPr>
             <a:spLocks noGrp="1"/>
           </p:cNvSpPr>
@@ -8462,7 +6967,7 @@
         <p:spPr>
           <a:xfrm>
             <a:off x="457200" y="1600200"/>
-            <a:ext cx="8229240" cy="4525560"/>
+            <a:ext cx="8228880" cy="4525200"/>
           </a:xfrm>
           <a:prstGeom prst="rect">
             <a:avLst/>
@@ -8474,7 +6979,7 @@
         </p:spPr>
         <p:txBody>
           <a:bodyPr lIns="91440" rIns="91440" tIns="45720" bIns="45720" anchor="t">
-            <a:normAutofit fontScale="40621"/>
+            <a:normAutofit fontScale="40000"/>
           </a:bodyPr>
           <a:p>
             <a:pPr marL="343080" indent="-343080" defTabSz="457200">
@@ -8501,11 +7006,11 @@
               </a:rPr>
               <a:t>Random Forest</a:t>
             </a:r>
-            <a:endParaRPr b="0" lang="en-US" sz="3200" spc="-1" strike="noStrike">
-              <a:solidFill>
-                <a:schemeClr val="dk1"/>
-              </a:solidFill>
-              <a:latin typeface="Calibri"/>
+            <a:endParaRPr b="0" lang="es-ES" sz="3200" spc="-1" strike="noStrike">
+              <a:solidFill>
+                <a:srgbClr val="000000"/>
+              </a:solidFill>
+              <a:latin typeface="Arial"/>
             </a:endParaRPr>
           </a:p>
           <a:p>
@@ -8542,11 +7047,11 @@
               </a:rPr>
               <a:t>Funciona bé amb poques dades, no necessita normalitzar variables i captura bé els patrons no-lineals dels preus dels portàtils.</a:t>
             </a:r>
-            <a:endParaRPr b="0" lang="en-US" sz="3200" spc="-1" strike="noStrike">
-              <a:solidFill>
-                <a:schemeClr val="dk1"/>
-              </a:solidFill>
-              <a:latin typeface="Calibri"/>
+            <a:endParaRPr b="0" lang="es-ES" sz="3200" spc="-1" strike="noStrike">
+              <a:solidFill>
+                <a:srgbClr val="000000"/>
+              </a:solidFill>
+              <a:latin typeface="Arial"/>
             </a:endParaRPr>
           </a:p>
           <a:p>
@@ -8574,11 +7079,11 @@
               </a:rPr>
               <a:t>Gradient Boosting</a:t>
             </a:r>
-            <a:endParaRPr b="0" lang="en-US" sz="3200" spc="-1" strike="noStrike">
-              <a:solidFill>
-                <a:schemeClr val="dk1"/>
-              </a:solidFill>
-              <a:latin typeface="Calibri"/>
+            <a:endParaRPr b="0" lang="es-ES" sz="3200" spc="-1" strike="noStrike">
+              <a:solidFill>
+                <a:srgbClr val="000000"/>
+              </a:solidFill>
+              <a:latin typeface="Arial"/>
             </a:endParaRPr>
           </a:p>
           <a:p>
@@ -8615,11 +7120,11 @@
               </a:rPr>
               <a:t>Ideal per a detalls importants (com la generació del processador).</a:t>
             </a:r>
-            <a:endParaRPr b="0" lang="en-US" sz="3200" spc="-1" strike="noStrike">
-              <a:solidFill>
-                <a:schemeClr val="dk1"/>
-              </a:solidFill>
-              <a:latin typeface="Calibri"/>
+            <a:endParaRPr b="0" lang="es-ES" sz="3200" spc="-1" strike="noStrike">
+              <a:solidFill>
+                <a:srgbClr val="000000"/>
+              </a:solidFill>
+              <a:latin typeface="Arial"/>
             </a:endParaRPr>
           </a:p>
           <a:p>
@@ -8647,11 +7152,11 @@
               </a:rPr>
               <a:t>SVM</a:t>
             </a:r>
-            <a:endParaRPr b="0" lang="en-US" sz="3200" spc="-1" strike="noStrike">
-              <a:solidFill>
-                <a:schemeClr val="dk1"/>
-              </a:solidFill>
-              <a:latin typeface="Calibri"/>
+            <a:endParaRPr b="0" lang="es-ES" sz="3200" spc="-1" strike="noStrike">
+              <a:solidFill>
+                <a:srgbClr val="000000"/>
+              </a:solidFill>
+              <a:latin typeface="Arial"/>
             </a:endParaRPr>
           </a:p>
           <a:p>
@@ -8688,11 +7193,11 @@
               </a:rPr>
               <a:t>Perfecte quan tenim moltes característiques de portàtils però poques mostres etiquetades.</a:t>
             </a:r>
-            <a:endParaRPr b="0" lang="en-US" sz="3200" spc="-1" strike="noStrike">
-              <a:solidFill>
-                <a:schemeClr val="dk1"/>
-              </a:solidFill>
-              <a:latin typeface="Calibri"/>
+            <a:endParaRPr b="0" lang="es-ES" sz="3200" spc="-1" strike="noStrike">
+              <a:solidFill>
+                <a:srgbClr val="000000"/>
+              </a:solidFill>
+              <a:latin typeface="Arial"/>
             </a:endParaRPr>
           </a:p>
           <a:p>
@@ -8720,11 +7225,11 @@
               </a:rPr>
               <a:t>Logistic Regression</a:t>
             </a:r>
-            <a:endParaRPr b="0" lang="en-US" sz="3200" spc="-1" strike="noStrike">
-              <a:solidFill>
-                <a:schemeClr val="dk1"/>
-              </a:solidFill>
-              <a:latin typeface="Calibri"/>
+            <a:endParaRPr b="0" lang="es-ES" sz="3200" spc="-1" strike="noStrike">
+              <a:solidFill>
+                <a:srgbClr val="000000"/>
+              </a:solidFill>
+              <a:latin typeface="Arial"/>
             </a:endParaRPr>
           </a:p>
           <a:p>
@@ -8752,11 +7257,11 @@
               </a:rPr>
               <a:t>El model de referència: ("més RAM suma X punts, més emmagatzematge Y punts...") i serveix com a línia base per comparar.</a:t>
             </a:r>
-            <a:endParaRPr b="0" lang="en-US" sz="3200" spc="-1" strike="noStrike">
-              <a:solidFill>
-                <a:schemeClr val="dk1"/>
-              </a:solidFill>
-              <a:latin typeface="Calibri"/>
+            <a:endParaRPr b="0" lang="es-ES" sz="3200" spc="-1" strike="noStrike">
+              <a:solidFill>
+                <a:srgbClr val="000000"/>
+              </a:solidFill>
+              <a:latin typeface="Arial"/>
             </a:endParaRPr>
           </a:p>
           <a:p>
@@ -8785,11 +7290,11 @@
               </a:rPr>
               <a:t>No s'han inclòs altres models com les xarxes neuronals perquè són massa complexes per la quantitat limitada de dades que tenim, ni models com KNN que funcionarien pitjor amb les dimensions del nostre problema.</a:t>
             </a:r>
-            <a:endParaRPr b="0" lang="en-US" sz="3200" spc="-1" strike="noStrike">
-              <a:solidFill>
-                <a:schemeClr val="dk1"/>
-              </a:solidFill>
-              <a:latin typeface="Calibri"/>
+            <a:endParaRPr b="0" lang="es-ES" sz="3200" spc="-1" strike="noStrike">
+              <a:solidFill>
+                <a:srgbClr val="000000"/>
+              </a:solidFill>
+              <a:latin typeface="Arial"/>
             </a:endParaRPr>
           </a:p>
         </p:txBody>
@@ -8826,7 +7331,7 @@
       </p:grpSpPr>
       <p:pic>
         <p:nvPicPr>
-          <p:cNvPr id="96" name="Imagen 2" descr=""/>
+          <p:cNvPr id="79" name="Imagen 2" descr=""/>
           <p:cNvPicPr/>
           <p:nvPr/>
         </p:nvPicPr>
@@ -8837,7 +7342,7 @@
         <p:spPr>
           <a:xfrm>
             <a:off x="1982160" y="745920"/>
-            <a:ext cx="5179680" cy="5887440"/>
+            <a:ext cx="5179320" cy="5887080"/>
           </a:xfrm>
           <a:prstGeom prst="rect">
             <a:avLst/>
@@ -8849,7 +7354,7 @@
       </p:pic>
       <p:pic>
         <p:nvPicPr>
-          <p:cNvPr id="97" name="Imagen 10" descr=""/>
+          <p:cNvPr id="80" name="Imagen 10" descr=""/>
           <p:cNvPicPr/>
           <p:nvPr/>
         </p:nvPicPr>
@@ -8860,7 +7365,7 @@
         <p:spPr>
           <a:xfrm>
             <a:off x="1158480" y="181080"/>
-            <a:ext cx="6826680" cy="447480"/>
+            <a:ext cx="6826320" cy="447120"/>
           </a:xfrm>
           <a:prstGeom prst="rect">
             <a:avLst/>
@@ -8902,7 +7407,7 @@
       </p:grpSpPr>
       <p:pic>
         <p:nvPicPr>
-          <p:cNvPr id="98" name="Imagen 2" descr=""/>
+          <p:cNvPr id="81" name="Imagen 2" descr=""/>
           <p:cNvPicPr/>
           <p:nvPr/>
         </p:nvPicPr>
@@ -8913,7 +7418,7 @@
         <p:spPr>
           <a:xfrm>
             <a:off x="0" y="1582560"/>
-            <a:ext cx="9143640" cy="4467240"/>
+            <a:ext cx="9143280" cy="4466880"/>
           </a:xfrm>
           <a:prstGeom prst="rect">
             <a:avLst/>
@@ -8925,14 +7430,14 @@
       </p:pic>
       <p:sp>
         <p:nvSpPr>
-          <p:cNvPr id="99" name="CuadroTexto 3"/>
+          <p:cNvPr id="82" name="CuadroTexto 3"/>
           <p:cNvSpPr/>
           <p:nvPr/>
         </p:nvSpPr>
         <p:spPr>
           <a:xfrm>
             <a:off x="1378080" y="997560"/>
-            <a:ext cx="2361960" cy="638280"/>
+            <a:ext cx="2361600" cy="638280"/>
           </a:xfrm>
           <a:prstGeom prst="rect">
             <a:avLst/>
@@ -8987,14 +7492,14 @@
       </p:sp>
       <p:sp>
         <p:nvSpPr>
-          <p:cNvPr id="100" name="CuadroTexto 4"/>
+          <p:cNvPr id="83" name="CuadroTexto 4"/>
           <p:cNvSpPr/>
           <p:nvPr/>
         </p:nvSpPr>
         <p:spPr>
           <a:xfrm>
             <a:off x="6254640" y="997560"/>
-            <a:ext cx="2037960" cy="638280"/>
+            <a:ext cx="2037600" cy="638280"/>
           </a:xfrm>
           <a:prstGeom prst="rect">
             <a:avLst/>
@@ -9079,7 +7584,7 @@
       </p:grpSpPr>
       <p:pic>
         <p:nvPicPr>
-          <p:cNvPr id="101" name="Imagen 2" descr=""/>
+          <p:cNvPr id="84" name="Imagen 2" descr=""/>
           <p:cNvPicPr/>
           <p:nvPr/>
         </p:nvPicPr>
@@ -9090,7 +7595,7 @@
         <p:spPr>
           <a:xfrm>
             <a:off x="1171440" y="676440"/>
-            <a:ext cx="6800400" cy="5505120"/>
+            <a:ext cx="6800040" cy="5504760"/>
           </a:xfrm>
           <a:prstGeom prst="rect">
             <a:avLst/>
@@ -9132,7 +7637,7 @@
       </p:grpSpPr>
       <p:sp>
         <p:nvSpPr>
-          <p:cNvPr id="102" name="PlaceHolder 1"/>
+          <p:cNvPr id="85" name="PlaceHolder 1"/>
           <p:cNvSpPr>
             <a:spLocks noGrp="1"/>
           </p:cNvSpPr>
@@ -9143,7 +7648,7 @@
         <p:spPr>
           <a:xfrm>
             <a:off x="457200" y="274680"/>
-            <a:ext cx="8229240" cy="1142640"/>
+            <a:ext cx="8228880" cy="1142280"/>
           </a:xfrm>
           <a:prstGeom prst="rect">
             <a:avLst/>
@@ -9163,6 +7668,9 @@
                 <a:spcPct val="100000"/>
               </a:lnSpc>
               <a:buNone/>
+              <a:tabLst>
+                <a:tab algn="l" pos="0"/>
+              </a:tabLst>
             </a:pPr>
             <a:r>
               <a:rPr b="0" lang="es-ES" sz="4400" spc="-1" strike="noStrike">
@@ -9173,18 +7681,18 @@
               </a:rPr>
               <a:t>Búsqueda Hiperparàmetres</a:t>
             </a:r>
-            <a:endParaRPr b="0" lang="en-US" sz="4400" spc="-1" strike="noStrike">
-              <a:solidFill>
-                <a:schemeClr val="dk1"/>
-              </a:solidFill>
-              <a:latin typeface="Calibri"/>
+            <a:endParaRPr b="0" lang="es-ES" sz="4400" spc="-1" strike="noStrike">
+              <a:solidFill>
+                <a:srgbClr val="000000"/>
+              </a:solidFill>
+              <a:latin typeface="Arial"/>
             </a:endParaRPr>
           </a:p>
         </p:txBody>
       </p:sp>
       <p:pic>
         <p:nvPicPr>
-          <p:cNvPr id="103" name="Imagen 3" descr=""/>
+          <p:cNvPr id="86" name="Imagen 3" descr=""/>
           <p:cNvPicPr/>
           <p:nvPr/>
         </p:nvPicPr>
@@ -9195,7 +7703,7 @@
         <p:spPr>
           <a:xfrm>
             <a:off x="635040" y="1189440"/>
-            <a:ext cx="7873560" cy="3856320"/>
+            <a:ext cx="7873200" cy="3855960"/>
           </a:xfrm>
           <a:prstGeom prst="rect">
             <a:avLst/>
@@ -9207,14 +7715,14 @@
       </p:pic>
       <p:sp>
         <p:nvSpPr>
-          <p:cNvPr id="104" name="CuadroTexto 7"/>
+          <p:cNvPr id="87" name="CuadroTexto 7"/>
           <p:cNvSpPr/>
           <p:nvPr/>
         </p:nvSpPr>
         <p:spPr>
           <a:xfrm>
             <a:off x="3613320" y="5114880"/>
-            <a:ext cx="2158560" cy="759960"/>
+            <a:ext cx="2158200" cy="759960"/>
           </a:xfrm>
           <a:prstGeom prst="rect">
             <a:avLst/>
@@ -9290,7 +7798,7 @@
       </p:grpSpPr>
       <p:sp>
         <p:nvSpPr>
-          <p:cNvPr id="105" name="PlaceHolder 1"/>
+          <p:cNvPr id="88" name="PlaceHolder 1"/>
           <p:cNvSpPr>
             <a:spLocks noGrp="1"/>
           </p:cNvSpPr>
@@ -9301,7 +7809,7 @@
         <p:spPr>
           <a:xfrm>
             <a:off x="797760" y="1351800"/>
-            <a:ext cx="7302240" cy="628200"/>
+            <a:ext cx="7301880" cy="627840"/>
           </a:xfrm>
           <a:prstGeom prst="rect">
             <a:avLst/>
@@ -9317,6 +7825,9 @@
           </a:bodyPr>
           <a:p>
             <a:pPr marL="432000" indent="-324000">
+              <a:lnSpc>
+                <a:spcPct val="100000"/>
+              </a:lnSpc>
               <a:spcBef>
                 <a:spcPts val="1417"/>
               </a:spcBef>
@@ -9336,18 +7847,18 @@
               </a:rPr>
               <a:t>Repositori github:</a:t>
             </a:r>
-            <a:endParaRPr b="0" lang="en-US" sz="3200" spc="-1" strike="noStrike">
-              <a:solidFill>
-                <a:schemeClr val="dk1"/>
-              </a:solidFill>
-              <a:latin typeface="Calibri"/>
+            <a:endParaRPr b="0" lang="es-ES" sz="3200" spc="-1" strike="noStrike">
+              <a:solidFill>
+                <a:srgbClr val="000000"/>
+              </a:solidFill>
+              <a:latin typeface="Arial"/>
             </a:endParaRPr>
           </a:p>
         </p:txBody>
       </p:sp>
       <p:pic>
         <p:nvPicPr>
-          <p:cNvPr id="106" name="Picture 2" descr="image.png"/>
+          <p:cNvPr id="89" name="Picture 2" descr="image.png"/>
           <p:cNvPicPr/>
           <p:nvPr/>
         </p:nvPicPr>
@@ -9357,8 +7868,8 @@
         </p:blipFill>
         <p:spPr>
           <a:xfrm>
-            <a:off x="3657960" y="2743560"/>
-            <a:ext cx="2742840" cy="2742840"/>
+            <a:off x="2837520" y="3557520"/>
+            <a:ext cx="2742480" cy="2742480"/>
           </a:xfrm>
           <a:prstGeom prst="rect">
             <a:avLst/>
@@ -9368,6 +7879,95 @@
           </a:ln>
         </p:spPr>
       </p:pic>
+      <p:sp>
+        <p:nvSpPr>
+          <p:cNvPr id="90" name="PlaceHolder 3"/>
+          <p:cNvSpPr txBox="1"/>
+          <p:nvPr/>
+        </p:nvSpPr>
+        <p:spPr>
+          <a:xfrm>
+            <a:off x="798120" y="1351800"/>
+            <a:ext cx="7301880" cy="627840"/>
+          </a:xfrm>
+          <a:prstGeom prst="rect">
+            <a:avLst/>
+          </a:prstGeom>
+          <a:noFill/>
+          <a:ln w="0">
+            <a:noFill/>
+          </a:ln>
+        </p:spPr>
+        <p:txBody>
+          <a:bodyPr anchor="t">
+            <a:normAutofit/>
+          </a:bodyPr>
+          <a:p>
+            <a:pPr marL="432000" indent="-324000">
+              <a:lnSpc>
+                <a:spcPct val="100000"/>
+              </a:lnSpc>
+              <a:spcBef>
+                <a:spcPts val="1417"/>
+              </a:spcBef>
+              <a:buClr>
+                <a:srgbClr val="000000"/>
+              </a:buClr>
+              <a:buSzPct val="45000"/>
+              <a:buFont typeface="Wingdings" charset="2"/>
+              <a:buChar char=""/>
+            </a:pPr>
+            <a:endParaRPr b="0" lang="es-ES" sz="1800" spc="-1" strike="noStrike">
+              <a:solidFill>
+                <a:srgbClr val="000000"/>
+              </a:solidFill>
+              <a:latin typeface="Arial"/>
+            </a:endParaRPr>
+          </a:p>
+        </p:txBody>
+      </p:sp>
+      <p:sp>
+        <p:nvSpPr>
+          <p:cNvPr id="91" name=""/>
+          <p:cNvSpPr txBox="1"/>
+          <p:nvPr/>
+        </p:nvSpPr>
+        <p:spPr>
+          <a:xfrm>
+            <a:off x="1260000" y="2340000"/>
+            <a:ext cx="5580000" cy="641880"/>
+          </a:xfrm>
+          <a:prstGeom prst="rect">
+            <a:avLst/>
+          </a:prstGeom>
+          <a:noFill/>
+          <a:ln w="0">
+            <a:noFill/>
+          </a:ln>
+        </p:spPr>
+        <p:txBody>
+          <a:bodyPr lIns="90000" rIns="90000" tIns="45000" bIns="45000" anchor="t">
+            <a:noAutofit/>
+          </a:bodyPr>
+          <a:p>
+            <a:r>
+              <a:rPr b="0" lang="en-US" sz="1600" spc="-1" strike="noStrike">
+                <a:solidFill>
+                  <a:schemeClr val="dk1"/>
+                </a:solidFill>
+                <a:latin typeface="Calibri"/>
+              </a:rPr>
+              <a:t>https://github.com/OlVeRaS94/PROYECTO-PIA-OFERTAS</a:t>
+            </a:r>
+            <a:endParaRPr b="0" lang="es-ES" sz="1600" spc="-1" strike="noStrike">
+              <a:solidFill>
+                <a:srgbClr val="000000"/>
+              </a:solidFill>
+              <a:latin typeface="Arial"/>
+            </a:endParaRPr>
+          </a:p>
+        </p:txBody>
+      </p:sp>
     </p:spTree>
   </p:cSld>
   <mc:AlternateContent>
@@ -9400,7 +8000,7 @@
       </p:grpSpPr>
       <p:sp>
         <p:nvSpPr>
-          <p:cNvPr id="71" name="PlaceHolder 1"/>
+          <p:cNvPr id="54" name="PlaceHolder 1"/>
           <p:cNvSpPr>
             <a:spLocks noGrp="1"/>
           </p:cNvSpPr>
@@ -9411,7 +8011,7 @@
         <p:spPr>
           <a:xfrm>
             <a:off x="457200" y="776160"/>
-            <a:ext cx="8229240" cy="1142640"/>
+            <a:ext cx="8228880" cy="1142280"/>
           </a:xfrm>
           <a:prstGeom prst="rect">
             <a:avLst/>
@@ -9431,6 +8031,9 @@
                 <a:spcPct val="100000"/>
               </a:lnSpc>
               <a:buNone/>
+              <a:tabLst>
+                <a:tab algn="l" pos="0"/>
+              </a:tabLst>
             </a:pPr>
             <a:r>
               <a:rPr b="0" lang="en-US" sz="4400" spc="-1" strike="noStrike">
@@ -9450,18 +8053,18 @@
               </a:rPr>
               <a:t>Dades - Web Scraping</a:t>
             </a:r>
-            <a:endParaRPr b="0" lang="en-US" sz="4400" spc="-1" strike="noStrike">
-              <a:solidFill>
-                <a:schemeClr val="dk1"/>
-              </a:solidFill>
-              <a:latin typeface="Calibri"/>
+            <a:endParaRPr b="0" lang="es-ES" sz="4400" spc="-1" strike="noStrike">
+              <a:solidFill>
+                <a:srgbClr val="000000"/>
+              </a:solidFill>
+              <a:latin typeface="Arial"/>
             </a:endParaRPr>
           </a:p>
         </p:txBody>
       </p:sp>
       <p:sp>
         <p:nvSpPr>
-          <p:cNvPr id="72" name="PlaceHolder 2"/>
+          <p:cNvPr id="55" name="PlaceHolder 2"/>
           <p:cNvSpPr>
             <a:spLocks noGrp="1"/>
           </p:cNvSpPr>
@@ -9472,7 +8075,7 @@
         <p:spPr>
           <a:xfrm>
             <a:off x="457200" y="2629080"/>
-            <a:ext cx="8229240" cy="3503160"/>
+            <a:ext cx="8228880" cy="3502800"/>
           </a:xfrm>
           <a:prstGeom prst="rect">
             <a:avLst/>
@@ -9509,11 +8112,11 @@
               </a:rPr>
               <a:t>Fonts de dades: PCBox y AppInformática</a:t>
             </a:r>
-            <a:endParaRPr b="0" lang="en-US" sz="3200" spc="-1" strike="noStrike">
-              <a:solidFill>
-                <a:schemeClr val="dk1"/>
-              </a:solidFill>
-              <a:latin typeface="Calibri"/>
+            <a:endParaRPr b="0" lang="es-ES" sz="3200" spc="-1" strike="noStrike">
+              <a:solidFill>
+                <a:srgbClr val="000000"/>
+              </a:solidFill>
+              <a:latin typeface="Arial"/>
             </a:endParaRPr>
           </a:p>
           <a:p>
@@ -9539,11 +8142,11 @@
               </a:rPr>
               <a:t>Ferramentes utilitzades: Requests_HTML, BeautifulSoup</a:t>
             </a:r>
-            <a:endParaRPr b="0" lang="en-US" sz="3200" spc="-1" strike="noStrike">
-              <a:solidFill>
-                <a:schemeClr val="dk1"/>
-              </a:solidFill>
-              <a:latin typeface="Calibri"/>
+            <a:endParaRPr b="0" lang="es-ES" sz="3200" spc="-1" strike="noStrike">
+              <a:solidFill>
+                <a:srgbClr val="000000"/>
+              </a:solidFill>
+              <a:latin typeface="Arial"/>
             </a:endParaRPr>
           </a:p>
         </p:txBody>
@@ -9580,7 +8183,7 @@
       </p:grpSpPr>
       <p:pic>
         <p:nvPicPr>
-          <p:cNvPr id="73" name="Imagen 4" descr=""/>
+          <p:cNvPr id="56" name="Imagen 4" descr=""/>
           <p:cNvPicPr/>
           <p:nvPr/>
         </p:nvPicPr>
@@ -9591,7 +8194,7 @@
         <p:spPr>
           <a:xfrm>
             <a:off x="0" y="966600"/>
-            <a:ext cx="9143640" cy="4924440"/>
+            <a:ext cx="9143280" cy="4924080"/>
           </a:xfrm>
           <a:prstGeom prst="rect">
             <a:avLst/>
@@ -9633,7 +8236,7 @@
       </p:grpSpPr>
       <p:pic>
         <p:nvPicPr>
-          <p:cNvPr id="74" name="Imagen 2" descr=""/>
+          <p:cNvPr id="57" name="Imagen 2" descr=""/>
           <p:cNvPicPr/>
           <p:nvPr/>
         </p:nvPicPr>
@@ -9644,7 +8247,7 @@
         <p:spPr>
           <a:xfrm>
             <a:off x="485280" y="0"/>
-            <a:ext cx="8173080" cy="6857640"/>
+            <a:ext cx="8172720" cy="6857280"/>
           </a:xfrm>
           <a:prstGeom prst="rect">
             <a:avLst/>
@@ -9686,7 +8289,7 @@
       </p:grpSpPr>
       <p:pic>
         <p:nvPicPr>
-          <p:cNvPr id="75" name="Imagen 2" descr=""/>
+          <p:cNvPr id="58" name="Imagen 2" descr=""/>
           <p:cNvPicPr/>
           <p:nvPr/>
         </p:nvPicPr>
@@ -9697,7 +8300,7 @@
         <p:spPr>
           <a:xfrm>
             <a:off x="0" y="945720"/>
-            <a:ext cx="9143640" cy="4966200"/>
+            <a:ext cx="9143280" cy="4965840"/>
           </a:xfrm>
           <a:prstGeom prst="rect">
             <a:avLst/>
@@ -9739,7 +8342,7 @@
       </p:grpSpPr>
       <p:sp>
         <p:nvSpPr>
-          <p:cNvPr id="76" name="PlaceHolder 1"/>
+          <p:cNvPr id="59" name="PlaceHolder 1"/>
           <p:cNvSpPr>
             <a:spLocks noGrp="1"/>
           </p:cNvSpPr>
@@ -9750,7 +8353,7 @@
         <p:spPr>
           <a:xfrm>
             <a:off x="457200" y="274680"/>
-            <a:ext cx="8229240" cy="1142640"/>
+            <a:ext cx="8228880" cy="1142280"/>
           </a:xfrm>
           <a:prstGeom prst="rect">
             <a:avLst/>
@@ -9770,6 +8373,9 @@
                 <a:spcPct val="100000"/>
               </a:lnSpc>
               <a:buNone/>
+              <a:tabLst>
+                <a:tab algn="l" pos="0"/>
+              </a:tabLst>
             </a:pPr>
             <a:r>
               <a:rPr b="0" lang="es-ES" sz="4400" spc="-1" strike="noStrike">
@@ -9780,18 +8386,18 @@
               </a:rPr>
               <a:t>Emmagatzematge (MongoDB)</a:t>
             </a:r>
-            <a:endParaRPr b="0" lang="en-US" sz="4400" spc="-1" strike="noStrike">
-              <a:solidFill>
-                <a:schemeClr val="dk1"/>
-              </a:solidFill>
-              <a:latin typeface="Calibri"/>
+            <a:endParaRPr b="0" lang="es-ES" sz="4400" spc="-1" strike="noStrike">
+              <a:solidFill>
+                <a:srgbClr val="000000"/>
+              </a:solidFill>
+              <a:latin typeface="Arial"/>
             </a:endParaRPr>
           </a:p>
         </p:txBody>
       </p:sp>
       <p:sp>
         <p:nvSpPr>
-          <p:cNvPr id="77" name="PlaceHolder 2"/>
+          <p:cNvPr id="60" name="PlaceHolder 2"/>
           <p:cNvSpPr>
             <a:spLocks noGrp="1"/>
           </p:cNvSpPr>
@@ -9802,7 +8408,7 @@
         <p:spPr>
           <a:xfrm>
             <a:off x="457200" y="1600200"/>
-            <a:ext cx="8229240" cy="4525560"/>
+            <a:ext cx="8228880" cy="4525200"/>
           </a:xfrm>
           <a:prstGeom prst="rect">
             <a:avLst/>
@@ -9814,7 +8420,7 @@
         </p:spPr>
         <p:txBody>
           <a:bodyPr lIns="91440" rIns="91440" tIns="45720" bIns="45720" anchor="t">
-            <a:normAutofit fontScale="93740"/>
+            <a:normAutofit fontScale="93333"/>
           </a:bodyPr>
           <a:p>
             <a:pPr indent="0" defTabSz="457200">
@@ -9838,11 +8444,11 @@
               </a:rPr>
               <a:t>{</a:t>
             </a:r>
-            <a:endParaRPr b="0" lang="en-US" sz="1400" spc="-1" strike="noStrike">
-              <a:solidFill>
-                <a:schemeClr val="dk1"/>
-              </a:solidFill>
-              <a:latin typeface="Calibri"/>
+            <a:endParaRPr b="0" lang="es-ES" sz="1400" spc="-1" strike="noStrike">
+              <a:solidFill>
+                <a:srgbClr val="000000"/>
+              </a:solidFill>
+              <a:latin typeface="Arial"/>
             </a:endParaRPr>
           </a:p>
           <a:p>
@@ -9876,11 +8482,11 @@
               </a:rPr>
               <a:t>"URL": "https://www.pcbox.com/82fg01r1sp-ip-s500-i5-1135g7-8gb-512gb/p",</a:t>
             </a:r>
-            <a:endParaRPr b="0" lang="en-US" sz="1400" spc="-1" strike="noStrike">
-              <a:solidFill>
-                <a:schemeClr val="dk1"/>
-              </a:solidFill>
-              <a:latin typeface="Calibri"/>
+            <a:endParaRPr b="0" lang="es-ES" sz="1400" spc="-1" strike="noStrike">
+              <a:solidFill>
+                <a:srgbClr val="000000"/>
+              </a:solidFill>
+              <a:latin typeface="Arial"/>
             </a:endParaRPr>
           </a:p>
           <a:p>
@@ -9914,11 +8520,11 @@
               </a:rPr>
               <a:t>"Titulo": "PORTATIL LENOVO IP 5 15ITL05 CORE i5-1165G7 2.4GHZ /8GB/512GB SSD/15.6\" FHD /FREEDOS ",</a:t>
             </a:r>
-            <a:endParaRPr b="0" lang="en-US" sz="1400" spc="-1" strike="noStrike">
-              <a:solidFill>
-                <a:schemeClr val="dk1"/>
-              </a:solidFill>
-              <a:latin typeface="Calibri"/>
+            <a:endParaRPr b="0" lang="es-ES" sz="1400" spc="-1" strike="noStrike">
+              <a:solidFill>
+                <a:srgbClr val="000000"/>
+              </a:solidFill>
+              <a:latin typeface="Arial"/>
             </a:endParaRPr>
           </a:p>
           <a:p>
@@ -9952,11 +8558,11 @@
               </a:rPr>
               <a:t>"Marca": "LENOVO",</a:t>
             </a:r>
-            <a:endParaRPr b="0" lang="en-US" sz="1400" spc="-1" strike="noStrike">
-              <a:solidFill>
-                <a:schemeClr val="dk1"/>
-              </a:solidFill>
-              <a:latin typeface="Calibri"/>
+            <a:endParaRPr b="0" lang="es-ES" sz="1400" spc="-1" strike="noStrike">
+              <a:solidFill>
+                <a:srgbClr val="000000"/>
+              </a:solidFill>
+              <a:latin typeface="Arial"/>
             </a:endParaRPr>
           </a:p>
           <a:p>
@@ -9990,11 +8596,11 @@
               </a:rPr>
               <a:t>"Procesador": {</a:t>
             </a:r>
-            <a:endParaRPr b="0" lang="en-US" sz="1400" spc="-1" strike="noStrike">
-              <a:solidFill>
-                <a:schemeClr val="dk1"/>
-              </a:solidFill>
-              <a:latin typeface="Calibri"/>
+            <a:endParaRPr b="0" lang="es-ES" sz="1400" spc="-1" strike="noStrike">
+              <a:solidFill>
+                <a:srgbClr val="000000"/>
+              </a:solidFill>
+              <a:latin typeface="Arial"/>
             </a:endParaRPr>
           </a:p>
           <a:p>
@@ -10028,11 +8634,11 @@
               </a:rPr>
               <a:t>"Frecuencia del procesador": "2,4 GHz",</a:t>
             </a:r>
-            <a:endParaRPr b="0" lang="en-US" sz="1400" spc="-1" strike="noStrike">
-              <a:solidFill>
-                <a:schemeClr val="dk1"/>
-              </a:solidFill>
-              <a:latin typeface="Calibri"/>
+            <a:endParaRPr b="0" lang="es-ES" sz="1400" spc="-1" strike="noStrike">
+              <a:solidFill>
+                <a:srgbClr val="000000"/>
+              </a:solidFill>
+              <a:latin typeface="Arial"/>
             </a:endParaRPr>
           </a:p>
           <a:p>
@@ -10066,11 +8672,11 @@
               </a:rPr>
               <a:t>"Fabricante de procesador": "Intel",</a:t>
             </a:r>
-            <a:endParaRPr b="0" lang="en-US" sz="1400" spc="-1" strike="noStrike">
-              <a:solidFill>
-                <a:schemeClr val="dk1"/>
-              </a:solidFill>
-              <a:latin typeface="Calibri"/>
+            <a:endParaRPr b="0" lang="es-ES" sz="1400" spc="-1" strike="noStrike">
+              <a:solidFill>
+                <a:srgbClr val="000000"/>
+              </a:solidFill>
+              <a:latin typeface="Arial"/>
             </a:endParaRPr>
           </a:p>
           <a:p>
@@ -10104,11 +8710,11 @@
               </a:rPr>
               <a:t>"Frecuencia del procesador turbo": "4,2 GHz",</a:t>
             </a:r>
-            <a:endParaRPr b="0" lang="en-US" sz="1400" spc="-1" strike="noStrike">
-              <a:solidFill>
-                <a:schemeClr val="dk1"/>
-              </a:solidFill>
-              <a:latin typeface="Calibri"/>
+            <a:endParaRPr b="0" lang="es-ES" sz="1400" spc="-1" strike="noStrike">
+              <a:solidFill>
+                <a:srgbClr val="000000"/>
+              </a:solidFill>
+              <a:latin typeface="Arial"/>
             </a:endParaRPr>
           </a:p>
           <a:p>
@@ -10142,11 +8748,11 @@
               </a:rPr>
               <a:t>"Modelo del procesador": "i5-1135G7",</a:t>
             </a:r>
-            <a:endParaRPr b="0" lang="en-US" sz="1400" spc="-1" strike="noStrike">
-              <a:solidFill>
-                <a:schemeClr val="dk1"/>
-              </a:solidFill>
-              <a:latin typeface="Calibri"/>
+            <a:endParaRPr b="0" lang="es-ES" sz="1400" spc="-1" strike="noStrike">
+              <a:solidFill>
+                <a:srgbClr val="000000"/>
+              </a:solidFill>
+              <a:latin typeface="Arial"/>
             </a:endParaRPr>
           </a:p>
           <a:p>
@@ -10180,11 +8786,11 @@
               </a:rPr>
               <a:t>"Número de núcleos de procesador": "4",</a:t>
             </a:r>
-            <a:endParaRPr b="0" lang="en-US" sz="1400" spc="-1" strike="noStrike">
-              <a:solidFill>
-                <a:schemeClr val="dk1"/>
-              </a:solidFill>
-              <a:latin typeface="Calibri"/>
+            <a:endParaRPr b="0" lang="es-ES" sz="1400" spc="-1" strike="noStrike">
+              <a:solidFill>
+                <a:srgbClr val="000000"/>
+              </a:solidFill>
+              <a:latin typeface="Arial"/>
             </a:endParaRPr>
           </a:p>
           <a:p>
@@ -10218,11 +8824,11 @@
               </a:rPr>
               <a:t>"Chipset": "Intel® SoC",</a:t>
             </a:r>
-            <a:endParaRPr b="0" lang="en-US" sz="1400" spc="-1" strike="noStrike">
-              <a:solidFill>
-                <a:schemeClr val="dk1"/>
-              </a:solidFill>
-              <a:latin typeface="Calibri"/>
+            <a:endParaRPr b="0" lang="es-ES" sz="1400" spc="-1" strike="noStrike">
+              <a:solidFill>
+                <a:srgbClr val="000000"/>
+              </a:solidFill>
+              <a:latin typeface="Arial"/>
             </a:endParaRPr>
           </a:p>
           <a:p>
@@ -10256,11 +8862,11 @@
               </a:rPr>
               <a:t>"Familia de procesador": "Intel® Core™ i5",</a:t>
             </a:r>
-            <a:endParaRPr b="0" lang="en-US" sz="1400" spc="-1" strike="noStrike">
-              <a:solidFill>
-                <a:schemeClr val="dk1"/>
-              </a:solidFill>
-              <a:latin typeface="Calibri"/>
+            <a:endParaRPr b="0" lang="es-ES" sz="1400" spc="-1" strike="noStrike">
+              <a:solidFill>
+                <a:srgbClr val="000000"/>
+              </a:solidFill>
+              <a:latin typeface="Arial"/>
             </a:endParaRPr>
           </a:p>
           <a:p>
@@ -10294,11 +8900,11 @@
               </a:rPr>
               <a:t>"Potencia de diseño térmico configurable-baja": "12 W",</a:t>
             </a:r>
-            <a:endParaRPr b="0" lang="en-US" sz="1400" spc="-1" strike="noStrike">
-              <a:solidFill>
-                <a:schemeClr val="dk1"/>
-              </a:solidFill>
-              <a:latin typeface="Calibri"/>
+            <a:endParaRPr b="0" lang="es-ES" sz="1400" spc="-1" strike="noStrike">
+              <a:solidFill>
+                <a:srgbClr val="000000"/>
+              </a:solidFill>
+              <a:latin typeface="Arial"/>
             </a:endParaRPr>
           </a:p>
           <a:p>
@@ -10332,11 +8938,11 @@
               </a:rPr>
               <a:t>"Frecuencia de potencia de diseño térmico configurable-baja": "0,9 GHz",</a:t>
             </a:r>
-            <a:endParaRPr b="0" lang="en-US" sz="1400" spc="-1" strike="noStrike">
-              <a:solidFill>
-                <a:schemeClr val="dk1"/>
-              </a:solidFill>
-              <a:latin typeface="Calibri"/>
+            <a:endParaRPr b="0" lang="es-ES" sz="1400" spc="-1" strike="noStrike">
+              <a:solidFill>
+                <a:srgbClr val="000000"/>
+              </a:solidFill>
+              <a:latin typeface="Arial"/>
             </a:endParaRPr>
           </a:p>
           <a:p>
@@ -10370,11 +8976,11 @@
               </a:rPr>
               <a:t>"Frecuencia de potencia de diseño térmico configurable-alta": "2,4 GHz",</a:t>
             </a:r>
-            <a:endParaRPr b="0" lang="en-US" sz="1400" spc="-1" strike="noStrike">
-              <a:solidFill>
-                <a:schemeClr val="dk1"/>
-              </a:solidFill>
-              <a:latin typeface="Calibri"/>
+            <a:endParaRPr b="0" lang="es-ES" sz="1400" spc="-1" strike="noStrike">
+              <a:solidFill>
+                <a:srgbClr val="000000"/>
+              </a:solidFill>
+              <a:latin typeface="Arial"/>
             </a:endParaRPr>
           </a:p>
           <a:p>
@@ -10408,11 +9014,11 @@
               </a:rPr>
               <a:t>"Potencia de diseño térmico configurable-alta": "28 W",</a:t>
             </a:r>
-            <a:endParaRPr b="0" lang="en-US" sz="1400" spc="-1" strike="noStrike">
-              <a:solidFill>
-                <a:schemeClr val="dk1"/>
-              </a:solidFill>
-              <a:latin typeface="Calibri"/>
+            <a:endParaRPr b="0" lang="es-ES" sz="1400" spc="-1" strike="noStrike">
+              <a:solidFill>
+                <a:srgbClr val="000000"/>
+              </a:solidFill>
+              <a:latin typeface="Arial"/>
             </a:endParaRPr>
           </a:p>
           <a:p>
@@ -10446,11 +9052,11 @@
               </a:rPr>
               <a:t>"Generación del procesador": "Intel® Core™ i5 de 11ma Generación"</a:t>
             </a:r>
-            <a:endParaRPr b="0" lang="en-US" sz="1400" spc="-1" strike="noStrike">
-              <a:solidFill>
-                <a:schemeClr val="dk1"/>
-              </a:solidFill>
-              <a:latin typeface="Calibri"/>
+            <a:endParaRPr b="0" lang="es-ES" sz="1400" spc="-1" strike="noStrike">
+              <a:solidFill>
+                <a:srgbClr val="000000"/>
+              </a:solidFill>
+              <a:latin typeface="Arial"/>
             </a:endParaRPr>
           </a:p>
           <a:p>
@@ -10484,11 +9090,11 @@
               </a:rPr>
               <a:t>},</a:t>
             </a:r>
-            <a:endParaRPr b="0" lang="en-US" sz="1400" spc="-1" strike="noStrike">
-              <a:solidFill>
-                <a:schemeClr val="dk1"/>
-              </a:solidFill>
-              <a:latin typeface="Calibri"/>
+            <a:endParaRPr b="0" lang="es-ES" sz="1400" spc="-1" strike="noStrike">
+              <a:solidFill>
+                <a:srgbClr val="000000"/>
+              </a:solidFill>
+              <a:latin typeface="Arial"/>
             </a:endParaRPr>
           </a:p>
         </p:txBody>
@@ -10525,7 +9131,7 @@
       </p:grpSpPr>
       <p:sp>
         <p:nvSpPr>
-          <p:cNvPr id="78" name="PlaceHolder 1"/>
+          <p:cNvPr id="61" name="PlaceHolder 1"/>
           <p:cNvSpPr>
             <a:spLocks noGrp="1"/>
           </p:cNvSpPr>
@@ -10536,7 +9142,7 @@
         <p:spPr>
           <a:xfrm>
             <a:off x="457200" y="274680"/>
-            <a:ext cx="8229240" cy="1142640"/>
+            <a:ext cx="8228880" cy="1142280"/>
           </a:xfrm>
           <a:prstGeom prst="rect">
             <a:avLst/>
@@ -10556,6 +9162,9 @@
                 <a:spcPct val="100000"/>
               </a:lnSpc>
               <a:buNone/>
+              <a:tabLst>
+                <a:tab algn="l" pos="0"/>
+              </a:tabLst>
             </a:pPr>
             <a:r>
               <a:rPr b="0" lang="es-ES" sz="4400" spc="-1" strike="noStrike">
@@ -10566,18 +9175,18 @@
               </a:rPr>
               <a:t>Simplificació (processador)</a:t>
             </a:r>
-            <a:endParaRPr b="0" lang="en-US" sz="4400" spc="-1" strike="noStrike">
-              <a:solidFill>
-                <a:schemeClr val="dk1"/>
-              </a:solidFill>
-              <a:latin typeface="Calibri"/>
+            <a:endParaRPr b="0" lang="es-ES" sz="4400" spc="-1" strike="noStrike">
+              <a:solidFill>
+                <a:srgbClr val="000000"/>
+              </a:solidFill>
+              <a:latin typeface="Arial"/>
             </a:endParaRPr>
           </a:p>
         </p:txBody>
       </p:sp>
       <p:sp>
         <p:nvSpPr>
-          <p:cNvPr id="79" name="PlaceHolder 2"/>
+          <p:cNvPr id="62" name="PlaceHolder 2"/>
           <p:cNvSpPr>
             <a:spLocks noGrp="1"/>
           </p:cNvSpPr>
@@ -10588,7 +9197,7 @@
         <p:spPr>
           <a:xfrm>
             <a:off x="457200" y="1600200"/>
-            <a:ext cx="8229240" cy="4525560"/>
+            <a:ext cx="8228880" cy="4525200"/>
           </a:xfrm>
           <a:prstGeom prst="rect">
             <a:avLst/>
@@ -10625,11 +9234,11 @@
               </a:rPr>
               <a:t>Extrau els valors del diccionari:</a:t>
             </a:r>
-            <a:endParaRPr b="0" lang="en-US" sz="1800" spc="-1" strike="noStrike">
-              <a:solidFill>
-                <a:schemeClr val="dk1"/>
-              </a:solidFill>
-              <a:latin typeface="Calibri"/>
+            <a:endParaRPr b="0" lang="es-ES" sz="1800" spc="-1" strike="noStrike">
+              <a:solidFill>
+                <a:srgbClr val="000000"/>
+              </a:solidFill>
+              <a:latin typeface="Arial"/>
             </a:endParaRPr>
           </a:p>
           <a:p>
@@ -10655,11 +9264,11 @@
               </a:rPr>
               <a:t>Fabricant de processador</a:t>
             </a:r>
-            <a:endParaRPr b="0" lang="en-US" sz="1400" spc="-1" strike="noStrike">
-              <a:solidFill>
-                <a:schemeClr val="dk1"/>
-              </a:solidFill>
-              <a:latin typeface="Calibri"/>
+            <a:endParaRPr b="0" lang="es-ES" sz="1400" spc="-1" strike="noStrike">
+              <a:solidFill>
+                <a:srgbClr val="000000"/>
+              </a:solidFill>
+              <a:latin typeface="Arial"/>
             </a:endParaRPr>
           </a:p>
           <a:p>
@@ -10685,11 +9294,11 @@
               </a:rPr>
               <a:t>Família de processador</a:t>
             </a:r>
-            <a:endParaRPr b="0" lang="en-US" sz="1400" spc="-1" strike="noStrike">
-              <a:solidFill>
-                <a:schemeClr val="dk1"/>
-              </a:solidFill>
-              <a:latin typeface="Calibri"/>
+            <a:endParaRPr b="0" lang="es-ES" sz="1400" spc="-1" strike="noStrike">
+              <a:solidFill>
+                <a:srgbClr val="000000"/>
+              </a:solidFill>
+              <a:latin typeface="Arial"/>
             </a:endParaRPr>
           </a:p>
           <a:p>
@@ -10715,11 +9324,11 @@
               </a:rPr>
               <a:t>Model del processador</a:t>
             </a:r>
-            <a:endParaRPr b="0" lang="en-US" sz="1400" spc="-1" strike="noStrike">
-              <a:solidFill>
-                <a:schemeClr val="dk1"/>
-              </a:solidFill>
-              <a:latin typeface="Calibri"/>
+            <a:endParaRPr b="0" lang="es-ES" sz="1400" spc="-1" strike="noStrike">
+              <a:solidFill>
+                <a:srgbClr val="000000"/>
+              </a:solidFill>
+              <a:latin typeface="Arial"/>
             </a:endParaRPr>
           </a:p>
           <a:p>
@@ -10745,11 +9354,11 @@
               </a:rPr>
               <a:t>S'usa .get() per evitar errors si la clau no existeix.</a:t>
             </a:r>
-            <a:endParaRPr b="0" lang="en-US" sz="1400" spc="-1" strike="noStrike">
-              <a:solidFill>
-                <a:schemeClr val="dk1"/>
-              </a:solidFill>
-              <a:latin typeface="Calibri"/>
+            <a:endParaRPr b="0" lang="es-ES" sz="1400" spc="-1" strike="noStrike">
+              <a:solidFill>
+                <a:srgbClr val="000000"/>
+              </a:solidFill>
+              <a:latin typeface="Arial"/>
             </a:endParaRPr>
           </a:p>
           <a:p>
@@ -10765,11 +9374,11 @@
                 <a:tab algn="l" pos="0"/>
               </a:tabLst>
             </a:pPr>
-            <a:endParaRPr b="0" lang="en-US" sz="1400" spc="-1" strike="noStrike">
-              <a:solidFill>
-                <a:schemeClr val="dk1"/>
-              </a:solidFill>
-              <a:latin typeface="Calibri"/>
+            <a:endParaRPr b="0" lang="es-ES" sz="1400" spc="-1" strike="noStrike">
+              <a:solidFill>
+                <a:srgbClr val="000000"/>
+              </a:solidFill>
+              <a:latin typeface="Arial"/>
             </a:endParaRPr>
           </a:p>
           <a:p>
@@ -10798,11 +9407,11 @@
               </a:rPr>
               <a:t>Neteja el nom de la família:</a:t>
             </a:r>
-            <a:endParaRPr b="0" lang="en-US" sz="1800" spc="-1" strike="noStrike">
-              <a:solidFill>
-                <a:schemeClr val="dk1"/>
-              </a:solidFill>
-              <a:latin typeface="Calibri"/>
+            <a:endParaRPr b="0" lang="es-ES" sz="1800" spc="-1" strike="noStrike">
+              <a:solidFill>
+                <a:srgbClr val="000000"/>
+              </a:solidFill>
+              <a:latin typeface="Arial"/>
             </a:endParaRPr>
           </a:p>
           <a:p>
@@ -10831,11 +9440,11 @@
               </a:rPr>
               <a:t>Elimina els símbols de marca ® i ™</a:t>
             </a:r>
-            <a:endParaRPr b="0" lang="en-US" sz="1400" spc="-1" strike="noStrike">
-              <a:solidFill>
-                <a:schemeClr val="dk1"/>
-              </a:solidFill>
-              <a:latin typeface="Calibri"/>
+            <a:endParaRPr b="0" lang="es-ES" sz="1400" spc="-1" strike="noStrike">
+              <a:solidFill>
+                <a:srgbClr val="000000"/>
+              </a:solidFill>
+              <a:latin typeface="Arial"/>
             </a:endParaRPr>
           </a:p>
           <a:p>
@@ -10864,11 +9473,11 @@
               </a:rPr>
               <a:t>Elimina espais extra amb .strip().</a:t>
             </a:r>
-            <a:endParaRPr b="0" lang="en-US" sz="1400" spc="-1" strike="noStrike">
-              <a:solidFill>
-                <a:schemeClr val="dk1"/>
-              </a:solidFill>
-              <a:latin typeface="Calibri"/>
+            <a:endParaRPr b="0" lang="es-ES" sz="1400" spc="-1" strike="noStrike">
+              <a:solidFill>
+                <a:srgbClr val="000000"/>
+              </a:solidFill>
+              <a:latin typeface="Arial"/>
             </a:endParaRPr>
           </a:p>
           <a:p>
@@ -10884,11 +9493,11 @@
                 <a:tab algn="l" pos="0"/>
               </a:tabLst>
             </a:pPr>
-            <a:endParaRPr b="0" lang="en-US" sz="1800" spc="-1" strike="noStrike">
-              <a:solidFill>
-                <a:schemeClr val="dk1"/>
-              </a:solidFill>
-              <a:latin typeface="Calibri"/>
+            <a:endParaRPr b="0" lang="es-ES" sz="1800" spc="-1" strike="noStrike">
+              <a:solidFill>
+                <a:srgbClr val="000000"/>
+              </a:solidFill>
+              <a:latin typeface="Arial"/>
             </a:endParaRPr>
           </a:p>
           <a:p>
@@ -10917,11 +9526,11 @@
               </a:rPr>
               <a:t>Evita duplicacions en el nom del model:</a:t>
             </a:r>
-            <a:endParaRPr b="0" lang="en-US" sz="1800" spc="-1" strike="noStrike">
-              <a:solidFill>
-                <a:schemeClr val="dk1"/>
-              </a:solidFill>
-              <a:latin typeface="Calibri"/>
+            <a:endParaRPr b="0" lang="es-ES" sz="1800" spc="-1" strike="noStrike">
+              <a:solidFill>
+                <a:srgbClr val="000000"/>
+              </a:solidFill>
+              <a:latin typeface="Arial"/>
             </a:endParaRPr>
           </a:p>
           <a:p>
@@ -10950,11 +9559,11 @@
               </a:rPr>
               <a:t>Si el model comença amb la paraula de la família (per exemple, Intel Core i7 i i7-12700K), elimina la repetició.</a:t>
             </a:r>
-            <a:endParaRPr b="0" lang="en-US" sz="1400" spc="-1" strike="noStrike">
-              <a:solidFill>
-                <a:schemeClr val="dk1"/>
-              </a:solidFill>
-              <a:latin typeface="Calibri"/>
+            <a:endParaRPr b="0" lang="es-ES" sz="1400" spc="-1" strike="noStrike">
+              <a:solidFill>
+                <a:srgbClr val="000000"/>
+              </a:solidFill>
+              <a:latin typeface="Arial"/>
             </a:endParaRPr>
           </a:p>
           <a:p>
@@ -10983,11 +9592,11 @@
               </a:rPr>
               <a:t>Si el nou model comença amb un guió (-), ho uneix directament.</a:t>
             </a:r>
-            <a:endParaRPr b="0" lang="en-US" sz="1400" spc="-1" strike="noStrike">
-              <a:solidFill>
-                <a:schemeClr val="dk1"/>
-              </a:solidFill>
-              <a:latin typeface="Calibri"/>
+            <a:endParaRPr b="0" lang="es-ES" sz="1400" spc="-1" strike="noStrike">
+              <a:solidFill>
+                <a:srgbClr val="000000"/>
+              </a:solidFill>
+              <a:latin typeface="Arial"/>
             </a:endParaRPr>
           </a:p>
           <a:p>
@@ -11025,18 +9634,18 @@
               </a:rPr>
               <a:t>(Intel Core i7-12650H)</a:t>
             </a:r>
-            <a:endParaRPr b="0" lang="en-US" sz="1400" spc="-1" strike="noStrike">
-              <a:solidFill>
-                <a:schemeClr val="dk1"/>
-              </a:solidFill>
-              <a:latin typeface="Calibri"/>
+            <a:endParaRPr b="0" lang="es-ES" sz="1400" spc="-1" strike="noStrike">
+              <a:solidFill>
+                <a:srgbClr val="000000"/>
+              </a:solidFill>
+              <a:latin typeface="Arial"/>
             </a:endParaRPr>
           </a:p>
         </p:txBody>
       </p:sp>
       <p:pic>
         <p:nvPicPr>
-          <p:cNvPr id="80" name="Imagen 4" descr=""/>
+          <p:cNvPr id="63" name="Imagen 4" descr=""/>
           <p:cNvPicPr/>
           <p:nvPr/>
         </p:nvPicPr>
@@ -11047,7 +9656,7 @@
         <p:spPr>
           <a:xfrm>
             <a:off x="5498640" y="1600200"/>
-            <a:ext cx="2848680" cy="2533320"/>
+            <a:ext cx="2848320" cy="2532960"/>
           </a:xfrm>
           <a:prstGeom prst="rect">
             <a:avLst/>
@@ -11089,7 +9698,7 @@
       </p:grpSpPr>
       <p:sp>
         <p:nvSpPr>
-          <p:cNvPr id="81" name="PlaceHolder 1"/>
+          <p:cNvPr id="64" name="PlaceHolder 1"/>
           <p:cNvSpPr>
             <a:spLocks noGrp="1"/>
           </p:cNvSpPr>
@@ -11100,7 +9709,7 @@
         <p:spPr>
           <a:xfrm>
             <a:off x="457200" y="274680"/>
-            <a:ext cx="8229240" cy="1142640"/>
+            <a:ext cx="8228880" cy="1142280"/>
           </a:xfrm>
           <a:prstGeom prst="rect">
             <a:avLst/>
@@ -11120,6 +9729,9 @@
                 <a:spcPct val="100000"/>
               </a:lnSpc>
               <a:buNone/>
+              <a:tabLst>
+                <a:tab algn="l" pos="0"/>
+              </a:tabLst>
             </a:pPr>
             <a:r>
               <a:rPr b="0" lang="es-ES" sz="4400" spc="-1" strike="noStrike">
@@ -11130,18 +9742,18 @@
               </a:rPr>
               <a:t>DATASET</a:t>
             </a:r>
-            <a:endParaRPr b="0" lang="en-US" sz="4400" spc="-1" strike="noStrike">
-              <a:solidFill>
-                <a:schemeClr val="dk1"/>
-              </a:solidFill>
-              <a:latin typeface="Calibri"/>
+            <a:endParaRPr b="0" lang="es-ES" sz="4400" spc="-1" strike="noStrike">
+              <a:solidFill>
+                <a:srgbClr val="000000"/>
+              </a:solidFill>
+              <a:latin typeface="Arial"/>
             </a:endParaRPr>
           </a:p>
         </p:txBody>
       </p:sp>
       <p:pic>
         <p:nvPicPr>
-          <p:cNvPr id="82" name="Imagen 7" descr=""/>
+          <p:cNvPr id="65" name="Imagen 7" descr=""/>
           <p:cNvPicPr/>
           <p:nvPr/>
         </p:nvPicPr>
@@ -11152,7 +9764,7 @@
         <p:spPr>
           <a:xfrm>
             <a:off x="0" y="1269360"/>
-            <a:ext cx="9143640" cy="4318920"/>
+            <a:ext cx="9143280" cy="4318560"/>
           </a:xfrm>
           <a:prstGeom prst="rect">
             <a:avLst/>
@@ -11194,7 +9806,7 @@
       </p:grpSpPr>
       <p:sp>
         <p:nvSpPr>
-          <p:cNvPr id="83" name="PlaceHolder 1"/>
+          <p:cNvPr id="66" name="PlaceHolder 1"/>
           <p:cNvSpPr>
             <a:spLocks noGrp="1"/>
           </p:cNvSpPr>
@@ -11205,7 +9817,7 @@
         <p:spPr>
           <a:xfrm>
             <a:off x="457200" y="274680"/>
-            <a:ext cx="8229240" cy="1142640"/>
+            <a:ext cx="8228880" cy="1142280"/>
           </a:xfrm>
           <a:prstGeom prst="rect">
             <a:avLst/>
@@ -11225,6 +9837,9 @@
                 <a:spcPct val="100000"/>
               </a:lnSpc>
               <a:buNone/>
+              <a:tabLst>
+                <a:tab algn="l" pos="0"/>
+              </a:tabLst>
             </a:pPr>
             <a:r>
               <a:rPr b="0" lang="en-US" sz="4400" spc="-1" strike="noStrike">
@@ -11244,18 +9859,18 @@
               </a:rPr>
               <a:t>Neteja de Dades</a:t>
             </a:r>
-            <a:endParaRPr b="0" lang="en-US" sz="4400" spc="-1" strike="noStrike">
-              <a:solidFill>
-                <a:schemeClr val="dk1"/>
-              </a:solidFill>
-              <a:latin typeface="Calibri"/>
+            <a:endParaRPr b="0" lang="es-ES" sz="4400" spc="-1" strike="noStrike">
+              <a:solidFill>
+                <a:srgbClr val="000000"/>
+              </a:solidFill>
+              <a:latin typeface="Arial"/>
             </a:endParaRPr>
           </a:p>
         </p:txBody>
       </p:sp>
       <p:sp>
         <p:nvSpPr>
-          <p:cNvPr id="84" name="PlaceHolder 2"/>
+          <p:cNvPr id="67" name="PlaceHolder 2"/>
           <p:cNvSpPr>
             <a:spLocks noGrp="1"/>
           </p:cNvSpPr>
@@ -11266,7 +9881,7 @@
         <p:spPr>
           <a:xfrm>
             <a:off x="457200" y="1600200"/>
-            <a:ext cx="8229240" cy="4525560"/>
+            <a:ext cx="8228880" cy="4525200"/>
           </a:xfrm>
           <a:prstGeom prst="rect">
             <a:avLst/>
@@ -11312,11 +9927,11 @@
               </a:rPr>
               <a:t>ctament de valors nuls:</a:t>
             </a:r>
-            <a:endParaRPr b="0" lang="en-US" sz="3200" spc="-1" strike="noStrike">
-              <a:solidFill>
-                <a:schemeClr val="dk1"/>
-              </a:solidFill>
-              <a:latin typeface="Calibri"/>
+            <a:endParaRPr b="0" lang="es-ES" sz="3200" spc="-1" strike="noStrike">
+              <a:solidFill>
+                <a:srgbClr val="000000"/>
+              </a:solidFill>
+              <a:latin typeface="Arial"/>
             </a:endParaRPr>
           </a:p>
           <a:p>
@@ -11342,11 +9957,11 @@
               </a:rPr>
               <a:t>Mitjana</a:t>
             </a:r>
-            <a:endParaRPr b="0" lang="en-US" sz="2800" spc="-1" strike="noStrike">
-              <a:solidFill>
-                <a:schemeClr val="dk1"/>
-              </a:solidFill>
-              <a:latin typeface="Calibri"/>
+            <a:endParaRPr b="0" lang="es-ES" sz="2800" spc="-1" strike="noStrike">
+              <a:solidFill>
+                <a:srgbClr val="000000"/>
+              </a:solidFill>
+              <a:latin typeface="Arial"/>
             </a:endParaRPr>
           </a:p>
           <a:p>
@@ -11372,11 +9987,11 @@
               </a:rPr>
               <a:t>Moda</a:t>
             </a:r>
-            <a:endParaRPr b="0" lang="en-US" sz="2800" spc="-1" strike="noStrike">
-              <a:solidFill>
-                <a:schemeClr val="dk1"/>
-              </a:solidFill>
-              <a:latin typeface="Calibri"/>
+            <a:endParaRPr b="0" lang="es-ES" sz="2800" spc="-1" strike="noStrike">
+              <a:solidFill>
+                <a:srgbClr val="000000"/>
+              </a:solidFill>
+              <a:latin typeface="Arial"/>
             </a:endParaRPr>
           </a:p>
           <a:p>
@@ -11402,11 +10017,11 @@
               </a:rPr>
               <a:t>Eliminar files irrelevants</a:t>
             </a:r>
-            <a:endParaRPr b="0" lang="en-US" sz="2800" spc="-1" strike="noStrike">
-              <a:solidFill>
-                <a:schemeClr val="dk1"/>
-              </a:solidFill>
-              <a:latin typeface="Calibri"/>
+            <a:endParaRPr b="0" lang="es-ES" sz="2800" spc="-1" strike="noStrike">
+              <a:solidFill>
+                <a:srgbClr val="000000"/>
+              </a:solidFill>
+              <a:latin typeface="Arial"/>
             </a:endParaRPr>
           </a:p>
           <a:p>
@@ -11432,11 +10047,11 @@
               </a:rPr>
               <a:t>Detecció y tractament de outliers</a:t>
             </a:r>
-            <a:endParaRPr b="0" lang="en-US" sz="3200" spc="-1" strike="noStrike">
-              <a:solidFill>
-                <a:schemeClr val="dk1"/>
-              </a:solidFill>
-              <a:latin typeface="Calibri"/>
+            <a:endParaRPr b="0" lang="es-ES" sz="3200" spc="-1" strike="noStrike">
+              <a:solidFill>
+                <a:srgbClr val="000000"/>
+              </a:solidFill>
+              <a:latin typeface="Arial"/>
             </a:endParaRPr>
           </a:p>
           <a:p>
@@ -11462,11 +10077,11 @@
               </a:rPr>
               <a:t>Duplicació de valors</a:t>
             </a:r>
-            <a:endParaRPr b="0" lang="en-US" sz="3200" spc="-1" strike="noStrike">
-              <a:solidFill>
-                <a:schemeClr val="dk1"/>
-              </a:solidFill>
-              <a:latin typeface="Calibri"/>
+            <a:endParaRPr b="0" lang="es-ES" sz="3200" spc="-1" strike="noStrike">
+              <a:solidFill>
+                <a:srgbClr val="000000"/>
+              </a:solidFill>
+              <a:latin typeface="Arial"/>
             </a:endParaRPr>
           </a:p>
         </p:txBody>
